--- a/thesis/presentation.pptx
+++ b/thesis/presentation.pptx
@@ -5,23 +5,26 @@
     <p:sldMasterId id="2147483708" r:id="rId1"/>
   </p:sldMasterIdLst>
   <p:notesMasterIdLst>
-    <p:notesMasterId r:id="rId16"/>
+    <p:notesMasterId r:id="rId19"/>
   </p:notesMasterIdLst>
   <p:sldIdLst>
     <p:sldId id="257" r:id="rId2"/>
-    <p:sldId id="258" r:id="rId3"/>
-    <p:sldId id="260" r:id="rId4"/>
-    <p:sldId id="261" r:id="rId5"/>
-    <p:sldId id="262" r:id="rId6"/>
-    <p:sldId id="263" r:id="rId7"/>
-    <p:sldId id="264" r:id="rId8"/>
-    <p:sldId id="265" r:id="rId9"/>
-    <p:sldId id="266" r:id="rId10"/>
-    <p:sldId id="267" r:id="rId11"/>
-    <p:sldId id="268" r:id="rId12"/>
-    <p:sldId id="269" r:id="rId13"/>
-    <p:sldId id="270" r:id="rId14"/>
-    <p:sldId id="271" r:id="rId15"/>
+    <p:sldId id="272" r:id="rId3"/>
+    <p:sldId id="273" r:id="rId4"/>
+    <p:sldId id="271" r:id="rId5"/>
+    <p:sldId id="286" r:id="rId6"/>
+    <p:sldId id="275" r:id="rId7"/>
+    <p:sldId id="274" r:id="rId8"/>
+    <p:sldId id="278" r:id="rId9"/>
+    <p:sldId id="287" r:id="rId10"/>
+    <p:sldId id="277" r:id="rId11"/>
+    <p:sldId id="285" r:id="rId12"/>
+    <p:sldId id="284" r:id="rId13"/>
+    <p:sldId id="279" r:id="rId14"/>
+    <p:sldId id="276" r:id="rId15"/>
+    <p:sldId id="282" r:id="rId16"/>
+    <p:sldId id="280" r:id="rId17"/>
+    <p:sldId id="281" r:id="rId18"/>
   </p:sldIdLst>
   <p:sldSz cx="9906000" cy="6858000" type="A4"/>
   <p:notesSz cx="6858000" cy="9144000"/>
@@ -221,7 +224,7 @@
           <a:p>
             <a:fld id="{01853AF5-77A0-4BDD-8FE4-2BAFF8463605}" type="datetimeFigureOut">
               <a:rPr lang="tr-TR" smtClean="0"/>
-              <a:t>19.03.2020</a:t>
+              <a:t>23.06.2022</a:t>
             </a:fld>
             <a:endParaRPr lang="tr-TR"/>
           </a:p>
@@ -703,7 +706,7 @@
           <a:p>
             <a:fld id="{6C91E0DE-1AFE-4C88-B85A-8630037ABCF5}" type="datetimeFigureOut">
               <a:rPr lang="tr-TR" smtClean="0"/>
-              <a:t>19.03.2020</a:t>
+              <a:t>23.06.2022</a:t>
             </a:fld>
             <a:endParaRPr lang="tr-TR"/>
           </a:p>
@@ -873,7 +876,7 @@
           <a:p>
             <a:fld id="{6C91E0DE-1AFE-4C88-B85A-8630037ABCF5}" type="datetimeFigureOut">
               <a:rPr lang="tr-TR" smtClean="0"/>
-              <a:t>19.03.2020</a:t>
+              <a:t>23.06.2022</a:t>
             </a:fld>
             <a:endParaRPr lang="tr-TR"/>
           </a:p>
@@ -1053,7 +1056,7 @@
           <a:p>
             <a:fld id="{6C91E0DE-1AFE-4C88-B85A-8630037ABCF5}" type="datetimeFigureOut">
               <a:rPr lang="tr-TR" smtClean="0"/>
-              <a:t>19.03.2020</a:t>
+              <a:t>23.06.2022</a:t>
             </a:fld>
             <a:endParaRPr lang="tr-TR"/>
           </a:p>
@@ -1273,7 +1276,7 @@
           <a:p>
             <a:fld id="{6C91E0DE-1AFE-4C88-B85A-8630037ABCF5}" type="datetimeFigureOut">
               <a:rPr lang="tr-TR" smtClean="0"/>
-              <a:t>19.03.2020</a:t>
+              <a:t>23.06.2022</a:t>
             </a:fld>
             <a:endParaRPr lang="tr-TR"/>
           </a:p>
@@ -1517,7 +1520,7 @@
           <a:p>
             <a:fld id="{6C91E0DE-1AFE-4C88-B85A-8630037ABCF5}" type="datetimeFigureOut">
               <a:rPr lang="tr-TR" smtClean="0"/>
-              <a:t>19.03.2020</a:t>
+              <a:t>23.06.2022</a:t>
             </a:fld>
             <a:endParaRPr lang="tr-TR"/>
           </a:p>
@@ -1749,7 +1752,7 @@
           <a:p>
             <a:fld id="{6C91E0DE-1AFE-4C88-B85A-8630037ABCF5}" type="datetimeFigureOut">
               <a:rPr lang="tr-TR" smtClean="0"/>
-              <a:t>19.03.2020</a:t>
+              <a:t>23.06.2022</a:t>
             </a:fld>
             <a:endParaRPr lang="tr-TR"/>
           </a:p>
@@ -2116,7 +2119,7 @@
           <a:p>
             <a:fld id="{6C91E0DE-1AFE-4C88-B85A-8630037ABCF5}" type="datetimeFigureOut">
               <a:rPr lang="tr-TR" smtClean="0"/>
-              <a:t>19.03.2020</a:t>
+              <a:t>23.06.2022</a:t>
             </a:fld>
             <a:endParaRPr lang="tr-TR"/>
           </a:p>
@@ -2234,7 +2237,7 @@
           <a:p>
             <a:fld id="{6C91E0DE-1AFE-4C88-B85A-8630037ABCF5}" type="datetimeFigureOut">
               <a:rPr lang="tr-TR" smtClean="0"/>
-              <a:t>19.03.2020</a:t>
+              <a:t>23.06.2022</a:t>
             </a:fld>
             <a:endParaRPr lang="tr-TR"/>
           </a:p>
@@ -2329,7 +2332,7 @@
           <a:p>
             <a:fld id="{6C91E0DE-1AFE-4C88-B85A-8630037ABCF5}" type="datetimeFigureOut">
               <a:rPr lang="tr-TR" smtClean="0"/>
-              <a:t>19.03.2020</a:t>
+              <a:t>23.06.2022</a:t>
             </a:fld>
             <a:endParaRPr lang="tr-TR"/>
           </a:p>
@@ -2606,7 +2609,7 @@
           <a:p>
             <a:fld id="{6C91E0DE-1AFE-4C88-B85A-8630037ABCF5}" type="datetimeFigureOut">
               <a:rPr lang="tr-TR" smtClean="0"/>
-              <a:t>19.03.2020</a:t>
+              <a:t>23.06.2022</a:t>
             </a:fld>
             <a:endParaRPr lang="tr-TR"/>
           </a:p>
@@ -2863,7 +2866,7 @@
           <a:p>
             <a:fld id="{6C91E0DE-1AFE-4C88-B85A-8630037ABCF5}" type="datetimeFigureOut">
               <a:rPr lang="tr-TR" smtClean="0"/>
-              <a:t>19.03.2020</a:t>
+              <a:t>23.06.2022</a:t>
             </a:fld>
             <a:endParaRPr lang="tr-TR"/>
           </a:p>
@@ -3085,7 +3088,7 @@
           <a:p>
             <a:fld id="{6C91E0DE-1AFE-4C88-B85A-8630037ABCF5}" type="datetimeFigureOut">
               <a:rPr lang="tr-TR" smtClean="0"/>
-              <a:t>19.03.2020</a:t>
+              <a:t>23.06.2022</a:t>
             </a:fld>
             <a:endParaRPr lang="tr-TR"/>
           </a:p>
@@ -3531,159 +3534,56 @@
         </p:spPr>
         <p:txBody>
           <a:bodyPr>
-            <a:normAutofit fontScale="90000"/>
+            <a:noAutofit/>
           </a:bodyPr>
           <a:lstStyle/>
           <a:p>
+            <a:r>
+              <a:rPr lang="tr-TR" sz="2400" dirty="0">
+                <a:solidFill>
+                  <a:schemeClr val="bg1"/>
+                </a:solidFill>
+              </a:rPr>
+              <a:t>TWITTER ÜZERİNDEN ELDE EDİLEN VERİLER KULLANILARAK TWEET DUYGU ANALİZİNİN YAPILMASI VE GÖRSELLEŞTİRİLMESİ</a:t>
+            </a:r>
             <a:br>
-              <a:rPr lang="tr-TR" dirty="0">
+              <a:rPr lang="tr-TR" sz="2400" dirty="0">
                 <a:solidFill>
                   <a:schemeClr val="bg1"/>
                 </a:solidFill>
               </a:rPr>
             </a:br>
             <a:br>
-              <a:rPr lang="tr-TR" dirty="0">
+              <a:rPr lang="tr-TR" sz="2400" dirty="0">
                 <a:solidFill>
                   <a:schemeClr val="bg1"/>
                 </a:solidFill>
               </a:rPr>
             </a:br>
+            <a:r>
+              <a:rPr lang="tr-TR" sz="2400" dirty="0">
+                <a:solidFill>
+                  <a:schemeClr val="bg1"/>
+                </a:solidFill>
+              </a:rPr>
+              <a:t>Hazırlayan: Engin Karataş</a:t>
+            </a:r>
             <a:br>
-              <a:rPr lang="tr-TR" dirty="0">
+              <a:rPr lang="tr-TR" sz="2400" dirty="0">
                 <a:solidFill>
                   <a:schemeClr val="bg1"/>
                 </a:solidFill>
               </a:rPr>
             </a:br>
             <a:r>
-              <a:rPr lang="tr-TR" sz="4400" dirty="0">
+              <a:rPr lang="tr-TR" sz="2400" dirty="0">
                 <a:solidFill>
                   <a:schemeClr val="bg1"/>
                 </a:solidFill>
-                <a:latin typeface="Arial" panose="020B0604020202020204" pitchFamily="34" charset="0"/>
-                <a:cs typeface="Arial" panose="020B0604020202020204" pitchFamily="34" charset="0"/>
-              </a:rPr>
-              <a:t>Ders Adı ……</a:t>
-            </a:r>
-            <a:br>
-              <a:rPr lang="tr-TR" sz="4400" dirty="0">
-                <a:solidFill>
-                  <a:schemeClr val="bg1"/>
-                </a:solidFill>
-                <a:latin typeface="Arial" panose="020B0604020202020204" pitchFamily="34" charset="0"/>
-                <a:cs typeface="Arial" panose="020B0604020202020204" pitchFamily="34" charset="0"/>
-              </a:rPr>
-            </a:br>
-            <a:br>
-              <a:rPr lang="tr-TR" sz="4400" dirty="0">
-                <a:solidFill>
-                  <a:schemeClr val="bg1"/>
-                </a:solidFill>
-                <a:latin typeface="Arial" panose="020B0604020202020204" pitchFamily="34" charset="0"/>
-                <a:cs typeface="Arial" panose="020B0604020202020204" pitchFamily="34" charset="0"/>
-              </a:rPr>
-            </a:br>
-            <a:r>
-              <a:rPr lang="tr-TR" sz="1600" dirty="0">
-                <a:solidFill>
-                  <a:schemeClr val="bg1"/>
-                </a:solidFill>
-                <a:latin typeface="Arial" panose="020B0604020202020204" pitchFamily="34" charset="0"/>
-                <a:cs typeface="Arial" panose="020B0604020202020204" pitchFamily="34" charset="0"/>
-              </a:rPr>
-              <a:t>Prof. Dr./Doç. Dr./Dr. </a:t>
-            </a:r>
-            <a:r>
-              <a:rPr lang="tr-TR" sz="1600" dirty="0" err="1">
-                <a:solidFill>
-                  <a:schemeClr val="bg1"/>
-                </a:solidFill>
-                <a:latin typeface="Arial" panose="020B0604020202020204" pitchFamily="34" charset="0"/>
-                <a:cs typeface="Arial" panose="020B0604020202020204" pitchFamily="34" charset="0"/>
-              </a:rPr>
-              <a:t>Öğr</a:t>
-            </a:r>
-            <a:r>
-              <a:rPr lang="tr-TR" sz="1600" dirty="0">
-                <a:solidFill>
-                  <a:schemeClr val="bg1"/>
-                </a:solidFill>
-                <a:latin typeface="Arial" panose="020B0604020202020204" pitchFamily="34" charset="0"/>
-                <a:cs typeface="Arial" panose="020B0604020202020204" pitchFamily="34" charset="0"/>
-              </a:rPr>
-              <a:t>. Üyesi/</a:t>
-            </a:r>
-            <a:r>
-              <a:rPr lang="tr-TR" sz="1600" dirty="0" err="1">
-                <a:solidFill>
-                  <a:schemeClr val="bg1"/>
-                </a:solidFill>
-                <a:latin typeface="Arial" panose="020B0604020202020204" pitchFamily="34" charset="0"/>
-                <a:cs typeface="Arial" panose="020B0604020202020204" pitchFamily="34" charset="0"/>
-              </a:rPr>
-              <a:t>Öğr</a:t>
-            </a:r>
-            <a:r>
-              <a:rPr lang="tr-TR" sz="1600" dirty="0">
-                <a:solidFill>
-                  <a:schemeClr val="bg1"/>
-                </a:solidFill>
-                <a:latin typeface="Arial" panose="020B0604020202020204" pitchFamily="34" charset="0"/>
-                <a:cs typeface="Arial" panose="020B0604020202020204" pitchFamily="34" charset="0"/>
-              </a:rPr>
-              <a:t>. Gör./</a:t>
-            </a:r>
-            <a:r>
-              <a:rPr lang="tr-TR" sz="1600" dirty="0" err="1">
-                <a:solidFill>
-                  <a:schemeClr val="bg1"/>
-                </a:solidFill>
-                <a:latin typeface="Arial" panose="020B0604020202020204" pitchFamily="34" charset="0"/>
-                <a:cs typeface="Arial" panose="020B0604020202020204" pitchFamily="34" charset="0"/>
-              </a:rPr>
-              <a:t>Araş</a:t>
-            </a:r>
-            <a:r>
-              <a:rPr lang="tr-TR" sz="1600" dirty="0">
-                <a:solidFill>
-                  <a:schemeClr val="bg1"/>
-                </a:solidFill>
-                <a:latin typeface="Arial" panose="020B0604020202020204" pitchFamily="34" charset="0"/>
-                <a:cs typeface="Arial" panose="020B0604020202020204" pitchFamily="34" charset="0"/>
-              </a:rPr>
-              <a:t>. Gör. Dr. İsim </a:t>
-            </a:r>
-            <a:r>
-              <a:rPr lang="tr-TR" sz="1600" dirty="0" err="1">
-                <a:solidFill>
-                  <a:schemeClr val="bg1"/>
-                </a:solidFill>
-                <a:latin typeface="Arial" panose="020B0604020202020204" pitchFamily="34" charset="0"/>
-                <a:cs typeface="Arial" panose="020B0604020202020204" pitchFamily="34" charset="0"/>
-              </a:rPr>
-              <a:t>Soyisim</a:t>
-            </a:r>
-            <a:r>
-              <a:rPr lang="tr-TR" sz="1600" dirty="0">
-                <a:solidFill>
-                  <a:schemeClr val="bg1"/>
-                </a:solidFill>
-                <a:latin typeface="Arial" panose="020B0604020202020204" pitchFamily="34" charset="0"/>
-                <a:cs typeface="Arial" panose="020B0604020202020204" pitchFamily="34" charset="0"/>
-              </a:rPr>
-              <a:t> </a:t>
-            </a:r>
-            <a:br>
-              <a:rPr lang="tr-TR" sz="1600" dirty="0">
-                <a:solidFill>
-                  <a:schemeClr val="bg1"/>
-                </a:solidFill>
-                <a:latin typeface="Arial" panose="020B0604020202020204" pitchFamily="34" charset="0"/>
-                <a:cs typeface="Arial" panose="020B0604020202020204" pitchFamily="34" charset="0"/>
-              </a:rPr>
-            </a:br>
-            <a:endParaRPr lang="tr-TR" sz="1600" dirty="0">
+              </a:rPr>
+              <a:t>Bitirme Proje Danışmanı: Doç. Dr. MEHMET BAKIR</a:t>
+            </a:r>
+            <a:endParaRPr lang="tr-TR" sz="700" dirty="0">
               <a:solidFill>
                 <a:schemeClr val="bg1"/>
               </a:solidFill>
@@ -3759,7 +3659,7 @@
       </p:grpSpPr>
       <p:sp>
         <p:nvSpPr>
-          <p:cNvPr id="2" name="Unvan 1"/>
+          <p:cNvPr id="2" name="Başlık 1"/>
           <p:cNvSpPr>
             <a:spLocks noGrp="1"/>
           </p:cNvSpPr>
@@ -3774,7 +3674,13 @@
           </a:bodyPr>
           <a:lstStyle/>
           <a:p>
-            <a:endParaRPr lang="tr-TR"/>
+            <a:r>
+              <a:rPr lang="fi-FI" sz="2700" dirty="0">
+                <a:latin typeface="Arial" panose="020B0604020202020204" pitchFamily="34" charset="0"/>
+                <a:cs typeface="Arial" panose="020B0604020202020204" pitchFamily="34" charset="0"/>
+              </a:rPr>
+              <a:t>Python ile Veri Ön İşleme:</a:t>
+            </a:r>
           </a:p>
         </p:txBody>
       </p:sp>
@@ -3790,17 +3696,1062 @@
         </p:nvSpPr>
         <p:spPr/>
         <p:txBody>
-          <a:bodyPr/>
+          <a:bodyPr>
+            <a:normAutofit/>
+          </a:bodyPr>
           <a:lstStyle/>
           <a:p>
-            <a:endParaRPr lang="tr-TR"/>
+            <a:pPr algn="just" eaLnBrk="1" hangingPunct="1"/>
+            <a:r>
+              <a:rPr lang="tr-TR" altLang="en-US" sz="1800" dirty="0">
+                <a:latin typeface="Helvetica" panose="020B0604020202020204" pitchFamily="34" charset="0"/>
+              </a:rPr>
+              <a:t>Metinlerden gereksiz ifadeler temizlenip sonrasında duygu analizi yapılmıştır.</a:t>
+            </a:r>
+          </a:p>
+          <a:p>
+            <a:pPr algn="just" eaLnBrk="1" hangingPunct="1"/>
+            <a:endParaRPr lang="tr-TR" altLang="en-US" dirty="0">
+              <a:latin typeface="Helvetica" panose="020B0604020202020204" pitchFamily="34" charset="0"/>
+            </a:endParaRPr>
+          </a:p>
+          <a:p>
+            <a:pPr marL="0" indent="0" algn="just" eaLnBrk="1" hangingPunct="1">
+              <a:buNone/>
+            </a:pPr>
+            <a:endParaRPr lang="tr-TR" altLang="en-US" sz="1800" dirty="0">
+              <a:latin typeface="Helvetica" panose="020B0604020202020204" pitchFamily="34" charset="0"/>
+            </a:endParaRPr>
+          </a:p>
+          <a:p>
+            <a:endParaRPr lang="tr-TR" sz="1800" dirty="0">
+              <a:latin typeface="Arial" panose="020B0604020202020204" pitchFamily="34" charset="0"/>
+              <a:cs typeface="Arial" panose="020B0604020202020204" pitchFamily="34" charset="0"/>
+            </a:endParaRPr>
+          </a:p>
+        </p:txBody>
+      </p:sp>
+      <p:sp>
+        <p:nvSpPr>
+          <p:cNvPr id="5" name="Metin kutusu 4">
+            <a:extLst>
+              <a:ext uri="{FF2B5EF4-FFF2-40B4-BE49-F238E27FC236}">
+                <a16:creationId xmlns:a16="http://schemas.microsoft.com/office/drawing/2014/main" id="{42D49985-A671-BD6D-E0B7-E9C278B3323F}"/>
+              </a:ext>
+            </a:extLst>
+          </p:cNvPr>
+          <p:cNvSpPr txBox="1"/>
+          <p:nvPr/>
+        </p:nvSpPr>
+        <p:spPr>
+          <a:xfrm>
+            <a:off x="-235974" y="2940032"/>
+            <a:ext cx="10356823" cy="3416320"/>
+          </a:xfrm>
+          <a:prstGeom prst="rect">
+            <a:avLst/>
+          </a:prstGeom>
+          <a:noFill/>
+        </p:spPr>
+        <p:txBody>
+          <a:bodyPr wrap="square">
+            <a:spAutoFit/>
+          </a:bodyPr>
+          <a:lstStyle/>
+          <a:p>
+            <a:r>
+              <a:rPr lang="en-US" b="0" dirty="0">
+                <a:solidFill>
+                  <a:srgbClr val="000000"/>
+                </a:solidFill>
+                <a:effectLst/>
+                <a:latin typeface="Consolas" panose="020B0609020204030204" pitchFamily="49" charset="0"/>
+              </a:rPr>
+              <a:t>        </a:t>
+            </a:r>
+            <a:r>
+              <a:rPr lang="en-US" b="0" dirty="0" err="1">
+                <a:solidFill>
+                  <a:srgbClr val="001080"/>
+                </a:solidFill>
+                <a:effectLst/>
+                <a:latin typeface="Consolas" panose="020B0609020204030204" pitchFamily="49" charset="0"/>
+              </a:rPr>
+              <a:t>dict_data</a:t>
+            </a:r>
+            <a:r>
+              <a:rPr lang="en-US" b="0" dirty="0">
+                <a:solidFill>
+                  <a:srgbClr val="000000"/>
+                </a:solidFill>
+                <a:effectLst/>
+                <a:latin typeface="Consolas" panose="020B0609020204030204" pitchFamily="49" charset="0"/>
+              </a:rPr>
+              <a:t> = </a:t>
+            </a:r>
+            <a:r>
+              <a:rPr lang="en-US" b="0" dirty="0" err="1">
+                <a:solidFill>
+                  <a:srgbClr val="267F99"/>
+                </a:solidFill>
+                <a:effectLst/>
+                <a:latin typeface="Consolas" panose="020B0609020204030204" pitchFamily="49" charset="0"/>
+              </a:rPr>
+              <a:t>json</a:t>
+            </a:r>
+            <a:r>
+              <a:rPr lang="en-US" b="0" dirty="0" err="1">
+                <a:solidFill>
+                  <a:srgbClr val="000000"/>
+                </a:solidFill>
+                <a:effectLst/>
+                <a:latin typeface="Consolas" panose="020B0609020204030204" pitchFamily="49" charset="0"/>
+              </a:rPr>
+              <a:t>.</a:t>
+            </a:r>
+            <a:r>
+              <a:rPr lang="en-US" b="0" dirty="0" err="1">
+                <a:solidFill>
+                  <a:srgbClr val="795E26"/>
+                </a:solidFill>
+                <a:effectLst/>
+                <a:latin typeface="Consolas" panose="020B0609020204030204" pitchFamily="49" charset="0"/>
+              </a:rPr>
+              <a:t>loads</a:t>
+            </a:r>
+            <a:r>
+              <a:rPr lang="en-US" b="0" dirty="0">
+                <a:solidFill>
+                  <a:srgbClr val="000000"/>
+                </a:solidFill>
+                <a:effectLst/>
+                <a:latin typeface="Consolas" panose="020B0609020204030204" pitchFamily="49" charset="0"/>
+              </a:rPr>
+              <a:t>(</a:t>
+            </a:r>
+            <a:r>
+              <a:rPr lang="en-US" b="0" dirty="0">
+                <a:solidFill>
+                  <a:srgbClr val="001080"/>
+                </a:solidFill>
+                <a:effectLst/>
+                <a:latin typeface="Consolas" panose="020B0609020204030204" pitchFamily="49" charset="0"/>
+              </a:rPr>
+              <a:t>data</a:t>
+            </a:r>
+            <a:r>
+              <a:rPr lang="en-US" b="0" dirty="0">
+                <a:solidFill>
+                  <a:srgbClr val="000000"/>
+                </a:solidFill>
+                <a:effectLst/>
+                <a:latin typeface="Consolas" panose="020B0609020204030204" pitchFamily="49" charset="0"/>
+              </a:rPr>
+              <a:t>)</a:t>
+            </a:r>
+          </a:p>
+          <a:p>
+            <a:endParaRPr lang="tr-TR" b="0" dirty="0">
+              <a:solidFill>
+                <a:srgbClr val="000000"/>
+              </a:solidFill>
+              <a:effectLst/>
+              <a:latin typeface="Consolas" panose="020B0609020204030204" pitchFamily="49" charset="0"/>
+            </a:endParaRPr>
+          </a:p>
+          <a:p>
+            <a:r>
+              <a:rPr lang="tr-TR" dirty="0">
+                <a:solidFill>
+                  <a:srgbClr val="000000"/>
+                </a:solidFill>
+                <a:latin typeface="Consolas" panose="020B0609020204030204" pitchFamily="49" charset="0"/>
+              </a:rPr>
+              <a:t>		 </a:t>
+            </a:r>
+            <a:r>
+              <a:rPr lang="en-US" b="0" dirty="0" err="1">
+                <a:solidFill>
+                  <a:srgbClr val="001080"/>
+                </a:solidFill>
+                <a:effectLst/>
+                <a:latin typeface="Consolas" panose="020B0609020204030204" pitchFamily="49" charset="0"/>
+              </a:rPr>
+              <a:t>df</a:t>
+            </a:r>
+            <a:r>
+              <a:rPr lang="en-US" b="0" dirty="0">
+                <a:solidFill>
+                  <a:srgbClr val="000000"/>
+                </a:solidFill>
+                <a:effectLst/>
+                <a:latin typeface="Consolas" panose="020B0609020204030204" pitchFamily="49" charset="0"/>
+              </a:rPr>
+              <a:t> = </a:t>
+            </a:r>
+            <a:r>
+              <a:rPr lang="en-US" b="0" dirty="0" err="1">
+                <a:solidFill>
+                  <a:srgbClr val="267F99"/>
+                </a:solidFill>
+                <a:effectLst/>
+                <a:latin typeface="Consolas" panose="020B0609020204030204" pitchFamily="49" charset="0"/>
+              </a:rPr>
+              <a:t>pd</a:t>
+            </a:r>
+            <a:r>
+              <a:rPr lang="en-US" b="0" dirty="0" err="1">
+                <a:solidFill>
+                  <a:srgbClr val="000000"/>
+                </a:solidFill>
+                <a:effectLst/>
+                <a:latin typeface="Consolas" panose="020B0609020204030204" pitchFamily="49" charset="0"/>
+              </a:rPr>
+              <a:t>.</a:t>
+            </a:r>
+            <a:r>
+              <a:rPr lang="en-US" b="0" dirty="0" err="1">
+                <a:solidFill>
+                  <a:srgbClr val="267F99"/>
+                </a:solidFill>
+                <a:effectLst/>
+                <a:latin typeface="Consolas" panose="020B0609020204030204" pitchFamily="49" charset="0"/>
+              </a:rPr>
+              <a:t>DataFrame</a:t>
+            </a:r>
+            <a:r>
+              <a:rPr lang="en-US" b="0" dirty="0">
+                <a:solidFill>
+                  <a:srgbClr val="000000"/>
+                </a:solidFill>
+                <a:effectLst/>
+                <a:latin typeface="Consolas" panose="020B0609020204030204" pitchFamily="49" charset="0"/>
+              </a:rPr>
+              <a:t>({</a:t>
+            </a:r>
+            <a:r>
+              <a:rPr lang="en-US" b="0" dirty="0">
+                <a:solidFill>
+                  <a:srgbClr val="A31515"/>
+                </a:solidFill>
+                <a:effectLst/>
+                <a:latin typeface="Consolas" panose="020B0609020204030204" pitchFamily="49" charset="0"/>
+              </a:rPr>
+              <a:t>"</a:t>
+            </a:r>
+            <a:r>
+              <a:rPr lang="en-US" b="0" dirty="0" err="1">
+                <a:solidFill>
+                  <a:srgbClr val="A31515"/>
+                </a:solidFill>
+                <a:effectLst/>
+                <a:latin typeface="Consolas" panose="020B0609020204030204" pitchFamily="49" charset="0"/>
+              </a:rPr>
+              <a:t>tweetTextData</a:t>
+            </a:r>
+            <a:r>
+              <a:rPr lang="en-US" b="0" dirty="0">
+                <a:solidFill>
+                  <a:srgbClr val="A31515"/>
+                </a:solidFill>
+                <a:effectLst/>
+                <a:latin typeface="Consolas" panose="020B0609020204030204" pitchFamily="49" charset="0"/>
+              </a:rPr>
+              <a:t>"</a:t>
+            </a:r>
+            <a:r>
+              <a:rPr lang="en-US" b="0" dirty="0">
+                <a:solidFill>
+                  <a:srgbClr val="000000"/>
+                </a:solidFill>
+                <a:effectLst/>
+                <a:latin typeface="Consolas" panose="020B0609020204030204" pitchFamily="49" charset="0"/>
+              </a:rPr>
+              <a:t>: [</a:t>
+            </a:r>
+            <a:r>
+              <a:rPr lang="en-US" b="0" dirty="0" err="1">
+                <a:solidFill>
+                  <a:srgbClr val="001080"/>
+                </a:solidFill>
+                <a:effectLst/>
+                <a:latin typeface="Consolas" panose="020B0609020204030204" pitchFamily="49" charset="0"/>
+              </a:rPr>
+              <a:t>dict_data</a:t>
+            </a:r>
+            <a:r>
+              <a:rPr lang="en-US" b="0" dirty="0">
+                <a:solidFill>
+                  <a:srgbClr val="000000"/>
+                </a:solidFill>
+                <a:effectLst/>
+                <a:latin typeface="Consolas" panose="020B0609020204030204" pitchFamily="49" charset="0"/>
+              </a:rPr>
+              <a:t>[</a:t>
+            </a:r>
+            <a:r>
+              <a:rPr lang="en-US" b="0" dirty="0">
+                <a:solidFill>
+                  <a:srgbClr val="A31515"/>
+                </a:solidFill>
+                <a:effectLst/>
+                <a:latin typeface="Consolas" panose="020B0609020204030204" pitchFamily="49" charset="0"/>
+              </a:rPr>
+              <a:t>"text"</a:t>
+            </a:r>
+            <a:r>
+              <a:rPr lang="en-US" b="0" dirty="0">
+                <a:solidFill>
+                  <a:srgbClr val="000000"/>
+                </a:solidFill>
+                <a:effectLst/>
+                <a:latin typeface="Consolas" panose="020B0609020204030204" pitchFamily="49" charset="0"/>
+              </a:rPr>
+              <a:t>]]})</a:t>
+            </a:r>
+          </a:p>
+          <a:p>
+            <a:br>
+              <a:rPr lang="en-US" b="0" dirty="0">
+                <a:solidFill>
+                  <a:srgbClr val="000000"/>
+                </a:solidFill>
+                <a:effectLst/>
+                <a:latin typeface="Consolas" panose="020B0609020204030204" pitchFamily="49" charset="0"/>
+              </a:rPr>
+            </a:br>
+            <a:r>
+              <a:rPr lang="en-US" b="0" dirty="0">
+                <a:solidFill>
+                  <a:srgbClr val="000000"/>
+                </a:solidFill>
+                <a:effectLst/>
+                <a:latin typeface="Consolas" panose="020B0609020204030204" pitchFamily="49" charset="0"/>
+              </a:rPr>
+              <a:t>        </a:t>
+            </a:r>
+            <a:r>
+              <a:rPr lang="en-US" b="0" dirty="0">
+                <a:solidFill>
+                  <a:srgbClr val="0000FF"/>
+                </a:solidFill>
+                <a:effectLst/>
+                <a:latin typeface="Consolas" panose="020B0609020204030204" pitchFamily="49" charset="0"/>
+              </a:rPr>
+              <a:t>def</a:t>
+            </a:r>
+            <a:r>
+              <a:rPr lang="en-US" b="0" dirty="0">
+                <a:solidFill>
+                  <a:srgbClr val="000000"/>
+                </a:solidFill>
+                <a:effectLst/>
+                <a:latin typeface="Consolas" panose="020B0609020204030204" pitchFamily="49" charset="0"/>
+              </a:rPr>
+              <a:t> </a:t>
+            </a:r>
+            <a:r>
+              <a:rPr lang="en-US" b="0" dirty="0" err="1">
+                <a:solidFill>
+                  <a:srgbClr val="795E26"/>
+                </a:solidFill>
+                <a:effectLst/>
+                <a:latin typeface="Consolas" panose="020B0609020204030204" pitchFamily="49" charset="0"/>
+              </a:rPr>
+              <a:t>search_words</a:t>
+            </a:r>
+            <a:r>
+              <a:rPr lang="en-US" b="0" dirty="0">
+                <a:solidFill>
+                  <a:srgbClr val="000000"/>
+                </a:solidFill>
+                <a:effectLst/>
+                <a:latin typeface="Consolas" panose="020B0609020204030204" pitchFamily="49" charset="0"/>
+              </a:rPr>
+              <a:t>(</a:t>
+            </a:r>
+            <a:r>
+              <a:rPr lang="en-US" b="0" dirty="0">
+                <a:solidFill>
+                  <a:srgbClr val="001080"/>
+                </a:solidFill>
+                <a:effectLst/>
+                <a:latin typeface="Consolas" panose="020B0609020204030204" pitchFamily="49" charset="0"/>
+              </a:rPr>
+              <a:t>text</a:t>
+            </a:r>
+            <a:r>
+              <a:rPr lang="en-US" b="0" dirty="0">
+                <a:solidFill>
+                  <a:srgbClr val="000000"/>
+                </a:solidFill>
+                <a:effectLst/>
+                <a:latin typeface="Consolas" panose="020B0609020204030204" pitchFamily="49" charset="0"/>
+              </a:rPr>
+              <a:t>):</a:t>
+            </a:r>
+          </a:p>
+          <a:p>
+            <a:r>
+              <a:rPr lang="en-US" b="0" dirty="0">
+                <a:solidFill>
+                  <a:srgbClr val="000000"/>
+                </a:solidFill>
+                <a:effectLst/>
+                <a:latin typeface="Consolas" panose="020B0609020204030204" pitchFamily="49" charset="0"/>
+              </a:rPr>
+              <a:t>            </a:t>
+            </a:r>
+            <a:r>
+              <a:rPr lang="en-US" b="0" dirty="0">
+                <a:solidFill>
+                  <a:srgbClr val="001080"/>
+                </a:solidFill>
+                <a:effectLst/>
+                <a:latin typeface="Consolas" panose="020B0609020204030204" pitchFamily="49" charset="0"/>
+              </a:rPr>
+              <a:t>result</a:t>
+            </a:r>
+            <a:r>
+              <a:rPr lang="en-US" b="0" dirty="0">
+                <a:solidFill>
+                  <a:srgbClr val="000000"/>
+                </a:solidFill>
+                <a:effectLst/>
+                <a:latin typeface="Consolas" panose="020B0609020204030204" pitchFamily="49" charset="0"/>
+              </a:rPr>
+              <a:t> = </a:t>
+            </a:r>
+            <a:r>
+              <a:rPr lang="en-US" b="0" dirty="0" err="1">
+                <a:solidFill>
+                  <a:srgbClr val="267F99"/>
+                </a:solidFill>
+                <a:effectLst/>
+                <a:latin typeface="Consolas" panose="020B0609020204030204" pitchFamily="49" charset="0"/>
+              </a:rPr>
+              <a:t>re</a:t>
+            </a:r>
+            <a:r>
+              <a:rPr lang="en-US" b="0" dirty="0" err="1">
+                <a:solidFill>
+                  <a:srgbClr val="000000"/>
+                </a:solidFill>
+                <a:effectLst/>
+                <a:latin typeface="Consolas" panose="020B0609020204030204" pitchFamily="49" charset="0"/>
+              </a:rPr>
+              <a:t>.</a:t>
+            </a:r>
+            <a:r>
+              <a:rPr lang="en-US" b="0" dirty="0" err="1">
+                <a:solidFill>
+                  <a:srgbClr val="795E26"/>
+                </a:solidFill>
+                <a:effectLst/>
+                <a:latin typeface="Consolas" panose="020B0609020204030204" pitchFamily="49" charset="0"/>
+              </a:rPr>
+              <a:t>findall</a:t>
+            </a:r>
+            <a:r>
+              <a:rPr lang="en-US" b="0" dirty="0">
+                <a:solidFill>
+                  <a:srgbClr val="000000"/>
+                </a:solidFill>
+                <a:effectLst/>
+                <a:latin typeface="Consolas" panose="020B0609020204030204" pitchFamily="49" charset="0"/>
+              </a:rPr>
+              <a:t>(</a:t>
+            </a:r>
+            <a:r>
+              <a:rPr lang="en-US" b="0" dirty="0">
+                <a:solidFill>
+                  <a:srgbClr val="0000FF"/>
+                </a:solidFill>
+                <a:effectLst/>
+                <a:latin typeface="Consolas" panose="020B0609020204030204" pitchFamily="49" charset="0"/>
+              </a:rPr>
+              <a:t>r</a:t>
+            </a:r>
+            <a:r>
+              <a:rPr lang="en-US" b="0" dirty="0">
+                <a:solidFill>
+                  <a:srgbClr val="811F3F"/>
+                </a:solidFill>
+                <a:effectLst/>
+                <a:latin typeface="Consolas" panose="020B0609020204030204" pitchFamily="49" charset="0"/>
+              </a:rPr>
+              <a:t>"\b</a:t>
+            </a:r>
+            <a:r>
+              <a:rPr lang="en-US" b="0" dirty="0">
+                <a:solidFill>
+                  <a:srgbClr val="D16969"/>
+                </a:solidFill>
+                <a:effectLst/>
+                <a:latin typeface="Consolas" panose="020B0609020204030204" pitchFamily="49" charset="0"/>
+              </a:rPr>
+              <a:t>[^</a:t>
+            </a:r>
+            <a:r>
+              <a:rPr lang="en-US" b="0" dirty="0">
+                <a:solidFill>
+                  <a:srgbClr val="811F3F"/>
+                </a:solidFill>
+                <a:effectLst/>
+                <a:latin typeface="Consolas" panose="020B0609020204030204" pitchFamily="49" charset="0"/>
+              </a:rPr>
+              <a:t>\d\W</a:t>
+            </a:r>
+            <a:r>
+              <a:rPr lang="en-US" b="0" dirty="0">
+                <a:solidFill>
+                  <a:srgbClr val="D16969"/>
+                </a:solidFill>
+                <a:effectLst/>
+                <a:latin typeface="Consolas" panose="020B0609020204030204" pitchFamily="49" charset="0"/>
+              </a:rPr>
+              <a:t>]</a:t>
+            </a:r>
+            <a:r>
+              <a:rPr lang="en-US" b="0" dirty="0">
+                <a:solidFill>
+                  <a:srgbClr val="000000"/>
+                </a:solidFill>
+                <a:effectLst/>
+                <a:latin typeface="Consolas" panose="020B0609020204030204" pitchFamily="49" charset="0"/>
+              </a:rPr>
+              <a:t>+</a:t>
+            </a:r>
+            <a:r>
+              <a:rPr lang="en-US" b="0" dirty="0">
+                <a:solidFill>
+                  <a:srgbClr val="811F3F"/>
+                </a:solidFill>
+                <a:effectLst/>
+                <a:latin typeface="Consolas" panose="020B0609020204030204" pitchFamily="49" charset="0"/>
+              </a:rPr>
+              <a:t>\b"</a:t>
+            </a:r>
+            <a:r>
+              <a:rPr lang="en-US" b="0" dirty="0">
+                <a:solidFill>
+                  <a:srgbClr val="000000"/>
+                </a:solidFill>
+                <a:effectLst/>
+                <a:latin typeface="Consolas" panose="020B0609020204030204" pitchFamily="49" charset="0"/>
+              </a:rPr>
+              <a:t>, </a:t>
+            </a:r>
+            <a:r>
+              <a:rPr lang="en-US" b="0" dirty="0">
+                <a:solidFill>
+                  <a:srgbClr val="001080"/>
+                </a:solidFill>
+                <a:effectLst/>
+                <a:latin typeface="Consolas" panose="020B0609020204030204" pitchFamily="49" charset="0"/>
+              </a:rPr>
+              <a:t>text</a:t>
+            </a:r>
+            <a:r>
+              <a:rPr lang="en-US" b="0" dirty="0">
+                <a:solidFill>
+                  <a:srgbClr val="000000"/>
+                </a:solidFill>
+                <a:effectLst/>
+                <a:latin typeface="Consolas" panose="020B0609020204030204" pitchFamily="49" charset="0"/>
+              </a:rPr>
+              <a:t>)</a:t>
+            </a:r>
+          </a:p>
+          <a:p>
+            <a:r>
+              <a:rPr lang="en-US" b="0" dirty="0">
+                <a:solidFill>
+                  <a:srgbClr val="000000"/>
+                </a:solidFill>
+                <a:effectLst/>
+                <a:latin typeface="Consolas" panose="020B0609020204030204" pitchFamily="49" charset="0"/>
+              </a:rPr>
+              <a:t>            </a:t>
+            </a:r>
+            <a:r>
+              <a:rPr lang="en-US" b="0" dirty="0">
+                <a:solidFill>
+                  <a:srgbClr val="AF00DB"/>
+                </a:solidFill>
+                <a:effectLst/>
+                <a:latin typeface="Consolas" panose="020B0609020204030204" pitchFamily="49" charset="0"/>
+              </a:rPr>
+              <a:t>return</a:t>
+            </a:r>
+            <a:r>
+              <a:rPr lang="en-US" b="0" dirty="0">
+                <a:solidFill>
+                  <a:srgbClr val="000000"/>
+                </a:solidFill>
+                <a:effectLst/>
+                <a:latin typeface="Consolas" panose="020B0609020204030204" pitchFamily="49" charset="0"/>
+              </a:rPr>
+              <a:t> </a:t>
+            </a:r>
+            <a:r>
+              <a:rPr lang="en-US" b="0" dirty="0">
+                <a:solidFill>
+                  <a:srgbClr val="A31515"/>
+                </a:solidFill>
+                <a:effectLst/>
+                <a:latin typeface="Consolas" panose="020B0609020204030204" pitchFamily="49" charset="0"/>
+              </a:rPr>
+              <a:t>" "</a:t>
+            </a:r>
+            <a:r>
+              <a:rPr lang="en-US" b="0" dirty="0">
+                <a:solidFill>
+                  <a:srgbClr val="000000"/>
+                </a:solidFill>
+                <a:effectLst/>
+                <a:latin typeface="Consolas" panose="020B0609020204030204" pitchFamily="49" charset="0"/>
+              </a:rPr>
+              <a:t>.</a:t>
+            </a:r>
+            <a:r>
+              <a:rPr lang="en-US" b="0" dirty="0">
+                <a:solidFill>
+                  <a:srgbClr val="795E26"/>
+                </a:solidFill>
+                <a:effectLst/>
+                <a:latin typeface="Consolas" panose="020B0609020204030204" pitchFamily="49" charset="0"/>
+              </a:rPr>
+              <a:t>join</a:t>
+            </a:r>
+            <a:r>
+              <a:rPr lang="en-US" b="0" dirty="0">
+                <a:solidFill>
+                  <a:srgbClr val="000000"/>
+                </a:solidFill>
+                <a:effectLst/>
+                <a:latin typeface="Consolas" panose="020B0609020204030204" pitchFamily="49" charset="0"/>
+              </a:rPr>
+              <a:t>(</a:t>
+            </a:r>
+            <a:r>
+              <a:rPr lang="en-US" b="0" dirty="0">
+                <a:solidFill>
+                  <a:srgbClr val="001080"/>
+                </a:solidFill>
+                <a:effectLst/>
+                <a:latin typeface="Consolas" panose="020B0609020204030204" pitchFamily="49" charset="0"/>
+              </a:rPr>
+              <a:t>result</a:t>
+            </a:r>
+            <a:r>
+              <a:rPr lang="en-US" b="0" dirty="0">
+                <a:solidFill>
+                  <a:srgbClr val="000000"/>
+                </a:solidFill>
+                <a:effectLst/>
+                <a:latin typeface="Consolas" panose="020B0609020204030204" pitchFamily="49" charset="0"/>
+              </a:rPr>
+              <a:t>)</a:t>
+            </a:r>
+          </a:p>
+          <a:p>
+            <a:br>
+              <a:rPr lang="en-US" b="0" dirty="0">
+                <a:solidFill>
+                  <a:srgbClr val="000000"/>
+                </a:solidFill>
+                <a:effectLst/>
+                <a:latin typeface="Consolas" panose="020B0609020204030204" pitchFamily="49" charset="0"/>
+              </a:rPr>
+            </a:br>
+            <a:r>
+              <a:rPr lang="en-US" b="0" dirty="0">
+                <a:solidFill>
+                  <a:srgbClr val="000000"/>
+                </a:solidFill>
+                <a:effectLst/>
+                <a:latin typeface="Consolas" panose="020B0609020204030204" pitchFamily="49" charset="0"/>
+              </a:rPr>
+              <a:t>        </a:t>
+            </a:r>
+            <a:r>
+              <a:rPr lang="en-US" b="0" dirty="0" err="1">
+                <a:solidFill>
+                  <a:srgbClr val="001080"/>
+                </a:solidFill>
+                <a:effectLst/>
+                <a:latin typeface="Consolas" panose="020B0609020204030204" pitchFamily="49" charset="0"/>
+              </a:rPr>
+              <a:t>df</a:t>
+            </a:r>
+            <a:r>
+              <a:rPr lang="en-US" b="0" dirty="0">
+                <a:solidFill>
+                  <a:srgbClr val="000000"/>
+                </a:solidFill>
+                <a:effectLst/>
+                <a:latin typeface="Consolas" panose="020B0609020204030204" pitchFamily="49" charset="0"/>
+              </a:rPr>
+              <a:t>[</a:t>
+            </a:r>
+            <a:r>
+              <a:rPr lang="en-US" b="0" dirty="0">
+                <a:solidFill>
+                  <a:srgbClr val="A31515"/>
+                </a:solidFill>
+                <a:effectLst/>
+                <a:latin typeface="Consolas" panose="020B0609020204030204" pitchFamily="49" charset="0"/>
+              </a:rPr>
+              <a:t>"</a:t>
+            </a:r>
+            <a:r>
+              <a:rPr lang="en-US" b="0" dirty="0" err="1">
+                <a:solidFill>
+                  <a:srgbClr val="A31515"/>
+                </a:solidFill>
+                <a:effectLst/>
+                <a:latin typeface="Consolas" panose="020B0609020204030204" pitchFamily="49" charset="0"/>
+              </a:rPr>
+              <a:t>only_words</a:t>
+            </a:r>
+            <a:r>
+              <a:rPr lang="en-US" b="0" dirty="0">
+                <a:solidFill>
+                  <a:srgbClr val="A31515"/>
+                </a:solidFill>
+                <a:effectLst/>
+                <a:latin typeface="Consolas" panose="020B0609020204030204" pitchFamily="49" charset="0"/>
+              </a:rPr>
+              <a:t>"</a:t>
+            </a:r>
+            <a:r>
+              <a:rPr lang="en-US" b="0" dirty="0">
+                <a:solidFill>
+                  <a:srgbClr val="000000"/>
+                </a:solidFill>
+                <a:effectLst/>
+                <a:latin typeface="Consolas" panose="020B0609020204030204" pitchFamily="49" charset="0"/>
+              </a:rPr>
+              <a:t>] = </a:t>
+            </a:r>
+            <a:r>
+              <a:rPr lang="en-US" b="0" dirty="0" err="1">
+                <a:solidFill>
+                  <a:srgbClr val="001080"/>
+                </a:solidFill>
+                <a:effectLst/>
+                <a:latin typeface="Consolas" panose="020B0609020204030204" pitchFamily="49" charset="0"/>
+              </a:rPr>
+              <a:t>df</a:t>
+            </a:r>
+            <a:r>
+              <a:rPr lang="en-US" b="0" dirty="0">
+                <a:solidFill>
+                  <a:srgbClr val="000000"/>
+                </a:solidFill>
+                <a:effectLst/>
+                <a:latin typeface="Consolas" panose="020B0609020204030204" pitchFamily="49" charset="0"/>
+              </a:rPr>
+              <a:t>[</a:t>
+            </a:r>
+            <a:r>
+              <a:rPr lang="en-US" b="0" dirty="0">
+                <a:solidFill>
+                  <a:srgbClr val="A31515"/>
+                </a:solidFill>
+                <a:effectLst/>
+                <a:latin typeface="Consolas" panose="020B0609020204030204" pitchFamily="49" charset="0"/>
+              </a:rPr>
+              <a:t>"</a:t>
+            </a:r>
+            <a:r>
+              <a:rPr lang="en-US" b="0" dirty="0" err="1">
+                <a:solidFill>
+                  <a:srgbClr val="A31515"/>
+                </a:solidFill>
+                <a:effectLst/>
+                <a:latin typeface="Consolas" panose="020B0609020204030204" pitchFamily="49" charset="0"/>
+              </a:rPr>
+              <a:t>tweetTextData</a:t>
+            </a:r>
+            <a:r>
+              <a:rPr lang="en-US" b="0" dirty="0">
+                <a:solidFill>
+                  <a:srgbClr val="A31515"/>
+                </a:solidFill>
+                <a:effectLst/>
+                <a:latin typeface="Consolas" panose="020B0609020204030204" pitchFamily="49" charset="0"/>
+              </a:rPr>
+              <a:t>"</a:t>
+            </a:r>
+            <a:r>
+              <a:rPr lang="en-US" b="0" dirty="0">
+                <a:solidFill>
+                  <a:srgbClr val="000000"/>
+                </a:solidFill>
+                <a:effectLst/>
+                <a:latin typeface="Consolas" panose="020B0609020204030204" pitchFamily="49" charset="0"/>
+              </a:rPr>
+              <a:t>].</a:t>
+            </a:r>
+            <a:r>
+              <a:rPr lang="en-US" b="0" dirty="0">
+                <a:solidFill>
+                  <a:srgbClr val="795E26"/>
+                </a:solidFill>
+                <a:effectLst/>
+                <a:latin typeface="Consolas" panose="020B0609020204030204" pitchFamily="49" charset="0"/>
+              </a:rPr>
+              <a:t>apply</a:t>
+            </a:r>
+            <a:r>
+              <a:rPr lang="en-US" b="0" dirty="0">
+                <a:solidFill>
+                  <a:srgbClr val="000000"/>
+                </a:solidFill>
+                <a:effectLst/>
+                <a:latin typeface="Consolas" panose="020B0609020204030204" pitchFamily="49" charset="0"/>
+              </a:rPr>
+              <a:t>(</a:t>
+            </a:r>
+            <a:r>
+              <a:rPr lang="en-US" b="0" dirty="0">
+                <a:solidFill>
+                  <a:srgbClr val="0000FF"/>
+                </a:solidFill>
+                <a:effectLst/>
+                <a:latin typeface="Consolas" panose="020B0609020204030204" pitchFamily="49" charset="0"/>
+              </a:rPr>
+              <a:t>lambda</a:t>
+            </a:r>
+            <a:r>
+              <a:rPr lang="en-US" b="0" dirty="0">
+                <a:solidFill>
+                  <a:srgbClr val="000000"/>
+                </a:solidFill>
+                <a:effectLst/>
+                <a:latin typeface="Consolas" panose="020B0609020204030204" pitchFamily="49" charset="0"/>
+              </a:rPr>
+              <a:t> </a:t>
+            </a:r>
+            <a:r>
+              <a:rPr lang="en-US" b="0" dirty="0">
+                <a:solidFill>
+                  <a:srgbClr val="001080"/>
+                </a:solidFill>
+                <a:effectLst/>
+                <a:latin typeface="Consolas" panose="020B0609020204030204" pitchFamily="49" charset="0"/>
+              </a:rPr>
+              <a:t>x</a:t>
+            </a:r>
+            <a:r>
+              <a:rPr lang="en-US" b="0" dirty="0">
+                <a:solidFill>
+                  <a:srgbClr val="000000"/>
+                </a:solidFill>
+                <a:effectLst/>
+                <a:latin typeface="Consolas" panose="020B0609020204030204" pitchFamily="49" charset="0"/>
+              </a:rPr>
+              <a:t>: </a:t>
+            </a:r>
+            <a:r>
+              <a:rPr lang="en-US" b="0" dirty="0" err="1">
+                <a:solidFill>
+                  <a:srgbClr val="795E26"/>
+                </a:solidFill>
+                <a:effectLst/>
+                <a:latin typeface="Consolas" panose="020B0609020204030204" pitchFamily="49" charset="0"/>
+              </a:rPr>
+              <a:t>search_words</a:t>
+            </a:r>
+            <a:r>
+              <a:rPr lang="en-US" b="0" dirty="0">
+                <a:solidFill>
+                  <a:srgbClr val="000000"/>
+                </a:solidFill>
+                <a:effectLst/>
+                <a:latin typeface="Consolas" panose="020B0609020204030204" pitchFamily="49" charset="0"/>
+              </a:rPr>
+              <a:t>(</a:t>
+            </a:r>
+            <a:r>
+              <a:rPr lang="en-US" b="0" dirty="0">
+                <a:solidFill>
+                  <a:srgbClr val="001080"/>
+                </a:solidFill>
+                <a:effectLst/>
+                <a:latin typeface="Consolas" panose="020B0609020204030204" pitchFamily="49" charset="0"/>
+              </a:rPr>
+              <a:t>x</a:t>
+            </a:r>
+            <a:r>
+              <a:rPr lang="en-US" b="0" dirty="0">
+                <a:solidFill>
+                  <a:srgbClr val="000000"/>
+                </a:solidFill>
+                <a:effectLst/>
+                <a:latin typeface="Consolas" panose="020B0609020204030204" pitchFamily="49" charset="0"/>
+              </a:rPr>
+              <a:t>))</a:t>
+            </a:r>
+          </a:p>
+          <a:p>
+            <a:r>
+              <a:rPr lang="en-US" b="0" dirty="0">
+                <a:solidFill>
+                  <a:srgbClr val="000000"/>
+                </a:solidFill>
+                <a:effectLst/>
+                <a:latin typeface="Consolas" panose="020B0609020204030204" pitchFamily="49" charset="0"/>
+              </a:rPr>
+              <a:t>        </a:t>
+            </a:r>
+            <a:r>
+              <a:rPr lang="en-US" b="0" dirty="0" err="1">
+                <a:solidFill>
+                  <a:srgbClr val="001080"/>
+                </a:solidFill>
+                <a:effectLst/>
+                <a:latin typeface="Consolas" panose="020B0609020204030204" pitchFamily="49" charset="0"/>
+              </a:rPr>
+              <a:t>tweettext</a:t>
+            </a:r>
+            <a:r>
+              <a:rPr lang="en-US" b="0" dirty="0">
+                <a:solidFill>
+                  <a:srgbClr val="000000"/>
+                </a:solidFill>
+                <a:effectLst/>
+                <a:latin typeface="Consolas" panose="020B0609020204030204" pitchFamily="49" charset="0"/>
+              </a:rPr>
+              <a:t> = </a:t>
+            </a:r>
+            <a:r>
+              <a:rPr lang="en-US" b="0" dirty="0" err="1">
+                <a:solidFill>
+                  <a:srgbClr val="001080"/>
+                </a:solidFill>
+                <a:effectLst/>
+                <a:latin typeface="Consolas" panose="020B0609020204030204" pitchFamily="49" charset="0"/>
+              </a:rPr>
+              <a:t>df</a:t>
+            </a:r>
+            <a:r>
+              <a:rPr lang="en-US" b="0" dirty="0">
+                <a:solidFill>
+                  <a:srgbClr val="000000"/>
+                </a:solidFill>
+                <a:effectLst/>
+                <a:latin typeface="Consolas" panose="020B0609020204030204" pitchFamily="49" charset="0"/>
+              </a:rPr>
+              <a:t>[</a:t>
+            </a:r>
+            <a:r>
+              <a:rPr lang="en-US" b="0" dirty="0">
+                <a:solidFill>
+                  <a:srgbClr val="A31515"/>
+                </a:solidFill>
+                <a:effectLst/>
+                <a:latin typeface="Consolas" panose="020B0609020204030204" pitchFamily="49" charset="0"/>
+              </a:rPr>
+              <a:t>"</a:t>
+            </a:r>
+            <a:r>
+              <a:rPr lang="en-US" b="0" dirty="0" err="1">
+                <a:solidFill>
+                  <a:srgbClr val="A31515"/>
+                </a:solidFill>
+                <a:effectLst/>
+                <a:latin typeface="Consolas" panose="020B0609020204030204" pitchFamily="49" charset="0"/>
+              </a:rPr>
+              <a:t>only_words</a:t>
+            </a:r>
+            <a:r>
+              <a:rPr lang="en-US" b="0" dirty="0">
+                <a:solidFill>
+                  <a:srgbClr val="A31515"/>
+                </a:solidFill>
+                <a:effectLst/>
+                <a:latin typeface="Consolas" panose="020B0609020204030204" pitchFamily="49" charset="0"/>
+              </a:rPr>
+              <a:t>"</a:t>
+            </a:r>
+            <a:r>
+              <a:rPr lang="en-US" b="0" dirty="0">
+                <a:solidFill>
+                  <a:srgbClr val="000000"/>
+                </a:solidFill>
+                <a:effectLst/>
+                <a:latin typeface="Consolas" panose="020B0609020204030204" pitchFamily="49" charset="0"/>
+              </a:rPr>
+              <a:t>].</a:t>
+            </a:r>
+            <a:r>
+              <a:rPr lang="en-US" b="0" dirty="0">
+                <a:solidFill>
+                  <a:srgbClr val="001080"/>
+                </a:solidFill>
+                <a:effectLst/>
+                <a:latin typeface="Consolas" panose="020B0609020204030204" pitchFamily="49" charset="0"/>
+              </a:rPr>
+              <a:t>values</a:t>
+            </a:r>
+            <a:r>
+              <a:rPr lang="en-US" b="0" dirty="0">
+                <a:solidFill>
+                  <a:srgbClr val="000000"/>
+                </a:solidFill>
+                <a:effectLst/>
+                <a:latin typeface="Consolas" panose="020B0609020204030204" pitchFamily="49" charset="0"/>
+              </a:rPr>
+              <a:t>[</a:t>
+            </a:r>
+            <a:r>
+              <a:rPr lang="en-US" b="0" dirty="0">
+                <a:solidFill>
+                  <a:srgbClr val="098658"/>
+                </a:solidFill>
+                <a:effectLst/>
+                <a:latin typeface="Consolas" panose="020B0609020204030204" pitchFamily="49" charset="0"/>
+              </a:rPr>
+              <a:t>0</a:t>
+            </a:r>
+            <a:r>
+              <a:rPr lang="en-US" b="0" dirty="0">
+                <a:solidFill>
+                  <a:srgbClr val="000000"/>
+                </a:solidFill>
+                <a:effectLst/>
+                <a:latin typeface="Consolas" panose="020B0609020204030204" pitchFamily="49" charset="0"/>
+              </a:rPr>
+              <a:t>]</a:t>
+            </a:r>
+          </a:p>
+          <a:p>
+            <a:br>
+              <a:rPr lang="en-US" b="0" dirty="0">
+                <a:solidFill>
+                  <a:srgbClr val="000000"/>
+                </a:solidFill>
+                <a:effectLst/>
+                <a:latin typeface="Consolas" panose="020B0609020204030204" pitchFamily="49" charset="0"/>
+              </a:rPr>
+            </a:br>
+            <a:endParaRPr lang="en-US" b="0" dirty="0">
+              <a:solidFill>
+                <a:srgbClr val="000000"/>
+              </a:solidFill>
+              <a:effectLst/>
+              <a:latin typeface="Consolas" panose="020B0609020204030204" pitchFamily="49" charset="0"/>
+            </a:endParaRPr>
           </a:p>
         </p:txBody>
       </p:sp>
     </p:spTree>
     <p:extLst>
       <p:ext uri="{BB962C8B-B14F-4D97-AF65-F5344CB8AC3E}">
-        <p14:creationId xmlns:p14="http://schemas.microsoft.com/office/powerpoint/2010/main" val="3501817252"/>
+        <p14:creationId xmlns:p14="http://schemas.microsoft.com/office/powerpoint/2010/main" val="3184319999"/>
       </p:ext>
     </p:extLst>
   </p:cSld>
@@ -3829,7 +4780,7 @@
       </p:grpSpPr>
       <p:sp>
         <p:nvSpPr>
-          <p:cNvPr id="2" name="Unvan 1"/>
+          <p:cNvPr id="2" name="Başlık 1"/>
           <p:cNvSpPr>
             <a:spLocks noGrp="1"/>
           </p:cNvSpPr>
@@ -3844,7 +4795,38 @@
           </a:bodyPr>
           <a:lstStyle/>
           <a:p>
-            <a:endParaRPr lang="tr-TR"/>
+            <a:r>
+              <a:rPr lang="fi-FI" sz="2700" dirty="0">
+                <a:latin typeface="Arial" panose="020B0604020202020204" pitchFamily="34" charset="0"/>
+                <a:cs typeface="Arial" panose="020B0604020202020204" pitchFamily="34" charset="0"/>
+              </a:rPr>
+              <a:t>Python ile</a:t>
+            </a:r>
+            <a:r>
+              <a:rPr lang="tr-TR" sz="2700" dirty="0">
+                <a:latin typeface="Arial" panose="020B0604020202020204" pitchFamily="34" charset="0"/>
+                <a:cs typeface="Arial" panose="020B0604020202020204" pitchFamily="34" charset="0"/>
+              </a:rPr>
+              <a:t> </a:t>
+            </a:r>
+            <a:r>
+              <a:rPr lang="tr-TR" sz="2700" dirty="0" err="1">
+                <a:latin typeface="Arial" panose="020B0604020202020204" pitchFamily="34" charset="0"/>
+                <a:cs typeface="Arial" panose="020B0604020202020204" pitchFamily="34" charset="0"/>
+              </a:rPr>
+              <a:t>Tweet</a:t>
+            </a:r>
+            <a:r>
+              <a:rPr lang="tr-TR" sz="2700" dirty="0">
+                <a:latin typeface="Arial" panose="020B0604020202020204" pitchFamily="34" charset="0"/>
+                <a:cs typeface="Arial" panose="020B0604020202020204" pitchFamily="34" charset="0"/>
+              </a:rPr>
+              <a:t> konum tespiti</a:t>
+            </a:r>
+            <a:endParaRPr lang="fi-FI" sz="2700" dirty="0">
+              <a:latin typeface="Arial" panose="020B0604020202020204" pitchFamily="34" charset="0"/>
+              <a:cs typeface="Arial" panose="020B0604020202020204" pitchFamily="34" charset="0"/>
+            </a:endParaRPr>
           </a:p>
         </p:txBody>
       </p:sp>
@@ -3860,17 +4842,986 @@
         </p:nvSpPr>
         <p:spPr/>
         <p:txBody>
-          <a:bodyPr/>
+          <a:bodyPr>
+            <a:normAutofit/>
+          </a:bodyPr>
           <a:lstStyle/>
           <a:p>
-            <a:endParaRPr lang="tr-TR"/>
+            <a:pPr algn="just" eaLnBrk="1" hangingPunct="1"/>
+            <a:r>
+              <a:rPr lang="tr-TR" altLang="en-US" sz="1800" dirty="0">
+                <a:latin typeface="Helvetica" panose="020B0604020202020204" pitchFamily="34" charset="0"/>
+              </a:rPr>
+              <a:t>Enlem ve boylam değerleri </a:t>
+            </a:r>
+            <a:r>
+              <a:rPr lang="tr-TR" altLang="en-US" sz="1800" dirty="0" err="1">
+                <a:latin typeface="Helvetica" panose="020B0604020202020204" pitchFamily="34" charset="0"/>
+              </a:rPr>
+              <a:t>Geopy</a:t>
+            </a:r>
+            <a:r>
+              <a:rPr lang="tr-TR" altLang="en-US" sz="1800" dirty="0">
+                <a:latin typeface="Helvetica" panose="020B0604020202020204" pitchFamily="34" charset="0"/>
+              </a:rPr>
+              <a:t> kütüphanesi vasıtasıyla alınmıştır.</a:t>
+            </a:r>
+            <a:endParaRPr lang="tr-TR" altLang="en-US" sz="1800" b="1" dirty="0">
+              <a:latin typeface="Helvetica" panose="020B0604020202020204" pitchFamily="34" charset="0"/>
+            </a:endParaRPr>
+          </a:p>
+          <a:p>
+            <a:endParaRPr lang="tr-TR" sz="1800" dirty="0">
+              <a:latin typeface="Arial" panose="020B0604020202020204" pitchFamily="34" charset="0"/>
+              <a:cs typeface="Arial" panose="020B0604020202020204" pitchFamily="34" charset="0"/>
+            </a:endParaRPr>
+          </a:p>
+        </p:txBody>
+      </p:sp>
+      <p:sp>
+        <p:nvSpPr>
+          <p:cNvPr id="5" name="Metin kutusu 4">
+            <a:extLst>
+              <a:ext uri="{FF2B5EF4-FFF2-40B4-BE49-F238E27FC236}">
+                <a16:creationId xmlns:a16="http://schemas.microsoft.com/office/drawing/2014/main" id="{E41DE79B-553F-35AC-8E7F-24148AB15362}"/>
+              </a:ext>
+            </a:extLst>
+          </p:cNvPr>
+          <p:cNvSpPr txBox="1"/>
+          <p:nvPr/>
+        </p:nvSpPr>
+        <p:spPr>
+          <a:xfrm>
+            <a:off x="0" y="2729791"/>
+            <a:ext cx="9134168" cy="3293209"/>
+          </a:xfrm>
+          <a:prstGeom prst="rect">
+            <a:avLst/>
+          </a:prstGeom>
+          <a:noFill/>
+        </p:spPr>
+        <p:txBody>
+          <a:bodyPr wrap="square">
+            <a:spAutoFit/>
+          </a:bodyPr>
+          <a:lstStyle/>
+          <a:p>
+            <a:r>
+              <a:rPr lang="tr-TR" sz="1600" b="0" dirty="0">
+                <a:solidFill>
+                  <a:srgbClr val="001080"/>
+                </a:solidFill>
+                <a:effectLst/>
+                <a:latin typeface="Consolas" panose="020B0609020204030204" pitchFamily="49" charset="0"/>
+              </a:rPr>
+              <a:t>		</a:t>
+            </a:r>
+            <a:r>
+              <a:rPr lang="en-US" sz="1600" b="0" dirty="0" err="1">
+                <a:solidFill>
+                  <a:srgbClr val="001080"/>
+                </a:solidFill>
+                <a:effectLst/>
+                <a:latin typeface="Consolas" panose="020B0609020204030204" pitchFamily="49" charset="0"/>
+              </a:rPr>
+              <a:t>lat</a:t>
+            </a:r>
+            <a:r>
+              <a:rPr lang="en-US" sz="1600" b="0" dirty="0">
+                <a:solidFill>
+                  <a:srgbClr val="000000"/>
+                </a:solidFill>
+                <a:effectLst/>
+                <a:latin typeface="Consolas" panose="020B0609020204030204" pitchFamily="49" charset="0"/>
+              </a:rPr>
+              <a:t>=</a:t>
+            </a:r>
+            <a:r>
+              <a:rPr lang="en-US" sz="1600" b="0" dirty="0">
+                <a:solidFill>
+                  <a:srgbClr val="098658"/>
+                </a:solidFill>
+                <a:effectLst/>
+                <a:latin typeface="Consolas" panose="020B0609020204030204" pitchFamily="49" charset="0"/>
+              </a:rPr>
+              <a:t>0</a:t>
+            </a:r>
+            <a:endParaRPr lang="en-US" sz="1600" b="0" dirty="0">
+              <a:solidFill>
+                <a:srgbClr val="000000"/>
+              </a:solidFill>
+              <a:effectLst/>
+              <a:latin typeface="Consolas" panose="020B0609020204030204" pitchFamily="49" charset="0"/>
+            </a:endParaRPr>
+          </a:p>
+          <a:p>
+            <a:r>
+              <a:rPr lang="en-US" sz="1600" b="0" dirty="0">
+                <a:solidFill>
+                  <a:srgbClr val="000000"/>
+                </a:solidFill>
+                <a:effectLst/>
+                <a:latin typeface="Consolas" panose="020B0609020204030204" pitchFamily="49" charset="0"/>
+              </a:rPr>
+              <a:t>        </a:t>
+            </a:r>
+            <a:r>
+              <a:rPr lang="en-US" sz="1600" b="0" dirty="0" err="1">
+                <a:solidFill>
+                  <a:srgbClr val="001080"/>
+                </a:solidFill>
+                <a:effectLst/>
+                <a:latin typeface="Consolas" panose="020B0609020204030204" pitchFamily="49" charset="0"/>
+              </a:rPr>
+              <a:t>lon</a:t>
+            </a:r>
+            <a:r>
+              <a:rPr lang="en-US" sz="1600" b="0" dirty="0">
+                <a:solidFill>
+                  <a:srgbClr val="000000"/>
+                </a:solidFill>
+                <a:effectLst/>
+                <a:latin typeface="Consolas" panose="020B0609020204030204" pitchFamily="49" charset="0"/>
+              </a:rPr>
+              <a:t>=</a:t>
+            </a:r>
+            <a:r>
+              <a:rPr lang="en-US" sz="1600" b="0" dirty="0">
+                <a:solidFill>
+                  <a:srgbClr val="098658"/>
+                </a:solidFill>
+                <a:effectLst/>
+                <a:latin typeface="Consolas" panose="020B0609020204030204" pitchFamily="49" charset="0"/>
+              </a:rPr>
+              <a:t>0</a:t>
+            </a:r>
+            <a:endParaRPr lang="en-US" sz="1600" b="0" dirty="0">
+              <a:solidFill>
+                <a:srgbClr val="000000"/>
+              </a:solidFill>
+              <a:effectLst/>
+              <a:latin typeface="Consolas" panose="020B0609020204030204" pitchFamily="49" charset="0"/>
+            </a:endParaRPr>
+          </a:p>
+          <a:p>
+            <a:r>
+              <a:rPr lang="en-US" sz="1600" b="0" dirty="0">
+                <a:solidFill>
+                  <a:srgbClr val="000000"/>
+                </a:solidFill>
+                <a:effectLst/>
+                <a:latin typeface="Consolas" panose="020B0609020204030204" pitchFamily="49" charset="0"/>
+              </a:rPr>
+              <a:t>        </a:t>
+            </a:r>
+            <a:r>
+              <a:rPr lang="en-US" sz="1600" b="0" dirty="0">
+                <a:solidFill>
+                  <a:srgbClr val="AF00DB"/>
+                </a:solidFill>
+                <a:effectLst/>
+                <a:latin typeface="Consolas" panose="020B0609020204030204" pitchFamily="49" charset="0"/>
+              </a:rPr>
+              <a:t>try</a:t>
+            </a:r>
+            <a:r>
+              <a:rPr lang="en-US" sz="1600" b="0" dirty="0">
+                <a:solidFill>
+                  <a:srgbClr val="000000"/>
+                </a:solidFill>
+                <a:effectLst/>
+                <a:latin typeface="Consolas" panose="020B0609020204030204" pitchFamily="49" charset="0"/>
+              </a:rPr>
+              <a:t>:</a:t>
+            </a:r>
+          </a:p>
+          <a:p>
+            <a:r>
+              <a:rPr lang="en-US" sz="1600" b="0" dirty="0">
+                <a:solidFill>
+                  <a:srgbClr val="000000"/>
+                </a:solidFill>
+                <a:effectLst/>
+                <a:latin typeface="Consolas" panose="020B0609020204030204" pitchFamily="49" charset="0"/>
+              </a:rPr>
+              <a:t>            </a:t>
+            </a:r>
+            <a:r>
+              <a:rPr lang="en-US" sz="1600" b="0" dirty="0" err="1">
+                <a:solidFill>
+                  <a:srgbClr val="001080"/>
+                </a:solidFill>
+                <a:effectLst/>
+                <a:latin typeface="Consolas" panose="020B0609020204030204" pitchFamily="49" charset="0"/>
+              </a:rPr>
+              <a:t>getLoc</a:t>
+            </a:r>
+            <a:r>
+              <a:rPr lang="en-US" sz="1600" b="0" dirty="0">
+                <a:solidFill>
+                  <a:srgbClr val="000000"/>
+                </a:solidFill>
+                <a:effectLst/>
+                <a:latin typeface="Consolas" panose="020B0609020204030204" pitchFamily="49" charset="0"/>
+              </a:rPr>
+              <a:t> = </a:t>
+            </a:r>
+            <a:r>
+              <a:rPr lang="en-US" sz="1600" b="0" dirty="0" err="1">
+                <a:solidFill>
+                  <a:srgbClr val="001080"/>
+                </a:solidFill>
+                <a:effectLst/>
+                <a:latin typeface="Consolas" panose="020B0609020204030204" pitchFamily="49" charset="0"/>
+              </a:rPr>
+              <a:t>loc</a:t>
+            </a:r>
+            <a:r>
+              <a:rPr lang="en-US" sz="1600" b="0" dirty="0" err="1">
+                <a:solidFill>
+                  <a:srgbClr val="000000"/>
+                </a:solidFill>
+                <a:effectLst/>
+                <a:latin typeface="Consolas" panose="020B0609020204030204" pitchFamily="49" charset="0"/>
+              </a:rPr>
+              <a:t>.geocode</a:t>
+            </a:r>
+            <a:r>
+              <a:rPr lang="en-US" sz="1600" b="0" dirty="0">
+                <a:solidFill>
+                  <a:srgbClr val="000000"/>
+                </a:solidFill>
+                <a:effectLst/>
+                <a:latin typeface="Consolas" panose="020B0609020204030204" pitchFamily="49" charset="0"/>
+              </a:rPr>
+              <a:t>(</a:t>
+            </a:r>
+            <a:r>
+              <a:rPr lang="en-US" sz="1600" b="0" dirty="0" err="1">
+                <a:solidFill>
+                  <a:srgbClr val="001080"/>
+                </a:solidFill>
+                <a:effectLst/>
+                <a:latin typeface="Consolas" panose="020B0609020204030204" pitchFamily="49" charset="0"/>
+              </a:rPr>
+              <a:t>dict_data</a:t>
+            </a:r>
+            <a:r>
+              <a:rPr lang="en-US" sz="1600" b="0" dirty="0">
+                <a:solidFill>
+                  <a:srgbClr val="000000"/>
+                </a:solidFill>
+                <a:effectLst/>
+                <a:latin typeface="Consolas" panose="020B0609020204030204" pitchFamily="49" charset="0"/>
+              </a:rPr>
+              <a:t>[</a:t>
+            </a:r>
+            <a:r>
+              <a:rPr lang="en-US" sz="1600" b="0" dirty="0">
+                <a:solidFill>
+                  <a:srgbClr val="A31515"/>
+                </a:solidFill>
+                <a:effectLst/>
+                <a:latin typeface="Consolas" panose="020B0609020204030204" pitchFamily="49" charset="0"/>
+              </a:rPr>
+              <a:t>"user"</a:t>
+            </a:r>
+            <a:r>
+              <a:rPr lang="en-US" sz="1600" b="0" dirty="0">
+                <a:solidFill>
+                  <a:srgbClr val="000000"/>
+                </a:solidFill>
+                <a:effectLst/>
+                <a:latin typeface="Consolas" panose="020B0609020204030204" pitchFamily="49" charset="0"/>
+              </a:rPr>
+              <a:t>][</a:t>
+            </a:r>
+            <a:r>
+              <a:rPr lang="en-US" sz="1600" b="0" dirty="0">
+                <a:solidFill>
+                  <a:srgbClr val="A31515"/>
+                </a:solidFill>
+                <a:effectLst/>
+                <a:latin typeface="Consolas" panose="020B0609020204030204" pitchFamily="49" charset="0"/>
+              </a:rPr>
+              <a:t>"location"</a:t>
+            </a:r>
+            <a:r>
+              <a:rPr lang="en-US" sz="1600" b="0" dirty="0">
+                <a:solidFill>
+                  <a:srgbClr val="000000"/>
+                </a:solidFill>
+                <a:effectLst/>
+                <a:latin typeface="Consolas" panose="020B0609020204030204" pitchFamily="49" charset="0"/>
+              </a:rPr>
+              <a:t>])</a:t>
+            </a:r>
+          </a:p>
+          <a:p>
+            <a:r>
+              <a:rPr lang="en-US" sz="1600" b="0" dirty="0">
+                <a:solidFill>
+                  <a:srgbClr val="000000"/>
+                </a:solidFill>
+                <a:effectLst/>
+                <a:latin typeface="Consolas" panose="020B0609020204030204" pitchFamily="49" charset="0"/>
+              </a:rPr>
+              <a:t>            </a:t>
+            </a:r>
+            <a:r>
+              <a:rPr lang="en-US" sz="1600" b="0" dirty="0" err="1">
+                <a:solidFill>
+                  <a:srgbClr val="001080"/>
+                </a:solidFill>
+                <a:effectLst/>
+                <a:latin typeface="Consolas" panose="020B0609020204030204" pitchFamily="49" charset="0"/>
+              </a:rPr>
+              <a:t>lat</a:t>
+            </a:r>
+            <a:r>
+              <a:rPr lang="en-US" sz="1600" b="0" dirty="0">
+                <a:solidFill>
+                  <a:srgbClr val="000000"/>
+                </a:solidFill>
+                <a:effectLst/>
+                <a:latin typeface="Consolas" panose="020B0609020204030204" pitchFamily="49" charset="0"/>
+              </a:rPr>
+              <a:t> = </a:t>
+            </a:r>
+            <a:r>
+              <a:rPr lang="en-US" sz="1600" b="0" dirty="0" err="1">
+                <a:solidFill>
+                  <a:srgbClr val="001080"/>
+                </a:solidFill>
+                <a:effectLst/>
+                <a:latin typeface="Consolas" panose="020B0609020204030204" pitchFamily="49" charset="0"/>
+              </a:rPr>
+              <a:t>getLoc</a:t>
+            </a:r>
+            <a:r>
+              <a:rPr lang="en-US" sz="1600" b="0" dirty="0" err="1">
+                <a:solidFill>
+                  <a:srgbClr val="000000"/>
+                </a:solidFill>
+                <a:effectLst/>
+                <a:latin typeface="Consolas" panose="020B0609020204030204" pitchFamily="49" charset="0"/>
+              </a:rPr>
+              <a:t>.latitude</a:t>
+            </a:r>
+            <a:endParaRPr lang="en-US" sz="1600" b="0" dirty="0">
+              <a:solidFill>
+                <a:srgbClr val="000000"/>
+              </a:solidFill>
+              <a:effectLst/>
+              <a:latin typeface="Consolas" panose="020B0609020204030204" pitchFamily="49" charset="0"/>
+            </a:endParaRPr>
+          </a:p>
+          <a:p>
+            <a:r>
+              <a:rPr lang="en-US" sz="1600" b="0" dirty="0">
+                <a:solidFill>
+                  <a:srgbClr val="000000"/>
+                </a:solidFill>
+                <a:effectLst/>
+                <a:latin typeface="Consolas" panose="020B0609020204030204" pitchFamily="49" charset="0"/>
+              </a:rPr>
+              <a:t>            </a:t>
+            </a:r>
+            <a:r>
+              <a:rPr lang="en-US" sz="1600" b="0" dirty="0" err="1">
+                <a:solidFill>
+                  <a:srgbClr val="001080"/>
+                </a:solidFill>
+                <a:effectLst/>
+                <a:latin typeface="Consolas" panose="020B0609020204030204" pitchFamily="49" charset="0"/>
+              </a:rPr>
+              <a:t>lon</a:t>
+            </a:r>
+            <a:r>
+              <a:rPr lang="en-US" sz="1600" b="0" dirty="0">
+                <a:solidFill>
+                  <a:srgbClr val="000000"/>
+                </a:solidFill>
+                <a:effectLst/>
+                <a:latin typeface="Consolas" panose="020B0609020204030204" pitchFamily="49" charset="0"/>
+              </a:rPr>
+              <a:t> = </a:t>
+            </a:r>
+            <a:r>
+              <a:rPr lang="en-US" sz="1600" b="0" dirty="0" err="1">
+                <a:solidFill>
+                  <a:srgbClr val="001080"/>
+                </a:solidFill>
+                <a:effectLst/>
+                <a:latin typeface="Consolas" panose="020B0609020204030204" pitchFamily="49" charset="0"/>
+              </a:rPr>
+              <a:t>getLoc</a:t>
+            </a:r>
+            <a:r>
+              <a:rPr lang="en-US" sz="1600" b="0" dirty="0" err="1">
+                <a:solidFill>
+                  <a:srgbClr val="000000"/>
+                </a:solidFill>
+                <a:effectLst/>
+                <a:latin typeface="Consolas" panose="020B0609020204030204" pitchFamily="49" charset="0"/>
+              </a:rPr>
+              <a:t>.longitude</a:t>
+            </a:r>
+            <a:endParaRPr lang="en-US" sz="1600" b="0" dirty="0">
+              <a:solidFill>
+                <a:srgbClr val="000000"/>
+              </a:solidFill>
+              <a:effectLst/>
+              <a:latin typeface="Consolas" panose="020B0609020204030204" pitchFamily="49" charset="0"/>
+            </a:endParaRPr>
+          </a:p>
+          <a:p>
+            <a:r>
+              <a:rPr lang="en-US" sz="1600" b="0" dirty="0">
+                <a:solidFill>
+                  <a:srgbClr val="000000"/>
+                </a:solidFill>
+                <a:effectLst/>
+                <a:latin typeface="Consolas" panose="020B0609020204030204" pitchFamily="49" charset="0"/>
+              </a:rPr>
+              <a:t>            </a:t>
+            </a:r>
+            <a:r>
+              <a:rPr lang="en-US" sz="1600" b="0" dirty="0">
+                <a:solidFill>
+                  <a:srgbClr val="795E26"/>
+                </a:solidFill>
+                <a:effectLst/>
+                <a:latin typeface="Consolas" panose="020B0609020204030204" pitchFamily="49" charset="0"/>
+              </a:rPr>
+              <a:t>print</a:t>
+            </a:r>
+            <a:r>
+              <a:rPr lang="en-US" sz="1600" b="0" dirty="0">
+                <a:solidFill>
+                  <a:srgbClr val="000000"/>
+                </a:solidFill>
+                <a:effectLst/>
+                <a:latin typeface="Consolas" panose="020B0609020204030204" pitchFamily="49" charset="0"/>
+              </a:rPr>
+              <a:t>(</a:t>
+            </a:r>
+            <a:r>
+              <a:rPr lang="en-US" sz="1600" b="0" dirty="0" err="1">
+                <a:solidFill>
+                  <a:srgbClr val="001080"/>
+                </a:solidFill>
+                <a:effectLst/>
+                <a:latin typeface="Consolas" panose="020B0609020204030204" pitchFamily="49" charset="0"/>
+              </a:rPr>
+              <a:t>dict_data</a:t>
+            </a:r>
+            <a:r>
+              <a:rPr lang="en-US" sz="1600" b="0" dirty="0">
+                <a:solidFill>
+                  <a:srgbClr val="000000"/>
+                </a:solidFill>
+                <a:effectLst/>
+                <a:latin typeface="Consolas" panose="020B0609020204030204" pitchFamily="49" charset="0"/>
+              </a:rPr>
+              <a:t>[</a:t>
+            </a:r>
+            <a:r>
+              <a:rPr lang="en-US" sz="1600" b="0" dirty="0">
+                <a:solidFill>
+                  <a:srgbClr val="A31515"/>
+                </a:solidFill>
+                <a:effectLst/>
+                <a:latin typeface="Consolas" panose="020B0609020204030204" pitchFamily="49" charset="0"/>
+              </a:rPr>
+              <a:t>"user"</a:t>
+            </a:r>
+            <a:r>
+              <a:rPr lang="en-US" sz="1600" b="0" dirty="0">
+                <a:solidFill>
+                  <a:srgbClr val="000000"/>
+                </a:solidFill>
+                <a:effectLst/>
+                <a:latin typeface="Consolas" panose="020B0609020204030204" pitchFamily="49" charset="0"/>
+              </a:rPr>
+              <a:t>][</a:t>
+            </a:r>
+            <a:r>
+              <a:rPr lang="en-US" sz="1600" b="0" dirty="0">
+                <a:solidFill>
+                  <a:srgbClr val="A31515"/>
+                </a:solidFill>
+                <a:effectLst/>
+                <a:latin typeface="Consolas" panose="020B0609020204030204" pitchFamily="49" charset="0"/>
+              </a:rPr>
+              <a:t>"location"</a:t>
+            </a:r>
+            <a:r>
+              <a:rPr lang="en-US" sz="1600" b="0" dirty="0">
+                <a:solidFill>
+                  <a:srgbClr val="000000"/>
+                </a:solidFill>
+                <a:effectLst/>
+                <a:latin typeface="Consolas" panose="020B0609020204030204" pitchFamily="49" charset="0"/>
+              </a:rPr>
+              <a:t>])</a:t>
+            </a:r>
+          </a:p>
+          <a:p>
+            <a:r>
+              <a:rPr lang="en-US" sz="1600" b="0" dirty="0">
+                <a:solidFill>
+                  <a:srgbClr val="000000"/>
+                </a:solidFill>
+                <a:effectLst/>
+                <a:latin typeface="Consolas" panose="020B0609020204030204" pitchFamily="49" charset="0"/>
+              </a:rPr>
+              <a:t>            </a:t>
+            </a:r>
+            <a:r>
+              <a:rPr lang="en-US" sz="1600" b="0" dirty="0">
+                <a:solidFill>
+                  <a:srgbClr val="795E26"/>
+                </a:solidFill>
+                <a:effectLst/>
+                <a:latin typeface="Consolas" panose="020B0609020204030204" pitchFamily="49" charset="0"/>
+              </a:rPr>
+              <a:t>print</a:t>
+            </a:r>
+            <a:r>
+              <a:rPr lang="en-US" sz="1600" b="0" dirty="0">
+                <a:solidFill>
+                  <a:srgbClr val="000000"/>
+                </a:solidFill>
+                <a:effectLst/>
+                <a:latin typeface="Consolas" panose="020B0609020204030204" pitchFamily="49" charset="0"/>
+              </a:rPr>
+              <a:t>(</a:t>
+            </a:r>
+            <a:r>
+              <a:rPr lang="en-US" sz="1600" b="0" dirty="0" err="1">
+                <a:solidFill>
+                  <a:srgbClr val="001080"/>
+                </a:solidFill>
+                <a:effectLst/>
+                <a:latin typeface="Consolas" panose="020B0609020204030204" pitchFamily="49" charset="0"/>
+              </a:rPr>
+              <a:t>tweet</a:t>
+            </a:r>
+            <a:r>
+              <a:rPr lang="en-US" sz="1600" b="0" dirty="0" err="1">
+                <a:solidFill>
+                  <a:srgbClr val="000000"/>
+                </a:solidFill>
+                <a:effectLst/>
+                <a:latin typeface="Consolas" panose="020B0609020204030204" pitchFamily="49" charset="0"/>
+              </a:rPr>
+              <a:t>.</a:t>
+            </a:r>
+            <a:r>
+              <a:rPr lang="en-US" sz="1600" b="0" dirty="0" err="1">
+                <a:solidFill>
+                  <a:srgbClr val="795E26"/>
+                </a:solidFill>
+                <a:effectLst/>
+                <a:latin typeface="Consolas" panose="020B0609020204030204" pitchFamily="49" charset="0"/>
+              </a:rPr>
+              <a:t>sentiment</a:t>
+            </a:r>
+            <a:r>
+              <a:rPr lang="en-US" sz="1600" b="0" dirty="0" err="1">
+                <a:solidFill>
+                  <a:srgbClr val="000000"/>
+                </a:solidFill>
+                <a:effectLst/>
+                <a:latin typeface="Consolas" panose="020B0609020204030204" pitchFamily="49" charset="0"/>
+              </a:rPr>
+              <a:t>.polarity</a:t>
+            </a:r>
+            <a:r>
+              <a:rPr lang="en-US" sz="1600" b="0" dirty="0">
+                <a:solidFill>
+                  <a:srgbClr val="000000"/>
+                </a:solidFill>
+                <a:effectLst/>
+                <a:latin typeface="Consolas" panose="020B0609020204030204" pitchFamily="49" charset="0"/>
+              </a:rPr>
+              <a:t>)</a:t>
+            </a:r>
+          </a:p>
+          <a:p>
+            <a:r>
+              <a:rPr lang="en-US" sz="1600" b="0" dirty="0">
+                <a:solidFill>
+                  <a:srgbClr val="000000"/>
+                </a:solidFill>
+                <a:effectLst/>
+                <a:latin typeface="Consolas" panose="020B0609020204030204" pitchFamily="49" charset="0"/>
+              </a:rPr>
+              <a:t>        </a:t>
+            </a:r>
+            <a:r>
+              <a:rPr lang="en-US" sz="1600" b="0" dirty="0">
+                <a:solidFill>
+                  <a:srgbClr val="AF00DB"/>
+                </a:solidFill>
+                <a:effectLst/>
+                <a:latin typeface="Consolas" panose="020B0609020204030204" pitchFamily="49" charset="0"/>
+              </a:rPr>
+              <a:t>except</a:t>
+            </a:r>
+            <a:r>
+              <a:rPr lang="en-US" sz="1600" b="0" dirty="0">
+                <a:solidFill>
+                  <a:srgbClr val="000000"/>
+                </a:solidFill>
+                <a:effectLst/>
+                <a:latin typeface="Consolas" panose="020B0609020204030204" pitchFamily="49" charset="0"/>
+              </a:rPr>
+              <a:t>:</a:t>
+            </a:r>
+          </a:p>
+          <a:p>
+            <a:r>
+              <a:rPr lang="en-US" sz="1600" b="0" dirty="0">
+                <a:solidFill>
+                  <a:srgbClr val="000000"/>
+                </a:solidFill>
+                <a:effectLst/>
+                <a:latin typeface="Consolas" panose="020B0609020204030204" pitchFamily="49" charset="0"/>
+              </a:rPr>
+              <a:t>            </a:t>
+            </a:r>
+            <a:r>
+              <a:rPr lang="en-US" sz="1600" b="0" dirty="0">
+                <a:solidFill>
+                  <a:srgbClr val="795E26"/>
+                </a:solidFill>
+                <a:effectLst/>
+                <a:latin typeface="Consolas" panose="020B0609020204030204" pitchFamily="49" charset="0"/>
+              </a:rPr>
+              <a:t>print</a:t>
+            </a:r>
+            <a:r>
+              <a:rPr lang="en-US" sz="1600" b="0" dirty="0">
+                <a:solidFill>
+                  <a:srgbClr val="000000"/>
+                </a:solidFill>
+                <a:effectLst/>
+                <a:latin typeface="Consolas" panose="020B0609020204030204" pitchFamily="49" charset="0"/>
+              </a:rPr>
+              <a:t>(</a:t>
+            </a:r>
+            <a:r>
+              <a:rPr lang="en-US" sz="1600" b="0" dirty="0">
+                <a:solidFill>
+                  <a:srgbClr val="A31515"/>
+                </a:solidFill>
+                <a:effectLst/>
+                <a:latin typeface="Consolas" panose="020B0609020204030204" pitchFamily="49" charset="0"/>
+              </a:rPr>
+              <a:t>"Location Found Error"</a:t>
+            </a:r>
+            <a:r>
+              <a:rPr lang="en-US" sz="1600" b="0" dirty="0">
+                <a:solidFill>
+                  <a:srgbClr val="000000"/>
+                </a:solidFill>
+                <a:effectLst/>
+                <a:latin typeface="Consolas" panose="020B0609020204030204" pitchFamily="49" charset="0"/>
+              </a:rPr>
+              <a:t>)</a:t>
+            </a:r>
+          </a:p>
+          <a:p>
+            <a:r>
+              <a:rPr lang="en-US" sz="1600" b="0" dirty="0">
+                <a:solidFill>
+                  <a:srgbClr val="000000"/>
+                </a:solidFill>
+                <a:effectLst/>
+                <a:latin typeface="Consolas" panose="020B0609020204030204" pitchFamily="49" charset="0"/>
+              </a:rPr>
+              <a:t>        </a:t>
+            </a:r>
+            <a:r>
+              <a:rPr lang="en-US" sz="1600" b="0" dirty="0">
+                <a:solidFill>
+                  <a:srgbClr val="AF00DB"/>
+                </a:solidFill>
+                <a:effectLst/>
+                <a:latin typeface="Consolas" panose="020B0609020204030204" pitchFamily="49" charset="0"/>
+              </a:rPr>
+              <a:t>if</a:t>
+            </a:r>
+            <a:r>
+              <a:rPr lang="en-US" sz="1600" b="0" dirty="0">
+                <a:solidFill>
+                  <a:srgbClr val="000000"/>
+                </a:solidFill>
+                <a:effectLst/>
+                <a:latin typeface="Consolas" panose="020B0609020204030204" pitchFamily="49" charset="0"/>
+              </a:rPr>
+              <a:t>(</a:t>
+            </a:r>
+            <a:r>
+              <a:rPr lang="en-US" sz="1600" b="0" dirty="0" err="1">
+                <a:solidFill>
+                  <a:srgbClr val="001080"/>
+                </a:solidFill>
+                <a:effectLst/>
+                <a:latin typeface="Consolas" panose="020B0609020204030204" pitchFamily="49" charset="0"/>
+              </a:rPr>
+              <a:t>lat</a:t>
+            </a:r>
+            <a:r>
+              <a:rPr lang="en-US" sz="1600" b="0" dirty="0">
+                <a:solidFill>
+                  <a:srgbClr val="000000"/>
+                </a:solidFill>
+                <a:effectLst/>
+                <a:latin typeface="Consolas" panose="020B0609020204030204" pitchFamily="49" charset="0"/>
+              </a:rPr>
+              <a:t>!=</a:t>
+            </a:r>
+            <a:r>
+              <a:rPr lang="en-US" sz="1600" b="0" dirty="0">
+                <a:solidFill>
+                  <a:srgbClr val="098658"/>
+                </a:solidFill>
+                <a:effectLst/>
+                <a:latin typeface="Consolas" panose="020B0609020204030204" pitchFamily="49" charset="0"/>
+              </a:rPr>
+              <a:t>0</a:t>
+            </a:r>
+            <a:r>
+              <a:rPr lang="en-US" sz="1600" b="0" dirty="0">
+                <a:solidFill>
+                  <a:srgbClr val="000000"/>
+                </a:solidFill>
+                <a:effectLst/>
+                <a:latin typeface="Consolas" panose="020B0609020204030204" pitchFamily="49" charset="0"/>
+              </a:rPr>
+              <a:t> </a:t>
+            </a:r>
+            <a:r>
+              <a:rPr lang="en-US" sz="1600" b="0" dirty="0">
+                <a:solidFill>
+                  <a:srgbClr val="0000FF"/>
+                </a:solidFill>
+                <a:effectLst/>
+                <a:latin typeface="Consolas" panose="020B0609020204030204" pitchFamily="49" charset="0"/>
+              </a:rPr>
+              <a:t>and</a:t>
+            </a:r>
+            <a:r>
+              <a:rPr lang="en-US" sz="1600" b="0" dirty="0">
+                <a:solidFill>
+                  <a:srgbClr val="000000"/>
+                </a:solidFill>
+                <a:effectLst/>
+                <a:latin typeface="Consolas" panose="020B0609020204030204" pitchFamily="49" charset="0"/>
+              </a:rPr>
+              <a:t> </a:t>
+            </a:r>
+            <a:r>
+              <a:rPr lang="en-US" sz="1600" b="0" dirty="0" err="1">
+                <a:solidFill>
+                  <a:srgbClr val="001080"/>
+                </a:solidFill>
+                <a:effectLst/>
+                <a:latin typeface="Consolas" panose="020B0609020204030204" pitchFamily="49" charset="0"/>
+              </a:rPr>
+              <a:t>lon</a:t>
+            </a:r>
+            <a:r>
+              <a:rPr lang="en-US" sz="1600" b="0" dirty="0">
+                <a:solidFill>
+                  <a:srgbClr val="000000"/>
+                </a:solidFill>
+                <a:effectLst/>
+                <a:latin typeface="Consolas" panose="020B0609020204030204" pitchFamily="49" charset="0"/>
+              </a:rPr>
+              <a:t>!=</a:t>
+            </a:r>
+            <a:r>
+              <a:rPr lang="en-US" sz="1600" b="0" dirty="0">
+                <a:solidFill>
+                  <a:srgbClr val="098658"/>
+                </a:solidFill>
+                <a:effectLst/>
+                <a:latin typeface="Consolas" panose="020B0609020204030204" pitchFamily="49" charset="0"/>
+              </a:rPr>
+              <a:t>0</a:t>
+            </a:r>
+            <a:r>
+              <a:rPr lang="en-US" sz="1600" b="0" dirty="0">
+                <a:solidFill>
+                  <a:srgbClr val="000000"/>
+                </a:solidFill>
+                <a:effectLst/>
+                <a:latin typeface="Consolas" panose="020B0609020204030204" pitchFamily="49" charset="0"/>
+              </a:rPr>
+              <a:t>): </a:t>
+            </a:r>
+            <a:r>
+              <a:rPr lang="en-US" sz="1600" b="0" dirty="0">
+                <a:solidFill>
+                  <a:srgbClr val="008000"/>
+                </a:solidFill>
+                <a:effectLst/>
+                <a:latin typeface="Consolas" panose="020B0609020204030204" pitchFamily="49" charset="0"/>
+              </a:rPr>
+              <a:t>#and sentiment!="normal"</a:t>
+            </a:r>
+            <a:endParaRPr lang="en-US" sz="1600" b="0" dirty="0">
+              <a:solidFill>
+                <a:srgbClr val="000000"/>
+              </a:solidFill>
+              <a:effectLst/>
+              <a:latin typeface="Consolas" panose="020B0609020204030204" pitchFamily="49" charset="0"/>
+            </a:endParaRPr>
+          </a:p>
+          <a:p>
+            <a:r>
+              <a:rPr lang="en-US" sz="1600" b="0" dirty="0">
+                <a:solidFill>
+                  <a:srgbClr val="000000"/>
+                </a:solidFill>
+                <a:effectLst/>
+                <a:latin typeface="Consolas" panose="020B0609020204030204" pitchFamily="49" charset="0"/>
+              </a:rPr>
+              <a:t>            </a:t>
+            </a:r>
+            <a:r>
+              <a:rPr lang="en-US" sz="1600" b="0" dirty="0">
+                <a:solidFill>
+                  <a:srgbClr val="795E26"/>
+                </a:solidFill>
+                <a:effectLst/>
+                <a:latin typeface="Consolas" panose="020B0609020204030204" pitchFamily="49" charset="0"/>
+              </a:rPr>
+              <a:t>print</a:t>
+            </a:r>
+            <a:r>
+              <a:rPr lang="en-US" sz="1600" b="0" dirty="0">
+                <a:solidFill>
+                  <a:srgbClr val="000000"/>
+                </a:solidFill>
+                <a:effectLst/>
+                <a:latin typeface="Consolas" panose="020B0609020204030204" pitchFamily="49" charset="0"/>
+              </a:rPr>
+              <a:t>(</a:t>
+            </a:r>
+            <a:r>
+              <a:rPr lang="en-US" sz="1600" b="0" dirty="0">
+                <a:solidFill>
+                  <a:srgbClr val="001080"/>
+                </a:solidFill>
+                <a:effectLst/>
+                <a:latin typeface="Consolas" panose="020B0609020204030204" pitchFamily="49" charset="0"/>
+              </a:rPr>
+              <a:t>sentiment</a:t>
+            </a:r>
+            <a:r>
+              <a:rPr lang="en-US" sz="1600" b="0" dirty="0">
+                <a:solidFill>
+                  <a:srgbClr val="000000"/>
+                </a:solidFill>
+                <a:effectLst/>
+                <a:latin typeface="Consolas" panose="020B0609020204030204" pitchFamily="49" charset="0"/>
+              </a:rPr>
+              <a:t>)</a:t>
+            </a:r>
+          </a:p>
+          <a:p>
+            <a:r>
+              <a:rPr lang="en-US" sz="1600" b="0" dirty="0">
+                <a:solidFill>
+                  <a:srgbClr val="000000"/>
+                </a:solidFill>
+                <a:effectLst/>
+                <a:latin typeface="Consolas" panose="020B0609020204030204" pitchFamily="49" charset="0"/>
+              </a:rPr>
+              <a:t>            </a:t>
+            </a:r>
+            <a:r>
+              <a:rPr lang="en-US" sz="1600" b="0" dirty="0">
+                <a:solidFill>
+                  <a:srgbClr val="795E26"/>
+                </a:solidFill>
+                <a:effectLst/>
+                <a:latin typeface="Consolas" panose="020B0609020204030204" pitchFamily="49" charset="0"/>
+              </a:rPr>
+              <a:t>print</a:t>
+            </a:r>
+            <a:r>
+              <a:rPr lang="en-US" sz="1600" b="0" dirty="0">
+                <a:solidFill>
+                  <a:srgbClr val="000000"/>
+                </a:solidFill>
+                <a:effectLst/>
+                <a:latin typeface="Consolas" panose="020B0609020204030204" pitchFamily="49" charset="0"/>
+              </a:rPr>
+              <a:t>(</a:t>
+            </a:r>
+            <a:r>
+              <a:rPr lang="en-US" sz="1600" b="0" dirty="0" err="1">
+                <a:solidFill>
+                  <a:srgbClr val="001080"/>
+                </a:solidFill>
+                <a:effectLst/>
+                <a:latin typeface="Consolas" panose="020B0609020204030204" pitchFamily="49" charset="0"/>
+              </a:rPr>
+              <a:t>tweet</a:t>
+            </a:r>
+            <a:r>
+              <a:rPr lang="en-US" sz="1600" b="0" dirty="0" err="1">
+                <a:solidFill>
+                  <a:srgbClr val="000000"/>
+                </a:solidFill>
+                <a:effectLst/>
+                <a:latin typeface="Consolas" panose="020B0609020204030204" pitchFamily="49" charset="0"/>
+              </a:rPr>
+              <a:t>.</a:t>
+            </a:r>
+            <a:r>
+              <a:rPr lang="en-US" sz="1600" b="0" dirty="0" err="1">
+                <a:solidFill>
+                  <a:srgbClr val="795E26"/>
+                </a:solidFill>
+                <a:effectLst/>
+                <a:latin typeface="Consolas" panose="020B0609020204030204" pitchFamily="49" charset="0"/>
+              </a:rPr>
+              <a:t>sentiment</a:t>
+            </a:r>
+            <a:r>
+              <a:rPr lang="en-US" sz="1600" b="0" dirty="0" err="1">
+                <a:solidFill>
+                  <a:srgbClr val="000000"/>
+                </a:solidFill>
+                <a:effectLst/>
+                <a:latin typeface="Consolas" panose="020B0609020204030204" pitchFamily="49" charset="0"/>
+              </a:rPr>
+              <a:t>.polarity</a:t>
+            </a:r>
+            <a:r>
+              <a:rPr lang="en-US" sz="1600" b="0" dirty="0">
+                <a:solidFill>
+                  <a:srgbClr val="000000"/>
+                </a:solidFill>
+                <a:effectLst/>
+                <a:latin typeface="Consolas" panose="020B0609020204030204" pitchFamily="49" charset="0"/>
+              </a:rPr>
+              <a:t>)</a:t>
+            </a:r>
           </a:p>
         </p:txBody>
       </p:sp>
     </p:spTree>
     <p:extLst>
       <p:ext uri="{BB962C8B-B14F-4D97-AF65-F5344CB8AC3E}">
-        <p14:creationId xmlns:p14="http://schemas.microsoft.com/office/powerpoint/2010/main" val="3604978446"/>
+        <p14:creationId xmlns:p14="http://schemas.microsoft.com/office/powerpoint/2010/main" val="916196579"/>
       </p:ext>
     </p:extLst>
   </p:cSld>
@@ -3899,7 +5850,7 @@
       </p:grpSpPr>
       <p:sp>
         <p:nvSpPr>
-          <p:cNvPr id="2" name="Unvan 1"/>
+          <p:cNvPr id="2" name="Başlık 1"/>
           <p:cNvSpPr>
             <a:spLocks noGrp="1"/>
           </p:cNvSpPr>
@@ -3914,7 +5865,13 @@
           </a:bodyPr>
           <a:lstStyle/>
           <a:p>
-            <a:endParaRPr lang="tr-TR"/>
+            <a:r>
+              <a:rPr lang="fi-FI" sz="2700" dirty="0">
+                <a:latin typeface="Arial" panose="020B0604020202020204" pitchFamily="34" charset="0"/>
+                <a:cs typeface="Arial" panose="020B0604020202020204" pitchFamily="34" charset="0"/>
+              </a:rPr>
+              <a:t>Python ile veri tabanı işlemleri</a:t>
+            </a:r>
           </a:p>
         </p:txBody>
       </p:sp>
@@ -3930,17 +5887,172 @@
         </p:nvSpPr>
         <p:spPr/>
         <p:txBody>
-          <a:bodyPr/>
+          <a:bodyPr>
+            <a:normAutofit/>
+          </a:bodyPr>
           <a:lstStyle/>
           <a:p>
-            <a:endParaRPr lang="tr-TR"/>
+            <a:pPr algn="just" eaLnBrk="1" hangingPunct="1"/>
+            <a:r>
+              <a:rPr lang="tr-TR" altLang="en-US" sz="1800" dirty="0" err="1">
+                <a:latin typeface="Helvetica" panose="020B0604020202020204" pitchFamily="34" charset="0"/>
+              </a:rPr>
+              <a:t>Elastic</a:t>
+            </a:r>
+            <a:r>
+              <a:rPr lang="tr-TR" altLang="en-US" sz="1800" dirty="0">
+                <a:latin typeface="Helvetica" panose="020B0604020202020204" pitchFamily="34" charset="0"/>
+              </a:rPr>
+              <a:t> </a:t>
+            </a:r>
+            <a:r>
+              <a:rPr lang="tr-TR" altLang="en-US" sz="1800" dirty="0" err="1">
+                <a:latin typeface="Helvetica" panose="020B0604020202020204" pitchFamily="34" charset="0"/>
+              </a:rPr>
+              <a:t>Serch</a:t>
+            </a:r>
+            <a:r>
+              <a:rPr lang="tr-TR" altLang="en-US" sz="1800" dirty="0">
+                <a:latin typeface="Helvetica" panose="020B0604020202020204" pitchFamily="34" charset="0"/>
+              </a:rPr>
+              <a:t> </a:t>
+            </a:r>
+            <a:r>
+              <a:rPr lang="tr-TR" altLang="en-US" sz="1800" dirty="0" err="1">
+                <a:latin typeface="Helvetica" panose="020B0604020202020204" pitchFamily="34" charset="0"/>
+              </a:rPr>
+              <a:t>Python</a:t>
+            </a:r>
+            <a:r>
+              <a:rPr lang="tr-TR" altLang="en-US" sz="1800" dirty="0">
+                <a:latin typeface="Helvetica" panose="020B0604020202020204" pitchFamily="34" charset="0"/>
+              </a:rPr>
+              <a:t> istemcisi tarafından(</a:t>
+            </a:r>
+            <a:r>
+              <a:rPr lang="tr-TR" altLang="en-US" sz="1800" dirty="0" err="1">
+                <a:latin typeface="Helvetica" panose="020B0604020202020204" pitchFamily="34" charset="0"/>
+              </a:rPr>
+              <a:t>client</a:t>
+            </a:r>
+            <a:r>
+              <a:rPr lang="tr-TR" altLang="en-US" sz="1800" dirty="0">
+                <a:latin typeface="Helvetica" panose="020B0604020202020204" pitchFamily="34" charset="0"/>
+              </a:rPr>
+              <a:t>) tarafından istekler gönderilebilir.</a:t>
+            </a:r>
+          </a:p>
+          <a:p>
+            <a:pPr marL="0" indent="0" algn="just" eaLnBrk="1" hangingPunct="1">
+              <a:buNone/>
+            </a:pPr>
+            <a:r>
+              <a:rPr lang="tr-TR" altLang="en-US" sz="1800" dirty="0">
+                <a:latin typeface="Helvetica" panose="020B0604020202020204" pitchFamily="34" charset="0"/>
+              </a:rPr>
+              <a:t>Örnek</a:t>
+            </a:r>
+            <a:r>
+              <a:rPr lang="tr-TR" altLang="en-US" dirty="0">
+                <a:latin typeface="Helvetica" panose="020B0604020202020204" pitchFamily="34" charset="0"/>
+              </a:rPr>
+              <a:t>:</a:t>
+            </a:r>
+          </a:p>
+          <a:p>
+            <a:pPr marL="0" indent="0" algn="just" eaLnBrk="1" hangingPunct="1">
+              <a:buNone/>
+            </a:pPr>
+            <a:r>
+              <a:rPr lang="en-US" altLang="en-US" sz="1800" dirty="0" err="1">
+                <a:latin typeface="Helvetica" panose="020B0604020202020204" pitchFamily="34" charset="0"/>
+              </a:rPr>
+              <a:t>es.index</a:t>
+            </a:r>
+            <a:r>
+              <a:rPr lang="en-US" altLang="en-US" sz="1800" dirty="0">
+                <a:latin typeface="Helvetica" panose="020B0604020202020204" pitchFamily="34" charset="0"/>
+              </a:rPr>
+              <a:t>(</a:t>
+            </a:r>
+          </a:p>
+          <a:p>
+            <a:pPr marL="0" indent="0" algn="just" eaLnBrk="1" hangingPunct="1">
+              <a:buNone/>
+            </a:pPr>
+            <a:r>
+              <a:rPr lang="en-US" altLang="en-US" sz="1800" dirty="0">
+                <a:latin typeface="Helvetica" panose="020B0604020202020204" pitchFamily="34" charset="0"/>
+              </a:rPr>
+              <a:t>                index="</a:t>
+            </a:r>
+            <a:r>
+              <a:rPr lang="en-US" altLang="en-US" sz="1800" dirty="0" err="1">
+                <a:latin typeface="Helvetica" panose="020B0604020202020204" pitchFamily="34" charset="0"/>
+              </a:rPr>
+              <a:t>dolar_world_map_per_country</a:t>
+            </a:r>
+            <a:r>
+              <a:rPr lang="en-US" altLang="en-US" sz="1800" dirty="0">
+                <a:latin typeface="Helvetica" panose="020B0604020202020204" pitchFamily="34" charset="0"/>
+              </a:rPr>
+              <a:t>",</a:t>
+            </a:r>
+          </a:p>
+          <a:p>
+            <a:pPr marL="0" indent="0" algn="just" eaLnBrk="1" hangingPunct="1">
+              <a:buNone/>
+            </a:pPr>
+            <a:r>
+              <a:rPr lang="en-US" altLang="en-US" sz="1800" dirty="0">
+                <a:latin typeface="Helvetica" panose="020B0604020202020204" pitchFamily="34" charset="0"/>
+              </a:rPr>
+              <a:t>                </a:t>
+            </a:r>
+            <a:r>
+              <a:rPr lang="en-US" altLang="en-US" sz="1800" dirty="0" err="1">
+                <a:latin typeface="Helvetica" panose="020B0604020202020204" pitchFamily="34" charset="0"/>
+              </a:rPr>
+              <a:t>doc_type</a:t>
+            </a:r>
+            <a:r>
+              <a:rPr lang="en-US" altLang="en-US" sz="1800" dirty="0">
+                <a:latin typeface="Helvetica" panose="020B0604020202020204" pitchFamily="34" charset="0"/>
+              </a:rPr>
+              <a:t>="_doc",</a:t>
+            </a:r>
+          </a:p>
+          <a:p>
+            <a:pPr marL="0" indent="0" algn="just" eaLnBrk="1" hangingPunct="1">
+              <a:buNone/>
+            </a:pPr>
+            <a:r>
+              <a:rPr lang="en-US" altLang="en-US" sz="1800" dirty="0">
+                <a:latin typeface="Helvetica" panose="020B0604020202020204" pitchFamily="34" charset="0"/>
+              </a:rPr>
+              <a:t>                body={},</a:t>
+            </a:r>
+          </a:p>
+          <a:p>
+            <a:pPr marL="0" indent="0" algn="just" eaLnBrk="1" hangingPunct="1">
+              <a:buNone/>
+            </a:pPr>
+            <a:r>
+              <a:rPr lang="en-US" altLang="en-US" sz="1800" dirty="0">
+                <a:latin typeface="Helvetica" panose="020B0604020202020204" pitchFamily="34" charset="0"/>
+              </a:rPr>
+              <a:t>)</a:t>
+            </a:r>
+            <a:endParaRPr lang="tr-TR" altLang="en-US" sz="1800" dirty="0">
+              <a:latin typeface="Helvetica" panose="020B0604020202020204" pitchFamily="34" charset="0"/>
+            </a:endParaRPr>
           </a:p>
         </p:txBody>
       </p:sp>
     </p:spTree>
     <p:extLst>
       <p:ext uri="{BB962C8B-B14F-4D97-AF65-F5344CB8AC3E}">
-        <p14:creationId xmlns:p14="http://schemas.microsoft.com/office/powerpoint/2010/main" val="3592319725"/>
+        <p14:creationId xmlns:p14="http://schemas.microsoft.com/office/powerpoint/2010/main" val="759271392"/>
       </p:ext>
     </p:extLst>
   </p:cSld>
@@ -3969,7 +6081,7 @@
       </p:grpSpPr>
       <p:sp>
         <p:nvSpPr>
-          <p:cNvPr id="2" name="Unvan 1"/>
+          <p:cNvPr id="2" name="Başlık 1"/>
           <p:cNvSpPr>
             <a:spLocks noGrp="1"/>
           </p:cNvSpPr>
@@ -3984,7 +6096,52 @@
           </a:bodyPr>
           <a:lstStyle/>
           <a:p>
-            <a:endParaRPr lang="tr-TR"/>
+            <a:r>
+              <a:rPr lang="en-US" sz="2700" dirty="0">
+                <a:latin typeface="Arial" panose="020B0604020202020204" pitchFamily="34" charset="0"/>
+                <a:cs typeface="Arial" panose="020B0604020202020204" pitchFamily="34" charset="0"/>
+              </a:rPr>
+              <a:t>Elastic Search API </a:t>
+            </a:r>
+            <a:r>
+              <a:rPr lang="en-US" sz="2700" dirty="0" err="1">
+                <a:latin typeface="Arial" panose="020B0604020202020204" pitchFamily="34" charset="0"/>
+                <a:cs typeface="Arial" panose="020B0604020202020204" pitchFamily="34" charset="0"/>
+              </a:rPr>
+              <a:t>ile</a:t>
+            </a:r>
+            <a:r>
+              <a:rPr lang="en-US" sz="2700" dirty="0">
+                <a:latin typeface="Arial" panose="020B0604020202020204" pitchFamily="34" charset="0"/>
+                <a:cs typeface="Arial" panose="020B0604020202020204" pitchFamily="34" charset="0"/>
+              </a:rPr>
+              <a:t> Veri </a:t>
+            </a:r>
+            <a:r>
+              <a:rPr lang="en-US" sz="2700" dirty="0" err="1">
+                <a:latin typeface="Arial" panose="020B0604020202020204" pitchFamily="34" charset="0"/>
+                <a:cs typeface="Arial" panose="020B0604020202020204" pitchFamily="34" charset="0"/>
+              </a:rPr>
+              <a:t>Tabanı</a:t>
+            </a:r>
+            <a:r>
+              <a:rPr lang="en-US" sz="2700" dirty="0">
+                <a:latin typeface="Arial" panose="020B0604020202020204" pitchFamily="34" charset="0"/>
+                <a:cs typeface="Arial" panose="020B0604020202020204" pitchFamily="34" charset="0"/>
+              </a:rPr>
+              <a:t> </a:t>
+            </a:r>
+            <a:r>
+              <a:rPr lang="en-US" sz="2700" dirty="0" err="1">
+                <a:latin typeface="Arial" panose="020B0604020202020204" pitchFamily="34" charset="0"/>
+                <a:cs typeface="Arial" panose="020B0604020202020204" pitchFamily="34" charset="0"/>
+              </a:rPr>
+              <a:t>İşlemleri</a:t>
+            </a:r>
+            <a:endParaRPr lang="en-US" sz="2700" dirty="0">
+              <a:latin typeface="Arial" panose="020B0604020202020204" pitchFamily="34" charset="0"/>
+              <a:cs typeface="Arial" panose="020B0604020202020204" pitchFamily="34" charset="0"/>
+            </a:endParaRPr>
           </a:p>
         </p:txBody>
       </p:sp>
@@ -4000,17 +6157,405 @@
         </p:nvSpPr>
         <p:spPr/>
         <p:txBody>
-          <a:bodyPr/>
+          <a:bodyPr>
+            <a:normAutofit/>
+          </a:bodyPr>
           <a:lstStyle/>
           <a:p>
-            <a:endParaRPr lang="tr-TR"/>
+            <a:pPr marL="0" indent="0" algn="just" eaLnBrk="1" hangingPunct="1">
+              <a:buNone/>
+            </a:pPr>
+            <a:r>
+              <a:rPr lang="en-US" altLang="en-US" sz="1800" dirty="0">
+                <a:latin typeface="Calibri" panose="020F0502020204030204" pitchFamily="34" charset="0"/>
+                <a:cs typeface="Calibri" panose="020F0502020204030204" pitchFamily="34" charset="0"/>
+              </a:rPr>
+              <a:t>PUT </a:t>
+            </a:r>
+            <a:r>
+              <a:rPr lang="en-US" altLang="en-US" sz="1800" dirty="0" err="1">
+                <a:latin typeface="Calibri" panose="020F0502020204030204" pitchFamily="34" charset="0"/>
+                <a:cs typeface="Calibri" panose="020F0502020204030204" pitchFamily="34" charset="0"/>
+              </a:rPr>
+              <a:t>dolar</a:t>
+            </a:r>
+            <a:r>
+              <a:rPr lang="en-US" altLang="en-US" sz="1800" dirty="0">
+                <a:latin typeface="Calibri" panose="020F0502020204030204" pitchFamily="34" charset="0"/>
+                <a:cs typeface="Calibri" panose="020F0502020204030204" pitchFamily="34" charset="0"/>
+              </a:rPr>
+              <a:t>/_doc/1000</a:t>
+            </a:r>
+          </a:p>
+          <a:p>
+            <a:pPr marL="0" indent="0" algn="just" eaLnBrk="1" hangingPunct="1">
+              <a:buNone/>
+            </a:pPr>
+            <a:r>
+              <a:rPr lang="en-US" altLang="en-US" sz="1800" dirty="0">
+                <a:latin typeface="Calibri" panose="020F0502020204030204" pitchFamily="34" charset="0"/>
+                <a:cs typeface="Calibri" panose="020F0502020204030204" pitchFamily="34" charset="0"/>
+              </a:rPr>
+              <a:t>{</a:t>
+            </a:r>
+          </a:p>
+          <a:p>
+            <a:pPr marL="0" indent="0" algn="just" eaLnBrk="1" hangingPunct="1">
+              <a:buNone/>
+            </a:pPr>
+            <a:r>
+              <a:rPr lang="en-US" altLang="en-US" sz="1800" dirty="0">
+                <a:latin typeface="Calibri" panose="020F0502020204030204" pitchFamily="34" charset="0"/>
+                <a:cs typeface="Calibri" panose="020F0502020204030204" pitchFamily="34" charset="0"/>
+              </a:rPr>
+              <a:t>"</a:t>
+            </a:r>
+            <a:r>
+              <a:rPr lang="en-US" altLang="en-US" sz="1800" dirty="0" err="1">
+                <a:latin typeface="Calibri" panose="020F0502020204030204" pitchFamily="34" charset="0"/>
+                <a:cs typeface="Calibri" panose="020F0502020204030204" pitchFamily="34" charset="0"/>
+              </a:rPr>
+              <a:t>account_number</a:t>
+            </a:r>
+            <a:r>
+              <a:rPr lang="en-US" altLang="en-US" sz="1800" dirty="0">
+                <a:latin typeface="Calibri" panose="020F0502020204030204" pitchFamily="34" charset="0"/>
+                <a:cs typeface="Calibri" panose="020F0502020204030204" pitchFamily="34" charset="0"/>
+              </a:rPr>
+              <a:t>": 1000,</a:t>
+            </a:r>
+          </a:p>
+          <a:p>
+            <a:pPr marL="0" indent="0" algn="just" eaLnBrk="1" hangingPunct="1">
+              <a:buNone/>
+            </a:pPr>
+            <a:r>
+              <a:rPr lang="en-US" altLang="en-US" sz="1800" dirty="0">
+                <a:latin typeface="Calibri" panose="020F0502020204030204" pitchFamily="34" charset="0"/>
+                <a:cs typeface="Calibri" panose="020F0502020204030204" pitchFamily="34" charset="0"/>
+              </a:rPr>
+              <a:t>"balance": 65536,</a:t>
+            </a:r>
+          </a:p>
+          <a:p>
+            <a:pPr marL="0" indent="0" algn="just" eaLnBrk="1" hangingPunct="1">
+              <a:buNone/>
+            </a:pPr>
+            <a:r>
+              <a:rPr lang="en-US" altLang="en-US" sz="1800" dirty="0">
+                <a:latin typeface="Calibri" panose="020F0502020204030204" pitchFamily="34" charset="0"/>
+                <a:cs typeface="Calibri" panose="020F0502020204030204" pitchFamily="34" charset="0"/>
+              </a:rPr>
+              <a:t>"</a:t>
+            </a:r>
+            <a:r>
+              <a:rPr lang="en-US" altLang="en-US" sz="1800" dirty="0" err="1">
+                <a:latin typeface="Calibri" panose="020F0502020204030204" pitchFamily="34" charset="0"/>
+                <a:cs typeface="Calibri" panose="020F0502020204030204" pitchFamily="34" charset="0"/>
+              </a:rPr>
+              <a:t>firstname</a:t>
+            </a:r>
+            <a:r>
+              <a:rPr lang="en-US" altLang="en-US" sz="1800" dirty="0">
+                <a:latin typeface="Calibri" panose="020F0502020204030204" pitchFamily="34" charset="0"/>
+                <a:cs typeface="Calibri" panose="020F0502020204030204" pitchFamily="34" charset="0"/>
+              </a:rPr>
+              <a:t>": "Engin",</a:t>
+            </a:r>
+          </a:p>
+          <a:p>
+            <a:pPr marL="0" indent="0" algn="just" eaLnBrk="1" hangingPunct="1">
+              <a:buNone/>
+            </a:pPr>
+            <a:r>
+              <a:rPr lang="en-US" altLang="en-US" sz="1800" dirty="0">
+                <a:latin typeface="Calibri" panose="020F0502020204030204" pitchFamily="34" charset="0"/>
+                <a:cs typeface="Calibri" panose="020F0502020204030204" pitchFamily="34" charset="0"/>
+              </a:rPr>
+              <a:t>"</a:t>
+            </a:r>
+            <a:r>
+              <a:rPr lang="en-US" altLang="en-US" sz="1800" dirty="0" err="1">
+                <a:latin typeface="Calibri" panose="020F0502020204030204" pitchFamily="34" charset="0"/>
+                <a:cs typeface="Calibri" panose="020F0502020204030204" pitchFamily="34" charset="0"/>
+              </a:rPr>
+              <a:t>lastname</a:t>
+            </a:r>
+            <a:r>
+              <a:rPr lang="en-US" altLang="en-US" sz="1800" dirty="0">
+                <a:latin typeface="Calibri" panose="020F0502020204030204" pitchFamily="34" charset="0"/>
+                <a:cs typeface="Calibri" panose="020F0502020204030204" pitchFamily="34" charset="0"/>
+              </a:rPr>
+              <a:t>": "</a:t>
+            </a:r>
+            <a:r>
+              <a:rPr lang="en-US" altLang="en-US" sz="1800" dirty="0" err="1">
+                <a:latin typeface="Calibri" panose="020F0502020204030204" pitchFamily="34" charset="0"/>
+                <a:cs typeface="Calibri" panose="020F0502020204030204" pitchFamily="34" charset="0"/>
+              </a:rPr>
+              <a:t>Karatas</a:t>
+            </a:r>
+            <a:r>
+              <a:rPr lang="en-US" altLang="en-US" sz="1800" dirty="0">
+                <a:latin typeface="Calibri" panose="020F0502020204030204" pitchFamily="34" charset="0"/>
+                <a:cs typeface="Calibri" panose="020F0502020204030204" pitchFamily="34" charset="0"/>
+              </a:rPr>
+              <a:t>",</a:t>
+            </a:r>
+          </a:p>
+          <a:p>
+            <a:pPr marL="0" indent="0" algn="just" eaLnBrk="1" hangingPunct="1">
+              <a:buNone/>
+            </a:pPr>
+            <a:r>
+              <a:rPr lang="en-US" altLang="en-US" sz="1800" dirty="0">
+                <a:latin typeface="Calibri" panose="020F0502020204030204" pitchFamily="34" charset="0"/>
+                <a:cs typeface="Calibri" panose="020F0502020204030204" pitchFamily="34" charset="0"/>
+              </a:rPr>
+              <a:t>"age": 23,</a:t>
+            </a:r>
+          </a:p>
+          <a:p>
+            <a:pPr marL="0" indent="0" algn="just" eaLnBrk="1" hangingPunct="1">
+              <a:buNone/>
+            </a:pPr>
+            <a:r>
+              <a:rPr lang="en-US" altLang="en-US" sz="1800" dirty="0">
+                <a:latin typeface="Calibri" panose="020F0502020204030204" pitchFamily="34" charset="0"/>
+                <a:cs typeface="Calibri" panose="020F0502020204030204" pitchFamily="34" charset="0"/>
+              </a:rPr>
+              <a:t>}</a:t>
+            </a:r>
+          </a:p>
+        </p:txBody>
+      </p:sp>
+      <p:sp>
+        <p:nvSpPr>
+          <p:cNvPr id="5" name="Metin kutusu 4">
+            <a:extLst>
+              <a:ext uri="{FF2B5EF4-FFF2-40B4-BE49-F238E27FC236}">
+                <a16:creationId xmlns:a16="http://schemas.microsoft.com/office/drawing/2014/main" id="{EC72EBF3-D81E-0931-4533-8B9F7C7CBF93}"/>
+              </a:ext>
+            </a:extLst>
+          </p:cNvPr>
+          <p:cNvSpPr txBox="1"/>
+          <p:nvPr/>
+        </p:nvSpPr>
+        <p:spPr>
+          <a:xfrm>
+            <a:off x="3824749" y="2299317"/>
+            <a:ext cx="4955458" cy="1754326"/>
+          </a:xfrm>
+          <a:prstGeom prst="rect">
+            <a:avLst/>
+          </a:prstGeom>
+          <a:noFill/>
+        </p:spPr>
+        <p:txBody>
+          <a:bodyPr wrap="square">
+            <a:spAutoFit/>
+          </a:bodyPr>
+          <a:lstStyle/>
+          <a:p>
+            <a:pPr marL="450215" marR="0">
+              <a:spcBef>
+                <a:spcPts val="0"/>
+              </a:spcBef>
+              <a:spcAft>
+                <a:spcPts val="0"/>
+              </a:spcAft>
+            </a:pPr>
+            <a:r>
+              <a:rPr lang="tr-TR" sz="1800" dirty="0">
+                <a:effectLst/>
+                <a:latin typeface="Calibri" panose="020F0502020204030204" pitchFamily="34" charset="0"/>
+                <a:ea typeface="Times New Roman" panose="02020603050405020304" pitchFamily="18" charset="0"/>
+              </a:rPr>
+              <a:t>GET </a:t>
+            </a:r>
+            <a:r>
+              <a:rPr lang="tr-TR" sz="1800" dirty="0" err="1">
+                <a:effectLst/>
+                <a:latin typeface="Calibri" panose="020F0502020204030204" pitchFamily="34" charset="0"/>
+                <a:ea typeface="Times New Roman" panose="02020603050405020304" pitchFamily="18" charset="0"/>
+              </a:rPr>
+              <a:t>ukraine_crisis_topic</a:t>
+            </a:r>
+            <a:r>
+              <a:rPr lang="tr-TR" sz="1800" dirty="0">
+                <a:effectLst/>
+                <a:latin typeface="Calibri" panose="020F0502020204030204" pitchFamily="34" charset="0"/>
+                <a:ea typeface="Times New Roman" panose="02020603050405020304" pitchFamily="18" charset="0"/>
+              </a:rPr>
+              <a:t>/_</a:t>
+            </a:r>
+            <a:r>
+              <a:rPr lang="tr-TR" sz="1800" dirty="0" err="1">
+                <a:effectLst/>
+                <a:latin typeface="Calibri" panose="020F0502020204030204" pitchFamily="34" charset="0"/>
+                <a:ea typeface="Times New Roman" panose="02020603050405020304" pitchFamily="18" charset="0"/>
+              </a:rPr>
+              <a:t>search</a:t>
+            </a:r>
+            <a:endParaRPr lang="en-US" sz="1800" dirty="0">
+              <a:effectLst/>
+              <a:latin typeface="Times New Roman" panose="02020603050405020304" pitchFamily="18" charset="0"/>
+              <a:ea typeface="Times New Roman" panose="02020603050405020304" pitchFamily="18" charset="0"/>
+            </a:endParaRPr>
+          </a:p>
+          <a:p>
+            <a:pPr marL="450215" marR="0">
+              <a:spcBef>
+                <a:spcPts val="0"/>
+              </a:spcBef>
+              <a:spcAft>
+                <a:spcPts val="0"/>
+              </a:spcAft>
+            </a:pPr>
+            <a:r>
+              <a:rPr lang="tr-TR" sz="1800" dirty="0">
+                <a:effectLst/>
+                <a:latin typeface="Calibri" panose="020F0502020204030204" pitchFamily="34" charset="0"/>
+                <a:ea typeface="Times New Roman" panose="02020603050405020304" pitchFamily="18" charset="0"/>
+              </a:rPr>
+              <a:t>{</a:t>
+            </a:r>
+            <a:endParaRPr lang="en-US" sz="1800" dirty="0">
+              <a:effectLst/>
+              <a:latin typeface="Times New Roman" panose="02020603050405020304" pitchFamily="18" charset="0"/>
+              <a:ea typeface="Times New Roman" panose="02020603050405020304" pitchFamily="18" charset="0"/>
+            </a:endParaRPr>
+          </a:p>
+          <a:p>
+            <a:pPr marL="450215" marR="0">
+              <a:spcBef>
+                <a:spcPts val="0"/>
+              </a:spcBef>
+              <a:spcAft>
+                <a:spcPts val="0"/>
+              </a:spcAft>
+            </a:pPr>
+            <a:r>
+              <a:rPr lang="tr-TR" sz="1800" dirty="0">
+                <a:effectLst/>
+                <a:latin typeface="Calibri" panose="020F0502020204030204" pitchFamily="34" charset="0"/>
+                <a:ea typeface="Times New Roman" panose="02020603050405020304" pitchFamily="18" charset="0"/>
+              </a:rPr>
+              <a:t>  "</a:t>
+            </a:r>
+            <a:r>
+              <a:rPr lang="tr-TR" sz="1800" dirty="0" err="1">
+                <a:effectLst/>
+                <a:latin typeface="Calibri" panose="020F0502020204030204" pitchFamily="34" charset="0"/>
+                <a:ea typeface="Times New Roman" panose="02020603050405020304" pitchFamily="18" charset="0"/>
+              </a:rPr>
+              <a:t>query</a:t>
+            </a:r>
+            <a:r>
+              <a:rPr lang="tr-TR" sz="1800" dirty="0">
+                <a:effectLst/>
+                <a:latin typeface="Calibri" panose="020F0502020204030204" pitchFamily="34" charset="0"/>
+                <a:ea typeface="Times New Roman" panose="02020603050405020304" pitchFamily="18" charset="0"/>
+              </a:rPr>
+              <a:t>": {</a:t>
+            </a:r>
+            <a:endParaRPr lang="en-US" sz="1800" dirty="0">
+              <a:effectLst/>
+              <a:latin typeface="Times New Roman" panose="02020603050405020304" pitchFamily="18" charset="0"/>
+              <a:ea typeface="Times New Roman" panose="02020603050405020304" pitchFamily="18" charset="0"/>
+            </a:endParaRPr>
+          </a:p>
+          <a:p>
+            <a:pPr marL="450215" marR="0">
+              <a:spcBef>
+                <a:spcPts val="0"/>
+              </a:spcBef>
+              <a:spcAft>
+                <a:spcPts val="0"/>
+              </a:spcAft>
+            </a:pPr>
+            <a:r>
+              <a:rPr lang="tr-TR" sz="1800" dirty="0">
+                <a:effectLst/>
+                <a:latin typeface="Calibri" panose="020F0502020204030204" pitchFamily="34" charset="0"/>
+                <a:ea typeface="Times New Roman" panose="02020603050405020304" pitchFamily="18" charset="0"/>
+              </a:rPr>
+              <a:t>    "</a:t>
+            </a:r>
+            <a:r>
+              <a:rPr lang="tr-TR" sz="1800" dirty="0" err="1">
+                <a:effectLst/>
+                <a:latin typeface="Calibri" panose="020F0502020204030204" pitchFamily="34" charset="0"/>
+                <a:ea typeface="Times New Roman" panose="02020603050405020304" pitchFamily="18" charset="0"/>
+              </a:rPr>
+              <a:t>match_all</a:t>
+            </a:r>
+            <a:r>
+              <a:rPr lang="tr-TR" sz="1800" dirty="0">
+                <a:effectLst/>
+                <a:latin typeface="Calibri" panose="020F0502020204030204" pitchFamily="34" charset="0"/>
+                <a:ea typeface="Times New Roman" panose="02020603050405020304" pitchFamily="18" charset="0"/>
+              </a:rPr>
+              <a:t>": {}</a:t>
+            </a:r>
+            <a:endParaRPr lang="en-US" sz="1800" dirty="0">
+              <a:effectLst/>
+              <a:latin typeface="Times New Roman" panose="02020603050405020304" pitchFamily="18" charset="0"/>
+              <a:ea typeface="Times New Roman" panose="02020603050405020304" pitchFamily="18" charset="0"/>
+            </a:endParaRPr>
+          </a:p>
+          <a:p>
+            <a:pPr marL="450215" marR="0">
+              <a:spcBef>
+                <a:spcPts val="0"/>
+              </a:spcBef>
+              <a:spcAft>
+                <a:spcPts val="0"/>
+              </a:spcAft>
+            </a:pPr>
+            <a:r>
+              <a:rPr lang="tr-TR" sz="1800" dirty="0">
+                <a:effectLst/>
+                <a:latin typeface="Calibri" panose="020F0502020204030204" pitchFamily="34" charset="0"/>
+                <a:ea typeface="Times New Roman" panose="02020603050405020304" pitchFamily="18" charset="0"/>
+              </a:rPr>
+              <a:t>  }</a:t>
+            </a:r>
+            <a:endParaRPr lang="en-US" sz="1800" dirty="0">
+              <a:effectLst/>
+              <a:latin typeface="Times New Roman" panose="02020603050405020304" pitchFamily="18" charset="0"/>
+              <a:ea typeface="Times New Roman" panose="02020603050405020304" pitchFamily="18" charset="0"/>
+            </a:endParaRPr>
+          </a:p>
+          <a:p>
+            <a:pPr marL="450215" marR="0">
+              <a:spcBef>
+                <a:spcPts val="0"/>
+              </a:spcBef>
+              <a:spcAft>
+                <a:spcPts val="0"/>
+              </a:spcAft>
+            </a:pPr>
+            <a:r>
+              <a:rPr lang="tr-TR" sz="1800" dirty="0">
+                <a:effectLst/>
+                <a:latin typeface="Calibri" panose="020F0502020204030204" pitchFamily="34" charset="0"/>
+                <a:ea typeface="Times New Roman" panose="02020603050405020304" pitchFamily="18" charset="0"/>
+              </a:rPr>
+              <a:t>}</a:t>
+            </a:r>
+            <a:endParaRPr lang="en-US" sz="1800" dirty="0">
+              <a:effectLst/>
+              <a:latin typeface="Times New Roman" panose="02020603050405020304" pitchFamily="18" charset="0"/>
+              <a:ea typeface="Times New Roman" panose="02020603050405020304" pitchFamily="18" charset="0"/>
+            </a:endParaRPr>
           </a:p>
         </p:txBody>
       </p:sp>
     </p:spTree>
     <p:extLst>
       <p:ext uri="{BB962C8B-B14F-4D97-AF65-F5344CB8AC3E}">
-        <p14:creationId xmlns:p14="http://schemas.microsoft.com/office/powerpoint/2010/main" val="4028798132"/>
+        <p14:creationId xmlns:p14="http://schemas.microsoft.com/office/powerpoint/2010/main" val="2285676363"/>
       </p:ext>
     </p:extLst>
   </p:cSld>
@@ -4039,7 +6584,7 @@
       </p:grpSpPr>
       <p:sp>
         <p:nvSpPr>
-          <p:cNvPr id="2" name="Unvan 1"/>
+          <p:cNvPr id="2" name="Başlık 1"/>
           <p:cNvSpPr>
             <a:spLocks noGrp="1"/>
           </p:cNvSpPr>
@@ -4054,7 +6599,13 @@
           </a:bodyPr>
           <a:lstStyle/>
           <a:p>
-            <a:endParaRPr lang="tr-TR"/>
+            <a:r>
+              <a:rPr lang="fi-FI" sz="2700" dirty="0">
+                <a:latin typeface="Arial" panose="020B0604020202020204" pitchFamily="34" charset="0"/>
+                <a:cs typeface="Arial" panose="020B0604020202020204" pitchFamily="34" charset="0"/>
+              </a:rPr>
+              <a:t>AWS EC2 Sanal Makine Kullanımı:</a:t>
+            </a:r>
           </a:p>
         </p:txBody>
       </p:sp>
@@ -4070,17 +6621,994 @@
         </p:nvSpPr>
         <p:spPr/>
         <p:txBody>
-          <a:bodyPr/>
+          <a:bodyPr>
+            <a:normAutofit/>
+          </a:bodyPr>
           <a:lstStyle/>
           <a:p>
-            <a:endParaRPr lang="tr-TR"/>
+            <a:pPr algn="just" eaLnBrk="1" hangingPunct="1"/>
+            <a:r>
+              <a:rPr lang="tr-TR" altLang="en-US" sz="1800" dirty="0">
+                <a:latin typeface="Helvetica" panose="020B0604020202020204" pitchFamily="34" charset="0"/>
+              </a:rPr>
+              <a:t>Çalıştırılan tüm yazılımlar EC2 sanal makine üzerinde çalışmaktadır.</a:t>
+            </a:r>
+          </a:p>
+          <a:p>
+            <a:pPr algn="just"/>
+            <a:r>
+              <a:rPr lang="tr-TR" altLang="en-US" dirty="0">
+                <a:latin typeface="Helvetica" panose="020B0604020202020204" pitchFamily="34" charset="0"/>
+              </a:rPr>
+              <a:t>EC2 Sanallaştırma teknolojileri kullanılan bir işletim sistemidir.</a:t>
+            </a:r>
+          </a:p>
+          <a:p>
+            <a:pPr algn="just"/>
+            <a:r>
+              <a:rPr lang="tr-TR" sz="1800" dirty="0">
+                <a:effectLst/>
+                <a:latin typeface="Times New Roman" panose="02020603050405020304" pitchFamily="18" charset="0"/>
+                <a:ea typeface="Times New Roman" panose="02020603050405020304" pitchFamily="18" charset="0"/>
+              </a:rPr>
+              <a:t>Tercih edilen işletim sistemi özellikleri ve donanım kapasiteleri, EC2 gösterge paneli üzerinden seçilir. </a:t>
+            </a:r>
+            <a:endParaRPr lang="tr-TR" altLang="en-US" sz="1800" dirty="0">
+              <a:latin typeface="Helvetica" panose="020B0604020202020204" pitchFamily="34" charset="0"/>
+            </a:endParaRPr>
+          </a:p>
+          <a:p>
+            <a:pPr algn="just" eaLnBrk="1" hangingPunct="1"/>
+            <a:endParaRPr lang="tr-TR" altLang="en-US" sz="1800" dirty="0">
+              <a:latin typeface="Helvetica" panose="020B0604020202020204" pitchFamily="34" charset="0"/>
+            </a:endParaRPr>
+          </a:p>
+          <a:p>
+            <a:pPr algn="just" eaLnBrk="1" hangingPunct="1"/>
+            <a:endParaRPr lang="tr-TR" altLang="en-US" sz="1800" b="1" dirty="0">
+              <a:latin typeface="Helvetica" panose="020B0604020202020204" pitchFamily="34" charset="0"/>
+            </a:endParaRPr>
+          </a:p>
+          <a:p>
+            <a:endParaRPr lang="tr-TR" sz="1800" dirty="0">
+              <a:latin typeface="Arial" panose="020B0604020202020204" pitchFamily="34" charset="0"/>
+              <a:cs typeface="Arial" panose="020B0604020202020204" pitchFamily="34" charset="0"/>
+            </a:endParaRPr>
           </a:p>
         </p:txBody>
       </p:sp>
     </p:spTree>
     <p:extLst>
       <p:ext uri="{BB962C8B-B14F-4D97-AF65-F5344CB8AC3E}">
-        <p14:creationId xmlns:p14="http://schemas.microsoft.com/office/powerpoint/2010/main" val="882202312"/>
+        <p14:creationId xmlns:p14="http://schemas.microsoft.com/office/powerpoint/2010/main" val="2752035514"/>
+      </p:ext>
+    </p:extLst>
+  </p:cSld>
+  <p:clrMapOvr>
+    <a:masterClrMapping/>
+  </p:clrMapOvr>
+</p:sld>
+</file>
+
+<file path=ppt/slides/slide15.xml><?xml version="1.0" encoding="utf-8"?>
+<p:sld xmlns:a="http://schemas.openxmlformats.org/drawingml/2006/main" xmlns:r="http://schemas.openxmlformats.org/officeDocument/2006/relationships" xmlns:p="http://schemas.openxmlformats.org/presentationml/2006/main">
+  <p:cSld>
+    <p:spTree>
+      <p:nvGrpSpPr>
+        <p:cNvPr id="1" name=""/>
+        <p:cNvGrpSpPr/>
+        <p:nvPr/>
+      </p:nvGrpSpPr>
+      <p:grpSpPr>
+        <a:xfrm>
+          <a:off x="0" y="0"/>
+          <a:ext cx="0" cy="0"/>
+          <a:chOff x="0" y="0"/>
+          <a:chExt cx="0" cy="0"/>
+        </a:xfrm>
+      </p:grpSpPr>
+      <p:sp>
+        <p:nvSpPr>
+          <p:cNvPr id="2" name="Başlık 1"/>
+          <p:cNvSpPr>
+            <a:spLocks noGrp="1"/>
+          </p:cNvSpPr>
+          <p:nvPr>
+            <p:ph type="title"/>
+          </p:nvPr>
+        </p:nvSpPr>
+        <p:spPr/>
+        <p:txBody>
+          <a:bodyPr>
+            <a:normAutofit/>
+          </a:bodyPr>
+          <a:lstStyle/>
+          <a:p>
+            <a:r>
+              <a:rPr lang="en-US" sz="2700" dirty="0">
+                <a:latin typeface="Arial" panose="020B0604020202020204" pitchFamily="34" charset="0"/>
+                <a:cs typeface="Arial" panose="020B0604020202020204" pitchFamily="34" charset="0"/>
+              </a:rPr>
+              <a:t>Monitoring, Analytics ve </a:t>
+            </a:r>
+            <a:r>
+              <a:rPr lang="en-US" sz="2700" dirty="0" err="1">
+                <a:latin typeface="Arial" panose="020B0604020202020204" pitchFamily="34" charset="0"/>
+                <a:cs typeface="Arial" panose="020B0604020202020204" pitchFamily="34" charset="0"/>
+              </a:rPr>
+              <a:t>Görselleştirme</a:t>
+            </a:r>
+            <a:endParaRPr lang="en-US" sz="2700" dirty="0">
+              <a:latin typeface="Arial" panose="020B0604020202020204" pitchFamily="34" charset="0"/>
+              <a:cs typeface="Arial" panose="020B0604020202020204" pitchFamily="34" charset="0"/>
+            </a:endParaRPr>
+          </a:p>
+        </p:txBody>
+      </p:sp>
+      <p:pic>
+        <p:nvPicPr>
+          <p:cNvPr id="20" name="Picture 19">
+            <a:extLst>
+              <a:ext uri="{FF2B5EF4-FFF2-40B4-BE49-F238E27FC236}">
+                <a16:creationId xmlns:a16="http://schemas.microsoft.com/office/drawing/2014/main" id="{F4E49C17-1992-47F7-5375-1CF120F0A683}"/>
+              </a:ext>
+            </a:extLst>
+          </p:cNvPr>
+          <p:cNvPicPr>
+            <a:picLocks noGrp="1" noChangeAspect="1"/>
+          </p:cNvPicPr>
+          <p:nvPr>
+            <p:ph idx="1"/>
+          </p:nvPr>
+        </p:nvPicPr>
+        <p:blipFill rotWithShape="1">
+          <a:blip r:embed="rId2">
+            <a:extLst>
+              <a:ext uri="{28A0092B-C50C-407E-A947-70E740481C1C}">
+                <a14:useLocalDpi xmlns:a14="http://schemas.microsoft.com/office/drawing/2010/main" val="0"/>
+              </a:ext>
+            </a:extLst>
+          </a:blip>
+          <a:srcRect r="8807"/>
+          <a:stretch/>
+        </p:blipFill>
+        <p:spPr bwMode="auto">
+          <a:xfrm>
+            <a:off x="228630" y="2314706"/>
+            <a:ext cx="2756643" cy="1664019"/>
+          </a:xfrm>
+          <a:prstGeom prst="rect">
+            <a:avLst/>
+          </a:prstGeom>
+          <a:noFill/>
+          <a:ln>
+            <a:noFill/>
+          </a:ln>
+        </p:spPr>
+      </p:pic>
+      <p:sp>
+        <p:nvSpPr>
+          <p:cNvPr id="22" name="Metin kutusu 21">
+            <a:extLst>
+              <a:ext uri="{FF2B5EF4-FFF2-40B4-BE49-F238E27FC236}">
+                <a16:creationId xmlns:a16="http://schemas.microsoft.com/office/drawing/2014/main" id="{00A37890-C534-A727-CC99-810DF0144192}"/>
+              </a:ext>
+            </a:extLst>
+          </p:cNvPr>
+          <p:cNvSpPr txBox="1"/>
+          <p:nvPr/>
+        </p:nvSpPr>
+        <p:spPr>
+          <a:xfrm>
+            <a:off x="203082" y="4435105"/>
+            <a:ext cx="3022861" cy="605935"/>
+          </a:xfrm>
+          <a:prstGeom prst="rect">
+            <a:avLst/>
+          </a:prstGeom>
+          <a:noFill/>
+        </p:spPr>
+        <p:txBody>
+          <a:bodyPr wrap="square">
+            <a:spAutoFit/>
+          </a:bodyPr>
+          <a:lstStyle/>
+          <a:p>
+            <a:pPr marL="0" marR="0" algn="ctr" eaLnBrk="0" fontAlgn="base" hangingPunct="0">
+              <a:lnSpc>
+                <a:spcPct val="107000"/>
+              </a:lnSpc>
+              <a:spcBef>
+                <a:spcPts val="0"/>
+              </a:spcBef>
+              <a:spcAft>
+                <a:spcPts val="800"/>
+              </a:spcAft>
+            </a:pPr>
+            <a:r>
+              <a:rPr lang="tr-TR" sz="1600" kern="1200" dirty="0">
+                <a:solidFill>
+                  <a:srgbClr val="000000"/>
+                </a:solidFill>
+                <a:effectLst/>
+                <a:latin typeface="Helvetica" panose="020B0604020202020204" pitchFamily="34" charset="0"/>
+                <a:ea typeface="Calibri" panose="020F0502020204030204" pitchFamily="34" charset="0"/>
+                <a:cs typeface="Times New Roman" panose="02020603050405020304" pitchFamily="18" charset="0"/>
+              </a:rPr>
+              <a:t>Duygu Yoğunluklarının dağılım grafiği</a:t>
+            </a:r>
+            <a:endParaRPr lang="en-US" sz="1000" dirty="0">
+              <a:effectLst/>
+              <a:latin typeface="Calibri" panose="020F0502020204030204" pitchFamily="34" charset="0"/>
+              <a:ea typeface="Calibri" panose="020F0502020204030204" pitchFamily="34" charset="0"/>
+              <a:cs typeface="Times New Roman" panose="02020603050405020304" pitchFamily="18" charset="0"/>
+            </a:endParaRPr>
+          </a:p>
+        </p:txBody>
+      </p:sp>
+      <p:sp>
+        <p:nvSpPr>
+          <p:cNvPr id="24" name="Metin kutusu 23">
+            <a:extLst>
+              <a:ext uri="{FF2B5EF4-FFF2-40B4-BE49-F238E27FC236}">
+                <a16:creationId xmlns:a16="http://schemas.microsoft.com/office/drawing/2014/main" id="{B0B78CB0-E090-71B5-47FE-78C3F64F7268}"/>
+              </a:ext>
+            </a:extLst>
+          </p:cNvPr>
+          <p:cNvSpPr txBox="1"/>
+          <p:nvPr/>
+        </p:nvSpPr>
+        <p:spPr>
+          <a:xfrm>
+            <a:off x="3542197" y="4435105"/>
+            <a:ext cx="3022861" cy="605935"/>
+          </a:xfrm>
+          <a:prstGeom prst="rect">
+            <a:avLst/>
+          </a:prstGeom>
+          <a:noFill/>
+        </p:spPr>
+        <p:txBody>
+          <a:bodyPr wrap="square">
+            <a:spAutoFit/>
+          </a:bodyPr>
+          <a:lstStyle/>
+          <a:p>
+            <a:pPr marL="0" marR="0" algn="ctr" eaLnBrk="0" fontAlgn="base" hangingPunct="0">
+              <a:lnSpc>
+                <a:spcPct val="107000"/>
+              </a:lnSpc>
+              <a:spcBef>
+                <a:spcPts val="0"/>
+              </a:spcBef>
+              <a:spcAft>
+                <a:spcPts val="800"/>
+              </a:spcAft>
+            </a:pPr>
+            <a:r>
+              <a:rPr lang="tr-TR" sz="1600" kern="1200" dirty="0">
+                <a:solidFill>
+                  <a:srgbClr val="000000"/>
+                </a:solidFill>
+                <a:effectLst/>
+                <a:latin typeface="Helvetica" panose="020B0604020202020204" pitchFamily="34" charset="0"/>
+                <a:ea typeface="Calibri" panose="020F0502020204030204" pitchFamily="34" charset="0"/>
+                <a:cs typeface="Times New Roman" panose="02020603050405020304" pitchFamily="18" charset="0"/>
+              </a:rPr>
+              <a:t>En Çok Takipçi Sayısına Sahip Konumlar.</a:t>
+            </a:r>
+            <a:endParaRPr lang="en-US" sz="1000" dirty="0">
+              <a:effectLst/>
+              <a:latin typeface="Calibri" panose="020F0502020204030204" pitchFamily="34" charset="0"/>
+              <a:ea typeface="Calibri" panose="020F0502020204030204" pitchFamily="34" charset="0"/>
+              <a:cs typeface="Times New Roman" panose="02020603050405020304" pitchFamily="18" charset="0"/>
+            </a:endParaRPr>
+          </a:p>
+        </p:txBody>
+      </p:sp>
+      <p:pic>
+        <p:nvPicPr>
+          <p:cNvPr id="25" name="Picture 20">
+            <a:extLst>
+              <a:ext uri="{FF2B5EF4-FFF2-40B4-BE49-F238E27FC236}">
+                <a16:creationId xmlns:a16="http://schemas.microsoft.com/office/drawing/2014/main" id="{D8A32AE7-D2A8-140B-3FED-555C642CA5B8}"/>
+              </a:ext>
+            </a:extLst>
+          </p:cNvPr>
+          <p:cNvPicPr>
+            <a:picLocks noChangeAspect="1"/>
+          </p:cNvPicPr>
+          <p:nvPr/>
+        </p:nvPicPr>
+        <p:blipFill>
+          <a:blip r:embed="rId3">
+            <a:extLst>
+              <a:ext uri="{28A0092B-C50C-407E-A947-70E740481C1C}">
+                <a14:useLocalDpi xmlns:a14="http://schemas.microsoft.com/office/drawing/2010/main" val="0"/>
+              </a:ext>
+            </a:extLst>
+          </a:blip>
+          <a:srcRect/>
+          <a:stretch>
+            <a:fillRect/>
+          </a:stretch>
+        </p:blipFill>
+        <p:spPr bwMode="auto">
+          <a:xfrm>
+            <a:off x="3315729" y="2189897"/>
+            <a:ext cx="3475799" cy="1913635"/>
+          </a:xfrm>
+          <a:prstGeom prst="rect">
+            <a:avLst/>
+          </a:prstGeom>
+          <a:noFill/>
+          <a:ln>
+            <a:noFill/>
+          </a:ln>
+        </p:spPr>
+      </p:pic>
+      <p:pic>
+        <p:nvPicPr>
+          <p:cNvPr id="26" name="Picture 12">
+            <a:extLst>
+              <a:ext uri="{FF2B5EF4-FFF2-40B4-BE49-F238E27FC236}">
+                <a16:creationId xmlns:a16="http://schemas.microsoft.com/office/drawing/2014/main" id="{88FAE2E8-8C38-2D6E-A80D-BB7CD7D3C56E}"/>
+              </a:ext>
+            </a:extLst>
+          </p:cNvPr>
+          <p:cNvPicPr>
+            <a:picLocks noChangeAspect="1"/>
+          </p:cNvPicPr>
+          <p:nvPr/>
+        </p:nvPicPr>
+        <p:blipFill rotWithShape="1">
+          <a:blip r:embed="rId4">
+            <a:extLst>
+              <a:ext uri="{28A0092B-C50C-407E-A947-70E740481C1C}">
+                <a14:useLocalDpi xmlns:a14="http://schemas.microsoft.com/office/drawing/2010/main" val="0"/>
+              </a:ext>
+            </a:extLst>
+          </a:blip>
+          <a:srcRect l="26958" r="26772"/>
+          <a:stretch/>
+        </p:blipFill>
+        <p:spPr bwMode="auto">
+          <a:xfrm>
+            <a:off x="7166678" y="1916058"/>
+            <a:ext cx="1941799" cy="2187474"/>
+          </a:xfrm>
+          <a:prstGeom prst="rect">
+            <a:avLst/>
+          </a:prstGeom>
+          <a:noFill/>
+          <a:ln>
+            <a:noFill/>
+          </a:ln>
+        </p:spPr>
+      </p:pic>
+      <p:sp>
+        <p:nvSpPr>
+          <p:cNvPr id="28" name="Metin kutusu 27">
+            <a:extLst>
+              <a:ext uri="{FF2B5EF4-FFF2-40B4-BE49-F238E27FC236}">
+                <a16:creationId xmlns:a16="http://schemas.microsoft.com/office/drawing/2014/main" id="{3645301B-16B8-4697-6935-C3D2ED36B352}"/>
+              </a:ext>
+            </a:extLst>
+          </p:cNvPr>
+          <p:cNvSpPr txBox="1"/>
+          <p:nvPr/>
+        </p:nvSpPr>
+        <p:spPr>
+          <a:xfrm>
+            <a:off x="6881312" y="4394709"/>
+            <a:ext cx="2604304" cy="646331"/>
+          </a:xfrm>
+          <a:prstGeom prst="rect">
+            <a:avLst/>
+          </a:prstGeom>
+          <a:noFill/>
+        </p:spPr>
+        <p:txBody>
+          <a:bodyPr wrap="square">
+            <a:spAutoFit/>
+          </a:bodyPr>
+          <a:lstStyle/>
+          <a:p>
+            <a:pPr algn="ctr"/>
+            <a:r>
+              <a:rPr lang="tr-TR" sz="1800" dirty="0" err="1">
+                <a:effectLst/>
+                <a:latin typeface="Helvetica" panose="020B0604020202020204" pitchFamily="34" charset="0"/>
+                <a:ea typeface="Times New Roman" panose="02020603050405020304" pitchFamily="18" charset="0"/>
+                <a:cs typeface="Helvetica" panose="020B0604020202020204" pitchFamily="34" charset="0"/>
+              </a:rPr>
+              <a:t>Lokasyon</a:t>
+            </a:r>
+            <a:r>
+              <a:rPr lang="tr-TR" sz="1800" dirty="0">
+                <a:effectLst/>
+                <a:latin typeface="Helvetica" panose="020B0604020202020204" pitchFamily="34" charset="0"/>
+                <a:ea typeface="Times New Roman" panose="02020603050405020304" pitchFamily="18" charset="0"/>
+                <a:cs typeface="Helvetica" panose="020B0604020202020204" pitchFamily="34" charset="0"/>
+              </a:rPr>
+              <a:t> Bazında Kayıt Sayısı</a:t>
+            </a:r>
+            <a:endParaRPr lang="en-US" dirty="0"/>
+          </a:p>
+        </p:txBody>
+      </p:sp>
+    </p:spTree>
+    <p:extLst>
+      <p:ext uri="{BB962C8B-B14F-4D97-AF65-F5344CB8AC3E}">
+        <p14:creationId xmlns:p14="http://schemas.microsoft.com/office/powerpoint/2010/main" val="675800425"/>
+      </p:ext>
+    </p:extLst>
+  </p:cSld>
+  <p:clrMapOvr>
+    <a:masterClrMapping/>
+  </p:clrMapOvr>
+</p:sld>
+</file>
+
+<file path=ppt/slides/slide16.xml><?xml version="1.0" encoding="utf-8"?>
+<p:sld xmlns:a="http://schemas.openxmlformats.org/drawingml/2006/main" xmlns:r="http://schemas.openxmlformats.org/officeDocument/2006/relationships" xmlns:p="http://schemas.openxmlformats.org/presentationml/2006/main">
+  <p:cSld>
+    <p:spTree>
+      <p:nvGrpSpPr>
+        <p:cNvPr id="1" name=""/>
+        <p:cNvGrpSpPr/>
+        <p:nvPr/>
+      </p:nvGrpSpPr>
+      <p:grpSpPr>
+        <a:xfrm>
+          <a:off x="0" y="0"/>
+          <a:ext cx="0" cy="0"/>
+          <a:chOff x="0" y="0"/>
+          <a:chExt cx="0" cy="0"/>
+        </a:xfrm>
+      </p:grpSpPr>
+      <p:sp>
+        <p:nvSpPr>
+          <p:cNvPr id="2" name="Başlık 1"/>
+          <p:cNvSpPr>
+            <a:spLocks noGrp="1"/>
+          </p:cNvSpPr>
+          <p:nvPr>
+            <p:ph type="title"/>
+          </p:nvPr>
+        </p:nvSpPr>
+        <p:spPr/>
+        <p:txBody>
+          <a:bodyPr>
+            <a:normAutofit/>
+          </a:bodyPr>
+          <a:lstStyle/>
+          <a:p>
+            <a:r>
+              <a:rPr lang="sv-SE" sz="2700" dirty="0">
+                <a:latin typeface="Arial" panose="020B0604020202020204" pitchFamily="34" charset="0"/>
+                <a:cs typeface="Arial" panose="020B0604020202020204" pitchFamily="34" charset="0"/>
+              </a:rPr>
+              <a:t>Dünya Haritasında Konuma Göre Duygu Analizi</a:t>
+            </a:r>
+            <a:endParaRPr lang="en-US" sz="2700" dirty="0">
+              <a:latin typeface="Arial" panose="020B0604020202020204" pitchFamily="34" charset="0"/>
+              <a:cs typeface="Arial" panose="020B0604020202020204" pitchFamily="34" charset="0"/>
+            </a:endParaRPr>
+          </a:p>
+        </p:txBody>
+      </p:sp>
+      <p:pic>
+        <p:nvPicPr>
+          <p:cNvPr id="8" name="Picture 11" descr="Chart, bubble chart&#10;&#10;Description automatically generated">
+            <a:extLst>
+              <a:ext uri="{FF2B5EF4-FFF2-40B4-BE49-F238E27FC236}">
+                <a16:creationId xmlns:a16="http://schemas.microsoft.com/office/drawing/2014/main" id="{27C2772F-EA51-8AE5-EB96-4D7B1D10D6AC}"/>
+              </a:ext>
+            </a:extLst>
+          </p:cNvPr>
+          <p:cNvPicPr>
+            <a:picLocks noGrp="1" noChangeAspect="1"/>
+          </p:cNvPicPr>
+          <p:nvPr>
+            <p:ph idx="1"/>
+          </p:nvPr>
+        </p:nvPicPr>
+        <p:blipFill>
+          <a:blip r:embed="rId2"/>
+          <a:stretch>
+            <a:fillRect/>
+          </a:stretch>
+        </p:blipFill>
+        <p:spPr>
+          <a:xfrm>
+            <a:off x="2909896" y="3155209"/>
+            <a:ext cx="4086207" cy="2500158"/>
+          </a:xfrm>
+          <a:prstGeom prst="roundRect">
+            <a:avLst>
+              <a:gd name="adj" fmla="val 16667"/>
+            </a:avLst>
+          </a:prstGeom>
+          <a:ln>
+            <a:noFill/>
+          </a:ln>
+          <a:effectLst>
+            <a:outerShdw blurRad="152400" dist="12000" dir="900000" sy="98000" kx="110000" ky="200000" algn="tl" rotWithShape="0">
+              <a:srgbClr val="000000">
+                <a:alpha val="30000"/>
+              </a:srgbClr>
+            </a:outerShdw>
+          </a:effectLst>
+          <a:scene3d>
+            <a:camera prst="perspectiveRelaxed">
+              <a:rot lat="19800000" lon="1200000" rev="20820000"/>
+            </a:camera>
+            <a:lightRig rig="threePt" dir="t"/>
+          </a:scene3d>
+          <a:sp3d contourW="6350" prstMaterial="matte">
+            <a:bevelT w="101600" h="101600"/>
+            <a:contourClr>
+              <a:srgbClr val="969696"/>
+            </a:contourClr>
+          </a:sp3d>
+        </p:spPr>
+      </p:pic>
+      <p:sp>
+        <p:nvSpPr>
+          <p:cNvPr id="9" name="İçerik Yer Tutucusu 2">
+            <a:extLst>
+              <a:ext uri="{FF2B5EF4-FFF2-40B4-BE49-F238E27FC236}">
+                <a16:creationId xmlns:a16="http://schemas.microsoft.com/office/drawing/2014/main" id="{EDA818FC-933B-E245-ECDA-079E0FBA03E8}"/>
+              </a:ext>
+            </a:extLst>
+          </p:cNvPr>
+          <p:cNvSpPr txBox="1">
+            <a:spLocks/>
+          </p:cNvSpPr>
+          <p:nvPr/>
+        </p:nvSpPr>
+        <p:spPr>
+          <a:xfrm>
+            <a:off x="681038" y="2299317"/>
+            <a:ext cx="8543925" cy="3877646"/>
+          </a:xfrm>
+          <a:prstGeom prst="rect">
+            <a:avLst/>
+          </a:prstGeom>
+        </p:spPr>
+        <p:txBody>
+          <a:bodyPr vert="horz" lIns="91440" tIns="45720" rIns="91440" bIns="45720" rtlCol="0">
+            <a:normAutofit/>
+          </a:bodyPr>
+          <a:lstStyle>
+            <a:lvl1pPr marL="228600" indent="-228600" algn="l" defTabSz="914400" rtl="0" eaLnBrk="1" latinLnBrk="0" hangingPunct="1">
+              <a:lnSpc>
+                <a:spcPct val="90000"/>
+              </a:lnSpc>
+              <a:spcBef>
+                <a:spcPts val="1000"/>
+              </a:spcBef>
+              <a:buFont typeface="Arial" panose="020B0604020202020204" pitchFamily="34" charset="0"/>
+              <a:buChar char="•"/>
+              <a:defRPr sz="1800" kern="1200">
+                <a:solidFill>
+                  <a:schemeClr val="tx1"/>
+                </a:solidFill>
+                <a:latin typeface="Arial" panose="020B0604020202020204" pitchFamily="34" charset="0"/>
+                <a:ea typeface="+mn-ea"/>
+                <a:cs typeface="Arial" panose="020B0604020202020204" pitchFamily="34" charset="0"/>
+              </a:defRPr>
+            </a:lvl1pPr>
+            <a:lvl2pPr marL="685800" indent="-228600" algn="l" defTabSz="914400" rtl="0" eaLnBrk="1" latinLnBrk="0" hangingPunct="1">
+              <a:lnSpc>
+                <a:spcPct val="90000"/>
+              </a:lnSpc>
+              <a:spcBef>
+                <a:spcPts val="500"/>
+              </a:spcBef>
+              <a:buFont typeface="Arial" panose="020B0604020202020204" pitchFamily="34" charset="0"/>
+              <a:buChar char="•"/>
+              <a:defRPr sz="1600" kern="1200">
+                <a:solidFill>
+                  <a:schemeClr val="tx1"/>
+                </a:solidFill>
+                <a:latin typeface="Arial" panose="020B0604020202020204" pitchFamily="34" charset="0"/>
+                <a:ea typeface="+mn-ea"/>
+                <a:cs typeface="Arial" panose="020B0604020202020204" pitchFamily="34" charset="0"/>
+              </a:defRPr>
+            </a:lvl2pPr>
+            <a:lvl3pPr marL="1143000" indent="-228600" algn="l" defTabSz="914400" rtl="0" eaLnBrk="1" latinLnBrk="0" hangingPunct="1">
+              <a:lnSpc>
+                <a:spcPct val="90000"/>
+              </a:lnSpc>
+              <a:spcBef>
+                <a:spcPts val="500"/>
+              </a:spcBef>
+              <a:buFont typeface="Arial" panose="020B0604020202020204" pitchFamily="34" charset="0"/>
+              <a:buChar char="•"/>
+              <a:defRPr sz="1400" kern="1200">
+                <a:solidFill>
+                  <a:schemeClr val="tx1"/>
+                </a:solidFill>
+                <a:latin typeface="Arial" panose="020B0604020202020204" pitchFamily="34" charset="0"/>
+                <a:ea typeface="+mn-ea"/>
+                <a:cs typeface="Arial" panose="020B0604020202020204" pitchFamily="34" charset="0"/>
+              </a:defRPr>
+            </a:lvl3pPr>
+            <a:lvl4pPr marL="1600200" indent="-228600" algn="l" defTabSz="914400" rtl="0" eaLnBrk="1" latinLnBrk="0" hangingPunct="1">
+              <a:lnSpc>
+                <a:spcPct val="90000"/>
+              </a:lnSpc>
+              <a:spcBef>
+                <a:spcPts val="500"/>
+              </a:spcBef>
+              <a:buFont typeface="Arial" panose="020B0604020202020204" pitchFamily="34" charset="0"/>
+              <a:buChar char="•"/>
+              <a:defRPr sz="1200" kern="1200">
+                <a:solidFill>
+                  <a:schemeClr val="tx1"/>
+                </a:solidFill>
+                <a:latin typeface="Arial" panose="020B0604020202020204" pitchFamily="34" charset="0"/>
+                <a:ea typeface="+mn-ea"/>
+                <a:cs typeface="Arial" panose="020B0604020202020204" pitchFamily="34" charset="0"/>
+              </a:defRPr>
+            </a:lvl4pPr>
+            <a:lvl5pPr marL="2057400" indent="-228600" algn="l" defTabSz="914400" rtl="0" eaLnBrk="1" latinLnBrk="0" hangingPunct="1">
+              <a:lnSpc>
+                <a:spcPct val="90000"/>
+              </a:lnSpc>
+              <a:spcBef>
+                <a:spcPts val="500"/>
+              </a:spcBef>
+              <a:buFont typeface="Arial" panose="020B0604020202020204" pitchFamily="34" charset="0"/>
+              <a:buChar char="•"/>
+              <a:defRPr sz="1000" kern="1200">
+                <a:solidFill>
+                  <a:schemeClr val="tx1"/>
+                </a:solidFill>
+                <a:latin typeface="Arial" panose="020B0604020202020204" pitchFamily="34" charset="0"/>
+                <a:ea typeface="+mn-ea"/>
+                <a:cs typeface="Arial" panose="020B0604020202020204" pitchFamily="34" charset="0"/>
+              </a:defRPr>
+            </a:lvl5pPr>
+            <a:lvl6pPr marL="2514600" indent="-228600" algn="l" defTabSz="914400" rtl="0" eaLnBrk="1" latinLnBrk="0" hangingPunct="1">
+              <a:lnSpc>
+                <a:spcPct val="90000"/>
+              </a:lnSpc>
+              <a:spcBef>
+                <a:spcPts val="500"/>
+              </a:spcBef>
+              <a:buFont typeface="Arial" panose="020B0604020202020204" pitchFamily="34" charset="0"/>
+              <a:buChar char="•"/>
+              <a:defRPr sz="1800" kern="1200">
+                <a:solidFill>
+                  <a:schemeClr val="tx1"/>
+                </a:solidFill>
+                <a:latin typeface="+mn-lt"/>
+                <a:ea typeface="+mn-ea"/>
+                <a:cs typeface="+mn-cs"/>
+              </a:defRPr>
+            </a:lvl6pPr>
+            <a:lvl7pPr marL="2971800" indent="-228600" algn="l" defTabSz="914400" rtl="0" eaLnBrk="1" latinLnBrk="0" hangingPunct="1">
+              <a:lnSpc>
+                <a:spcPct val="90000"/>
+              </a:lnSpc>
+              <a:spcBef>
+                <a:spcPts val="500"/>
+              </a:spcBef>
+              <a:buFont typeface="Arial" panose="020B0604020202020204" pitchFamily="34" charset="0"/>
+              <a:buChar char="•"/>
+              <a:defRPr sz="1800" kern="1200">
+                <a:solidFill>
+                  <a:schemeClr val="tx1"/>
+                </a:solidFill>
+                <a:latin typeface="+mn-lt"/>
+                <a:ea typeface="+mn-ea"/>
+                <a:cs typeface="+mn-cs"/>
+              </a:defRPr>
+            </a:lvl7pPr>
+            <a:lvl8pPr marL="3429000" indent="-228600" algn="l" defTabSz="914400" rtl="0" eaLnBrk="1" latinLnBrk="0" hangingPunct="1">
+              <a:lnSpc>
+                <a:spcPct val="90000"/>
+              </a:lnSpc>
+              <a:spcBef>
+                <a:spcPts val="500"/>
+              </a:spcBef>
+              <a:buFont typeface="Arial" panose="020B0604020202020204" pitchFamily="34" charset="0"/>
+              <a:buChar char="•"/>
+              <a:defRPr sz="1800" kern="1200">
+                <a:solidFill>
+                  <a:schemeClr val="tx1"/>
+                </a:solidFill>
+                <a:latin typeface="+mn-lt"/>
+                <a:ea typeface="+mn-ea"/>
+                <a:cs typeface="+mn-cs"/>
+              </a:defRPr>
+            </a:lvl8pPr>
+            <a:lvl9pPr marL="3886200" indent="-228600" algn="l" defTabSz="914400" rtl="0" eaLnBrk="1" latinLnBrk="0" hangingPunct="1">
+              <a:lnSpc>
+                <a:spcPct val="90000"/>
+              </a:lnSpc>
+              <a:spcBef>
+                <a:spcPts val="500"/>
+              </a:spcBef>
+              <a:buFont typeface="Arial" panose="020B0604020202020204" pitchFamily="34" charset="0"/>
+              <a:buChar char="•"/>
+              <a:defRPr sz="1800" kern="1200">
+                <a:solidFill>
+                  <a:schemeClr val="tx1"/>
+                </a:solidFill>
+                <a:latin typeface="+mn-lt"/>
+                <a:ea typeface="+mn-ea"/>
+                <a:cs typeface="+mn-cs"/>
+              </a:defRPr>
+            </a:lvl9pPr>
+          </a:lstStyle>
+          <a:p>
+            <a:pPr algn="just"/>
+            <a:r>
+              <a:rPr lang="tr-TR" altLang="en-US" dirty="0">
+                <a:latin typeface="Helvetica" panose="020B0604020202020204" pitchFamily="34" charset="0"/>
+              </a:rPr>
+              <a:t>Ülke </a:t>
+            </a:r>
+            <a:r>
+              <a:rPr lang="tr-TR" altLang="en-US" dirty="0" err="1">
+                <a:latin typeface="Helvetica" panose="020B0604020202020204" pitchFamily="34" charset="0"/>
+              </a:rPr>
+              <a:t>farketmeksizin</a:t>
+            </a:r>
+            <a:r>
+              <a:rPr lang="tr-TR" altLang="en-US" dirty="0">
+                <a:latin typeface="Helvetica" panose="020B0604020202020204" pitchFamily="34" charset="0"/>
+              </a:rPr>
+              <a:t> konum üzerinden eşzamanlı duygu analizi</a:t>
+            </a:r>
+          </a:p>
+          <a:p>
+            <a:pPr algn="just"/>
+            <a:r>
+              <a:rPr lang="tr-TR" altLang="en-US" dirty="0">
+                <a:latin typeface="Helvetica" panose="020B0604020202020204" pitchFamily="34" charset="0"/>
+              </a:rPr>
+              <a:t>Ukrayna Rusya savaşı, Dolar kuru harita üzerinde incelenmiştir</a:t>
+            </a:r>
+          </a:p>
+          <a:p>
+            <a:endParaRPr lang="tr-TR" dirty="0"/>
+          </a:p>
+        </p:txBody>
+      </p:sp>
+    </p:spTree>
+    <p:extLst>
+      <p:ext uri="{BB962C8B-B14F-4D97-AF65-F5344CB8AC3E}">
+        <p14:creationId xmlns:p14="http://schemas.microsoft.com/office/powerpoint/2010/main" val="3416813365"/>
+      </p:ext>
+    </p:extLst>
+  </p:cSld>
+  <p:clrMapOvr>
+    <a:masterClrMapping/>
+  </p:clrMapOvr>
+</p:sld>
+</file>
+
+<file path=ppt/slides/slide17.xml><?xml version="1.0" encoding="utf-8"?>
+<p:sld xmlns:a="http://schemas.openxmlformats.org/drawingml/2006/main" xmlns:r="http://schemas.openxmlformats.org/officeDocument/2006/relationships" xmlns:p="http://schemas.openxmlformats.org/presentationml/2006/main">
+  <p:cSld>
+    <p:spTree>
+      <p:nvGrpSpPr>
+        <p:cNvPr id="1" name=""/>
+        <p:cNvGrpSpPr/>
+        <p:nvPr/>
+      </p:nvGrpSpPr>
+      <p:grpSpPr>
+        <a:xfrm>
+          <a:off x="0" y="0"/>
+          <a:ext cx="0" cy="0"/>
+          <a:chOff x="0" y="0"/>
+          <a:chExt cx="0" cy="0"/>
+        </a:xfrm>
+      </p:grpSpPr>
+      <p:sp>
+        <p:nvSpPr>
+          <p:cNvPr id="2" name="Başlık 1"/>
+          <p:cNvSpPr>
+            <a:spLocks noGrp="1"/>
+          </p:cNvSpPr>
+          <p:nvPr>
+            <p:ph type="title"/>
+          </p:nvPr>
+        </p:nvSpPr>
+        <p:spPr/>
+        <p:txBody>
+          <a:bodyPr>
+            <a:normAutofit/>
+          </a:bodyPr>
+          <a:lstStyle/>
+          <a:p>
+            <a:r>
+              <a:rPr lang="en-US" sz="2700" dirty="0" err="1">
+                <a:latin typeface="Arial" panose="020B0604020202020204" pitchFamily="34" charset="0"/>
+                <a:cs typeface="Arial" panose="020B0604020202020204" pitchFamily="34" charset="0"/>
+              </a:rPr>
+              <a:t>Ekstra</a:t>
+            </a:r>
+            <a:r>
+              <a:rPr lang="en-US" sz="2700" dirty="0">
+                <a:latin typeface="Arial" panose="020B0604020202020204" pitchFamily="34" charset="0"/>
+                <a:cs typeface="Arial" panose="020B0604020202020204" pitchFamily="34" charset="0"/>
+              </a:rPr>
+              <a:t> </a:t>
+            </a:r>
+            <a:r>
+              <a:rPr lang="en-US" sz="2700" dirty="0" err="1">
+                <a:latin typeface="Arial" panose="020B0604020202020204" pitchFamily="34" charset="0"/>
+                <a:cs typeface="Arial" panose="020B0604020202020204" pitchFamily="34" charset="0"/>
+              </a:rPr>
+              <a:t>çalışmalar</a:t>
+            </a:r>
+            <a:endParaRPr lang="en-US" sz="2700" dirty="0">
+              <a:latin typeface="Arial" panose="020B0604020202020204" pitchFamily="34" charset="0"/>
+              <a:cs typeface="Arial" panose="020B0604020202020204" pitchFamily="34" charset="0"/>
+            </a:endParaRPr>
+          </a:p>
+        </p:txBody>
+      </p:sp>
+      <p:sp>
+        <p:nvSpPr>
+          <p:cNvPr id="3" name="İçerik Yer Tutucusu 2"/>
+          <p:cNvSpPr>
+            <a:spLocks noGrp="1"/>
+          </p:cNvSpPr>
+          <p:nvPr>
+            <p:ph idx="1"/>
+          </p:nvPr>
+        </p:nvSpPr>
+        <p:spPr/>
+        <p:txBody>
+          <a:bodyPr>
+            <a:normAutofit/>
+          </a:bodyPr>
+          <a:lstStyle/>
+          <a:p>
+            <a:pPr algn="just" eaLnBrk="1" hangingPunct="1"/>
+            <a:r>
+              <a:rPr lang="tr-TR" altLang="en-US" sz="1800" dirty="0" err="1">
+                <a:latin typeface="Helvetica" panose="020B0604020202020204" pitchFamily="34" charset="0"/>
+              </a:rPr>
+              <a:t>Elastic</a:t>
+            </a:r>
+            <a:r>
+              <a:rPr lang="tr-TR" altLang="en-US" sz="1800" dirty="0">
+                <a:latin typeface="Helvetica" panose="020B0604020202020204" pitchFamily="34" charset="0"/>
+              </a:rPr>
+              <a:t> </a:t>
+            </a:r>
+            <a:r>
+              <a:rPr lang="tr-TR" altLang="en-US" sz="1800" dirty="0" err="1">
+                <a:latin typeface="Helvetica" panose="020B0604020202020204" pitchFamily="34" charset="0"/>
+              </a:rPr>
+              <a:t>Search</a:t>
+            </a:r>
+            <a:r>
+              <a:rPr lang="tr-TR" altLang="en-US" sz="1800" dirty="0">
+                <a:latin typeface="Helvetica" panose="020B0604020202020204" pitchFamily="34" charset="0"/>
+              </a:rPr>
+              <a:t> kurulumunu elastic.co ürünü haricinde manuel olarak </a:t>
+            </a:r>
+            <a:r>
+              <a:rPr lang="tr-TR" altLang="en-US" sz="1800" dirty="0" err="1">
+                <a:latin typeface="Helvetica" panose="020B0604020202020204" pitchFamily="34" charset="0"/>
+              </a:rPr>
+              <a:t>linux</a:t>
+            </a:r>
+            <a:r>
+              <a:rPr lang="tr-TR" altLang="en-US" sz="1800" dirty="0">
+                <a:latin typeface="Helvetica" panose="020B0604020202020204" pitchFamily="34" charset="0"/>
+              </a:rPr>
+              <a:t> sistem üzerine kurulmuştur.</a:t>
+            </a:r>
+          </a:p>
+          <a:p>
+            <a:pPr algn="just" eaLnBrk="1" hangingPunct="1"/>
+            <a:r>
+              <a:rPr lang="tr-TR" altLang="en-US" sz="1800" dirty="0">
+                <a:latin typeface="Helvetica" panose="020B0604020202020204" pitchFamily="34" charset="0"/>
+              </a:rPr>
+              <a:t>Linux Server üzerinde </a:t>
+            </a:r>
+            <a:r>
+              <a:rPr lang="tr-TR" altLang="en-US" sz="1800" dirty="0" err="1">
+                <a:latin typeface="Helvetica" panose="020B0604020202020204" pitchFamily="34" charset="0"/>
+              </a:rPr>
+              <a:t>Python</a:t>
+            </a:r>
+            <a:r>
+              <a:rPr lang="tr-TR" altLang="en-US" sz="1800" dirty="0">
+                <a:latin typeface="Helvetica" panose="020B0604020202020204" pitchFamily="34" charset="0"/>
+              </a:rPr>
+              <a:t> kodlarını daha iyi test edilebilmesi için Linux sistemi üzerine </a:t>
+            </a:r>
+            <a:r>
+              <a:rPr lang="tr-TR" altLang="en-US" sz="1800" dirty="0" err="1">
+                <a:latin typeface="Helvetica" panose="020B0604020202020204" pitchFamily="34" charset="0"/>
+              </a:rPr>
+              <a:t>Jupyter</a:t>
+            </a:r>
+            <a:r>
+              <a:rPr lang="tr-TR" altLang="en-US" sz="1800" dirty="0">
+                <a:latin typeface="Helvetica" panose="020B0604020202020204" pitchFamily="34" charset="0"/>
+              </a:rPr>
+              <a:t> Notebook kurulmuştur.</a:t>
+            </a:r>
+          </a:p>
+          <a:p>
+            <a:pPr algn="just" eaLnBrk="1" hangingPunct="1"/>
+            <a:r>
+              <a:rPr lang="tr-TR" altLang="en-US" sz="1800" dirty="0">
+                <a:latin typeface="Helvetica" panose="020B0604020202020204" pitchFamily="34" charset="0"/>
+              </a:rPr>
+              <a:t>Farklı </a:t>
+            </a:r>
+            <a:r>
+              <a:rPr lang="tr-TR" altLang="en-US" sz="1800" dirty="0" err="1">
+                <a:latin typeface="Helvetica" panose="020B0604020202020204" pitchFamily="34" charset="0"/>
+              </a:rPr>
+              <a:t>Elastic</a:t>
+            </a:r>
+            <a:r>
+              <a:rPr lang="tr-TR" altLang="en-US" sz="1800" dirty="0">
+                <a:latin typeface="Helvetica" panose="020B0604020202020204" pitchFamily="34" charset="0"/>
+              </a:rPr>
+              <a:t> </a:t>
+            </a:r>
+            <a:r>
+              <a:rPr lang="tr-TR" altLang="en-US" sz="1800" dirty="0" err="1">
+                <a:latin typeface="Helvetica" panose="020B0604020202020204" pitchFamily="34" charset="0"/>
+              </a:rPr>
+              <a:t>Search</a:t>
+            </a:r>
+            <a:r>
+              <a:rPr lang="tr-TR" altLang="en-US" sz="1800" dirty="0">
+                <a:latin typeface="Helvetica" panose="020B0604020202020204" pitchFamily="34" charset="0"/>
+              </a:rPr>
+              <a:t> sürümleri ve </a:t>
+            </a:r>
+            <a:r>
+              <a:rPr lang="tr-TR" altLang="en-US" sz="1800" dirty="0" err="1">
+                <a:latin typeface="Helvetica" panose="020B0604020202020204" pitchFamily="34" charset="0"/>
+              </a:rPr>
+              <a:t>migration</a:t>
+            </a:r>
+            <a:r>
+              <a:rPr lang="tr-TR" altLang="en-US" sz="1800" dirty="0">
+                <a:latin typeface="Helvetica" panose="020B0604020202020204" pitchFamily="34" charset="0"/>
+              </a:rPr>
+              <a:t>(sürümler arası geçişler) yapılmıştır.</a:t>
+            </a:r>
+          </a:p>
+          <a:p>
+            <a:pPr algn="just" eaLnBrk="1" hangingPunct="1"/>
+            <a:r>
+              <a:rPr lang="tr-TR" altLang="en-US" sz="1800" dirty="0">
+                <a:latin typeface="Helvetica" panose="020B0604020202020204" pitchFamily="34" charset="0"/>
+              </a:rPr>
+              <a:t>Onlarca hatalar alınmıştır ve çözülmüştür.</a:t>
+            </a:r>
+          </a:p>
+          <a:p>
+            <a:endParaRPr lang="tr-TR" sz="1800" dirty="0">
+              <a:latin typeface="Arial" panose="020B0604020202020204" pitchFamily="34" charset="0"/>
+              <a:cs typeface="Arial" panose="020B0604020202020204" pitchFamily="34" charset="0"/>
+            </a:endParaRPr>
+          </a:p>
+        </p:txBody>
+      </p:sp>
+    </p:spTree>
+    <p:extLst>
+      <p:ext uri="{BB962C8B-B14F-4D97-AF65-F5344CB8AC3E}">
+        <p14:creationId xmlns:p14="http://schemas.microsoft.com/office/powerpoint/2010/main" val="3312255824"/>
       </p:ext>
     </p:extLst>
   </p:cSld>
@@ -4125,11 +7653,12 @@
           <a:lstStyle/>
           <a:p>
             <a:r>
-              <a:rPr lang="tr-TR" sz="2700" dirty="0">
-                <a:latin typeface="Arial" panose="020B0604020202020204" pitchFamily="34" charset="0"/>
-                <a:cs typeface="Arial" panose="020B0604020202020204" pitchFamily="34" charset="0"/>
-              </a:rPr>
-              <a:t>Konu Başlığı </a:t>
+              <a:rPr lang="tr-TR" sz="2800" dirty="0">
+                <a:latin typeface="Tahoma" panose="020B0604030504040204" pitchFamily="34" charset="0"/>
+                <a:ea typeface="Tahoma" panose="020B0604030504040204" pitchFamily="34" charset="0"/>
+                <a:cs typeface="Tahoma" panose="020B0604030504040204" pitchFamily="34" charset="0"/>
+              </a:rPr>
+              <a:t>     Amaçlanan Neydi?</a:t>
             </a:r>
           </a:p>
         </p:txBody>
@@ -4151,54 +7680,112 @@
           </a:bodyPr>
           <a:lstStyle/>
           <a:p>
+            <a:pPr marL="342900" marR="0" lvl="0" indent="-342900">
+              <a:lnSpc>
+                <a:spcPct val="150000"/>
+              </a:lnSpc>
+              <a:spcBef>
+                <a:spcPts val="0"/>
+              </a:spcBef>
+              <a:spcAft>
+                <a:spcPts val="0"/>
+              </a:spcAft>
+              <a:buFont typeface="Symbol" panose="05050102010706020507" pitchFamily="18" charset="2"/>
+              <a:buChar char=""/>
+            </a:pPr>
             <a:r>
               <a:rPr lang="tr-TR" sz="1800" dirty="0">
-                <a:latin typeface="Arial" panose="020B0604020202020204" pitchFamily="34" charset="0"/>
-                <a:cs typeface="Arial" panose="020B0604020202020204" pitchFamily="34" charset="0"/>
-              </a:rPr>
-              <a:t>Slaytlara ekleyeceğiniz metinler, 18 punto ve  </a:t>
+                <a:effectLst/>
+                <a:latin typeface="Times New Roman" panose="02020603050405020304" pitchFamily="18" charset="0"/>
+                <a:ea typeface="Times New Roman" panose="02020603050405020304" pitchFamily="18" charset="0"/>
+                <a:cs typeface="Times New Roman" panose="02020603050405020304" pitchFamily="18" charset="0"/>
+              </a:rPr>
+              <a:t>Çok sayıda insana ait veriyi </a:t>
             </a:r>
             <a:r>
               <a:rPr lang="tr-TR" sz="1800" dirty="0" err="1">
-                <a:latin typeface="Arial" panose="020B0604020202020204" pitchFamily="34" charset="0"/>
-                <a:cs typeface="Arial" panose="020B0604020202020204" pitchFamily="34" charset="0"/>
-              </a:rPr>
-              <a:t>Arial</a:t>
+                <a:effectLst/>
+                <a:latin typeface="Times New Roman" panose="02020603050405020304" pitchFamily="18" charset="0"/>
+                <a:ea typeface="Times New Roman" panose="02020603050405020304" pitchFamily="18" charset="0"/>
+                <a:cs typeface="Times New Roman" panose="02020603050405020304" pitchFamily="18" charset="0"/>
+              </a:rPr>
+              <a:t>Twitter</a:t>
             </a:r>
             <a:r>
               <a:rPr lang="tr-TR" sz="1800" dirty="0">
-                <a:latin typeface="Arial" panose="020B0604020202020204" pitchFamily="34" charset="0"/>
-                <a:cs typeface="Arial" panose="020B0604020202020204" pitchFamily="34" charset="0"/>
-              </a:rPr>
-              <a:t> yazı tipinde olmalıdır</a:t>
-            </a:r>
-          </a:p>
-          <a:p>
+                <a:effectLst/>
+                <a:latin typeface="Times New Roman" panose="02020603050405020304" pitchFamily="18" charset="0"/>
+                <a:ea typeface="Times New Roman" panose="02020603050405020304" pitchFamily="18" charset="0"/>
+                <a:cs typeface="Times New Roman" panose="02020603050405020304" pitchFamily="18" charset="0"/>
+              </a:rPr>
+              <a:t> aracığıyla elde etmek</a:t>
+            </a:r>
+            <a:endParaRPr lang="en-US" sz="1800" dirty="0">
+              <a:effectLst/>
+              <a:latin typeface="Times New Roman" panose="02020603050405020304" pitchFamily="18" charset="0"/>
+              <a:ea typeface="Times New Roman" panose="02020603050405020304" pitchFamily="18" charset="0"/>
+              <a:cs typeface="Times New Roman" panose="02020603050405020304" pitchFamily="18" charset="0"/>
+            </a:endParaRPr>
+          </a:p>
+          <a:p>
+            <a:pPr marL="342900" marR="0" lvl="0" indent="-342900">
+              <a:lnSpc>
+                <a:spcPct val="150000"/>
+              </a:lnSpc>
+              <a:spcBef>
+                <a:spcPts val="0"/>
+              </a:spcBef>
+              <a:spcAft>
+                <a:spcPts val="0"/>
+              </a:spcAft>
+              <a:buFont typeface="Symbol" panose="05050102010706020507" pitchFamily="18" charset="2"/>
+              <a:buChar char=""/>
+            </a:pPr>
             <a:r>
               <a:rPr lang="tr-TR" sz="1800" dirty="0">
-                <a:latin typeface="Arial" panose="020B0604020202020204" pitchFamily="34" charset="0"/>
-                <a:cs typeface="Arial" panose="020B0604020202020204" pitchFamily="34" charset="0"/>
-              </a:rPr>
-              <a:t>Paragraflar yerine, kelimeler, maddeler ve kısa cümleler tercih edilmelidir. </a:t>
-            </a:r>
-          </a:p>
-          <a:p>
+                <a:effectLst/>
+                <a:latin typeface="Times New Roman" panose="02020603050405020304" pitchFamily="18" charset="0"/>
+                <a:ea typeface="Times New Roman" panose="02020603050405020304" pitchFamily="18" charset="0"/>
+                <a:cs typeface="Times New Roman" panose="02020603050405020304" pitchFamily="18" charset="0"/>
+              </a:rPr>
+              <a:t>Verileri veri madenciliği ile anlamlandırmak ve sonuçları sınıflandırmak</a:t>
+            </a:r>
+            <a:endParaRPr lang="en-US" sz="1800" dirty="0">
+              <a:effectLst/>
+              <a:latin typeface="Times New Roman" panose="02020603050405020304" pitchFamily="18" charset="0"/>
+              <a:ea typeface="Times New Roman" panose="02020603050405020304" pitchFamily="18" charset="0"/>
+              <a:cs typeface="Times New Roman" panose="02020603050405020304" pitchFamily="18" charset="0"/>
+            </a:endParaRPr>
+          </a:p>
+          <a:p>
+            <a:pPr marL="342900" marR="0" lvl="0" indent="-342900">
+              <a:lnSpc>
+                <a:spcPct val="150000"/>
+              </a:lnSpc>
+              <a:spcBef>
+                <a:spcPts val="0"/>
+              </a:spcBef>
+              <a:spcAft>
+                <a:spcPts val="1000"/>
+              </a:spcAft>
+              <a:buFont typeface="Symbol" panose="05050102010706020507" pitchFamily="18" charset="2"/>
+              <a:buChar char=""/>
+            </a:pPr>
             <a:r>
               <a:rPr lang="tr-TR" sz="1800" dirty="0">
-                <a:latin typeface="Arial" panose="020B0604020202020204" pitchFamily="34" charset="0"/>
-                <a:cs typeface="Arial" panose="020B0604020202020204" pitchFamily="34" charset="0"/>
-              </a:rPr>
-              <a:t>Bir slaytta en fazla 10 satır metin olmalıdır. </a:t>
-            </a:r>
-          </a:p>
-          <a:p>
-            <a:r>
-              <a:rPr lang="tr-TR" sz="1800" dirty="0">
-                <a:latin typeface="Arial" panose="020B0604020202020204" pitchFamily="34" charset="0"/>
-                <a:cs typeface="Arial" panose="020B0604020202020204" pitchFamily="34" charset="0"/>
-              </a:rPr>
-              <a:t>Anlatım ilgili görsellerle zenginleştirilmelidir. (Örneğin Slayt Gösterisi sekmesinden slayt gösterisi kaydet ile) </a:t>
-            </a:r>
+                <a:effectLst/>
+                <a:latin typeface="Times New Roman" panose="02020603050405020304" pitchFamily="18" charset="0"/>
+                <a:ea typeface="Times New Roman" panose="02020603050405020304" pitchFamily="18" charset="0"/>
+                <a:cs typeface="Times New Roman" panose="02020603050405020304" pitchFamily="18" charset="0"/>
+              </a:rPr>
+              <a:t>Elde edilen sonuçları anlamlandıracak grafikler oluşturmak</a:t>
+            </a:r>
+            <a:endParaRPr lang="en-US" sz="1800" dirty="0">
+              <a:effectLst/>
+              <a:latin typeface="Times New Roman" panose="02020603050405020304" pitchFamily="18" charset="0"/>
+              <a:ea typeface="Times New Roman" panose="02020603050405020304" pitchFamily="18" charset="0"/>
+              <a:cs typeface="Times New Roman" panose="02020603050405020304" pitchFamily="18" charset="0"/>
+            </a:endParaRPr>
           </a:p>
           <a:p>
             <a:endParaRPr lang="tr-TR" sz="1800" dirty="0">
@@ -4208,10 +7795,101 @@
           </a:p>
         </p:txBody>
       </p:sp>
+      <p:pic>
+        <p:nvPicPr>
+          <p:cNvPr id="4" name="Picture 8">
+            <a:extLst>
+              <a:ext uri="{FF2B5EF4-FFF2-40B4-BE49-F238E27FC236}">
+                <a16:creationId xmlns:a16="http://schemas.microsoft.com/office/drawing/2014/main" id="{FF7C473B-5B3E-E3FF-650A-7FA0F1794BB1}"/>
+              </a:ext>
+            </a:extLst>
+          </p:cNvPr>
+          <p:cNvPicPr>
+            <a:picLocks noChangeAspect="1" noChangeArrowheads="1"/>
+          </p:cNvPicPr>
+          <p:nvPr/>
+        </p:nvPicPr>
+        <p:blipFill>
+          <a:blip r:embed="rId2">
+            <a:extLst>
+              <a:ext uri="{28A0092B-C50C-407E-A947-70E740481C1C}">
+                <a14:useLocalDpi xmlns:a14="http://schemas.microsoft.com/office/drawing/2010/main" val="0"/>
+              </a:ext>
+            </a:extLst>
+          </a:blip>
+          <a:srcRect/>
+          <a:stretch>
+            <a:fillRect/>
+          </a:stretch>
+        </p:blipFill>
+        <p:spPr bwMode="auto">
+          <a:xfrm>
+            <a:off x="700701" y="1250849"/>
+            <a:ext cx="898575" cy="898575"/>
+          </a:xfrm>
+          <a:prstGeom prst="rect">
+            <a:avLst/>
+          </a:prstGeom>
+          <a:noFill/>
+          <a:extLst>
+            <a:ext uri="{909E8E84-426E-40DD-AFC4-6F175D3DCCD1}">
+              <a14:hiddenFill xmlns:a14="http://schemas.microsoft.com/office/drawing/2010/main">
+                <a:solidFill>
+                  <a:srgbClr val="FFFFFF"/>
+                </a:solidFill>
+              </a14:hiddenFill>
+            </a:ext>
+          </a:extLst>
+        </p:spPr>
+      </p:pic>
+      <p:pic>
+        <p:nvPicPr>
+          <p:cNvPr id="5" name="Resim 4">
+            <a:extLst>
+              <a:ext uri="{FF2B5EF4-FFF2-40B4-BE49-F238E27FC236}">
+                <a16:creationId xmlns:a16="http://schemas.microsoft.com/office/drawing/2014/main" id="{F295F933-CAE8-69FA-907D-882E9EEB3F97}"/>
+              </a:ext>
+            </a:extLst>
+          </p:cNvPr>
+          <p:cNvPicPr>
+            <a:picLocks noChangeAspect="1"/>
+          </p:cNvPicPr>
+          <p:nvPr/>
+        </p:nvPicPr>
+        <p:blipFill rotWithShape="1">
+          <a:blip r:embed="rId3" cstate="print">
+            <a:extLst>
+              <a:ext uri="{28A0092B-C50C-407E-A947-70E740481C1C}">
+                <a14:useLocalDpi xmlns:a14="http://schemas.microsoft.com/office/drawing/2010/main" val="0"/>
+              </a:ext>
+            </a:extLst>
+          </a:blip>
+          <a:srcRect t="21076" r="4334" b="2153"/>
+          <a:stretch/>
+        </p:blipFill>
+        <p:spPr bwMode="auto">
+          <a:xfrm>
+            <a:off x="681037" y="3657600"/>
+            <a:ext cx="7605591" cy="2165402"/>
+          </a:xfrm>
+          <a:prstGeom prst="rect">
+            <a:avLst/>
+          </a:prstGeom>
+          <a:noFill/>
+          <a:ln>
+            <a:noFill/>
+          </a:ln>
+          <a:extLst>
+            <a:ext uri="{53640926-AAD7-44D8-BBD7-CCE9431645EC}">
+              <a14:shadowObscured xmlns:a14="http://schemas.microsoft.com/office/drawing/2010/main"/>
+            </a:ext>
+          </a:extLst>
+        </p:spPr>
+      </p:pic>
     </p:spTree>
     <p:extLst>
       <p:ext uri="{BB962C8B-B14F-4D97-AF65-F5344CB8AC3E}">
-        <p14:creationId xmlns:p14="http://schemas.microsoft.com/office/powerpoint/2010/main" val="779426052"/>
+        <p14:creationId xmlns:p14="http://schemas.microsoft.com/office/powerpoint/2010/main" val="1300002278"/>
       </p:ext>
     </p:extLst>
   </p:cSld>
@@ -4255,7 +7933,14 @@
           </a:bodyPr>
           <a:lstStyle/>
           <a:p>
-            <a:endParaRPr lang="tr-TR" dirty="0"/>
+            <a:r>
+              <a:rPr lang="tr-TR" sz="2800" dirty="0">
+                <a:latin typeface="Tahoma" panose="020B0604030504040204" pitchFamily="34" charset="0"/>
+                <a:ea typeface="Tahoma" panose="020B0604030504040204" pitchFamily="34" charset="0"/>
+                <a:cs typeface="Tahoma" panose="020B0604030504040204" pitchFamily="34" charset="0"/>
+              </a:rPr>
+              <a:t>     Nasıl Çalışıyor?</a:t>
+            </a:r>
           </a:p>
         </p:txBody>
       </p:sp>
@@ -4269,19 +7954,149 @@
             <p:ph idx="1"/>
           </p:nvPr>
         </p:nvSpPr>
-        <p:spPr/>
+        <p:spPr>
+          <a:xfrm>
+            <a:off x="681038" y="2299317"/>
+            <a:ext cx="2934574" cy="2724967"/>
+          </a:xfrm>
+        </p:spPr>
         <p:txBody>
           <a:bodyPr/>
           <a:lstStyle/>
           <a:p>
-            <a:endParaRPr lang="tr-TR"/>
-          </a:p>
-        </p:txBody>
-      </p:sp>
+            <a:r>
+              <a:rPr lang="tr-TR" dirty="0" err="1"/>
+              <a:t>Twitterdan</a:t>
+            </a:r>
+            <a:r>
+              <a:rPr lang="tr-TR" dirty="0"/>
+              <a:t> veriler alınır</a:t>
+            </a:r>
+          </a:p>
+          <a:p>
+            <a:r>
+              <a:rPr lang="tr-TR" dirty="0"/>
+              <a:t>Linux üzerindeki </a:t>
+            </a:r>
+            <a:r>
+              <a:rPr lang="tr-TR" dirty="0" err="1"/>
+              <a:t>Python</a:t>
+            </a:r>
+            <a:r>
+              <a:rPr lang="tr-TR" dirty="0"/>
+              <a:t> kodu çalışır</a:t>
+            </a:r>
+          </a:p>
+          <a:p>
+            <a:r>
+              <a:rPr lang="tr-TR" dirty="0" err="1"/>
+              <a:t>Elastic</a:t>
+            </a:r>
+            <a:r>
+              <a:rPr lang="tr-TR" dirty="0"/>
+              <a:t> </a:t>
+            </a:r>
+            <a:r>
+              <a:rPr lang="tr-TR" dirty="0" err="1"/>
+              <a:t>Search`e</a:t>
+            </a:r>
+            <a:r>
+              <a:rPr lang="tr-TR" dirty="0"/>
+              <a:t> veriler yazılır</a:t>
+            </a:r>
+          </a:p>
+          <a:p>
+            <a:r>
+              <a:rPr lang="tr-TR" dirty="0" err="1"/>
+              <a:t>Kibana</a:t>
+            </a:r>
+            <a:r>
+              <a:rPr lang="tr-TR" dirty="0"/>
+              <a:t> ile görselleştirilir</a:t>
+            </a:r>
+          </a:p>
+        </p:txBody>
+      </p:sp>
+      <p:pic>
+        <p:nvPicPr>
+          <p:cNvPr id="4" name="Resim 3">
+            <a:extLst>
+              <a:ext uri="{FF2B5EF4-FFF2-40B4-BE49-F238E27FC236}">
+                <a16:creationId xmlns:a16="http://schemas.microsoft.com/office/drawing/2014/main" id="{6447C76A-4A5B-B740-4AED-2568F0360452}"/>
+              </a:ext>
+            </a:extLst>
+          </p:cNvPr>
+          <p:cNvPicPr>
+            <a:picLocks noChangeAspect="1"/>
+          </p:cNvPicPr>
+          <p:nvPr/>
+        </p:nvPicPr>
+        <p:blipFill rotWithShape="1">
+          <a:blip r:embed="rId2"/>
+          <a:srcRect l="899" t="7433" r="2552" b="3621"/>
+          <a:stretch/>
+        </p:blipFill>
+        <p:spPr>
+          <a:xfrm>
+            <a:off x="3615612" y="2299317"/>
+            <a:ext cx="5792839" cy="2438756"/>
+          </a:xfrm>
+          <a:prstGeom prst="rect">
+            <a:avLst/>
+          </a:prstGeom>
+        </p:spPr>
+      </p:pic>
+      <p:pic>
+        <p:nvPicPr>
+          <p:cNvPr id="9" name="Picture 10" descr="Machine icon PNG, ICO or ICNS | Free vector icons">
+            <a:extLst>
+              <a:ext uri="{FF2B5EF4-FFF2-40B4-BE49-F238E27FC236}">
+                <a16:creationId xmlns:a16="http://schemas.microsoft.com/office/drawing/2014/main" id="{B5D7901D-556B-336D-FB14-8E45F780637D}"/>
+              </a:ext>
+            </a:extLst>
+          </p:cNvPr>
+          <p:cNvPicPr>
+            <a:picLocks noChangeAspect="1" noChangeArrowheads="1"/>
+          </p:cNvPicPr>
+          <p:nvPr/>
+        </p:nvPicPr>
+        <p:blipFill>
+          <a:blip r:embed="rId3">
+            <a:extLst>
+              <a:ext uri="{28A0092B-C50C-407E-A947-70E740481C1C}">
+                <a14:useLocalDpi xmlns:a14="http://schemas.microsoft.com/office/drawing/2010/main" val="0"/>
+              </a:ext>
+            </a:extLst>
+          </a:blip>
+          <a:srcRect/>
+          <a:stretch>
+            <a:fillRect/>
+          </a:stretch>
+        </p:blipFill>
+        <p:spPr bwMode="auto">
+          <a:xfrm>
+            <a:off x="681037" y="1450565"/>
+            <a:ext cx="697552" cy="697552"/>
+          </a:xfrm>
+          <a:prstGeom prst="rect">
+            <a:avLst/>
+          </a:prstGeom>
+          <a:noFill/>
+          <a:extLst>
+            <a:ext uri="{909E8E84-426E-40DD-AFC4-6F175D3DCCD1}">
+              <a14:hiddenFill xmlns:a14="http://schemas.microsoft.com/office/drawing/2010/main">
+                <a:solidFill>
+                  <a:srgbClr val="FFFFFF"/>
+                </a:solidFill>
+              </a14:hiddenFill>
+            </a:ext>
+          </a:extLst>
+        </p:spPr>
+      </p:pic>
     </p:spTree>
     <p:extLst>
       <p:ext uri="{BB962C8B-B14F-4D97-AF65-F5344CB8AC3E}">
-        <p14:creationId xmlns:p14="http://schemas.microsoft.com/office/powerpoint/2010/main" val="1524485479"/>
+        <p14:creationId xmlns:p14="http://schemas.microsoft.com/office/powerpoint/2010/main" val="1236431699"/>
       </p:ext>
     </p:extLst>
   </p:cSld>
@@ -4325,7 +8140,14 @@
           </a:bodyPr>
           <a:lstStyle/>
           <a:p>
-            <a:endParaRPr lang="tr-TR"/>
+            <a:r>
+              <a:rPr lang="tr-TR" sz="2800" dirty="0">
+                <a:latin typeface="Tahoma" panose="020B0604030504040204" pitchFamily="34" charset="0"/>
+                <a:ea typeface="Tahoma" panose="020B0604030504040204" pitchFamily="34" charset="0"/>
+                <a:cs typeface="Tahoma" panose="020B0604030504040204" pitchFamily="34" charset="0"/>
+              </a:rPr>
+              <a:t>     Neleri Başardık?</a:t>
+            </a:r>
           </a:p>
         </p:txBody>
       </p:sp>
@@ -4341,17 +8163,180 @@
         </p:nvSpPr>
         <p:spPr/>
         <p:txBody>
-          <a:bodyPr/>
+          <a:bodyPr>
+            <a:normAutofit/>
+          </a:bodyPr>
           <a:lstStyle/>
           <a:p>
-            <a:endParaRPr lang="tr-TR"/>
-          </a:p>
-        </p:txBody>
-      </p:sp>
+            <a:r>
+              <a:rPr lang="tr-TR" altLang="en-US" dirty="0">
+                <a:latin typeface="Helvetica" panose="020B0604020202020204" pitchFamily="34" charset="0"/>
+              </a:rPr>
+              <a:t>Konu ne olursa olsun </a:t>
+            </a:r>
+            <a:r>
+              <a:rPr lang="tr-TR" altLang="en-US" sz="1800" dirty="0">
+                <a:latin typeface="Helvetica" panose="020B0604020202020204" pitchFamily="34" charset="0"/>
+              </a:rPr>
+              <a:t>konum bazında duygu analizi</a:t>
+            </a:r>
+          </a:p>
+          <a:p>
+            <a:r>
+              <a:rPr lang="tr-TR" altLang="en-US" dirty="0" err="1">
+                <a:latin typeface="Helvetica" panose="020B0604020202020204" pitchFamily="34" charset="0"/>
+              </a:rPr>
+              <a:t>Tweet`lerin</a:t>
+            </a:r>
+            <a:r>
+              <a:rPr lang="tr-TR" altLang="en-US" dirty="0">
+                <a:latin typeface="Helvetica" panose="020B0604020202020204" pitchFamily="34" charset="0"/>
+              </a:rPr>
+              <a:t> gönderildiği konumların enlem ve boylam değerlerini bulma</a:t>
+            </a:r>
+            <a:endParaRPr lang="tr-TR" altLang="en-US" sz="1800" dirty="0">
+              <a:latin typeface="Helvetica" panose="020B0604020202020204" pitchFamily="34" charset="0"/>
+            </a:endParaRPr>
+          </a:p>
+          <a:p>
+            <a:r>
+              <a:rPr lang="tr-TR" sz="1800" dirty="0">
+                <a:latin typeface="Helvetica" panose="020B0604020202020204" pitchFamily="34" charset="0"/>
+              </a:rPr>
+              <a:t>Harita üzerinden duygu analiz ve </a:t>
+            </a:r>
+            <a:r>
+              <a:rPr lang="tr-TR" sz="1800" dirty="0" err="1">
+                <a:latin typeface="Helvetica" panose="020B0604020202020204" pitchFamily="34" charset="0"/>
+              </a:rPr>
+              <a:t>tweet</a:t>
+            </a:r>
+            <a:r>
+              <a:rPr lang="tr-TR" sz="1800" dirty="0">
+                <a:latin typeface="Helvetica" panose="020B0604020202020204" pitchFamily="34" charset="0"/>
+              </a:rPr>
+              <a:t> yoğunluğu grafiği</a:t>
+            </a:r>
+            <a:endParaRPr lang="tr-TR" sz="1800" dirty="0">
+              <a:latin typeface="Arial" panose="020B0604020202020204" pitchFamily="34" charset="0"/>
+              <a:cs typeface="Arial" panose="020B0604020202020204" pitchFamily="34" charset="0"/>
+            </a:endParaRPr>
+          </a:p>
+          <a:p>
+            <a:r>
+              <a:rPr lang="tr-TR" sz="1800" dirty="0" err="1">
+                <a:latin typeface="Arial" panose="020B0604020202020204" pitchFamily="34" charset="0"/>
+                <a:cs typeface="Arial" panose="020B0604020202020204" pitchFamily="34" charset="0"/>
+              </a:rPr>
+              <a:t>Twitter</a:t>
+            </a:r>
+            <a:r>
+              <a:rPr lang="tr-TR" sz="1800" dirty="0">
+                <a:latin typeface="Arial" panose="020B0604020202020204" pitchFamily="34" charset="0"/>
+                <a:cs typeface="Arial" panose="020B0604020202020204" pitchFamily="34" charset="0"/>
+              </a:rPr>
+              <a:t> üzerindeki verilerin gerçek zamanlı incelenmesi</a:t>
+            </a:r>
+          </a:p>
+          <a:p>
+            <a:r>
+              <a:rPr lang="tr-TR" dirty="0"/>
+              <a:t>Raporlama</a:t>
+            </a:r>
+          </a:p>
+          <a:p>
+            <a:r>
+              <a:rPr lang="tr-TR" dirty="0"/>
+              <a:t>Bulut sunucuda bilgilerin saklanması</a:t>
+            </a:r>
+          </a:p>
+          <a:p>
+            <a:r>
+              <a:rPr lang="tr-TR" dirty="0"/>
+              <a:t>Duygu analizi</a:t>
+            </a:r>
+          </a:p>
+          <a:p>
+            <a:r>
+              <a:rPr lang="tr-TR" sz="1800" dirty="0">
+                <a:latin typeface="Arial" panose="020B0604020202020204" pitchFamily="34" charset="0"/>
+                <a:cs typeface="Arial" panose="020B0604020202020204" pitchFamily="34" charset="0"/>
+              </a:rPr>
+              <a:t>Bağlantı bilgi g</a:t>
+            </a:r>
+            <a:r>
+              <a:rPr lang="tr-TR" dirty="0"/>
+              <a:t>üvenliği</a:t>
+            </a:r>
+          </a:p>
+          <a:p>
+            <a:r>
+              <a:rPr lang="tr-TR" dirty="0"/>
+              <a:t>Daha doğru sonuçlar için ön işleme</a:t>
+            </a:r>
+          </a:p>
+          <a:p>
+            <a:endParaRPr lang="tr-TR" dirty="0"/>
+          </a:p>
+          <a:p>
+            <a:endParaRPr lang="tr-TR" sz="1800" dirty="0">
+              <a:latin typeface="Arial" panose="020B0604020202020204" pitchFamily="34" charset="0"/>
+              <a:cs typeface="Arial" panose="020B0604020202020204" pitchFamily="34" charset="0"/>
+            </a:endParaRPr>
+          </a:p>
+        </p:txBody>
+      </p:sp>
+      <p:pic>
+        <p:nvPicPr>
+          <p:cNvPr id="4098" name="Picture 2" descr="Question Mark clipart transparent download - Clipart World">
+            <a:extLst>
+              <a:ext uri="{FF2B5EF4-FFF2-40B4-BE49-F238E27FC236}">
+                <a16:creationId xmlns:a16="http://schemas.microsoft.com/office/drawing/2014/main" id="{824CC5EF-93E8-D7E4-2BC1-9F241F1651BE}"/>
+              </a:ext>
+            </a:extLst>
+          </p:cNvPr>
+          <p:cNvPicPr>
+            <a:picLocks noChangeAspect="1" noChangeArrowheads="1"/>
+          </p:cNvPicPr>
+          <p:nvPr/>
+        </p:nvPicPr>
+        <p:blipFill>
+          <a:blip r:embed="rId2">
+            <a:extLst>
+              <a:ext uri="{28A0092B-C50C-407E-A947-70E740481C1C}">
+                <a14:useLocalDpi xmlns:a14="http://schemas.microsoft.com/office/drawing/2010/main" val="0"/>
+              </a:ext>
+            </a:extLst>
+          </a:blip>
+          <a:srcRect/>
+          <a:stretch>
+            <a:fillRect/>
+          </a:stretch>
+        </p:blipFill>
+        <p:spPr bwMode="auto">
+          <a:xfrm>
+            <a:off x="681037" y="1433089"/>
+            <a:ext cx="686839" cy="686839"/>
+          </a:xfrm>
+          <a:prstGeom prst="rect">
+            <a:avLst/>
+          </a:prstGeom>
+          <a:noFill/>
+          <a:extLst>
+            <a:ext uri="{909E8E84-426E-40DD-AFC4-6F175D3DCCD1}">
+              <a14:hiddenFill xmlns:a14="http://schemas.microsoft.com/office/drawing/2010/main">
+                <a:solidFill>
+                  <a:srgbClr val="FFFFFF"/>
+                </a:solidFill>
+              </a14:hiddenFill>
+            </a:ext>
+          </a:extLst>
+        </p:spPr>
+      </p:pic>
     </p:spTree>
     <p:extLst>
       <p:ext uri="{BB962C8B-B14F-4D97-AF65-F5344CB8AC3E}">
-        <p14:creationId xmlns:p14="http://schemas.microsoft.com/office/powerpoint/2010/main" val="3247344075"/>
+        <p14:creationId xmlns:p14="http://schemas.microsoft.com/office/powerpoint/2010/main" val="882202312"/>
       </p:ext>
     </p:extLst>
   </p:cSld>
@@ -4380,7 +8365,13 @@
       </p:grpSpPr>
       <p:sp>
         <p:nvSpPr>
-          <p:cNvPr id="2" name="Unvan 1"/>
+          <p:cNvPr id="2" name="Başlık 1">
+            <a:extLst>
+              <a:ext uri="{FF2B5EF4-FFF2-40B4-BE49-F238E27FC236}">
+                <a16:creationId xmlns:a16="http://schemas.microsoft.com/office/drawing/2014/main" id="{FFBBBF5E-60A0-4DA2-1260-8AB171166E7E}"/>
+              </a:ext>
+            </a:extLst>
+          </p:cNvPr>
           <p:cNvSpPr>
             <a:spLocks noGrp="1"/>
           </p:cNvSpPr>
@@ -4388,40 +8379,30 @@
             <p:ph type="title"/>
           </p:nvPr>
         </p:nvSpPr>
-        <p:spPr/>
+        <p:spPr>
+          <a:xfrm>
+            <a:off x="1282923" y="3128077"/>
+            <a:ext cx="7594860" cy="601846"/>
+          </a:xfrm>
+        </p:spPr>
         <p:txBody>
           <a:bodyPr>
-            <a:normAutofit/>
+            <a:noAutofit/>
           </a:bodyPr>
           <a:lstStyle/>
           <a:p>
-            <a:endParaRPr lang="tr-TR"/>
-          </a:p>
-        </p:txBody>
-      </p:sp>
-      <p:sp>
-        <p:nvSpPr>
-          <p:cNvPr id="3" name="İçerik Yer Tutucusu 2"/>
-          <p:cNvSpPr>
-            <a:spLocks noGrp="1"/>
-          </p:cNvSpPr>
-          <p:nvPr>
-            <p:ph idx="1"/>
-          </p:nvPr>
-        </p:nvSpPr>
-        <p:spPr/>
-        <p:txBody>
-          <a:bodyPr/>
-          <a:lstStyle/>
-          <a:p>
-            <a:endParaRPr lang="tr-TR"/>
+            <a:r>
+              <a:rPr lang="tr-TR" sz="5400" dirty="0"/>
+              <a:t>YAPILAN ÇALIŞMALAR</a:t>
+            </a:r>
+            <a:endParaRPr lang="en-US" sz="5400" dirty="0"/>
           </a:p>
         </p:txBody>
       </p:sp>
     </p:spTree>
     <p:extLst>
       <p:ext uri="{BB962C8B-B14F-4D97-AF65-F5344CB8AC3E}">
-        <p14:creationId xmlns:p14="http://schemas.microsoft.com/office/powerpoint/2010/main" val="3995917111"/>
+        <p14:creationId xmlns:p14="http://schemas.microsoft.com/office/powerpoint/2010/main" val="980698616"/>
       </p:ext>
     </p:extLst>
   </p:cSld>
@@ -4450,7 +8431,7 @@
       </p:grpSpPr>
       <p:sp>
         <p:nvSpPr>
-          <p:cNvPr id="2" name="Unvan 1"/>
+          <p:cNvPr id="2" name="Başlık 1"/>
           <p:cNvSpPr>
             <a:spLocks noGrp="1"/>
           </p:cNvSpPr>
@@ -4465,7 +8446,20 @@
           </a:bodyPr>
           <a:lstStyle/>
           <a:p>
-            <a:endParaRPr lang="tr-TR"/>
+            <a:r>
+              <a:rPr lang="tr-TR" sz="2700" dirty="0" err="1">
+                <a:latin typeface="Arial" panose="020B0604020202020204" pitchFamily="34" charset="0"/>
+                <a:cs typeface="Arial" panose="020B0604020202020204" pitchFamily="34" charset="0"/>
+              </a:rPr>
+              <a:t>Twitter</a:t>
+            </a:r>
+            <a:r>
+              <a:rPr lang="tr-TR" sz="2700" dirty="0">
+                <a:latin typeface="Arial" panose="020B0604020202020204" pitchFamily="34" charset="0"/>
+                <a:cs typeface="Arial" panose="020B0604020202020204" pitchFamily="34" charset="0"/>
+              </a:rPr>
+              <a:t> Developer Hesabı API Başvuru Süreçleri:</a:t>
+            </a:r>
           </a:p>
         </p:txBody>
       </p:sp>
@@ -4481,17 +8475,94 @@
         </p:nvSpPr>
         <p:spPr/>
         <p:txBody>
-          <a:bodyPr/>
+          <a:bodyPr>
+            <a:normAutofit/>
+          </a:bodyPr>
           <a:lstStyle/>
           <a:p>
-            <a:endParaRPr lang="tr-TR"/>
+            <a:pPr algn="just" eaLnBrk="1" hangingPunct="1"/>
+            <a:r>
+              <a:rPr lang="tr-TR" altLang="en-US" sz="1800" dirty="0" err="1">
+                <a:latin typeface="Helvetica" panose="020B0604020202020204" pitchFamily="34" charset="0"/>
+              </a:rPr>
+              <a:t>Tweetlerin</a:t>
+            </a:r>
+            <a:r>
+              <a:rPr lang="tr-TR" altLang="en-US" sz="1800" dirty="0">
+                <a:latin typeface="Helvetica" panose="020B0604020202020204" pitchFamily="34" charset="0"/>
+              </a:rPr>
+              <a:t> elde edilmesi için </a:t>
+            </a:r>
+            <a:r>
+              <a:rPr lang="tr-TR" altLang="en-US" sz="1800" dirty="0" err="1">
+                <a:latin typeface="Helvetica" panose="020B0604020202020204" pitchFamily="34" charset="0"/>
+              </a:rPr>
+              <a:t>Twitter</a:t>
+            </a:r>
+            <a:r>
+              <a:rPr lang="tr-TR" altLang="en-US" sz="1800" dirty="0">
+                <a:latin typeface="Helvetica" panose="020B0604020202020204" pitchFamily="34" charset="0"/>
+              </a:rPr>
+              <a:t> Developer Hesabı </a:t>
+            </a:r>
+            <a:r>
+              <a:rPr lang="tr-TR" altLang="en-US" sz="1800" dirty="0" err="1">
+                <a:latin typeface="Helvetica" panose="020B0604020202020204" pitchFamily="34" charset="0"/>
+              </a:rPr>
+              <a:t>Twitter`dan</a:t>
+            </a:r>
+            <a:r>
+              <a:rPr lang="tr-TR" altLang="en-US" sz="1800" dirty="0">
+                <a:latin typeface="Helvetica" panose="020B0604020202020204" pitchFamily="34" charset="0"/>
+              </a:rPr>
+              <a:t> talep edilip alınmıştır.</a:t>
+            </a:r>
+          </a:p>
+          <a:p>
+            <a:pPr algn="just" eaLnBrk="1" hangingPunct="1"/>
+            <a:r>
+              <a:rPr lang="tr-TR" altLang="en-US" sz="1800" dirty="0" err="1">
+                <a:latin typeface="Helvetica" panose="020B0604020202020204" pitchFamily="34" charset="0"/>
+              </a:rPr>
+              <a:t>Twitter</a:t>
+            </a:r>
+            <a:r>
+              <a:rPr lang="tr-TR" altLang="en-US" sz="1800" dirty="0">
+                <a:latin typeface="Helvetica" panose="020B0604020202020204" pitchFamily="34" charset="0"/>
+              </a:rPr>
+              <a:t> tarafından proje için tarafımıza verilmiştir. Hobi hesabı kapsamında aylık olarak 2 milyon adet </a:t>
+            </a:r>
+            <a:r>
+              <a:rPr lang="tr-TR" altLang="en-US" sz="1800" dirty="0" err="1">
+                <a:latin typeface="Helvetica" panose="020B0604020202020204" pitchFamily="34" charset="0"/>
+              </a:rPr>
+              <a:t>Tweet</a:t>
+            </a:r>
+            <a:r>
+              <a:rPr lang="tr-TR" altLang="en-US" sz="1800" dirty="0">
+                <a:latin typeface="Helvetica" panose="020B0604020202020204" pitchFamily="34" charset="0"/>
+              </a:rPr>
+              <a:t> </a:t>
+            </a:r>
+            <a:r>
+              <a:rPr lang="tr-TR" altLang="en-US" sz="1800" dirty="0" err="1">
+                <a:latin typeface="Helvetica" panose="020B0604020202020204" pitchFamily="34" charset="0"/>
+              </a:rPr>
+              <a:t>fetch</a:t>
+            </a:r>
+            <a:r>
+              <a:rPr lang="tr-TR" altLang="en-US" sz="1800" dirty="0">
+                <a:latin typeface="Helvetica" panose="020B0604020202020204" pitchFamily="34" charset="0"/>
+              </a:rPr>
+              <a:t>(getirme) edilebilir durumdadır.</a:t>
+            </a:r>
           </a:p>
         </p:txBody>
       </p:sp>
     </p:spTree>
     <p:extLst>
       <p:ext uri="{BB962C8B-B14F-4D97-AF65-F5344CB8AC3E}">
-        <p14:creationId xmlns:p14="http://schemas.microsoft.com/office/powerpoint/2010/main" val="270390776"/>
+        <p14:creationId xmlns:p14="http://schemas.microsoft.com/office/powerpoint/2010/main" val="252303274"/>
       </p:ext>
     </p:extLst>
   </p:cSld>
@@ -4520,7 +8591,7 @@
       </p:grpSpPr>
       <p:sp>
         <p:nvSpPr>
-          <p:cNvPr id="2" name="Unvan 1"/>
+          <p:cNvPr id="2" name="Başlık 1"/>
           <p:cNvSpPr>
             <a:spLocks noGrp="1"/>
           </p:cNvSpPr>
@@ -4535,7 +8606,13 @@
           </a:bodyPr>
           <a:lstStyle/>
           <a:p>
-            <a:endParaRPr lang="tr-TR"/>
+            <a:r>
+              <a:rPr lang="tr-TR" sz="2700" dirty="0">
+                <a:latin typeface="Arial" panose="020B0604020202020204" pitchFamily="34" charset="0"/>
+                <a:cs typeface="Arial" panose="020B0604020202020204" pitchFamily="34" charset="0"/>
+              </a:rPr>
+              <a:t>API Anahtarının Güvenliğinin sağlanması:</a:t>
+            </a:r>
           </a:p>
         </p:txBody>
       </p:sp>
@@ -4549,19 +8626,882 @@
             <p:ph idx="1"/>
           </p:nvPr>
         </p:nvSpPr>
-        <p:spPr/>
-        <p:txBody>
-          <a:bodyPr/>
+        <p:spPr>
+          <a:xfrm>
+            <a:off x="681038" y="2299317"/>
+            <a:ext cx="8543925" cy="2321844"/>
+          </a:xfrm>
+        </p:spPr>
+        <p:txBody>
+          <a:bodyPr>
+            <a:normAutofit/>
+          </a:bodyPr>
           <a:lstStyle/>
           <a:p>
-            <a:endParaRPr lang="tr-TR"/>
+            <a:pPr algn="just" eaLnBrk="1" hangingPunct="1"/>
+            <a:r>
+              <a:rPr lang="tr-TR" altLang="en-US" sz="1800" dirty="0">
+                <a:latin typeface="Helvetica" panose="020B0604020202020204" pitchFamily="34" charset="0"/>
+              </a:rPr>
+              <a:t>Kodlar açık kaynak olarak </a:t>
+            </a:r>
+            <a:r>
+              <a:rPr lang="tr-TR" altLang="en-US" sz="1800" dirty="0" err="1">
+                <a:latin typeface="Helvetica" panose="020B0604020202020204" pitchFamily="34" charset="0"/>
+              </a:rPr>
+              <a:t>Github`da</a:t>
+            </a:r>
+            <a:r>
+              <a:rPr lang="tr-TR" altLang="en-US" sz="1800" dirty="0">
+                <a:latin typeface="Helvetica" panose="020B0604020202020204" pitchFamily="34" charset="0"/>
+              </a:rPr>
+              <a:t> paylaşılmış ve API anahtar güvenliği yazılımın çalışma zamanında kontrol edilip güvenliği sağlanmıştır.</a:t>
+            </a:r>
+            <a:endParaRPr lang="tr-TR" altLang="en-US" sz="1800" b="1" dirty="0">
+              <a:latin typeface="Helvetica" panose="020B0604020202020204" pitchFamily="34" charset="0"/>
+            </a:endParaRPr>
+          </a:p>
+          <a:p>
+            <a:endParaRPr lang="tr-TR" sz="1800" dirty="0">
+              <a:latin typeface="Arial" panose="020B0604020202020204" pitchFamily="34" charset="0"/>
+              <a:cs typeface="Arial" panose="020B0604020202020204" pitchFamily="34" charset="0"/>
+            </a:endParaRPr>
+          </a:p>
+        </p:txBody>
+      </p:sp>
+      <p:sp>
+        <p:nvSpPr>
+          <p:cNvPr id="5" name="Metin kutusu 4">
+            <a:extLst>
+              <a:ext uri="{FF2B5EF4-FFF2-40B4-BE49-F238E27FC236}">
+                <a16:creationId xmlns:a16="http://schemas.microsoft.com/office/drawing/2014/main" id="{60B4B51B-8B31-43D0-3A26-E52222016FF7}"/>
+              </a:ext>
+            </a:extLst>
+          </p:cNvPr>
+          <p:cNvSpPr txBox="1"/>
+          <p:nvPr/>
+        </p:nvSpPr>
+        <p:spPr>
+          <a:xfrm>
+            <a:off x="4950542" y="3168412"/>
+            <a:ext cx="4955458" cy="2862322"/>
+          </a:xfrm>
+          <a:prstGeom prst="rect">
+            <a:avLst/>
+          </a:prstGeom>
+          <a:noFill/>
+        </p:spPr>
+        <p:txBody>
+          <a:bodyPr wrap="square">
+            <a:spAutoFit/>
+          </a:bodyPr>
+          <a:lstStyle/>
+          <a:p>
+            <a:r>
+              <a:rPr lang="en-US" b="0" dirty="0" err="1">
+                <a:solidFill>
+                  <a:srgbClr val="001080"/>
+                </a:solidFill>
+                <a:effectLst/>
+                <a:latin typeface="Consolas" panose="020B0609020204030204" pitchFamily="49" charset="0"/>
+              </a:rPr>
+              <a:t>api_key</a:t>
+            </a:r>
+            <a:r>
+              <a:rPr lang="en-US" b="0" dirty="0">
+                <a:solidFill>
+                  <a:srgbClr val="000000"/>
+                </a:solidFill>
+                <a:effectLst/>
+                <a:latin typeface="Consolas" panose="020B0609020204030204" pitchFamily="49" charset="0"/>
+              </a:rPr>
+              <a:t> = </a:t>
+            </a:r>
+            <a:r>
+              <a:rPr lang="en-US" b="0" dirty="0" err="1">
+                <a:solidFill>
+                  <a:srgbClr val="267F99"/>
+                </a:solidFill>
+                <a:effectLst/>
+                <a:latin typeface="Consolas" panose="020B0609020204030204" pitchFamily="49" charset="0"/>
+              </a:rPr>
+              <a:t>os</a:t>
+            </a:r>
+            <a:r>
+              <a:rPr lang="en-US" b="0" dirty="0" err="1">
+                <a:solidFill>
+                  <a:srgbClr val="000000"/>
+                </a:solidFill>
+                <a:effectLst/>
+                <a:latin typeface="Consolas" panose="020B0609020204030204" pitchFamily="49" charset="0"/>
+              </a:rPr>
+              <a:t>.</a:t>
+            </a:r>
+            <a:r>
+              <a:rPr lang="en-US" b="0" dirty="0" err="1">
+                <a:solidFill>
+                  <a:srgbClr val="795E26"/>
+                </a:solidFill>
+                <a:effectLst/>
+                <a:latin typeface="Consolas" panose="020B0609020204030204" pitchFamily="49" charset="0"/>
+              </a:rPr>
+              <a:t>getenv</a:t>
+            </a:r>
+            <a:r>
+              <a:rPr lang="en-US" b="0" dirty="0">
+                <a:solidFill>
+                  <a:srgbClr val="000000"/>
+                </a:solidFill>
+                <a:effectLst/>
+                <a:latin typeface="Consolas" panose="020B0609020204030204" pitchFamily="49" charset="0"/>
+              </a:rPr>
+              <a:t>(</a:t>
+            </a:r>
+            <a:r>
+              <a:rPr lang="en-US" b="0" dirty="0">
+                <a:solidFill>
+                  <a:srgbClr val="A31515"/>
+                </a:solidFill>
+                <a:effectLst/>
+                <a:latin typeface="Consolas" panose="020B0609020204030204" pitchFamily="49" charset="0"/>
+              </a:rPr>
+              <a:t>"</a:t>
+            </a:r>
+            <a:r>
+              <a:rPr lang="en-US" b="0" dirty="0" err="1">
+                <a:solidFill>
+                  <a:srgbClr val="A31515"/>
+                </a:solidFill>
+                <a:effectLst/>
+                <a:latin typeface="Consolas" panose="020B0609020204030204" pitchFamily="49" charset="0"/>
+              </a:rPr>
+              <a:t>api_key</a:t>
+            </a:r>
+            <a:r>
+              <a:rPr lang="en-US" b="0" dirty="0">
+                <a:solidFill>
+                  <a:srgbClr val="A31515"/>
+                </a:solidFill>
+                <a:effectLst/>
+                <a:latin typeface="Consolas" panose="020B0609020204030204" pitchFamily="49" charset="0"/>
+              </a:rPr>
+              <a:t>"</a:t>
+            </a:r>
+            <a:r>
+              <a:rPr lang="en-US" b="0" dirty="0">
+                <a:solidFill>
+                  <a:srgbClr val="000000"/>
+                </a:solidFill>
+                <a:effectLst/>
+                <a:latin typeface="Consolas" panose="020B0609020204030204" pitchFamily="49" charset="0"/>
+              </a:rPr>
+              <a:t>)</a:t>
+            </a:r>
+          </a:p>
+          <a:p>
+            <a:r>
+              <a:rPr lang="en-US" b="0" dirty="0" err="1">
+                <a:solidFill>
+                  <a:srgbClr val="001080"/>
+                </a:solidFill>
+                <a:effectLst/>
+                <a:latin typeface="Consolas" panose="020B0609020204030204" pitchFamily="49" charset="0"/>
+              </a:rPr>
+              <a:t>api_key_secret</a:t>
+            </a:r>
+            <a:r>
+              <a:rPr lang="en-US" b="0" dirty="0">
+                <a:solidFill>
+                  <a:srgbClr val="000000"/>
+                </a:solidFill>
+                <a:effectLst/>
+                <a:latin typeface="Consolas" panose="020B0609020204030204" pitchFamily="49" charset="0"/>
+              </a:rPr>
+              <a:t> = </a:t>
+            </a:r>
+            <a:r>
+              <a:rPr lang="en-US" b="0" dirty="0" err="1">
+                <a:solidFill>
+                  <a:srgbClr val="267F99"/>
+                </a:solidFill>
+                <a:effectLst/>
+                <a:latin typeface="Consolas" panose="020B0609020204030204" pitchFamily="49" charset="0"/>
+              </a:rPr>
+              <a:t>os</a:t>
+            </a:r>
+            <a:r>
+              <a:rPr lang="en-US" b="0" dirty="0" err="1">
+                <a:solidFill>
+                  <a:srgbClr val="000000"/>
+                </a:solidFill>
+                <a:effectLst/>
+                <a:latin typeface="Consolas" panose="020B0609020204030204" pitchFamily="49" charset="0"/>
+              </a:rPr>
+              <a:t>.</a:t>
+            </a:r>
+            <a:r>
+              <a:rPr lang="en-US" b="0" dirty="0" err="1">
+                <a:solidFill>
+                  <a:srgbClr val="795E26"/>
+                </a:solidFill>
+                <a:effectLst/>
+                <a:latin typeface="Consolas" panose="020B0609020204030204" pitchFamily="49" charset="0"/>
+              </a:rPr>
+              <a:t>getenv</a:t>
+            </a:r>
+            <a:r>
+              <a:rPr lang="en-US" b="0" dirty="0">
+                <a:solidFill>
+                  <a:srgbClr val="000000"/>
+                </a:solidFill>
+                <a:effectLst/>
+                <a:latin typeface="Consolas" panose="020B0609020204030204" pitchFamily="49" charset="0"/>
+              </a:rPr>
+              <a:t>(</a:t>
+            </a:r>
+            <a:r>
+              <a:rPr lang="en-US" b="0" dirty="0">
+                <a:solidFill>
+                  <a:srgbClr val="A31515"/>
+                </a:solidFill>
+                <a:effectLst/>
+                <a:latin typeface="Consolas" panose="020B0609020204030204" pitchFamily="49" charset="0"/>
+              </a:rPr>
+              <a:t>"</a:t>
+            </a:r>
+            <a:r>
+              <a:rPr lang="en-US" b="0" dirty="0" err="1">
+                <a:solidFill>
+                  <a:srgbClr val="A31515"/>
+                </a:solidFill>
+                <a:effectLst/>
+                <a:latin typeface="Consolas" panose="020B0609020204030204" pitchFamily="49" charset="0"/>
+              </a:rPr>
+              <a:t>api_key_secret</a:t>
+            </a:r>
+            <a:r>
+              <a:rPr lang="en-US" b="0" dirty="0">
+                <a:solidFill>
+                  <a:srgbClr val="A31515"/>
+                </a:solidFill>
+                <a:effectLst/>
+                <a:latin typeface="Consolas" panose="020B0609020204030204" pitchFamily="49" charset="0"/>
+              </a:rPr>
+              <a:t>"</a:t>
+            </a:r>
+            <a:r>
+              <a:rPr lang="en-US" b="0" dirty="0">
+                <a:solidFill>
+                  <a:srgbClr val="000000"/>
+                </a:solidFill>
+                <a:effectLst/>
+                <a:latin typeface="Consolas" panose="020B0609020204030204" pitchFamily="49" charset="0"/>
+              </a:rPr>
+              <a:t>)</a:t>
+            </a:r>
+          </a:p>
+          <a:p>
+            <a:r>
+              <a:rPr lang="en-US" b="0" dirty="0" err="1">
+                <a:solidFill>
+                  <a:srgbClr val="001080"/>
+                </a:solidFill>
+                <a:effectLst/>
+                <a:latin typeface="Consolas" panose="020B0609020204030204" pitchFamily="49" charset="0"/>
+              </a:rPr>
+              <a:t>access_token</a:t>
+            </a:r>
+            <a:r>
+              <a:rPr lang="en-US" b="0" dirty="0">
+                <a:solidFill>
+                  <a:srgbClr val="000000"/>
+                </a:solidFill>
+                <a:effectLst/>
+                <a:latin typeface="Consolas" panose="020B0609020204030204" pitchFamily="49" charset="0"/>
+              </a:rPr>
+              <a:t> = </a:t>
+            </a:r>
+            <a:r>
+              <a:rPr lang="en-US" b="0" dirty="0" err="1">
+                <a:solidFill>
+                  <a:srgbClr val="267F99"/>
+                </a:solidFill>
+                <a:effectLst/>
+                <a:latin typeface="Consolas" panose="020B0609020204030204" pitchFamily="49" charset="0"/>
+              </a:rPr>
+              <a:t>os</a:t>
+            </a:r>
+            <a:r>
+              <a:rPr lang="en-US" b="0" dirty="0" err="1">
+                <a:solidFill>
+                  <a:srgbClr val="000000"/>
+                </a:solidFill>
+                <a:effectLst/>
+                <a:latin typeface="Consolas" panose="020B0609020204030204" pitchFamily="49" charset="0"/>
+              </a:rPr>
+              <a:t>.</a:t>
+            </a:r>
+            <a:r>
+              <a:rPr lang="en-US" b="0" dirty="0" err="1">
+                <a:solidFill>
+                  <a:srgbClr val="795E26"/>
+                </a:solidFill>
+                <a:effectLst/>
+                <a:latin typeface="Consolas" panose="020B0609020204030204" pitchFamily="49" charset="0"/>
+              </a:rPr>
+              <a:t>getenv</a:t>
+            </a:r>
+            <a:r>
+              <a:rPr lang="en-US" b="0" dirty="0">
+                <a:solidFill>
+                  <a:srgbClr val="000000"/>
+                </a:solidFill>
+                <a:effectLst/>
+                <a:latin typeface="Consolas" panose="020B0609020204030204" pitchFamily="49" charset="0"/>
+              </a:rPr>
+              <a:t>(</a:t>
+            </a:r>
+            <a:r>
+              <a:rPr lang="en-US" b="0" dirty="0">
+                <a:solidFill>
+                  <a:srgbClr val="A31515"/>
+                </a:solidFill>
+                <a:effectLst/>
+                <a:latin typeface="Consolas" panose="020B0609020204030204" pitchFamily="49" charset="0"/>
+              </a:rPr>
+              <a:t>"</a:t>
+            </a:r>
+            <a:r>
+              <a:rPr lang="en-US" b="0" dirty="0" err="1">
+                <a:solidFill>
+                  <a:srgbClr val="A31515"/>
+                </a:solidFill>
+                <a:effectLst/>
+                <a:latin typeface="Consolas" panose="020B0609020204030204" pitchFamily="49" charset="0"/>
+              </a:rPr>
+              <a:t>access_token</a:t>
+            </a:r>
+            <a:r>
+              <a:rPr lang="en-US" b="0" dirty="0">
+                <a:solidFill>
+                  <a:srgbClr val="A31515"/>
+                </a:solidFill>
+                <a:effectLst/>
+                <a:latin typeface="Consolas" panose="020B0609020204030204" pitchFamily="49" charset="0"/>
+              </a:rPr>
+              <a:t>"</a:t>
+            </a:r>
+            <a:r>
+              <a:rPr lang="en-US" b="0" dirty="0">
+                <a:solidFill>
+                  <a:srgbClr val="000000"/>
+                </a:solidFill>
+                <a:effectLst/>
+                <a:latin typeface="Consolas" panose="020B0609020204030204" pitchFamily="49" charset="0"/>
+              </a:rPr>
+              <a:t>)</a:t>
+            </a:r>
+          </a:p>
+          <a:p>
+            <a:r>
+              <a:rPr lang="en-US" b="0" dirty="0" err="1">
+                <a:solidFill>
+                  <a:srgbClr val="001080"/>
+                </a:solidFill>
+                <a:effectLst/>
+                <a:latin typeface="Consolas" panose="020B0609020204030204" pitchFamily="49" charset="0"/>
+              </a:rPr>
+              <a:t>access_token_secret</a:t>
+            </a:r>
+            <a:r>
+              <a:rPr lang="en-US" b="0" dirty="0">
+                <a:solidFill>
+                  <a:srgbClr val="000000"/>
+                </a:solidFill>
+                <a:effectLst/>
+                <a:latin typeface="Consolas" panose="020B0609020204030204" pitchFamily="49" charset="0"/>
+              </a:rPr>
+              <a:t> = </a:t>
+            </a:r>
+            <a:r>
+              <a:rPr lang="en-US" b="0" dirty="0" err="1">
+                <a:solidFill>
+                  <a:srgbClr val="267F99"/>
+                </a:solidFill>
+                <a:effectLst/>
+                <a:latin typeface="Consolas" panose="020B0609020204030204" pitchFamily="49" charset="0"/>
+              </a:rPr>
+              <a:t>os</a:t>
+            </a:r>
+            <a:r>
+              <a:rPr lang="en-US" b="0" dirty="0" err="1">
+                <a:solidFill>
+                  <a:srgbClr val="000000"/>
+                </a:solidFill>
+                <a:effectLst/>
+                <a:latin typeface="Consolas" panose="020B0609020204030204" pitchFamily="49" charset="0"/>
+              </a:rPr>
+              <a:t>.</a:t>
+            </a:r>
+            <a:r>
+              <a:rPr lang="en-US" b="0" dirty="0" err="1">
+                <a:solidFill>
+                  <a:srgbClr val="795E26"/>
+                </a:solidFill>
+                <a:effectLst/>
+                <a:latin typeface="Consolas" panose="020B0609020204030204" pitchFamily="49" charset="0"/>
+              </a:rPr>
+              <a:t>getenv</a:t>
+            </a:r>
+            <a:r>
+              <a:rPr lang="en-US" b="0" dirty="0">
+                <a:solidFill>
+                  <a:srgbClr val="000000"/>
+                </a:solidFill>
+                <a:effectLst/>
+                <a:latin typeface="Consolas" panose="020B0609020204030204" pitchFamily="49" charset="0"/>
+              </a:rPr>
+              <a:t>(</a:t>
+            </a:r>
+            <a:r>
+              <a:rPr lang="en-US" b="0" dirty="0">
+                <a:solidFill>
+                  <a:srgbClr val="A31515"/>
+                </a:solidFill>
+                <a:effectLst/>
+                <a:latin typeface="Consolas" panose="020B0609020204030204" pitchFamily="49" charset="0"/>
+              </a:rPr>
+              <a:t>"</a:t>
+            </a:r>
+            <a:r>
+              <a:rPr lang="en-US" b="0" dirty="0" err="1">
+                <a:solidFill>
+                  <a:srgbClr val="A31515"/>
+                </a:solidFill>
+                <a:effectLst/>
+                <a:latin typeface="Consolas" panose="020B0609020204030204" pitchFamily="49" charset="0"/>
+              </a:rPr>
+              <a:t>access_token_secret</a:t>
+            </a:r>
+            <a:r>
+              <a:rPr lang="en-US" b="0" dirty="0">
+                <a:solidFill>
+                  <a:srgbClr val="A31515"/>
+                </a:solidFill>
+                <a:effectLst/>
+                <a:latin typeface="Consolas" panose="020B0609020204030204" pitchFamily="49" charset="0"/>
+              </a:rPr>
+              <a:t>"</a:t>
+            </a:r>
+            <a:r>
+              <a:rPr lang="en-US" b="0" dirty="0">
+                <a:solidFill>
+                  <a:srgbClr val="000000"/>
+                </a:solidFill>
+                <a:effectLst/>
+                <a:latin typeface="Consolas" panose="020B0609020204030204" pitchFamily="49" charset="0"/>
+              </a:rPr>
+              <a:t>)</a:t>
+            </a:r>
+            <a:br>
+              <a:rPr lang="en-US" b="0" dirty="0">
+                <a:solidFill>
+                  <a:srgbClr val="000000"/>
+                </a:solidFill>
+                <a:effectLst/>
+                <a:latin typeface="Consolas" panose="020B0609020204030204" pitchFamily="49" charset="0"/>
+              </a:rPr>
+            </a:br>
+            <a:r>
+              <a:rPr lang="en-US" b="0" dirty="0" err="1">
+                <a:solidFill>
+                  <a:srgbClr val="001080"/>
+                </a:solidFill>
+                <a:effectLst/>
+                <a:latin typeface="Consolas" panose="020B0609020204030204" pitchFamily="49" charset="0"/>
+              </a:rPr>
+              <a:t>cloud_id</a:t>
+            </a:r>
+            <a:r>
+              <a:rPr lang="en-US" b="0" dirty="0">
+                <a:solidFill>
+                  <a:srgbClr val="000000"/>
+                </a:solidFill>
+                <a:effectLst/>
+                <a:latin typeface="Consolas" panose="020B0609020204030204" pitchFamily="49" charset="0"/>
+              </a:rPr>
+              <a:t> = </a:t>
+            </a:r>
+            <a:r>
+              <a:rPr lang="en-US" b="0" dirty="0" err="1">
+                <a:solidFill>
+                  <a:srgbClr val="267F99"/>
+                </a:solidFill>
+                <a:effectLst/>
+                <a:latin typeface="Consolas" panose="020B0609020204030204" pitchFamily="49" charset="0"/>
+              </a:rPr>
+              <a:t>os</a:t>
+            </a:r>
+            <a:r>
+              <a:rPr lang="en-US" b="0" dirty="0" err="1">
+                <a:solidFill>
+                  <a:srgbClr val="000000"/>
+                </a:solidFill>
+                <a:effectLst/>
+                <a:latin typeface="Consolas" panose="020B0609020204030204" pitchFamily="49" charset="0"/>
+              </a:rPr>
+              <a:t>.</a:t>
+            </a:r>
+            <a:r>
+              <a:rPr lang="en-US" b="0" dirty="0" err="1">
+                <a:solidFill>
+                  <a:srgbClr val="795E26"/>
+                </a:solidFill>
+                <a:effectLst/>
+                <a:latin typeface="Consolas" panose="020B0609020204030204" pitchFamily="49" charset="0"/>
+              </a:rPr>
+              <a:t>getenv</a:t>
+            </a:r>
+            <a:r>
+              <a:rPr lang="en-US" b="0" dirty="0">
+                <a:solidFill>
+                  <a:srgbClr val="000000"/>
+                </a:solidFill>
+                <a:effectLst/>
+                <a:latin typeface="Consolas" panose="020B0609020204030204" pitchFamily="49" charset="0"/>
+              </a:rPr>
+              <a:t>(</a:t>
+            </a:r>
+            <a:r>
+              <a:rPr lang="en-US" b="0" dirty="0">
+                <a:solidFill>
+                  <a:srgbClr val="A31515"/>
+                </a:solidFill>
+                <a:effectLst/>
+                <a:latin typeface="Consolas" panose="020B0609020204030204" pitchFamily="49" charset="0"/>
+              </a:rPr>
+              <a:t>"</a:t>
+            </a:r>
+            <a:r>
+              <a:rPr lang="en-US" b="0" dirty="0" err="1">
+                <a:solidFill>
+                  <a:srgbClr val="A31515"/>
+                </a:solidFill>
+                <a:effectLst/>
+                <a:latin typeface="Consolas" panose="020B0609020204030204" pitchFamily="49" charset="0"/>
+              </a:rPr>
+              <a:t>cloud_id</a:t>
+            </a:r>
+            <a:r>
+              <a:rPr lang="en-US" b="0" dirty="0">
+                <a:solidFill>
+                  <a:srgbClr val="A31515"/>
+                </a:solidFill>
+                <a:effectLst/>
+                <a:latin typeface="Consolas" panose="020B0609020204030204" pitchFamily="49" charset="0"/>
+              </a:rPr>
+              <a:t>"</a:t>
+            </a:r>
+            <a:r>
+              <a:rPr lang="en-US" b="0" dirty="0">
+                <a:solidFill>
+                  <a:srgbClr val="000000"/>
+                </a:solidFill>
+                <a:effectLst/>
+                <a:latin typeface="Consolas" panose="020B0609020204030204" pitchFamily="49" charset="0"/>
+              </a:rPr>
+              <a:t>)</a:t>
+            </a:r>
+          </a:p>
+          <a:p>
+            <a:r>
+              <a:rPr lang="en-US" b="0" dirty="0">
+                <a:solidFill>
+                  <a:srgbClr val="001080"/>
+                </a:solidFill>
+                <a:effectLst/>
+                <a:latin typeface="Consolas" panose="020B0609020204030204" pitchFamily="49" charset="0"/>
+              </a:rPr>
+              <a:t>user</a:t>
+            </a:r>
+            <a:r>
+              <a:rPr lang="en-US" b="0" dirty="0">
+                <a:solidFill>
+                  <a:srgbClr val="000000"/>
+                </a:solidFill>
+                <a:effectLst/>
+                <a:latin typeface="Consolas" panose="020B0609020204030204" pitchFamily="49" charset="0"/>
+              </a:rPr>
+              <a:t> = </a:t>
+            </a:r>
+            <a:r>
+              <a:rPr lang="en-US" b="0" dirty="0" err="1">
+                <a:solidFill>
+                  <a:srgbClr val="267F99"/>
+                </a:solidFill>
+                <a:effectLst/>
+                <a:latin typeface="Consolas" panose="020B0609020204030204" pitchFamily="49" charset="0"/>
+              </a:rPr>
+              <a:t>os</a:t>
+            </a:r>
+            <a:r>
+              <a:rPr lang="en-US" b="0" dirty="0" err="1">
+                <a:solidFill>
+                  <a:srgbClr val="000000"/>
+                </a:solidFill>
+                <a:effectLst/>
+                <a:latin typeface="Consolas" panose="020B0609020204030204" pitchFamily="49" charset="0"/>
+              </a:rPr>
+              <a:t>.</a:t>
+            </a:r>
+            <a:r>
+              <a:rPr lang="en-US" b="0" dirty="0" err="1">
+                <a:solidFill>
+                  <a:srgbClr val="795E26"/>
+                </a:solidFill>
+                <a:effectLst/>
+                <a:latin typeface="Consolas" panose="020B0609020204030204" pitchFamily="49" charset="0"/>
+              </a:rPr>
+              <a:t>getenv</a:t>
+            </a:r>
+            <a:r>
+              <a:rPr lang="en-US" b="0" dirty="0">
+                <a:solidFill>
+                  <a:srgbClr val="000000"/>
+                </a:solidFill>
+                <a:effectLst/>
+                <a:latin typeface="Consolas" panose="020B0609020204030204" pitchFamily="49" charset="0"/>
+              </a:rPr>
+              <a:t>(</a:t>
+            </a:r>
+            <a:r>
+              <a:rPr lang="en-US" b="0" dirty="0">
+                <a:solidFill>
+                  <a:srgbClr val="A31515"/>
+                </a:solidFill>
+                <a:effectLst/>
+                <a:latin typeface="Consolas" panose="020B0609020204030204" pitchFamily="49" charset="0"/>
+              </a:rPr>
+              <a:t>"user"</a:t>
+            </a:r>
+            <a:r>
+              <a:rPr lang="en-US" b="0" dirty="0">
+                <a:solidFill>
+                  <a:srgbClr val="000000"/>
+                </a:solidFill>
+                <a:effectLst/>
+                <a:latin typeface="Consolas" panose="020B0609020204030204" pitchFamily="49" charset="0"/>
+              </a:rPr>
+              <a:t>)</a:t>
+            </a:r>
+          </a:p>
+          <a:p>
+            <a:r>
+              <a:rPr lang="en-US" b="0" dirty="0">
+                <a:solidFill>
+                  <a:srgbClr val="001080"/>
+                </a:solidFill>
+                <a:effectLst/>
+                <a:latin typeface="Consolas" panose="020B0609020204030204" pitchFamily="49" charset="0"/>
+              </a:rPr>
+              <a:t>password</a:t>
+            </a:r>
+            <a:r>
+              <a:rPr lang="en-US" b="0" dirty="0">
+                <a:solidFill>
+                  <a:srgbClr val="000000"/>
+                </a:solidFill>
+                <a:effectLst/>
+                <a:latin typeface="Consolas" panose="020B0609020204030204" pitchFamily="49" charset="0"/>
+              </a:rPr>
+              <a:t> = </a:t>
+            </a:r>
+            <a:r>
+              <a:rPr lang="en-US" b="0" dirty="0" err="1">
+                <a:solidFill>
+                  <a:srgbClr val="267F99"/>
+                </a:solidFill>
+                <a:effectLst/>
+                <a:latin typeface="Consolas" panose="020B0609020204030204" pitchFamily="49" charset="0"/>
+              </a:rPr>
+              <a:t>os</a:t>
+            </a:r>
+            <a:r>
+              <a:rPr lang="en-US" b="0" dirty="0" err="1">
+                <a:solidFill>
+                  <a:srgbClr val="000000"/>
+                </a:solidFill>
+                <a:effectLst/>
+                <a:latin typeface="Consolas" panose="020B0609020204030204" pitchFamily="49" charset="0"/>
+              </a:rPr>
+              <a:t>.</a:t>
+            </a:r>
+            <a:r>
+              <a:rPr lang="en-US" b="0" dirty="0" err="1">
+                <a:solidFill>
+                  <a:srgbClr val="795E26"/>
+                </a:solidFill>
+                <a:effectLst/>
+                <a:latin typeface="Consolas" panose="020B0609020204030204" pitchFamily="49" charset="0"/>
+              </a:rPr>
+              <a:t>getenv</a:t>
+            </a:r>
+            <a:r>
+              <a:rPr lang="en-US" b="0" dirty="0">
+                <a:solidFill>
+                  <a:srgbClr val="000000"/>
+                </a:solidFill>
+                <a:effectLst/>
+                <a:latin typeface="Consolas" panose="020B0609020204030204" pitchFamily="49" charset="0"/>
+              </a:rPr>
+              <a:t>(</a:t>
+            </a:r>
+            <a:r>
+              <a:rPr lang="en-US" b="0" dirty="0">
+                <a:solidFill>
+                  <a:srgbClr val="A31515"/>
+                </a:solidFill>
+                <a:effectLst/>
+                <a:latin typeface="Consolas" panose="020B0609020204030204" pitchFamily="49" charset="0"/>
+              </a:rPr>
+              <a:t>"password"</a:t>
+            </a:r>
+            <a:r>
+              <a:rPr lang="en-US" b="0" dirty="0">
+                <a:solidFill>
+                  <a:srgbClr val="000000"/>
+                </a:solidFill>
+                <a:effectLst/>
+                <a:latin typeface="Consolas" panose="020B0609020204030204" pitchFamily="49" charset="0"/>
+              </a:rPr>
+              <a:t>)</a:t>
+            </a:r>
+          </a:p>
+        </p:txBody>
+      </p:sp>
+      <p:sp>
+        <p:nvSpPr>
+          <p:cNvPr id="7" name="Metin kutusu 6">
+            <a:extLst>
+              <a:ext uri="{FF2B5EF4-FFF2-40B4-BE49-F238E27FC236}">
+                <a16:creationId xmlns:a16="http://schemas.microsoft.com/office/drawing/2014/main" id="{1B6AED39-D9D6-165D-8ADF-514A58B069BA}"/>
+              </a:ext>
+            </a:extLst>
+          </p:cNvPr>
+          <p:cNvSpPr txBox="1"/>
+          <p:nvPr/>
+        </p:nvSpPr>
+        <p:spPr>
+          <a:xfrm>
+            <a:off x="580103" y="3190000"/>
+            <a:ext cx="4370439" cy="2862322"/>
+          </a:xfrm>
+          <a:prstGeom prst="rect">
+            <a:avLst/>
+          </a:prstGeom>
+          <a:noFill/>
+        </p:spPr>
+        <p:txBody>
+          <a:bodyPr wrap="square">
+            <a:spAutoFit/>
+          </a:bodyPr>
+          <a:lstStyle/>
+          <a:p>
+            <a:r>
+              <a:rPr lang="tr-TR" dirty="0"/>
+              <a:t>.</a:t>
+            </a:r>
+            <a:r>
+              <a:rPr lang="tr-TR" dirty="0" err="1"/>
+              <a:t>env</a:t>
+            </a:r>
+            <a:r>
+              <a:rPr lang="tr-TR" dirty="0"/>
+              <a:t> dosyası</a:t>
+            </a:r>
+          </a:p>
+          <a:p>
+            <a:r>
+              <a:rPr lang="en-US" dirty="0" err="1"/>
+              <a:t>cloud_id</a:t>
+            </a:r>
+            <a:r>
+              <a:rPr lang="en-US" dirty="0"/>
+              <a:t> = testingelastic:dNmI1ZDRmYjU</a:t>
+            </a:r>
+          </a:p>
+          <a:p>
+            <a:r>
+              <a:rPr lang="en-US" dirty="0"/>
+              <a:t>user = elastic</a:t>
+            </a:r>
+          </a:p>
+          <a:p>
+            <a:r>
+              <a:rPr lang="en-US" dirty="0"/>
+              <a:t>password = "3lGZd7Nn2XFJKN0MWNk"</a:t>
+            </a:r>
+          </a:p>
+          <a:p>
+            <a:endParaRPr lang="en-US" dirty="0"/>
+          </a:p>
+          <a:p>
+            <a:r>
+              <a:rPr lang="en-US" dirty="0" err="1"/>
+              <a:t>api_key</a:t>
+            </a:r>
+            <a:r>
+              <a:rPr lang="en-US" dirty="0"/>
+              <a:t> = "AU7Ma83BEiaA7GdF3l9D9tYUf" </a:t>
+            </a:r>
+          </a:p>
+          <a:p>
+            <a:r>
+              <a:rPr lang="en-US" dirty="0" err="1"/>
+              <a:t>api_key_secret</a:t>
+            </a:r>
+            <a:r>
+              <a:rPr lang="en-US" dirty="0"/>
+              <a:t> = "miQyHP99t6PI97mkdR" </a:t>
+            </a:r>
+          </a:p>
+          <a:p>
+            <a:endParaRPr lang="en-US" dirty="0"/>
+          </a:p>
+          <a:p>
+            <a:r>
+              <a:rPr lang="en-US" dirty="0" err="1"/>
+              <a:t>access_token</a:t>
+            </a:r>
+            <a:r>
+              <a:rPr lang="en-US" dirty="0"/>
+              <a:t> = "13749Ftsn2E12I9VWtD8c"     </a:t>
+            </a:r>
+          </a:p>
+          <a:p>
+            <a:r>
+              <a:rPr lang="en-US" dirty="0" err="1"/>
+              <a:t>access_token_secret</a:t>
+            </a:r>
+            <a:r>
+              <a:rPr lang="en-US" dirty="0"/>
+              <a:t> = "</a:t>
+            </a:r>
+            <a:r>
+              <a:rPr lang="en-US" dirty="0" err="1"/>
+              <a:t>XwIdaxdVIZCziEs</a:t>
+            </a:r>
+            <a:r>
+              <a:rPr lang="en-US" dirty="0"/>
+              <a:t>"</a:t>
+            </a:r>
           </a:p>
         </p:txBody>
       </p:sp>
     </p:spTree>
     <p:extLst>
       <p:ext uri="{BB962C8B-B14F-4D97-AF65-F5344CB8AC3E}">
-        <p14:creationId xmlns:p14="http://schemas.microsoft.com/office/powerpoint/2010/main" val="1844445514"/>
+        <p14:creationId xmlns:p14="http://schemas.microsoft.com/office/powerpoint/2010/main" val="3619267834"/>
       </p:ext>
     </p:extLst>
   </p:cSld>
@@ -4590,7 +9530,7 @@
       </p:grpSpPr>
       <p:sp>
         <p:nvSpPr>
-          <p:cNvPr id="2" name="Unvan 1"/>
+          <p:cNvPr id="2" name="Başlık 1"/>
           <p:cNvSpPr>
             <a:spLocks noGrp="1"/>
           </p:cNvSpPr>
@@ -4605,7 +9545,13 @@
           </a:bodyPr>
           <a:lstStyle/>
           <a:p>
-            <a:endParaRPr lang="tr-TR"/>
+            <a:r>
+              <a:rPr lang="fi-FI" sz="2700" dirty="0">
+                <a:latin typeface="Arial" panose="020B0604020202020204" pitchFamily="34" charset="0"/>
+                <a:cs typeface="Arial" panose="020B0604020202020204" pitchFamily="34" charset="0"/>
+              </a:rPr>
+              <a:t>Python ile Sentiment(Duygu) Analizi:</a:t>
+            </a:r>
           </a:p>
         </p:txBody>
       </p:sp>
@@ -4621,17 +9567,518 @@
         </p:nvSpPr>
         <p:spPr/>
         <p:txBody>
-          <a:bodyPr/>
+          <a:bodyPr>
+            <a:normAutofit/>
+          </a:bodyPr>
           <a:lstStyle/>
           <a:p>
-            <a:endParaRPr lang="tr-TR"/>
+            <a:pPr algn="just" eaLnBrk="1" hangingPunct="1"/>
+            <a:r>
+              <a:rPr lang="tr-TR" altLang="en-US" sz="1800" dirty="0">
+                <a:latin typeface="Helvetica" panose="020B0604020202020204" pitchFamily="34" charset="0"/>
+              </a:rPr>
+              <a:t>Duygular olumlu, olumsuz, normal olarak sınıflandırılmıştır.</a:t>
+            </a:r>
+            <a:endParaRPr lang="tr-TR" altLang="en-US" sz="1800" b="1" dirty="0">
+              <a:latin typeface="Helvetica" panose="020B0604020202020204" pitchFamily="34" charset="0"/>
+            </a:endParaRPr>
+          </a:p>
+          <a:p>
+            <a:endParaRPr lang="tr-TR" sz="1800" dirty="0">
+              <a:latin typeface="Arial" panose="020B0604020202020204" pitchFamily="34" charset="0"/>
+              <a:cs typeface="Arial" panose="020B0604020202020204" pitchFamily="34" charset="0"/>
+            </a:endParaRPr>
+          </a:p>
+        </p:txBody>
+      </p:sp>
+      <p:sp>
+        <p:nvSpPr>
+          <p:cNvPr id="5" name="Metin kutusu 4">
+            <a:extLst>
+              <a:ext uri="{FF2B5EF4-FFF2-40B4-BE49-F238E27FC236}">
+                <a16:creationId xmlns:a16="http://schemas.microsoft.com/office/drawing/2014/main" id="{E41DE79B-553F-35AC-8E7F-24148AB15362}"/>
+              </a:ext>
+            </a:extLst>
+          </p:cNvPr>
+          <p:cNvSpPr txBox="1"/>
+          <p:nvPr/>
+        </p:nvSpPr>
+        <p:spPr>
+          <a:xfrm>
+            <a:off x="0" y="3132291"/>
+            <a:ext cx="6115665" cy="2031325"/>
+          </a:xfrm>
+          <a:prstGeom prst="rect">
+            <a:avLst/>
+          </a:prstGeom>
+          <a:noFill/>
+        </p:spPr>
+        <p:txBody>
+          <a:bodyPr wrap="square">
+            <a:spAutoFit/>
+          </a:bodyPr>
+          <a:lstStyle/>
+          <a:p>
+            <a:r>
+              <a:rPr lang="en-US" b="0" dirty="0">
+                <a:solidFill>
+                  <a:srgbClr val="000000"/>
+                </a:solidFill>
+                <a:effectLst/>
+                <a:latin typeface="Consolas" panose="020B0609020204030204" pitchFamily="49" charset="0"/>
+              </a:rPr>
+              <a:t>        </a:t>
+            </a:r>
+            <a:r>
+              <a:rPr lang="en-US" b="0" dirty="0">
+                <a:solidFill>
+                  <a:srgbClr val="001080"/>
+                </a:solidFill>
+                <a:effectLst/>
+                <a:latin typeface="Consolas" panose="020B0609020204030204" pitchFamily="49" charset="0"/>
+              </a:rPr>
+              <a:t>tweet</a:t>
+            </a:r>
+            <a:r>
+              <a:rPr lang="en-US" b="0" dirty="0">
+                <a:solidFill>
+                  <a:srgbClr val="000000"/>
+                </a:solidFill>
+                <a:effectLst/>
+                <a:latin typeface="Consolas" panose="020B0609020204030204" pitchFamily="49" charset="0"/>
+              </a:rPr>
+              <a:t> = </a:t>
+            </a:r>
+            <a:r>
+              <a:rPr lang="en-US" b="0" dirty="0" err="1">
+                <a:solidFill>
+                  <a:srgbClr val="267F99"/>
+                </a:solidFill>
+                <a:effectLst/>
+                <a:latin typeface="Consolas" panose="020B0609020204030204" pitchFamily="49" charset="0"/>
+              </a:rPr>
+              <a:t>TextBlob</a:t>
+            </a:r>
+            <a:r>
+              <a:rPr lang="en-US" b="0" dirty="0">
+                <a:solidFill>
+                  <a:srgbClr val="000000"/>
+                </a:solidFill>
+                <a:effectLst/>
+                <a:latin typeface="Consolas" panose="020B0609020204030204" pitchFamily="49" charset="0"/>
+              </a:rPr>
+              <a:t>(</a:t>
+            </a:r>
+            <a:r>
+              <a:rPr lang="en-US" b="0" dirty="0" err="1">
+                <a:solidFill>
+                  <a:srgbClr val="001080"/>
+                </a:solidFill>
+                <a:effectLst/>
+                <a:latin typeface="Consolas" panose="020B0609020204030204" pitchFamily="49" charset="0"/>
+              </a:rPr>
+              <a:t>tweettext</a:t>
+            </a:r>
+            <a:r>
+              <a:rPr lang="en-US" b="0" dirty="0">
+                <a:solidFill>
+                  <a:srgbClr val="000000"/>
+                </a:solidFill>
+                <a:effectLst/>
+                <a:latin typeface="Consolas" panose="020B0609020204030204" pitchFamily="49" charset="0"/>
+              </a:rPr>
+              <a:t>)</a:t>
+            </a:r>
+          </a:p>
+          <a:p>
+            <a:r>
+              <a:rPr lang="en-US" b="0" dirty="0">
+                <a:solidFill>
+                  <a:srgbClr val="000000"/>
+                </a:solidFill>
+                <a:effectLst/>
+                <a:latin typeface="Consolas" panose="020B0609020204030204" pitchFamily="49" charset="0"/>
+              </a:rPr>
+              <a:t>        </a:t>
+            </a:r>
+            <a:r>
+              <a:rPr lang="en-US" b="0" dirty="0">
+                <a:solidFill>
+                  <a:srgbClr val="AF00DB"/>
+                </a:solidFill>
+                <a:effectLst/>
+                <a:latin typeface="Consolas" panose="020B0609020204030204" pitchFamily="49" charset="0"/>
+              </a:rPr>
+              <a:t>if</a:t>
+            </a:r>
+            <a:r>
+              <a:rPr lang="en-US" b="0" dirty="0">
+                <a:solidFill>
+                  <a:srgbClr val="000000"/>
+                </a:solidFill>
+                <a:effectLst/>
+                <a:latin typeface="Consolas" panose="020B0609020204030204" pitchFamily="49" charset="0"/>
+              </a:rPr>
+              <a:t> </a:t>
+            </a:r>
+            <a:r>
+              <a:rPr lang="en-US" b="0" dirty="0" err="1">
+                <a:solidFill>
+                  <a:srgbClr val="001080"/>
+                </a:solidFill>
+                <a:effectLst/>
+                <a:latin typeface="Consolas" panose="020B0609020204030204" pitchFamily="49" charset="0"/>
+              </a:rPr>
+              <a:t>tweet</a:t>
+            </a:r>
+            <a:r>
+              <a:rPr lang="en-US" b="0" dirty="0" err="1">
+                <a:solidFill>
+                  <a:srgbClr val="000000"/>
+                </a:solidFill>
+                <a:effectLst/>
+                <a:latin typeface="Consolas" panose="020B0609020204030204" pitchFamily="49" charset="0"/>
+              </a:rPr>
+              <a:t>.</a:t>
+            </a:r>
+            <a:r>
+              <a:rPr lang="en-US" b="0" dirty="0" err="1">
+                <a:solidFill>
+                  <a:srgbClr val="795E26"/>
+                </a:solidFill>
+                <a:effectLst/>
+                <a:latin typeface="Consolas" panose="020B0609020204030204" pitchFamily="49" charset="0"/>
+              </a:rPr>
+              <a:t>sentiment</a:t>
+            </a:r>
+            <a:r>
+              <a:rPr lang="en-US" b="0" dirty="0" err="1">
+                <a:solidFill>
+                  <a:srgbClr val="000000"/>
+                </a:solidFill>
+                <a:effectLst/>
+                <a:latin typeface="Consolas" panose="020B0609020204030204" pitchFamily="49" charset="0"/>
+              </a:rPr>
+              <a:t>.polarity</a:t>
+            </a:r>
+            <a:r>
+              <a:rPr lang="en-US" b="0" dirty="0">
+                <a:solidFill>
+                  <a:srgbClr val="000000"/>
+                </a:solidFill>
+                <a:effectLst/>
+                <a:latin typeface="Consolas" panose="020B0609020204030204" pitchFamily="49" charset="0"/>
+              </a:rPr>
+              <a:t> &lt; </a:t>
+            </a:r>
+            <a:r>
+              <a:rPr lang="en-US" b="0" dirty="0">
+                <a:solidFill>
+                  <a:srgbClr val="098658"/>
+                </a:solidFill>
+                <a:effectLst/>
+                <a:latin typeface="Consolas" panose="020B0609020204030204" pitchFamily="49" charset="0"/>
+              </a:rPr>
+              <a:t>0</a:t>
+            </a:r>
+            <a:r>
+              <a:rPr lang="en-US" b="0" dirty="0">
+                <a:solidFill>
+                  <a:srgbClr val="000000"/>
+                </a:solidFill>
+                <a:effectLst/>
+                <a:latin typeface="Consolas" panose="020B0609020204030204" pitchFamily="49" charset="0"/>
+              </a:rPr>
+              <a:t>:</a:t>
+            </a:r>
+          </a:p>
+          <a:p>
+            <a:r>
+              <a:rPr lang="en-US" b="0" dirty="0">
+                <a:solidFill>
+                  <a:srgbClr val="000000"/>
+                </a:solidFill>
+                <a:effectLst/>
+                <a:latin typeface="Consolas" panose="020B0609020204030204" pitchFamily="49" charset="0"/>
+              </a:rPr>
+              <a:t>            </a:t>
+            </a:r>
+            <a:r>
+              <a:rPr lang="en-US" b="0" dirty="0">
+                <a:solidFill>
+                  <a:srgbClr val="001080"/>
+                </a:solidFill>
+                <a:effectLst/>
+                <a:latin typeface="Consolas" panose="020B0609020204030204" pitchFamily="49" charset="0"/>
+              </a:rPr>
+              <a:t>sentiment</a:t>
+            </a:r>
+            <a:r>
+              <a:rPr lang="en-US" b="0" dirty="0">
+                <a:solidFill>
+                  <a:srgbClr val="000000"/>
+                </a:solidFill>
+                <a:effectLst/>
+                <a:latin typeface="Consolas" panose="020B0609020204030204" pitchFamily="49" charset="0"/>
+              </a:rPr>
+              <a:t> = </a:t>
+            </a:r>
+            <a:r>
+              <a:rPr lang="en-US" b="0" dirty="0">
+                <a:solidFill>
+                  <a:srgbClr val="A31515"/>
+                </a:solidFill>
+                <a:effectLst/>
+                <a:latin typeface="Consolas" panose="020B0609020204030204" pitchFamily="49" charset="0"/>
+              </a:rPr>
+              <a:t>"negative"</a:t>
+            </a:r>
+            <a:endParaRPr lang="en-US" b="0" dirty="0">
+              <a:solidFill>
+                <a:srgbClr val="000000"/>
+              </a:solidFill>
+              <a:effectLst/>
+              <a:latin typeface="Consolas" panose="020B0609020204030204" pitchFamily="49" charset="0"/>
+            </a:endParaRPr>
+          </a:p>
+          <a:p>
+            <a:r>
+              <a:rPr lang="en-US" b="0" dirty="0">
+                <a:solidFill>
+                  <a:srgbClr val="000000"/>
+                </a:solidFill>
+                <a:effectLst/>
+                <a:latin typeface="Consolas" panose="020B0609020204030204" pitchFamily="49" charset="0"/>
+              </a:rPr>
+              <a:t>        </a:t>
+            </a:r>
+            <a:r>
+              <a:rPr lang="en-US" b="0" dirty="0" err="1">
+                <a:solidFill>
+                  <a:srgbClr val="AF00DB"/>
+                </a:solidFill>
+                <a:effectLst/>
+                <a:latin typeface="Consolas" panose="020B0609020204030204" pitchFamily="49" charset="0"/>
+              </a:rPr>
+              <a:t>elif</a:t>
+            </a:r>
+            <a:r>
+              <a:rPr lang="en-US" b="0" dirty="0">
+                <a:solidFill>
+                  <a:srgbClr val="000000"/>
+                </a:solidFill>
+                <a:effectLst/>
+                <a:latin typeface="Consolas" panose="020B0609020204030204" pitchFamily="49" charset="0"/>
+              </a:rPr>
+              <a:t> </a:t>
+            </a:r>
+            <a:r>
+              <a:rPr lang="en-US" b="0" dirty="0" err="1">
+                <a:solidFill>
+                  <a:srgbClr val="001080"/>
+                </a:solidFill>
+                <a:effectLst/>
+                <a:latin typeface="Consolas" panose="020B0609020204030204" pitchFamily="49" charset="0"/>
+              </a:rPr>
+              <a:t>tweet</a:t>
+            </a:r>
+            <a:r>
+              <a:rPr lang="en-US" b="0" dirty="0" err="1">
+                <a:solidFill>
+                  <a:srgbClr val="000000"/>
+                </a:solidFill>
+                <a:effectLst/>
+                <a:latin typeface="Consolas" panose="020B0609020204030204" pitchFamily="49" charset="0"/>
+              </a:rPr>
+              <a:t>.</a:t>
+            </a:r>
+            <a:r>
+              <a:rPr lang="en-US" b="0" dirty="0" err="1">
+                <a:solidFill>
+                  <a:srgbClr val="795E26"/>
+                </a:solidFill>
+                <a:effectLst/>
+                <a:latin typeface="Consolas" panose="020B0609020204030204" pitchFamily="49" charset="0"/>
+              </a:rPr>
+              <a:t>sentiment</a:t>
+            </a:r>
+            <a:r>
+              <a:rPr lang="en-US" b="0" dirty="0" err="1">
+                <a:solidFill>
+                  <a:srgbClr val="000000"/>
+                </a:solidFill>
+                <a:effectLst/>
+                <a:latin typeface="Consolas" panose="020B0609020204030204" pitchFamily="49" charset="0"/>
+              </a:rPr>
+              <a:t>.polarity</a:t>
+            </a:r>
+            <a:r>
+              <a:rPr lang="en-US" b="0" dirty="0">
+                <a:solidFill>
+                  <a:srgbClr val="000000"/>
+                </a:solidFill>
+                <a:effectLst/>
+                <a:latin typeface="Consolas" panose="020B0609020204030204" pitchFamily="49" charset="0"/>
+              </a:rPr>
+              <a:t> == </a:t>
+            </a:r>
+            <a:r>
+              <a:rPr lang="en-US" b="0" dirty="0">
+                <a:solidFill>
+                  <a:srgbClr val="098658"/>
+                </a:solidFill>
+                <a:effectLst/>
+                <a:latin typeface="Consolas" panose="020B0609020204030204" pitchFamily="49" charset="0"/>
+              </a:rPr>
+              <a:t>0</a:t>
+            </a:r>
+            <a:r>
+              <a:rPr lang="en-US" b="0" dirty="0">
+                <a:solidFill>
+                  <a:srgbClr val="000000"/>
+                </a:solidFill>
+                <a:effectLst/>
+                <a:latin typeface="Consolas" panose="020B0609020204030204" pitchFamily="49" charset="0"/>
+              </a:rPr>
+              <a:t>:</a:t>
+            </a:r>
+          </a:p>
+          <a:p>
+            <a:r>
+              <a:rPr lang="en-US" b="0" dirty="0">
+                <a:solidFill>
+                  <a:srgbClr val="000000"/>
+                </a:solidFill>
+                <a:effectLst/>
+                <a:latin typeface="Consolas" panose="020B0609020204030204" pitchFamily="49" charset="0"/>
+              </a:rPr>
+              <a:t>            </a:t>
+            </a:r>
+            <a:r>
+              <a:rPr lang="en-US" b="0" dirty="0">
+                <a:solidFill>
+                  <a:srgbClr val="001080"/>
+                </a:solidFill>
+                <a:effectLst/>
+                <a:latin typeface="Consolas" panose="020B0609020204030204" pitchFamily="49" charset="0"/>
+              </a:rPr>
+              <a:t>sentiment</a:t>
+            </a:r>
+            <a:r>
+              <a:rPr lang="en-US" b="0" dirty="0">
+                <a:solidFill>
+                  <a:srgbClr val="000000"/>
+                </a:solidFill>
+                <a:effectLst/>
+                <a:latin typeface="Consolas" panose="020B0609020204030204" pitchFamily="49" charset="0"/>
+              </a:rPr>
+              <a:t> = </a:t>
+            </a:r>
+            <a:r>
+              <a:rPr lang="en-US" b="0" dirty="0">
+                <a:solidFill>
+                  <a:srgbClr val="A31515"/>
+                </a:solidFill>
+                <a:effectLst/>
+                <a:latin typeface="Consolas" panose="020B0609020204030204" pitchFamily="49" charset="0"/>
+              </a:rPr>
+              <a:t>"normal"</a:t>
+            </a:r>
+            <a:endParaRPr lang="en-US" b="0" dirty="0">
+              <a:solidFill>
+                <a:srgbClr val="000000"/>
+              </a:solidFill>
+              <a:effectLst/>
+              <a:latin typeface="Consolas" panose="020B0609020204030204" pitchFamily="49" charset="0"/>
+            </a:endParaRPr>
+          </a:p>
+          <a:p>
+            <a:r>
+              <a:rPr lang="en-US" b="0" dirty="0">
+                <a:solidFill>
+                  <a:srgbClr val="000000"/>
+                </a:solidFill>
+                <a:effectLst/>
+                <a:latin typeface="Consolas" panose="020B0609020204030204" pitchFamily="49" charset="0"/>
+              </a:rPr>
+              <a:t>        </a:t>
+            </a:r>
+            <a:r>
+              <a:rPr lang="en-US" b="0" dirty="0">
+                <a:solidFill>
+                  <a:srgbClr val="AF00DB"/>
+                </a:solidFill>
+                <a:effectLst/>
+                <a:latin typeface="Consolas" panose="020B0609020204030204" pitchFamily="49" charset="0"/>
+              </a:rPr>
+              <a:t>else</a:t>
+            </a:r>
+            <a:r>
+              <a:rPr lang="en-US" b="0" dirty="0">
+                <a:solidFill>
+                  <a:srgbClr val="000000"/>
+                </a:solidFill>
+                <a:effectLst/>
+                <a:latin typeface="Consolas" panose="020B0609020204030204" pitchFamily="49" charset="0"/>
+              </a:rPr>
+              <a:t>:</a:t>
+            </a:r>
+          </a:p>
+          <a:p>
+            <a:r>
+              <a:rPr lang="en-US" b="0" dirty="0">
+                <a:solidFill>
+                  <a:srgbClr val="000000"/>
+                </a:solidFill>
+                <a:effectLst/>
+                <a:latin typeface="Consolas" panose="020B0609020204030204" pitchFamily="49" charset="0"/>
+              </a:rPr>
+              <a:t>            </a:t>
+            </a:r>
+            <a:r>
+              <a:rPr lang="en-US" b="0" dirty="0">
+                <a:solidFill>
+                  <a:srgbClr val="001080"/>
+                </a:solidFill>
+                <a:effectLst/>
+                <a:latin typeface="Consolas" panose="020B0609020204030204" pitchFamily="49" charset="0"/>
+              </a:rPr>
+              <a:t>sentiment</a:t>
+            </a:r>
+            <a:r>
+              <a:rPr lang="en-US" b="0" dirty="0">
+                <a:solidFill>
+                  <a:srgbClr val="000000"/>
+                </a:solidFill>
+                <a:effectLst/>
+                <a:latin typeface="Consolas" panose="020B0609020204030204" pitchFamily="49" charset="0"/>
+              </a:rPr>
+              <a:t> = </a:t>
+            </a:r>
+            <a:r>
+              <a:rPr lang="en-US" b="0" dirty="0">
+                <a:solidFill>
+                  <a:srgbClr val="A31515"/>
+                </a:solidFill>
+                <a:effectLst/>
+                <a:latin typeface="Consolas" panose="020B0609020204030204" pitchFamily="49" charset="0"/>
+              </a:rPr>
+              <a:t>"positive"</a:t>
+            </a:r>
+            <a:endParaRPr lang="en-US" b="0" dirty="0">
+              <a:solidFill>
+                <a:srgbClr val="000000"/>
+              </a:solidFill>
+              <a:effectLst/>
+              <a:latin typeface="Consolas" panose="020B0609020204030204" pitchFamily="49" charset="0"/>
+            </a:endParaRPr>
           </a:p>
         </p:txBody>
       </p:sp>
     </p:spTree>
     <p:extLst>
       <p:ext uri="{BB962C8B-B14F-4D97-AF65-F5344CB8AC3E}">
-        <p14:creationId xmlns:p14="http://schemas.microsoft.com/office/powerpoint/2010/main" val="1756008211"/>
+        <p14:creationId xmlns:p14="http://schemas.microsoft.com/office/powerpoint/2010/main" val="1696029316"/>
       </p:ext>
     </p:extLst>
   </p:cSld>
@@ -4660,7 +10107,7 @@
       </p:grpSpPr>
       <p:sp>
         <p:nvSpPr>
-          <p:cNvPr id="2" name="Unvan 1"/>
+          <p:cNvPr id="2" name="Başlık 1"/>
           <p:cNvSpPr>
             <a:spLocks noGrp="1"/>
           </p:cNvSpPr>
@@ -4675,7 +10122,31 @@
           </a:bodyPr>
           <a:lstStyle/>
           <a:p>
-            <a:endParaRPr lang="tr-TR"/>
+            <a:r>
+              <a:rPr lang="fi-FI" sz="2700" dirty="0">
+                <a:latin typeface="Arial" panose="020B0604020202020204" pitchFamily="34" charset="0"/>
+                <a:cs typeface="Arial" panose="020B0604020202020204" pitchFamily="34" charset="0"/>
+              </a:rPr>
+              <a:t>Python ile </a:t>
+            </a:r>
+            <a:r>
+              <a:rPr lang="tr-TR" sz="2700" dirty="0" err="1">
+                <a:latin typeface="Arial" panose="020B0604020202020204" pitchFamily="34" charset="0"/>
+                <a:cs typeface="Arial" panose="020B0604020202020204" pitchFamily="34" charset="0"/>
+              </a:rPr>
+              <a:t>Twitter</a:t>
+            </a:r>
+            <a:r>
+              <a:rPr lang="tr-TR" sz="2700" dirty="0">
+                <a:latin typeface="Arial" panose="020B0604020202020204" pitchFamily="34" charset="0"/>
+                <a:cs typeface="Arial" panose="020B0604020202020204" pitchFamily="34" charset="0"/>
+              </a:rPr>
+              <a:t> API bağlantısı</a:t>
+            </a:r>
+            <a:endParaRPr lang="fi-FI" sz="2700" dirty="0">
+              <a:latin typeface="Arial" panose="020B0604020202020204" pitchFamily="34" charset="0"/>
+              <a:cs typeface="Arial" panose="020B0604020202020204" pitchFamily="34" charset="0"/>
+            </a:endParaRPr>
           </a:p>
         </p:txBody>
       </p:sp>
@@ -4691,17 +10162,259 @@
         </p:nvSpPr>
         <p:spPr/>
         <p:txBody>
-          <a:bodyPr/>
+          <a:bodyPr>
+            <a:normAutofit/>
+          </a:bodyPr>
           <a:lstStyle/>
           <a:p>
-            <a:endParaRPr lang="tr-TR"/>
+            <a:pPr algn="just" eaLnBrk="1" hangingPunct="1"/>
+            <a:r>
+              <a:rPr lang="tr-TR" altLang="en-US" sz="1800" dirty="0">
+                <a:latin typeface="Helvetica" panose="020B0604020202020204" pitchFamily="34" charset="0"/>
+              </a:rPr>
+              <a:t>Gerekli anahtarlar ile </a:t>
+            </a:r>
+            <a:r>
+              <a:rPr lang="tr-TR" altLang="en-US" sz="1800" dirty="0" err="1">
+                <a:latin typeface="Helvetica" panose="020B0604020202020204" pitchFamily="34" charset="0"/>
+              </a:rPr>
+              <a:t>Twitter</a:t>
+            </a:r>
+            <a:r>
+              <a:rPr lang="tr-TR" altLang="en-US" sz="1800" dirty="0">
+                <a:latin typeface="Helvetica" panose="020B0604020202020204" pitchFamily="34" charset="0"/>
+              </a:rPr>
+              <a:t> </a:t>
+            </a:r>
+            <a:r>
+              <a:rPr lang="tr-TR" altLang="en-US" sz="1800" dirty="0" err="1">
+                <a:latin typeface="Helvetica" panose="020B0604020202020204" pitchFamily="34" charset="0"/>
+              </a:rPr>
+              <a:t>API`ye</a:t>
+            </a:r>
+            <a:r>
+              <a:rPr lang="tr-TR" altLang="en-US" sz="1800" dirty="0">
+                <a:latin typeface="Helvetica" panose="020B0604020202020204" pitchFamily="34" charset="0"/>
+              </a:rPr>
+              <a:t> </a:t>
+            </a:r>
+            <a:r>
+              <a:rPr lang="tr-TR" altLang="en-US" sz="1800" dirty="0" err="1">
+                <a:latin typeface="Helvetica" panose="020B0604020202020204" pitchFamily="34" charset="0"/>
+              </a:rPr>
+              <a:t>bağlatı</a:t>
+            </a:r>
+            <a:r>
+              <a:rPr lang="tr-TR" altLang="en-US" sz="1800" dirty="0">
+                <a:latin typeface="Helvetica" panose="020B0604020202020204" pitchFamily="34" charset="0"/>
+              </a:rPr>
+              <a:t> gerçekleştirilmiştir.</a:t>
+            </a:r>
+            <a:endParaRPr lang="tr-TR" altLang="en-US" sz="1800" b="1" dirty="0">
+              <a:latin typeface="Helvetica" panose="020B0604020202020204" pitchFamily="34" charset="0"/>
+            </a:endParaRPr>
+          </a:p>
+          <a:p>
+            <a:endParaRPr lang="tr-TR" sz="1800" dirty="0">
+              <a:latin typeface="Arial" panose="020B0604020202020204" pitchFamily="34" charset="0"/>
+              <a:cs typeface="Arial" panose="020B0604020202020204" pitchFamily="34" charset="0"/>
+            </a:endParaRPr>
+          </a:p>
+        </p:txBody>
+      </p:sp>
+      <p:sp>
+        <p:nvSpPr>
+          <p:cNvPr id="5" name="Metin kutusu 4">
+            <a:extLst>
+              <a:ext uri="{FF2B5EF4-FFF2-40B4-BE49-F238E27FC236}">
+                <a16:creationId xmlns:a16="http://schemas.microsoft.com/office/drawing/2014/main" id="{E41DE79B-553F-35AC-8E7F-24148AB15362}"/>
+              </a:ext>
+            </a:extLst>
+          </p:cNvPr>
+          <p:cNvSpPr txBox="1"/>
+          <p:nvPr/>
+        </p:nvSpPr>
+        <p:spPr>
+          <a:xfrm>
+            <a:off x="798653" y="3037811"/>
+            <a:ext cx="6115665" cy="1200329"/>
+          </a:xfrm>
+          <a:prstGeom prst="rect">
+            <a:avLst/>
+          </a:prstGeom>
+          <a:noFill/>
+        </p:spPr>
+        <p:txBody>
+          <a:bodyPr wrap="square">
+            <a:spAutoFit/>
+          </a:bodyPr>
+          <a:lstStyle/>
+          <a:p>
+            <a:r>
+              <a:rPr lang="en-US" b="0" dirty="0">
+                <a:solidFill>
+                  <a:srgbClr val="001080"/>
+                </a:solidFill>
+                <a:effectLst/>
+                <a:latin typeface="Consolas" panose="020B0609020204030204" pitchFamily="49" charset="0"/>
+              </a:rPr>
+              <a:t>es</a:t>
+            </a:r>
+            <a:r>
+              <a:rPr lang="en-US" b="0" dirty="0">
+                <a:solidFill>
+                  <a:srgbClr val="000000"/>
+                </a:solidFill>
+                <a:effectLst/>
+                <a:latin typeface="Consolas" panose="020B0609020204030204" pitchFamily="49" charset="0"/>
+              </a:rPr>
+              <a:t> = </a:t>
+            </a:r>
+            <a:r>
+              <a:rPr lang="en-US" b="0" dirty="0">
+                <a:solidFill>
+                  <a:srgbClr val="267F99"/>
+                </a:solidFill>
+                <a:effectLst/>
+                <a:latin typeface="Consolas" panose="020B0609020204030204" pitchFamily="49" charset="0"/>
+              </a:rPr>
+              <a:t>Elasticsearch</a:t>
+            </a:r>
+            <a:r>
+              <a:rPr lang="en-US" b="0" dirty="0">
+                <a:solidFill>
+                  <a:srgbClr val="000000"/>
+                </a:solidFill>
+                <a:effectLst/>
+                <a:latin typeface="Consolas" panose="020B0609020204030204" pitchFamily="49" charset="0"/>
+              </a:rPr>
+              <a:t>(</a:t>
+            </a:r>
+            <a:r>
+              <a:rPr lang="en-US" b="0" dirty="0" err="1">
+                <a:solidFill>
+                  <a:srgbClr val="001080"/>
+                </a:solidFill>
+                <a:effectLst/>
+                <a:latin typeface="Consolas" panose="020B0609020204030204" pitchFamily="49" charset="0"/>
+              </a:rPr>
+              <a:t>cloud_id</a:t>
+            </a:r>
+            <a:r>
+              <a:rPr lang="en-US" b="0" dirty="0">
+                <a:solidFill>
+                  <a:srgbClr val="000000"/>
+                </a:solidFill>
+                <a:effectLst/>
+                <a:latin typeface="Consolas" panose="020B0609020204030204" pitchFamily="49" charset="0"/>
+              </a:rPr>
+              <a:t>=</a:t>
+            </a:r>
+            <a:r>
+              <a:rPr lang="en-US" b="0" dirty="0" err="1">
+                <a:solidFill>
+                  <a:srgbClr val="001080"/>
+                </a:solidFill>
+                <a:effectLst/>
+                <a:latin typeface="Consolas" panose="020B0609020204030204" pitchFamily="49" charset="0"/>
+              </a:rPr>
+              <a:t>cloud_id</a:t>
+            </a:r>
+            <a:r>
+              <a:rPr lang="en-US" b="0" dirty="0">
+                <a:solidFill>
+                  <a:srgbClr val="000000"/>
+                </a:solidFill>
+                <a:effectLst/>
+                <a:latin typeface="Consolas" panose="020B0609020204030204" pitchFamily="49" charset="0"/>
+              </a:rPr>
+              <a:t>, </a:t>
+            </a:r>
+            <a:r>
+              <a:rPr lang="en-US" b="0" dirty="0" err="1">
+                <a:solidFill>
+                  <a:srgbClr val="001080"/>
+                </a:solidFill>
+                <a:effectLst/>
+                <a:latin typeface="Consolas" panose="020B0609020204030204" pitchFamily="49" charset="0"/>
+              </a:rPr>
+              <a:t>http_auth</a:t>
+            </a:r>
+            <a:r>
+              <a:rPr lang="en-US" b="0" dirty="0">
+                <a:solidFill>
+                  <a:srgbClr val="000000"/>
+                </a:solidFill>
+                <a:effectLst/>
+                <a:latin typeface="Consolas" panose="020B0609020204030204" pitchFamily="49" charset="0"/>
+              </a:rPr>
+              <a:t>=(</a:t>
+            </a:r>
+            <a:r>
+              <a:rPr lang="en-US" b="0" dirty="0">
+                <a:solidFill>
+                  <a:srgbClr val="001080"/>
+                </a:solidFill>
+                <a:effectLst/>
+                <a:latin typeface="Consolas" panose="020B0609020204030204" pitchFamily="49" charset="0"/>
+              </a:rPr>
+              <a:t>user</a:t>
+            </a:r>
+            <a:r>
+              <a:rPr lang="en-US" b="0" dirty="0">
+                <a:solidFill>
+                  <a:srgbClr val="000000"/>
+                </a:solidFill>
+                <a:effectLst/>
+                <a:latin typeface="Consolas" panose="020B0609020204030204" pitchFamily="49" charset="0"/>
+              </a:rPr>
+              <a:t>, </a:t>
+            </a:r>
+            <a:r>
+              <a:rPr lang="en-US" b="0" dirty="0">
+                <a:solidFill>
+                  <a:srgbClr val="001080"/>
+                </a:solidFill>
+                <a:effectLst/>
+                <a:latin typeface="Consolas" panose="020B0609020204030204" pitchFamily="49" charset="0"/>
+              </a:rPr>
+              <a:t>password</a:t>
+            </a:r>
+            <a:r>
+              <a:rPr lang="en-US" b="0" dirty="0">
+                <a:solidFill>
+                  <a:srgbClr val="000000"/>
+                </a:solidFill>
+                <a:effectLst/>
+                <a:latin typeface="Consolas" panose="020B0609020204030204" pitchFamily="49" charset="0"/>
+              </a:rPr>
+              <a:t>))</a:t>
+            </a:r>
+          </a:p>
+          <a:p>
+            <a:br>
+              <a:rPr lang="en-US" b="0" dirty="0">
+                <a:solidFill>
+                  <a:srgbClr val="000000"/>
+                </a:solidFill>
+                <a:effectLst/>
+                <a:latin typeface="Consolas" panose="020B0609020204030204" pitchFamily="49" charset="0"/>
+              </a:rPr>
+            </a:br>
+            <a:endParaRPr lang="en-US" b="0" dirty="0">
+              <a:solidFill>
+                <a:srgbClr val="000000"/>
+              </a:solidFill>
+              <a:effectLst/>
+              <a:latin typeface="Consolas" panose="020B0609020204030204" pitchFamily="49" charset="0"/>
+            </a:endParaRPr>
           </a:p>
         </p:txBody>
       </p:sp>
     </p:spTree>
     <p:extLst>
       <p:ext uri="{BB962C8B-B14F-4D97-AF65-F5344CB8AC3E}">
-        <p14:creationId xmlns:p14="http://schemas.microsoft.com/office/powerpoint/2010/main" val="1914029058"/>
+        <p14:creationId xmlns:p14="http://schemas.microsoft.com/office/powerpoint/2010/main" val="1303132950"/>
       </p:ext>
     </p:extLst>
   </p:cSld>

--- a/thesis/presentation.pptx
+++ b/thesis/presentation.pptx
@@ -5,7 +5,7 @@
     <p:sldMasterId id="2147483708" r:id="rId1"/>
   </p:sldMasterIdLst>
   <p:notesMasterIdLst>
-    <p:notesMasterId r:id="rId19"/>
+    <p:notesMasterId r:id="rId20"/>
   </p:notesMasterIdLst>
   <p:sldIdLst>
     <p:sldId id="257" r:id="rId2"/>
@@ -25,6 +25,7 @@
     <p:sldId id="282" r:id="rId16"/>
     <p:sldId id="280" r:id="rId17"/>
     <p:sldId id="281" r:id="rId18"/>
+    <p:sldId id="288" r:id="rId19"/>
   </p:sldIdLst>
   <p:sldSz cx="9906000" cy="6858000" type="A4"/>
   <p:notesSz cx="6858000" cy="9144000"/>
@@ -224,7 +225,7 @@
           <a:p>
             <a:fld id="{01853AF5-77A0-4BDD-8FE4-2BAFF8463605}" type="datetimeFigureOut">
               <a:rPr lang="tr-TR" smtClean="0"/>
-              <a:t>23.06.2022</a:t>
+              <a:t>24.06.2022</a:t>
             </a:fld>
             <a:endParaRPr lang="tr-TR"/>
           </a:p>
@@ -706,7 +707,7 @@
           <a:p>
             <a:fld id="{6C91E0DE-1AFE-4C88-B85A-8630037ABCF5}" type="datetimeFigureOut">
               <a:rPr lang="tr-TR" smtClean="0"/>
-              <a:t>23.06.2022</a:t>
+              <a:t>24.06.2022</a:t>
             </a:fld>
             <a:endParaRPr lang="tr-TR"/>
           </a:p>
@@ -876,7 +877,7 @@
           <a:p>
             <a:fld id="{6C91E0DE-1AFE-4C88-B85A-8630037ABCF5}" type="datetimeFigureOut">
               <a:rPr lang="tr-TR" smtClean="0"/>
-              <a:t>23.06.2022</a:t>
+              <a:t>24.06.2022</a:t>
             </a:fld>
             <a:endParaRPr lang="tr-TR"/>
           </a:p>
@@ -1056,7 +1057,7 @@
           <a:p>
             <a:fld id="{6C91E0DE-1AFE-4C88-B85A-8630037ABCF5}" type="datetimeFigureOut">
               <a:rPr lang="tr-TR" smtClean="0"/>
-              <a:t>23.06.2022</a:t>
+              <a:t>24.06.2022</a:t>
             </a:fld>
             <a:endParaRPr lang="tr-TR"/>
           </a:p>
@@ -1276,7 +1277,7 @@
           <a:p>
             <a:fld id="{6C91E0DE-1AFE-4C88-B85A-8630037ABCF5}" type="datetimeFigureOut">
               <a:rPr lang="tr-TR" smtClean="0"/>
-              <a:t>23.06.2022</a:t>
+              <a:t>24.06.2022</a:t>
             </a:fld>
             <a:endParaRPr lang="tr-TR"/>
           </a:p>
@@ -1520,7 +1521,7 @@
           <a:p>
             <a:fld id="{6C91E0DE-1AFE-4C88-B85A-8630037ABCF5}" type="datetimeFigureOut">
               <a:rPr lang="tr-TR" smtClean="0"/>
-              <a:t>23.06.2022</a:t>
+              <a:t>24.06.2022</a:t>
             </a:fld>
             <a:endParaRPr lang="tr-TR"/>
           </a:p>
@@ -1752,7 +1753,7 @@
           <a:p>
             <a:fld id="{6C91E0DE-1AFE-4C88-B85A-8630037ABCF5}" type="datetimeFigureOut">
               <a:rPr lang="tr-TR" smtClean="0"/>
-              <a:t>23.06.2022</a:t>
+              <a:t>24.06.2022</a:t>
             </a:fld>
             <a:endParaRPr lang="tr-TR"/>
           </a:p>
@@ -2119,7 +2120,7 @@
           <a:p>
             <a:fld id="{6C91E0DE-1AFE-4C88-B85A-8630037ABCF5}" type="datetimeFigureOut">
               <a:rPr lang="tr-TR" smtClean="0"/>
-              <a:t>23.06.2022</a:t>
+              <a:t>24.06.2022</a:t>
             </a:fld>
             <a:endParaRPr lang="tr-TR"/>
           </a:p>
@@ -2237,7 +2238,7 @@
           <a:p>
             <a:fld id="{6C91E0DE-1AFE-4C88-B85A-8630037ABCF5}" type="datetimeFigureOut">
               <a:rPr lang="tr-TR" smtClean="0"/>
-              <a:t>23.06.2022</a:t>
+              <a:t>24.06.2022</a:t>
             </a:fld>
             <a:endParaRPr lang="tr-TR"/>
           </a:p>
@@ -2332,7 +2333,7 @@
           <a:p>
             <a:fld id="{6C91E0DE-1AFE-4C88-B85A-8630037ABCF5}" type="datetimeFigureOut">
               <a:rPr lang="tr-TR" smtClean="0"/>
-              <a:t>23.06.2022</a:t>
+              <a:t>24.06.2022</a:t>
             </a:fld>
             <a:endParaRPr lang="tr-TR"/>
           </a:p>
@@ -2609,7 +2610,7 @@
           <a:p>
             <a:fld id="{6C91E0DE-1AFE-4C88-B85A-8630037ABCF5}" type="datetimeFigureOut">
               <a:rPr lang="tr-TR" smtClean="0"/>
-              <a:t>23.06.2022</a:t>
+              <a:t>24.06.2022</a:t>
             </a:fld>
             <a:endParaRPr lang="tr-TR"/>
           </a:p>
@@ -2866,7 +2867,7 @@
           <a:p>
             <a:fld id="{6C91E0DE-1AFE-4C88-B85A-8630037ABCF5}" type="datetimeFigureOut">
               <a:rPr lang="tr-TR" smtClean="0"/>
-              <a:t>23.06.2022</a:t>
+              <a:t>24.06.2022</a:t>
             </a:fld>
             <a:endParaRPr lang="tr-TR"/>
           </a:p>
@@ -3088,7 +3089,7 @@
           <a:p>
             <a:fld id="{6C91E0DE-1AFE-4C88-B85A-8630037ABCF5}" type="datetimeFigureOut">
               <a:rPr lang="tr-TR" smtClean="0"/>
-              <a:t>23.06.2022</a:t>
+              <a:t>24.06.2022</a:t>
             </a:fld>
             <a:endParaRPr lang="tr-TR"/>
           </a:p>
@@ -3637,6 +3638,220 @@
   <p:clrMapOvr>
     <a:masterClrMapping/>
   </p:clrMapOvr>
+  <p:timing>
+    <p:tnLst>
+      <p:par>
+        <p:cTn id="1" dur="indefinite" restart="never" nodeType="tmRoot">
+          <p:childTnLst>
+            <p:seq concurrent="1" nextAc="seek">
+              <p:cTn id="2" dur="indefinite" nodeType="mainSeq">
+                <p:childTnLst>
+                  <p:par>
+                    <p:cTn id="3" fill="hold">
+                      <p:stCondLst>
+                        <p:cond delay="indefinite"/>
+                      </p:stCondLst>
+                      <p:childTnLst>
+                        <p:par>
+                          <p:cTn id="4" fill="hold">
+                            <p:stCondLst>
+                              <p:cond delay="0"/>
+                            </p:stCondLst>
+                            <p:childTnLst>
+                              <p:par>
+                                <p:cTn id="5" presetID="42" presetClass="entr" presetSubtype="0" fill="hold" grpId="0" nodeType="clickEffect">
+                                  <p:stCondLst>
+                                    <p:cond delay="0"/>
+                                  </p:stCondLst>
+                                  <p:childTnLst>
+                                    <p:set>
+                                      <p:cBhvr>
+                                        <p:cTn id="6" dur="1" fill="hold">
+                                          <p:stCondLst>
+                                            <p:cond delay="0"/>
+                                          </p:stCondLst>
+                                        </p:cTn>
+                                        <p:tgtEl>
+                                          <p:spTgt spid="2"/>
+                                        </p:tgtEl>
+                                        <p:attrNameLst>
+                                          <p:attrName>style.visibility</p:attrName>
+                                        </p:attrNameLst>
+                                      </p:cBhvr>
+                                      <p:to>
+                                        <p:strVal val="visible"/>
+                                      </p:to>
+                                    </p:set>
+                                    <p:animEffect transition="in" filter="fade">
+                                      <p:cBhvr>
+                                        <p:cTn id="7" dur="1000"/>
+                                        <p:tgtEl>
+                                          <p:spTgt spid="2"/>
+                                        </p:tgtEl>
+                                      </p:cBhvr>
+                                    </p:animEffect>
+                                    <p:anim calcmode="lin" valueType="num">
+                                      <p:cBhvr>
+                                        <p:cTn id="8" dur="1000" fill="hold"/>
+                                        <p:tgtEl>
+                                          <p:spTgt spid="2"/>
+                                        </p:tgtEl>
+                                        <p:attrNameLst>
+                                          <p:attrName>ppt_x</p:attrName>
+                                        </p:attrNameLst>
+                                      </p:cBhvr>
+                                      <p:tavLst>
+                                        <p:tav tm="0">
+                                          <p:val>
+                                            <p:strVal val="#ppt_x"/>
+                                          </p:val>
+                                        </p:tav>
+                                        <p:tav tm="100000">
+                                          <p:val>
+                                            <p:strVal val="#ppt_x"/>
+                                          </p:val>
+                                        </p:tav>
+                                      </p:tavLst>
+                                    </p:anim>
+                                    <p:anim calcmode="lin" valueType="num">
+                                      <p:cBhvr>
+                                        <p:cTn id="9" dur="1000" fill="hold"/>
+                                        <p:tgtEl>
+                                          <p:spTgt spid="2"/>
+                                        </p:tgtEl>
+                                        <p:attrNameLst>
+                                          <p:attrName>ppt_y</p:attrName>
+                                        </p:attrNameLst>
+                                      </p:cBhvr>
+                                      <p:tavLst>
+                                        <p:tav tm="0">
+                                          <p:val>
+                                            <p:strVal val="#ppt_y+.1"/>
+                                          </p:val>
+                                        </p:tav>
+                                        <p:tav tm="100000">
+                                          <p:val>
+                                            <p:strVal val="#ppt_y"/>
+                                          </p:val>
+                                        </p:tav>
+                                      </p:tavLst>
+                                    </p:anim>
+                                  </p:childTnLst>
+                                </p:cTn>
+                              </p:par>
+                              <p:par>
+                                <p:cTn id="10" presetID="42" presetClass="entr" presetSubtype="0" fill="hold" grpId="0" nodeType="withEffect">
+                                  <p:stCondLst>
+                                    <p:cond delay="0"/>
+                                  </p:stCondLst>
+                                  <p:childTnLst>
+                                    <p:set>
+                                      <p:cBhvr>
+                                        <p:cTn id="11" dur="1" fill="hold">
+                                          <p:stCondLst>
+                                            <p:cond delay="0"/>
+                                          </p:stCondLst>
+                                        </p:cTn>
+                                        <p:tgtEl>
+                                          <p:spTgt spid="4"/>
+                                        </p:tgtEl>
+                                        <p:attrNameLst>
+                                          <p:attrName>style.visibility</p:attrName>
+                                        </p:attrNameLst>
+                                      </p:cBhvr>
+                                      <p:to>
+                                        <p:strVal val="visible"/>
+                                      </p:to>
+                                    </p:set>
+                                    <p:animEffect transition="in" filter="fade">
+                                      <p:cBhvr>
+                                        <p:cTn id="12" dur="1000"/>
+                                        <p:tgtEl>
+                                          <p:spTgt spid="4"/>
+                                        </p:tgtEl>
+                                      </p:cBhvr>
+                                    </p:animEffect>
+                                    <p:anim calcmode="lin" valueType="num">
+                                      <p:cBhvr>
+                                        <p:cTn id="13" dur="1000" fill="hold"/>
+                                        <p:tgtEl>
+                                          <p:spTgt spid="4"/>
+                                        </p:tgtEl>
+                                        <p:attrNameLst>
+                                          <p:attrName>ppt_x</p:attrName>
+                                        </p:attrNameLst>
+                                      </p:cBhvr>
+                                      <p:tavLst>
+                                        <p:tav tm="0">
+                                          <p:val>
+                                            <p:strVal val="#ppt_x"/>
+                                          </p:val>
+                                        </p:tav>
+                                        <p:tav tm="100000">
+                                          <p:val>
+                                            <p:strVal val="#ppt_x"/>
+                                          </p:val>
+                                        </p:tav>
+                                      </p:tavLst>
+                                    </p:anim>
+                                    <p:anim calcmode="lin" valueType="num">
+                                      <p:cBhvr>
+                                        <p:cTn id="14" dur="1000" fill="hold"/>
+                                        <p:tgtEl>
+                                          <p:spTgt spid="4"/>
+                                        </p:tgtEl>
+                                        <p:attrNameLst>
+                                          <p:attrName>ppt_y</p:attrName>
+                                        </p:attrNameLst>
+                                      </p:cBhvr>
+                                      <p:tavLst>
+                                        <p:tav tm="0">
+                                          <p:val>
+                                            <p:strVal val="#ppt_y+.1"/>
+                                          </p:val>
+                                        </p:tav>
+                                        <p:tav tm="100000">
+                                          <p:val>
+                                            <p:strVal val="#ppt_y"/>
+                                          </p:val>
+                                        </p:tav>
+                                      </p:tavLst>
+                                    </p:anim>
+                                  </p:childTnLst>
+                                </p:cTn>
+                              </p:par>
+                            </p:childTnLst>
+                          </p:cTn>
+                        </p:par>
+                      </p:childTnLst>
+                    </p:cTn>
+                  </p:par>
+                </p:childTnLst>
+              </p:cTn>
+              <p:prevCondLst>
+                <p:cond evt="onPrev" delay="0">
+                  <p:tgtEl>
+                    <p:sldTgt/>
+                  </p:tgtEl>
+                </p:cond>
+              </p:prevCondLst>
+              <p:nextCondLst>
+                <p:cond evt="onNext" delay="0">
+                  <p:tgtEl>
+                    <p:sldTgt/>
+                  </p:tgtEl>
+                </p:cond>
+              </p:nextCondLst>
+            </p:seq>
+          </p:childTnLst>
+        </p:cTn>
+      </p:par>
+    </p:tnLst>
+    <p:bldLst>
+      <p:bldP spid="2" grpId="0" animBg="1"/>
+      <p:bldP spid="4" grpId="0" animBg="1"/>
+    </p:bldLst>
+  </p:timing>
 </p:sld>
 </file>
 
@@ -4758,6 +4973,138 @@
   <p:clrMapOvr>
     <a:masterClrMapping/>
   </p:clrMapOvr>
+  <p:timing>
+    <p:tnLst>
+      <p:par>
+        <p:cTn id="1" dur="indefinite" restart="never" nodeType="tmRoot">
+          <p:childTnLst>
+            <p:seq concurrent="1" nextAc="seek">
+              <p:cTn id="2" dur="indefinite" nodeType="mainSeq">
+                <p:childTnLst>
+                  <p:par>
+                    <p:cTn id="3" fill="hold">
+                      <p:stCondLst>
+                        <p:cond delay="indefinite"/>
+                      </p:stCondLst>
+                      <p:childTnLst>
+                        <p:par>
+                          <p:cTn id="4" fill="hold">
+                            <p:stCondLst>
+                              <p:cond delay="0"/>
+                            </p:stCondLst>
+                            <p:childTnLst>
+                              <p:par>
+                                <p:cTn id="5" presetID="42" presetClass="entr" presetSubtype="0" fill="hold" grpId="0" nodeType="clickEffect">
+                                  <p:stCondLst>
+                                    <p:cond delay="0"/>
+                                  </p:stCondLst>
+                                  <p:childTnLst>
+                                    <p:set>
+                                      <p:cBhvr>
+                                        <p:cTn id="6" dur="1" fill="hold">
+                                          <p:stCondLst>
+                                            <p:cond delay="0"/>
+                                          </p:stCondLst>
+                                        </p:cTn>
+                                        <p:tgtEl>
+                                          <p:spTgt spid="5"/>
+                                        </p:tgtEl>
+                                        <p:attrNameLst>
+                                          <p:attrName>style.visibility</p:attrName>
+                                        </p:attrNameLst>
+                                      </p:cBhvr>
+                                      <p:to>
+                                        <p:strVal val="visible"/>
+                                      </p:to>
+                                    </p:set>
+                                    <p:animEffect transition="in" filter="fade">
+                                      <p:cBhvr>
+                                        <p:cTn id="7" dur="1000"/>
+                                        <p:tgtEl>
+                                          <p:spTgt spid="5"/>
+                                        </p:tgtEl>
+                                      </p:cBhvr>
+                                    </p:animEffect>
+                                    <p:anim calcmode="lin" valueType="num">
+                                      <p:cBhvr>
+                                        <p:cTn id="8" dur="1000" fill="hold"/>
+                                        <p:tgtEl>
+                                          <p:spTgt spid="5"/>
+                                        </p:tgtEl>
+                                        <p:attrNameLst>
+                                          <p:attrName>ppt_x</p:attrName>
+                                        </p:attrNameLst>
+                                      </p:cBhvr>
+                                      <p:tavLst>
+                                        <p:tav tm="0">
+                                          <p:val>
+                                            <p:strVal val="#ppt_x"/>
+                                          </p:val>
+                                        </p:tav>
+                                        <p:tav tm="100000">
+                                          <p:val>
+                                            <p:strVal val="#ppt_x"/>
+                                          </p:val>
+                                        </p:tav>
+                                      </p:tavLst>
+                                    </p:anim>
+                                    <p:anim calcmode="lin" valueType="num">
+                                      <p:cBhvr>
+                                        <p:cTn id="9" dur="1000" fill="hold"/>
+                                        <p:tgtEl>
+                                          <p:spTgt spid="5"/>
+                                        </p:tgtEl>
+                                        <p:attrNameLst>
+                                          <p:attrName>ppt_y</p:attrName>
+                                        </p:attrNameLst>
+                                      </p:cBhvr>
+                                      <p:tavLst>
+                                        <p:tav tm="0">
+                                          <p:val>
+                                            <p:strVal val="#ppt_y+.1"/>
+                                          </p:val>
+                                        </p:tav>
+                                        <p:tav tm="100000">
+                                          <p:val>
+                                            <p:strVal val="#ppt_y"/>
+                                          </p:val>
+                                        </p:tav>
+                                      </p:tavLst>
+                                    </p:anim>
+                                  </p:childTnLst>
+                                </p:cTn>
+                              </p:par>
+                            </p:childTnLst>
+                          </p:cTn>
+                        </p:par>
+                      </p:childTnLst>
+                    </p:cTn>
+                  </p:par>
+                </p:childTnLst>
+              </p:cTn>
+              <p:prevCondLst>
+                <p:cond evt="onPrev" delay="0">
+                  <p:tgtEl>
+                    <p:sldTgt/>
+                  </p:tgtEl>
+                </p:cond>
+              </p:prevCondLst>
+              <p:nextCondLst>
+                <p:cond evt="onNext" delay="0">
+                  <p:tgtEl>
+                    <p:sldTgt/>
+                  </p:tgtEl>
+                </p:cond>
+              </p:nextCondLst>
+            </p:seq>
+          </p:childTnLst>
+        </p:cTn>
+      </p:par>
+    </p:tnLst>
+    <p:bldLst>
+      <p:bldP spid="5" grpId="0"/>
+    </p:bldLst>
+  </p:timing>
 </p:sld>
 </file>
 
@@ -5828,6 +6175,138 @@
   <p:clrMapOvr>
     <a:masterClrMapping/>
   </p:clrMapOvr>
+  <p:timing>
+    <p:tnLst>
+      <p:par>
+        <p:cTn id="1" dur="indefinite" restart="never" nodeType="tmRoot">
+          <p:childTnLst>
+            <p:seq concurrent="1" nextAc="seek">
+              <p:cTn id="2" dur="indefinite" nodeType="mainSeq">
+                <p:childTnLst>
+                  <p:par>
+                    <p:cTn id="3" fill="hold">
+                      <p:stCondLst>
+                        <p:cond delay="indefinite"/>
+                      </p:stCondLst>
+                      <p:childTnLst>
+                        <p:par>
+                          <p:cTn id="4" fill="hold">
+                            <p:stCondLst>
+                              <p:cond delay="0"/>
+                            </p:stCondLst>
+                            <p:childTnLst>
+                              <p:par>
+                                <p:cTn id="5" presetID="42" presetClass="entr" presetSubtype="0" fill="hold" grpId="0" nodeType="clickEffect">
+                                  <p:stCondLst>
+                                    <p:cond delay="0"/>
+                                  </p:stCondLst>
+                                  <p:childTnLst>
+                                    <p:set>
+                                      <p:cBhvr>
+                                        <p:cTn id="6" dur="1" fill="hold">
+                                          <p:stCondLst>
+                                            <p:cond delay="0"/>
+                                          </p:stCondLst>
+                                        </p:cTn>
+                                        <p:tgtEl>
+                                          <p:spTgt spid="5"/>
+                                        </p:tgtEl>
+                                        <p:attrNameLst>
+                                          <p:attrName>style.visibility</p:attrName>
+                                        </p:attrNameLst>
+                                      </p:cBhvr>
+                                      <p:to>
+                                        <p:strVal val="visible"/>
+                                      </p:to>
+                                    </p:set>
+                                    <p:animEffect transition="in" filter="fade">
+                                      <p:cBhvr>
+                                        <p:cTn id="7" dur="1000"/>
+                                        <p:tgtEl>
+                                          <p:spTgt spid="5"/>
+                                        </p:tgtEl>
+                                      </p:cBhvr>
+                                    </p:animEffect>
+                                    <p:anim calcmode="lin" valueType="num">
+                                      <p:cBhvr>
+                                        <p:cTn id="8" dur="1000" fill="hold"/>
+                                        <p:tgtEl>
+                                          <p:spTgt spid="5"/>
+                                        </p:tgtEl>
+                                        <p:attrNameLst>
+                                          <p:attrName>ppt_x</p:attrName>
+                                        </p:attrNameLst>
+                                      </p:cBhvr>
+                                      <p:tavLst>
+                                        <p:tav tm="0">
+                                          <p:val>
+                                            <p:strVal val="#ppt_x"/>
+                                          </p:val>
+                                        </p:tav>
+                                        <p:tav tm="100000">
+                                          <p:val>
+                                            <p:strVal val="#ppt_x"/>
+                                          </p:val>
+                                        </p:tav>
+                                      </p:tavLst>
+                                    </p:anim>
+                                    <p:anim calcmode="lin" valueType="num">
+                                      <p:cBhvr>
+                                        <p:cTn id="9" dur="1000" fill="hold"/>
+                                        <p:tgtEl>
+                                          <p:spTgt spid="5"/>
+                                        </p:tgtEl>
+                                        <p:attrNameLst>
+                                          <p:attrName>ppt_y</p:attrName>
+                                        </p:attrNameLst>
+                                      </p:cBhvr>
+                                      <p:tavLst>
+                                        <p:tav tm="0">
+                                          <p:val>
+                                            <p:strVal val="#ppt_y+.1"/>
+                                          </p:val>
+                                        </p:tav>
+                                        <p:tav tm="100000">
+                                          <p:val>
+                                            <p:strVal val="#ppt_y"/>
+                                          </p:val>
+                                        </p:tav>
+                                      </p:tavLst>
+                                    </p:anim>
+                                  </p:childTnLst>
+                                </p:cTn>
+                              </p:par>
+                            </p:childTnLst>
+                          </p:cTn>
+                        </p:par>
+                      </p:childTnLst>
+                    </p:cTn>
+                  </p:par>
+                </p:childTnLst>
+              </p:cTn>
+              <p:prevCondLst>
+                <p:cond evt="onPrev" delay="0">
+                  <p:tgtEl>
+                    <p:sldTgt/>
+                  </p:tgtEl>
+                </p:cond>
+              </p:prevCondLst>
+              <p:nextCondLst>
+                <p:cond evt="onNext" delay="0">
+                  <p:tgtEl>
+                    <p:sldTgt/>
+                  </p:tgtEl>
+                </p:cond>
+              </p:nextCondLst>
+            </p:seq>
+          </p:childTnLst>
+        </p:cTn>
+      </p:par>
+    </p:tnLst>
+    <p:bldLst>
+      <p:bldP spid="5" grpId="0"/>
+    </p:bldLst>
+  </p:timing>
 </p:sld>
 </file>
 
@@ -5927,7 +6406,7 @@
               <a:rPr lang="tr-TR" altLang="en-US" sz="1800" dirty="0">
                 <a:latin typeface="Helvetica" panose="020B0604020202020204" pitchFamily="34" charset="0"/>
               </a:rPr>
-              <a:t> istemcisi tarafından(</a:t>
+              <a:t> istemcisi(</a:t>
             </a:r>
             <a:r>
               <a:rPr lang="tr-TR" altLang="en-US" sz="1800" dirty="0" err="1">
@@ -6687,6 +7166,384 @@
   <p:clrMapOvr>
     <a:masterClrMapping/>
   </p:clrMapOvr>
+  <p:timing>
+    <p:tnLst>
+      <p:par>
+        <p:cTn id="1" dur="indefinite" restart="never" nodeType="tmRoot">
+          <p:childTnLst>
+            <p:seq concurrent="1" nextAc="seek">
+              <p:cTn id="2" dur="indefinite" nodeType="mainSeq">
+                <p:childTnLst>
+                  <p:par>
+                    <p:cTn id="3" fill="hold">
+                      <p:stCondLst>
+                        <p:cond delay="indefinite"/>
+                      </p:stCondLst>
+                      <p:childTnLst>
+                        <p:par>
+                          <p:cTn id="4" fill="hold">
+                            <p:stCondLst>
+                              <p:cond delay="0"/>
+                            </p:stCondLst>
+                            <p:childTnLst>
+                              <p:par>
+                                <p:cTn id="5" presetID="42" presetClass="entr" presetSubtype="0" fill="hold" grpId="0" nodeType="clickEffect">
+                                  <p:stCondLst>
+                                    <p:cond delay="0"/>
+                                  </p:stCondLst>
+                                  <p:childTnLst>
+                                    <p:set>
+                                      <p:cBhvr>
+                                        <p:cTn id="6" dur="1" fill="hold">
+                                          <p:stCondLst>
+                                            <p:cond delay="0"/>
+                                          </p:stCondLst>
+                                        </p:cTn>
+                                        <p:tgtEl>
+                                          <p:spTgt spid="3">
+                                            <p:txEl>
+                                              <p:pRg st="0" end="0"/>
+                                            </p:txEl>
+                                          </p:spTgt>
+                                        </p:tgtEl>
+                                        <p:attrNameLst>
+                                          <p:attrName>style.visibility</p:attrName>
+                                        </p:attrNameLst>
+                                      </p:cBhvr>
+                                      <p:to>
+                                        <p:strVal val="visible"/>
+                                      </p:to>
+                                    </p:set>
+                                    <p:animEffect transition="in" filter="fade">
+                                      <p:cBhvr>
+                                        <p:cTn id="7" dur="1000"/>
+                                        <p:tgtEl>
+                                          <p:spTgt spid="3">
+                                            <p:txEl>
+                                              <p:pRg st="0" end="0"/>
+                                            </p:txEl>
+                                          </p:spTgt>
+                                        </p:tgtEl>
+                                      </p:cBhvr>
+                                    </p:animEffect>
+                                    <p:anim calcmode="lin" valueType="num">
+                                      <p:cBhvr>
+                                        <p:cTn id="8" dur="1000" fill="hold"/>
+                                        <p:tgtEl>
+                                          <p:spTgt spid="3">
+                                            <p:txEl>
+                                              <p:pRg st="0" end="0"/>
+                                            </p:txEl>
+                                          </p:spTgt>
+                                        </p:tgtEl>
+                                        <p:attrNameLst>
+                                          <p:attrName>ppt_x</p:attrName>
+                                        </p:attrNameLst>
+                                      </p:cBhvr>
+                                      <p:tavLst>
+                                        <p:tav tm="0">
+                                          <p:val>
+                                            <p:strVal val="#ppt_x"/>
+                                          </p:val>
+                                        </p:tav>
+                                        <p:tav tm="100000">
+                                          <p:val>
+                                            <p:strVal val="#ppt_x"/>
+                                          </p:val>
+                                        </p:tav>
+                                      </p:tavLst>
+                                    </p:anim>
+                                    <p:anim calcmode="lin" valueType="num">
+                                      <p:cBhvr>
+                                        <p:cTn id="9" dur="1000" fill="hold"/>
+                                        <p:tgtEl>
+                                          <p:spTgt spid="3">
+                                            <p:txEl>
+                                              <p:pRg st="0" end="0"/>
+                                            </p:txEl>
+                                          </p:spTgt>
+                                        </p:tgtEl>
+                                        <p:attrNameLst>
+                                          <p:attrName>ppt_y</p:attrName>
+                                        </p:attrNameLst>
+                                      </p:cBhvr>
+                                      <p:tavLst>
+                                        <p:tav tm="0">
+                                          <p:val>
+                                            <p:strVal val="#ppt_y+.1"/>
+                                          </p:val>
+                                        </p:tav>
+                                        <p:tav tm="100000">
+                                          <p:val>
+                                            <p:strVal val="#ppt_y"/>
+                                          </p:val>
+                                        </p:tav>
+                                      </p:tavLst>
+                                    </p:anim>
+                                  </p:childTnLst>
+                                </p:cTn>
+                              </p:par>
+                            </p:childTnLst>
+                          </p:cTn>
+                        </p:par>
+                      </p:childTnLst>
+                    </p:cTn>
+                  </p:par>
+                  <p:par>
+                    <p:cTn id="10" fill="hold">
+                      <p:stCondLst>
+                        <p:cond delay="indefinite"/>
+                      </p:stCondLst>
+                      <p:childTnLst>
+                        <p:par>
+                          <p:cTn id="11" fill="hold">
+                            <p:stCondLst>
+                              <p:cond delay="0"/>
+                            </p:stCondLst>
+                            <p:childTnLst>
+                              <p:par>
+                                <p:cTn id="12" presetID="42" presetClass="entr" presetSubtype="0" fill="hold" grpId="0" nodeType="clickEffect">
+                                  <p:stCondLst>
+                                    <p:cond delay="0"/>
+                                  </p:stCondLst>
+                                  <p:childTnLst>
+                                    <p:set>
+                                      <p:cBhvr>
+                                        <p:cTn id="13" dur="1" fill="hold">
+                                          <p:stCondLst>
+                                            <p:cond delay="0"/>
+                                          </p:stCondLst>
+                                        </p:cTn>
+                                        <p:tgtEl>
+                                          <p:spTgt spid="3">
+                                            <p:txEl>
+                                              <p:pRg st="1" end="1"/>
+                                            </p:txEl>
+                                          </p:spTgt>
+                                        </p:tgtEl>
+                                        <p:attrNameLst>
+                                          <p:attrName>style.visibility</p:attrName>
+                                        </p:attrNameLst>
+                                      </p:cBhvr>
+                                      <p:to>
+                                        <p:strVal val="visible"/>
+                                      </p:to>
+                                    </p:set>
+                                    <p:animEffect transition="in" filter="fade">
+                                      <p:cBhvr>
+                                        <p:cTn id="14" dur="1000"/>
+                                        <p:tgtEl>
+                                          <p:spTgt spid="3">
+                                            <p:txEl>
+                                              <p:pRg st="1" end="1"/>
+                                            </p:txEl>
+                                          </p:spTgt>
+                                        </p:tgtEl>
+                                      </p:cBhvr>
+                                    </p:animEffect>
+                                    <p:anim calcmode="lin" valueType="num">
+                                      <p:cBhvr>
+                                        <p:cTn id="15" dur="1000" fill="hold"/>
+                                        <p:tgtEl>
+                                          <p:spTgt spid="3">
+                                            <p:txEl>
+                                              <p:pRg st="1" end="1"/>
+                                            </p:txEl>
+                                          </p:spTgt>
+                                        </p:tgtEl>
+                                        <p:attrNameLst>
+                                          <p:attrName>ppt_x</p:attrName>
+                                        </p:attrNameLst>
+                                      </p:cBhvr>
+                                      <p:tavLst>
+                                        <p:tav tm="0">
+                                          <p:val>
+                                            <p:strVal val="#ppt_x"/>
+                                          </p:val>
+                                        </p:tav>
+                                        <p:tav tm="100000">
+                                          <p:val>
+                                            <p:strVal val="#ppt_x"/>
+                                          </p:val>
+                                        </p:tav>
+                                      </p:tavLst>
+                                    </p:anim>
+                                    <p:anim calcmode="lin" valueType="num">
+                                      <p:cBhvr>
+                                        <p:cTn id="16" dur="1000" fill="hold"/>
+                                        <p:tgtEl>
+                                          <p:spTgt spid="3">
+                                            <p:txEl>
+                                              <p:pRg st="1" end="1"/>
+                                            </p:txEl>
+                                          </p:spTgt>
+                                        </p:tgtEl>
+                                        <p:attrNameLst>
+                                          <p:attrName>ppt_y</p:attrName>
+                                        </p:attrNameLst>
+                                      </p:cBhvr>
+                                      <p:tavLst>
+                                        <p:tav tm="0">
+                                          <p:val>
+                                            <p:strVal val="#ppt_y+.1"/>
+                                          </p:val>
+                                        </p:tav>
+                                        <p:tav tm="100000">
+                                          <p:val>
+                                            <p:strVal val="#ppt_y"/>
+                                          </p:val>
+                                        </p:tav>
+                                      </p:tavLst>
+                                    </p:anim>
+                                  </p:childTnLst>
+                                </p:cTn>
+                              </p:par>
+                            </p:childTnLst>
+                          </p:cTn>
+                        </p:par>
+                      </p:childTnLst>
+                    </p:cTn>
+                  </p:par>
+                  <p:par>
+                    <p:cTn id="17" fill="hold">
+                      <p:stCondLst>
+                        <p:cond delay="indefinite"/>
+                      </p:stCondLst>
+                      <p:childTnLst>
+                        <p:par>
+                          <p:cTn id="18" fill="hold">
+                            <p:stCondLst>
+                              <p:cond delay="0"/>
+                            </p:stCondLst>
+                            <p:childTnLst>
+                              <p:par>
+                                <p:cTn id="19" presetID="42" presetClass="entr" presetSubtype="0" fill="hold" grpId="0" nodeType="clickEffect">
+                                  <p:stCondLst>
+                                    <p:cond delay="0"/>
+                                  </p:stCondLst>
+                                  <p:childTnLst>
+                                    <p:set>
+                                      <p:cBhvr>
+                                        <p:cTn id="20" dur="1" fill="hold">
+                                          <p:stCondLst>
+                                            <p:cond delay="0"/>
+                                          </p:stCondLst>
+                                        </p:cTn>
+                                        <p:tgtEl>
+                                          <p:spTgt spid="3">
+                                            <p:txEl>
+                                              <p:pRg st="2" end="2"/>
+                                            </p:txEl>
+                                          </p:spTgt>
+                                        </p:tgtEl>
+                                        <p:attrNameLst>
+                                          <p:attrName>style.visibility</p:attrName>
+                                        </p:attrNameLst>
+                                      </p:cBhvr>
+                                      <p:to>
+                                        <p:strVal val="visible"/>
+                                      </p:to>
+                                    </p:set>
+                                    <p:animEffect transition="in" filter="fade">
+                                      <p:cBhvr>
+                                        <p:cTn id="21" dur="1000"/>
+                                        <p:tgtEl>
+                                          <p:spTgt spid="3">
+                                            <p:txEl>
+                                              <p:pRg st="2" end="2"/>
+                                            </p:txEl>
+                                          </p:spTgt>
+                                        </p:tgtEl>
+                                      </p:cBhvr>
+                                    </p:animEffect>
+                                    <p:anim calcmode="lin" valueType="num">
+                                      <p:cBhvr>
+                                        <p:cTn id="22" dur="1000" fill="hold"/>
+                                        <p:tgtEl>
+                                          <p:spTgt spid="3">
+                                            <p:txEl>
+                                              <p:pRg st="2" end="2"/>
+                                            </p:txEl>
+                                          </p:spTgt>
+                                        </p:tgtEl>
+                                        <p:attrNameLst>
+                                          <p:attrName>ppt_x</p:attrName>
+                                        </p:attrNameLst>
+                                      </p:cBhvr>
+                                      <p:tavLst>
+                                        <p:tav tm="0">
+                                          <p:val>
+                                            <p:strVal val="#ppt_x"/>
+                                          </p:val>
+                                        </p:tav>
+                                        <p:tav tm="100000">
+                                          <p:val>
+                                            <p:strVal val="#ppt_x"/>
+                                          </p:val>
+                                        </p:tav>
+                                      </p:tavLst>
+                                    </p:anim>
+                                    <p:anim calcmode="lin" valueType="num">
+                                      <p:cBhvr>
+                                        <p:cTn id="23" dur="1000" fill="hold"/>
+                                        <p:tgtEl>
+                                          <p:spTgt spid="3">
+                                            <p:txEl>
+                                              <p:pRg st="2" end="2"/>
+                                            </p:txEl>
+                                          </p:spTgt>
+                                        </p:tgtEl>
+                                        <p:attrNameLst>
+                                          <p:attrName>ppt_y</p:attrName>
+                                        </p:attrNameLst>
+                                      </p:cBhvr>
+                                      <p:tavLst>
+                                        <p:tav tm="0">
+                                          <p:val>
+                                            <p:strVal val="#ppt_y+.1"/>
+                                          </p:val>
+                                        </p:tav>
+                                        <p:tav tm="100000">
+                                          <p:val>
+                                            <p:strVal val="#ppt_y"/>
+                                          </p:val>
+                                        </p:tav>
+                                      </p:tavLst>
+                                    </p:anim>
+                                  </p:childTnLst>
+                                </p:cTn>
+                              </p:par>
+                            </p:childTnLst>
+                          </p:cTn>
+                        </p:par>
+                      </p:childTnLst>
+                    </p:cTn>
+                  </p:par>
+                </p:childTnLst>
+              </p:cTn>
+              <p:prevCondLst>
+                <p:cond evt="onPrev" delay="0">
+                  <p:tgtEl>
+                    <p:sldTgt/>
+                  </p:tgtEl>
+                </p:cond>
+              </p:prevCondLst>
+              <p:nextCondLst>
+                <p:cond evt="onNext" delay="0">
+                  <p:tgtEl>
+                    <p:sldTgt/>
+                  </p:tgtEl>
+                </p:cond>
+              </p:nextCondLst>
+            </p:seq>
+          </p:childTnLst>
+        </p:cTn>
+      </p:par>
+    </p:tnLst>
+    <p:bldLst>
+      <p:bldP spid="3" grpId="0" build="p"/>
+    </p:bldLst>
+  </p:timing>
 </p:sld>
 </file>
 
@@ -7047,6 +7904,581 @@
   <p:clrMapOvr>
     <a:masterClrMapping/>
   </p:clrMapOvr>
+  <p:timing>
+    <p:tnLst>
+      <p:par>
+        <p:cTn id="1" dur="indefinite" restart="never" nodeType="tmRoot">
+          <p:childTnLst>
+            <p:seq concurrent="1" nextAc="seek">
+              <p:cTn id="2" dur="indefinite" nodeType="mainSeq">
+                <p:childTnLst>
+                  <p:par>
+                    <p:cTn id="3" fill="hold">
+                      <p:stCondLst>
+                        <p:cond delay="indefinite"/>
+                      </p:stCondLst>
+                      <p:childTnLst>
+                        <p:par>
+                          <p:cTn id="4" fill="hold">
+                            <p:stCondLst>
+                              <p:cond delay="0"/>
+                            </p:stCondLst>
+                            <p:childTnLst>
+                              <p:par>
+                                <p:cTn id="5" presetID="42" presetClass="entr" presetSubtype="0" fill="hold" nodeType="clickEffect">
+                                  <p:stCondLst>
+                                    <p:cond delay="0"/>
+                                  </p:stCondLst>
+                                  <p:childTnLst>
+                                    <p:set>
+                                      <p:cBhvr>
+                                        <p:cTn id="6" dur="1" fill="hold">
+                                          <p:stCondLst>
+                                            <p:cond delay="0"/>
+                                          </p:stCondLst>
+                                        </p:cTn>
+                                        <p:tgtEl>
+                                          <p:spTgt spid="20"/>
+                                        </p:tgtEl>
+                                        <p:attrNameLst>
+                                          <p:attrName>style.visibility</p:attrName>
+                                        </p:attrNameLst>
+                                      </p:cBhvr>
+                                      <p:to>
+                                        <p:strVal val="visible"/>
+                                      </p:to>
+                                    </p:set>
+                                    <p:animEffect transition="in" filter="fade">
+                                      <p:cBhvr>
+                                        <p:cTn id="7" dur="1000"/>
+                                        <p:tgtEl>
+                                          <p:spTgt spid="20"/>
+                                        </p:tgtEl>
+                                      </p:cBhvr>
+                                    </p:animEffect>
+                                    <p:anim calcmode="lin" valueType="num">
+                                      <p:cBhvr>
+                                        <p:cTn id="8" dur="1000" fill="hold"/>
+                                        <p:tgtEl>
+                                          <p:spTgt spid="20"/>
+                                        </p:tgtEl>
+                                        <p:attrNameLst>
+                                          <p:attrName>ppt_x</p:attrName>
+                                        </p:attrNameLst>
+                                      </p:cBhvr>
+                                      <p:tavLst>
+                                        <p:tav tm="0">
+                                          <p:val>
+                                            <p:strVal val="#ppt_x"/>
+                                          </p:val>
+                                        </p:tav>
+                                        <p:tav tm="100000">
+                                          <p:val>
+                                            <p:strVal val="#ppt_x"/>
+                                          </p:val>
+                                        </p:tav>
+                                      </p:tavLst>
+                                    </p:anim>
+                                    <p:anim calcmode="lin" valueType="num">
+                                      <p:cBhvr>
+                                        <p:cTn id="9" dur="1000" fill="hold"/>
+                                        <p:tgtEl>
+                                          <p:spTgt spid="20"/>
+                                        </p:tgtEl>
+                                        <p:attrNameLst>
+                                          <p:attrName>ppt_y</p:attrName>
+                                        </p:attrNameLst>
+                                      </p:cBhvr>
+                                      <p:tavLst>
+                                        <p:tav tm="0">
+                                          <p:val>
+                                            <p:strVal val="#ppt_y+.1"/>
+                                          </p:val>
+                                        </p:tav>
+                                        <p:tav tm="100000">
+                                          <p:val>
+                                            <p:strVal val="#ppt_y"/>
+                                          </p:val>
+                                        </p:tav>
+                                      </p:tavLst>
+                                    </p:anim>
+                                  </p:childTnLst>
+                                </p:cTn>
+                              </p:par>
+                              <p:par>
+                                <p:cTn id="10" presetID="42" presetClass="entr" presetSubtype="0" fill="hold" grpId="0" nodeType="withEffect">
+                                  <p:stCondLst>
+                                    <p:cond delay="0"/>
+                                  </p:stCondLst>
+                                  <p:childTnLst>
+                                    <p:set>
+                                      <p:cBhvr>
+                                        <p:cTn id="11" dur="1" fill="hold">
+                                          <p:stCondLst>
+                                            <p:cond delay="0"/>
+                                          </p:stCondLst>
+                                        </p:cTn>
+                                        <p:tgtEl>
+                                          <p:spTgt spid="22"/>
+                                        </p:tgtEl>
+                                        <p:attrNameLst>
+                                          <p:attrName>style.visibility</p:attrName>
+                                        </p:attrNameLst>
+                                      </p:cBhvr>
+                                      <p:to>
+                                        <p:strVal val="visible"/>
+                                      </p:to>
+                                    </p:set>
+                                    <p:animEffect transition="in" filter="fade">
+                                      <p:cBhvr>
+                                        <p:cTn id="12" dur="1000"/>
+                                        <p:tgtEl>
+                                          <p:spTgt spid="22"/>
+                                        </p:tgtEl>
+                                      </p:cBhvr>
+                                    </p:animEffect>
+                                    <p:anim calcmode="lin" valueType="num">
+                                      <p:cBhvr>
+                                        <p:cTn id="13" dur="1000" fill="hold"/>
+                                        <p:tgtEl>
+                                          <p:spTgt spid="22"/>
+                                        </p:tgtEl>
+                                        <p:attrNameLst>
+                                          <p:attrName>ppt_x</p:attrName>
+                                        </p:attrNameLst>
+                                      </p:cBhvr>
+                                      <p:tavLst>
+                                        <p:tav tm="0">
+                                          <p:val>
+                                            <p:strVal val="#ppt_x"/>
+                                          </p:val>
+                                        </p:tav>
+                                        <p:tav tm="100000">
+                                          <p:val>
+                                            <p:strVal val="#ppt_x"/>
+                                          </p:val>
+                                        </p:tav>
+                                      </p:tavLst>
+                                    </p:anim>
+                                    <p:anim calcmode="lin" valueType="num">
+                                      <p:cBhvr>
+                                        <p:cTn id="14" dur="1000" fill="hold"/>
+                                        <p:tgtEl>
+                                          <p:spTgt spid="22"/>
+                                        </p:tgtEl>
+                                        <p:attrNameLst>
+                                          <p:attrName>ppt_y</p:attrName>
+                                        </p:attrNameLst>
+                                      </p:cBhvr>
+                                      <p:tavLst>
+                                        <p:tav tm="0">
+                                          <p:val>
+                                            <p:strVal val="#ppt_y+.1"/>
+                                          </p:val>
+                                        </p:tav>
+                                        <p:tav tm="100000">
+                                          <p:val>
+                                            <p:strVal val="#ppt_y"/>
+                                          </p:val>
+                                        </p:tav>
+                                      </p:tavLst>
+                                    </p:anim>
+                                  </p:childTnLst>
+                                </p:cTn>
+                              </p:par>
+                            </p:childTnLst>
+                          </p:cTn>
+                        </p:par>
+                      </p:childTnLst>
+                    </p:cTn>
+                  </p:par>
+                  <p:par>
+                    <p:cTn id="15" fill="hold">
+                      <p:stCondLst>
+                        <p:cond delay="indefinite"/>
+                      </p:stCondLst>
+                      <p:childTnLst>
+                        <p:par>
+                          <p:cTn id="16" fill="hold">
+                            <p:stCondLst>
+                              <p:cond delay="0"/>
+                            </p:stCondLst>
+                            <p:childTnLst>
+                              <p:par>
+                                <p:cTn id="17" presetID="42" presetClass="entr" presetSubtype="0" fill="hold" nodeType="clickEffect">
+                                  <p:stCondLst>
+                                    <p:cond delay="0"/>
+                                  </p:stCondLst>
+                                  <p:childTnLst>
+                                    <p:set>
+                                      <p:cBhvr>
+                                        <p:cTn id="18" dur="1" fill="hold">
+                                          <p:stCondLst>
+                                            <p:cond delay="0"/>
+                                          </p:stCondLst>
+                                        </p:cTn>
+                                        <p:tgtEl>
+                                          <p:spTgt spid="25"/>
+                                        </p:tgtEl>
+                                        <p:attrNameLst>
+                                          <p:attrName>style.visibility</p:attrName>
+                                        </p:attrNameLst>
+                                      </p:cBhvr>
+                                      <p:to>
+                                        <p:strVal val="visible"/>
+                                      </p:to>
+                                    </p:set>
+                                    <p:animEffect transition="in" filter="fade">
+                                      <p:cBhvr>
+                                        <p:cTn id="19" dur="1000"/>
+                                        <p:tgtEl>
+                                          <p:spTgt spid="25"/>
+                                        </p:tgtEl>
+                                      </p:cBhvr>
+                                    </p:animEffect>
+                                    <p:anim calcmode="lin" valueType="num">
+                                      <p:cBhvr>
+                                        <p:cTn id="20" dur="1000" fill="hold"/>
+                                        <p:tgtEl>
+                                          <p:spTgt spid="25"/>
+                                        </p:tgtEl>
+                                        <p:attrNameLst>
+                                          <p:attrName>ppt_x</p:attrName>
+                                        </p:attrNameLst>
+                                      </p:cBhvr>
+                                      <p:tavLst>
+                                        <p:tav tm="0">
+                                          <p:val>
+                                            <p:strVal val="#ppt_x"/>
+                                          </p:val>
+                                        </p:tav>
+                                        <p:tav tm="100000">
+                                          <p:val>
+                                            <p:strVal val="#ppt_x"/>
+                                          </p:val>
+                                        </p:tav>
+                                      </p:tavLst>
+                                    </p:anim>
+                                    <p:anim calcmode="lin" valueType="num">
+                                      <p:cBhvr>
+                                        <p:cTn id="21" dur="1000" fill="hold"/>
+                                        <p:tgtEl>
+                                          <p:spTgt spid="25"/>
+                                        </p:tgtEl>
+                                        <p:attrNameLst>
+                                          <p:attrName>ppt_y</p:attrName>
+                                        </p:attrNameLst>
+                                      </p:cBhvr>
+                                      <p:tavLst>
+                                        <p:tav tm="0">
+                                          <p:val>
+                                            <p:strVal val="#ppt_y+.1"/>
+                                          </p:val>
+                                        </p:tav>
+                                        <p:tav tm="100000">
+                                          <p:val>
+                                            <p:strVal val="#ppt_y"/>
+                                          </p:val>
+                                        </p:tav>
+                                      </p:tavLst>
+                                    </p:anim>
+                                  </p:childTnLst>
+                                </p:cTn>
+                              </p:par>
+                              <p:par>
+                                <p:cTn id="22" presetID="42" presetClass="entr" presetSubtype="0" fill="hold" grpId="0" nodeType="withEffect">
+                                  <p:stCondLst>
+                                    <p:cond delay="0"/>
+                                  </p:stCondLst>
+                                  <p:childTnLst>
+                                    <p:set>
+                                      <p:cBhvr>
+                                        <p:cTn id="23" dur="1" fill="hold">
+                                          <p:stCondLst>
+                                            <p:cond delay="0"/>
+                                          </p:stCondLst>
+                                        </p:cTn>
+                                        <p:tgtEl>
+                                          <p:spTgt spid="24"/>
+                                        </p:tgtEl>
+                                        <p:attrNameLst>
+                                          <p:attrName>style.visibility</p:attrName>
+                                        </p:attrNameLst>
+                                      </p:cBhvr>
+                                      <p:to>
+                                        <p:strVal val="visible"/>
+                                      </p:to>
+                                    </p:set>
+                                    <p:animEffect transition="in" filter="fade">
+                                      <p:cBhvr>
+                                        <p:cTn id="24" dur="1000"/>
+                                        <p:tgtEl>
+                                          <p:spTgt spid="24"/>
+                                        </p:tgtEl>
+                                      </p:cBhvr>
+                                    </p:animEffect>
+                                    <p:anim calcmode="lin" valueType="num">
+                                      <p:cBhvr>
+                                        <p:cTn id="25" dur="1000" fill="hold"/>
+                                        <p:tgtEl>
+                                          <p:spTgt spid="24"/>
+                                        </p:tgtEl>
+                                        <p:attrNameLst>
+                                          <p:attrName>ppt_x</p:attrName>
+                                        </p:attrNameLst>
+                                      </p:cBhvr>
+                                      <p:tavLst>
+                                        <p:tav tm="0">
+                                          <p:val>
+                                            <p:strVal val="#ppt_x"/>
+                                          </p:val>
+                                        </p:tav>
+                                        <p:tav tm="100000">
+                                          <p:val>
+                                            <p:strVal val="#ppt_x"/>
+                                          </p:val>
+                                        </p:tav>
+                                      </p:tavLst>
+                                    </p:anim>
+                                    <p:anim calcmode="lin" valueType="num">
+                                      <p:cBhvr>
+                                        <p:cTn id="26" dur="1000" fill="hold"/>
+                                        <p:tgtEl>
+                                          <p:spTgt spid="24"/>
+                                        </p:tgtEl>
+                                        <p:attrNameLst>
+                                          <p:attrName>ppt_y</p:attrName>
+                                        </p:attrNameLst>
+                                      </p:cBhvr>
+                                      <p:tavLst>
+                                        <p:tav tm="0">
+                                          <p:val>
+                                            <p:strVal val="#ppt_y+.1"/>
+                                          </p:val>
+                                        </p:tav>
+                                        <p:tav tm="100000">
+                                          <p:val>
+                                            <p:strVal val="#ppt_y"/>
+                                          </p:val>
+                                        </p:tav>
+                                      </p:tavLst>
+                                    </p:anim>
+                                  </p:childTnLst>
+                                </p:cTn>
+                              </p:par>
+                            </p:childTnLst>
+                          </p:cTn>
+                        </p:par>
+                      </p:childTnLst>
+                    </p:cTn>
+                  </p:par>
+                  <p:par>
+                    <p:cTn id="27" fill="hold">
+                      <p:stCondLst>
+                        <p:cond delay="indefinite"/>
+                      </p:stCondLst>
+                      <p:childTnLst>
+                        <p:par>
+                          <p:cTn id="28" fill="hold">
+                            <p:stCondLst>
+                              <p:cond delay="0"/>
+                            </p:stCondLst>
+                            <p:childTnLst>
+                              <p:par>
+                                <p:cTn id="29" presetID="42" presetClass="entr" presetSubtype="0" fill="hold" nodeType="clickEffect">
+                                  <p:stCondLst>
+                                    <p:cond delay="0"/>
+                                  </p:stCondLst>
+                                  <p:childTnLst>
+                                    <p:set>
+                                      <p:cBhvr>
+                                        <p:cTn id="30" dur="1" fill="hold">
+                                          <p:stCondLst>
+                                            <p:cond delay="0"/>
+                                          </p:stCondLst>
+                                        </p:cTn>
+                                        <p:tgtEl>
+                                          <p:spTgt spid="26"/>
+                                        </p:tgtEl>
+                                        <p:attrNameLst>
+                                          <p:attrName>style.visibility</p:attrName>
+                                        </p:attrNameLst>
+                                      </p:cBhvr>
+                                      <p:to>
+                                        <p:strVal val="visible"/>
+                                      </p:to>
+                                    </p:set>
+                                    <p:animEffect transition="in" filter="fade">
+                                      <p:cBhvr>
+                                        <p:cTn id="31" dur="1000"/>
+                                        <p:tgtEl>
+                                          <p:spTgt spid="26"/>
+                                        </p:tgtEl>
+                                      </p:cBhvr>
+                                    </p:animEffect>
+                                    <p:anim calcmode="lin" valueType="num">
+                                      <p:cBhvr>
+                                        <p:cTn id="32" dur="1000" fill="hold"/>
+                                        <p:tgtEl>
+                                          <p:spTgt spid="26"/>
+                                        </p:tgtEl>
+                                        <p:attrNameLst>
+                                          <p:attrName>ppt_x</p:attrName>
+                                        </p:attrNameLst>
+                                      </p:cBhvr>
+                                      <p:tavLst>
+                                        <p:tav tm="0">
+                                          <p:val>
+                                            <p:strVal val="#ppt_x"/>
+                                          </p:val>
+                                        </p:tav>
+                                        <p:tav tm="100000">
+                                          <p:val>
+                                            <p:strVal val="#ppt_x"/>
+                                          </p:val>
+                                        </p:tav>
+                                      </p:tavLst>
+                                    </p:anim>
+                                    <p:anim calcmode="lin" valueType="num">
+                                      <p:cBhvr>
+                                        <p:cTn id="33" dur="1000" fill="hold"/>
+                                        <p:tgtEl>
+                                          <p:spTgt spid="26"/>
+                                        </p:tgtEl>
+                                        <p:attrNameLst>
+                                          <p:attrName>ppt_y</p:attrName>
+                                        </p:attrNameLst>
+                                      </p:cBhvr>
+                                      <p:tavLst>
+                                        <p:tav tm="0">
+                                          <p:val>
+                                            <p:strVal val="#ppt_y+.1"/>
+                                          </p:val>
+                                        </p:tav>
+                                        <p:tav tm="100000">
+                                          <p:val>
+                                            <p:strVal val="#ppt_y"/>
+                                          </p:val>
+                                        </p:tav>
+                                      </p:tavLst>
+                                    </p:anim>
+                                  </p:childTnLst>
+                                </p:cTn>
+                              </p:par>
+                              <p:par>
+                                <p:cTn id="34" presetID="42" presetClass="entr" presetSubtype="0" fill="hold" grpId="0" nodeType="withEffect">
+                                  <p:stCondLst>
+                                    <p:cond delay="0"/>
+                                  </p:stCondLst>
+                                  <p:childTnLst>
+                                    <p:set>
+                                      <p:cBhvr>
+                                        <p:cTn id="35" dur="1" fill="hold">
+                                          <p:stCondLst>
+                                            <p:cond delay="0"/>
+                                          </p:stCondLst>
+                                        </p:cTn>
+                                        <p:tgtEl>
+                                          <p:spTgt spid="28"/>
+                                        </p:tgtEl>
+                                        <p:attrNameLst>
+                                          <p:attrName>style.visibility</p:attrName>
+                                        </p:attrNameLst>
+                                      </p:cBhvr>
+                                      <p:to>
+                                        <p:strVal val="visible"/>
+                                      </p:to>
+                                    </p:set>
+                                    <p:animEffect transition="in" filter="fade">
+                                      <p:cBhvr>
+                                        <p:cTn id="36" dur="1000"/>
+                                        <p:tgtEl>
+                                          <p:spTgt spid="28"/>
+                                        </p:tgtEl>
+                                      </p:cBhvr>
+                                    </p:animEffect>
+                                    <p:anim calcmode="lin" valueType="num">
+                                      <p:cBhvr>
+                                        <p:cTn id="37" dur="1000" fill="hold"/>
+                                        <p:tgtEl>
+                                          <p:spTgt spid="28"/>
+                                        </p:tgtEl>
+                                        <p:attrNameLst>
+                                          <p:attrName>ppt_x</p:attrName>
+                                        </p:attrNameLst>
+                                      </p:cBhvr>
+                                      <p:tavLst>
+                                        <p:tav tm="0">
+                                          <p:val>
+                                            <p:strVal val="#ppt_x"/>
+                                          </p:val>
+                                        </p:tav>
+                                        <p:tav tm="100000">
+                                          <p:val>
+                                            <p:strVal val="#ppt_x"/>
+                                          </p:val>
+                                        </p:tav>
+                                      </p:tavLst>
+                                    </p:anim>
+                                    <p:anim calcmode="lin" valueType="num">
+                                      <p:cBhvr>
+                                        <p:cTn id="38" dur="1000" fill="hold"/>
+                                        <p:tgtEl>
+                                          <p:spTgt spid="28"/>
+                                        </p:tgtEl>
+                                        <p:attrNameLst>
+                                          <p:attrName>ppt_y</p:attrName>
+                                        </p:attrNameLst>
+                                      </p:cBhvr>
+                                      <p:tavLst>
+                                        <p:tav tm="0">
+                                          <p:val>
+                                            <p:strVal val="#ppt_y+.1"/>
+                                          </p:val>
+                                        </p:tav>
+                                        <p:tav tm="100000">
+                                          <p:val>
+                                            <p:strVal val="#ppt_y"/>
+                                          </p:val>
+                                        </p:tav>
+                                      </p:tavLst>
+                                    </p:anim>
+                                  </p:childTnLst>
+                                </p:cTn>
+                              </p:par>
+                            </p:childTnLst>
+                          </p:cTn>
+                        </p:par>
+                      </p:childTnLst>
+                    </p:cTn>
+                  </p:par>
+                </p:childTnLst>
+              </p:cTn>
+              <p:prevCondLst>
+                <p:cond evt="onPrev" delay="0">
+                  <p:tgtEl>
+                    <p:sldTgt/>
+                  </p:tgtEl>
+                </p:cond>
+              </p:prevCondLst>
+              <p:nextCondLst>
+                <p:cond evt="onNext" delay="0">
+                  <p:tgtEl>
+                    <p:sldTgt/>
+                  </p:tgtEl>
+                </p:cond>
+              </p:nextCondLst>
+            </p:seq>
+          </p:childTnLst>
+        </p:cTn>
+      </p:par>
+    </p:tnLst>
+    <p:bldLst>
+      <p:bldP spid="22" grpId="0"/>
+      <p:bldP spid="24" grpId="0"/>
+      <p:bldP spid="28" grpId="0"/>
+    </p:bldLst>
+  </p:timing>
 </p:sld>
 </file>
 
@@ -7372,7 +8804,7 @@
               <a:rPr lang="tr-TR" altLang="en-US" dirty="0">
                 <a:latin typeface="Helvetica" panose="020B0604020202020204" pitchFamily="34" charset="0"/>
               </a:rPr>
-              <a:t>Ukrayna Rusya savaşı, Dolar kuru harita üzerinde incelenmiştir</a:t>
+              <a:t>Ukrayna Rusya savaşı ve Dolar kuru harita üzerinde incelenmiştir</a:t>
             </a:r>
           </a:p>
           <a:p>
@@ -7390,6 +8822,237 @@
   <p:clrMapOvr>
     <a:masterClrMapping/>
   </p:clrMapOvr>
+  <p:timing>
+    <p:tnLst>
+      <p:par>
+        <p:cTn id="1" dur="indefinite" restart="never" nodeType="tmRoot">
+          <p:childTnLst>
+            <p:seq concurrent="1" nextAc="seek">
+              <p:cTn id="2" dur="indefinite" nodeType="mainSeq">
+                <p:childTnLst>
+                  <p:par>
+                    <p:cTn id="3" fill="hold">
+                      <p:stCondLst>
+                        <p:cond delay="indefinite"/>
+                      </p:stCondLst>
+                      <p:childTnLst>
+                        <p:par>
+                          <p:cTn id="4" fill="hold">
+                            <p:stCondLst>
+                              <p:cond delay="0"/>
+                            </p:stCondLst>
+                            <p:childTnLst>
+                              <p:par>
+                                <p:cTn id="5" presetID="42" presetClass="entr" presetSubtype="0" fill="hold" grpId="0" nodeType="clickEffect">
+                                  <p:stCondLst>
+                                    <p:cond delay="0"/>
+                                  </p:stCondLst>
+                                  <p:childTnLst>
+                                    <p:set>
+                                      <p:cBhvr>
+                                        <p:cTn id="6" dur="1" fill="hold">
+                                          <p:stCondLst>
+                                            <p:cond delay="0"/>
+                                          </p:stCondLst>
+                                        </p:cTn>
+                                        <p:tgtEl>
+                                          <p:spTgt spid="9"/>
+                                        </p:tgtEl>
+                                        <p:attrNameLst>
+                                          <p:attrName>style.visibility</p:attrName>
+                                        </p:attrNameLst>
+                                      </p:cBhvr>
+                                      <p:to>
+                                        <p:strVal val="visible"/>
+                                      </p:to>
+                                    </p:set>
+                                    <p:animEffect transition="in" filter="fade">
+                                      <p:cBhvr>
+                                        <p:cTn id="7" dur="1000"/>
+                                        <p:tgtEl>
+                                          <p:spTgt spid="9"/>
+                                        </p:tgtEl>
+                                      </p:cBhvr>
+                                    </p:animEffect>
+                                    <p:anim calcmode="lin" valueType="num">
+                                      <p:cBhvr>
+                                        <p:cTn id="8" dur="1000" fill="hold"/>
+                                        <p:tgtEl>
+                                          <p:spTgt spid="9"/>
+                                        </p:tgtEl>
+                                        <p:attrNameLst>
+                                          <p:attrName>ppt_x</p:attrName>
+                                        </p:attrNameLst>
+                                      </p:cBhvr>
+                                      <p:tavLst>
+                                        <p:tav tm="0">
+                                          <p:val>
+                                            <p:strVal val="#ppt_x"/>
+                                          </p:val>
+                                        </p:tav>
+                                        <p:tav tm="100000">
+                                          <p:val>
+                                            <p:strVal val="#ppt_x"/>
+                                          </p:val>
+                                        </p:tav>
+                                      </p:tavLst>
+                                    </p:anim>
+                                    <p:anim calcmode="lin" valueType="num">
+                                      <p:cBhvr>
+                                        <p:cTn id="9" dur="1000" fill="hold"/>
+                                        <p:tgtEl>
+                                          <p:spTgt spid="9"/>
+                                        </p:tgtEl>
+                                        <p:attrNameLst>
+                                          <p:attrName>ppt_y</p:attrName>
+                                        </p:attrNameLst>
+                                      </p:cBhvr>
+                                      <p:tavLst>
+                                        <p:tav tm="0">
+                                          <p:val>
+                                            <p:strVal val="#ppt_y+.1"/>
+                                          </p:val>
+                                        </p:tav>
+                                        <p:tav tm="100000">
+                                          <p:val>
+                                            <p:strVal val="#ppt_y"/>
+                                          </p:val>
+                                        </p:tav>
+                                      </p:tavLst>
+                                    </p:anim>
+                                  </p:childTnLst>
+                                </p:cTn>
+                              </p:par>
+                            </p:childTnLst>
+                          </p:cTn>
+                        </p:par>
+                      </p:childTnLst>
+                    </p:cTn>
+                  </p:par>
+                  <p:par>
+                    <p:cTn id="10" fill="hold">
+                      <p:stCondLst>
+                        <p:cond delay="indefinite"/>
+                      </p:stCondLst>
+                      <p:childTnLst>
+                        <p:par>
+                          <p:cTn id="11" fill="hold">
+                            <p:stCondLst>
+                              <p:cond delay="0"/>
+                            </p:stCondLst>
+                            <p:childTnLst>
+                              <p:par>
+                                <p:cTn id="12" presetID="42" presetClass="entr" presetSubtype="0" fill="hold" nodeType="clickEffect">
+                                  <p:stCondLst>
+                                    <p:cond delay="0"/>
+                                  </p:stCondLst>
+                                  <p:childTnLst>
+                                    <p:set>
+                                      <p:cBhvr>
+                                        <p:cTn id="13" dur="1" fill="hold">
+                                          <p:stCondLst>
+                                            <p:cond delay="0"/>
+                                          </p:stCondLst>
+                                        </p:cTn>
+                                        <p:tgtEl>
+                                          <p:spTgt spid="8"/>
+                                        </p:tgtEl>
+                                        <p:attrNameLst>
+                                          <p:attrName>style.visibility</p:attrName>
+                                        </p:attrNameLst>
+                                      </p:cBhvr>
+                                      <p:to>
+                                        <p:strVal val="visible"/>
+                                      </p:to>
+                                    </p:set>
+                                    <p:animEffect transition="in" filter="fade">
+                                      <p:cBhvr>
+                                        <p:cTn id="14" dur="1000"/>
+                                        <p:tgtEl>
+                                          <p:spTgt spid="8"/>
+                                        </p:tgtEl>
+                                      </p:cBhvr>
+                                    </p:animEffect>
+                                    <p:anim calcmode="lin" valueType="num">
+                                      <p:cBhvr>
+                                        <p:cTn id="15" dur="1000" fill="hold"/>
+                                        <p:tgtEl>
+                                          <p:spTgt spid="8"/>
+                                        </p:tgtEl>
+                                        <p:attrNameLst>
+                                          <p:attrName>ppt_x</p:attrName>
+                                        </p:attrNameLst>
+                                      </p:cBhvr>
+                                      <p:tavLst>
+                                        <p:tav tm="0">
+                                          <p:val>
+                                            <p:strVal val="#ppt_x"/>
+                                          </p:val>
+                                        </p:tav>
+                                        <p:tav tm="100000">
+                                          <p:val>
+                                            <p:strVal val="#ppt_x"/>
+                                          </p:val>
+                                        </p:tav>
+                                      </p:tavLst>
+                                    </p:anim>
+                                    <p:anim calcmode="lin" valueType="num">
+                                      <p:cBhvr>
+                                        <p:cTn id="16" dur="1000" fill="hold"/>
+                                        <p:tgtEl>
+                                          <p:spTgt spid="8"/>
+                                        </p:tgtEl>
+                                        <p:attrNameLst>
+                                          <p:attrName>ppt_y</p:attrName>
+                                        </p:attrNameLst>
+                                      </p:cBhvr>
+                                      <p:tavLst>
+                                        <p:tav tm="0">
+                                          <p:val>
+                                            <p:strVal val="#ppt_y+.1"/>
+                                          </p:val>
+                                        </p:tav>
+                                        <p:tav tm="100000">
+                                          <p:val>
+                                            <p:strVal val="#ppt_y"/>
+                                          </p:val>
+                                        </p:tav>
+                                      </p:tavLst>
+                                    </p:anim>
+                                  </p:childTnLst>
+                                </p:cTn>
+                              </p:par>
+                            </p:childTnLst>
+                          </p:cTn>
+                        </p:par>
+                      </p:childTnLst>
+                    </p:cTn>
+                  </p:par>
+                </p:childTnLst>
+              </p:cTn>
+              <p:prevCondLst>
+                <p:cond evt="onPrev" delay="0">
+                  <p:tgtEl>
+                    <p:sldTgt/>
+                  </p:tgtEl>
+                </p:cond>
+              </p:prevCondLst>
+              <p:nextCondLst>
+                <p:cond evt="onNext" delay="0">
+                  <p:tgtEl>
+                    <p:sldTgt/>
+                  </p:tgtEl>
+                </p:cond>
+              </p:nextCondLst>
+            </p:seq>
+          </p:childTnLst>
+        </p:cTn>
+      </p:par>
+    </p:tnLst>
+    <p:bldLst>
+      <p:bldP spid="9" grpId="0"/>
+    </p:bldLst>
+  </p:timing>
 </p:sld>
 </file>
 
@@ -7609,6 +9272,566 @@
     <p:extLst>
       <p:ext uri="{BB962C8B-B14F-4D97-AF65-F5344CB8AC3E}">
         <p14:creationId xmlns:p14="http://schemas.microsoft.com/office/powerpoint/2010/main" val="3312255824"/>
+      </p:ext>
+    </p:extLst>
+  </p:cSld>
+  <p:clrMapOvr>
+    <a:masterClrMapping/>
+  </p:clrMapOvr>
+  <p:timing>
+    <p:tnLst>
+      <p:par>
+        <p:cTn id="1" dur="indefinite" restart="never" nodeType="tmRoot">
+          <p:childTnLst>
+            <p:seq concurrent="1" nextAc="seek">
+              <p:cTn id="2" dur="indefinite" nodeType="mainSeq">
+                <p:childTnLst>
+                  <p:par>
+                    <p:cTn id="3" fill="hold">
+                      <p:stCondLst>
+                        <p:cond delay="indefinite"/>
+                      </p:stCondLst>
+                      <p:childTnLst>
+                        <p:par>
+                          <p:cTn id="4" fill="hold">
+                            <p:stCondLst>
+                              <p:cond delay="0"/>
+                            </p:stCondLst>
+                            <p:childTnLst>
+                              <p:par>
+                                <p:cTn id="5" presetID="42" presetClass="entr" presetSubtype="0" fill="hold" grpId="0" nodeType="clickEffect">
+                                  <p:stCondLst>
+                                    <p:cond delay="0"/>
+                                  </p:stCondLst>
+                                  <p:childTnLst>
+                                    <p:set>
+                                      <p:cBhvr>
+                                        <p:cTn id="6" dur="1" fill="hold">
+                                          <p:stCondLst>
+                                            <p:cond delay="0"/>
+                                          </p:stCondLst>
+                                        </p:cTn>
+                                        <p:tgtEl>
+                                          <p:spTgt spid="3">
+                                            <p:txEl>
+                                              <p:pRg st="0" end="0"/>
+                                            </p:txEl>
+                                          </p:spTgt>
+                                        </p:tgtEl>
+                                        <p:attrNameLst>
+                                          <p:attrName>style.visibility</p:attrName>
+                                        </p:attrNameLst>
+                                      </p:cBhvr>
+                                      <p:to>
+                                        <p:strVal val="visible"/>
+                                      </p:to>
+                                    </p:set>
+                                    <p:animEffect transition="in" filter="fade">
+                                      <p:cBhvr>
+                                        <p:cTn id="7" dur="1000"/>
+                                        <p:tgtEl>
+                                          <p:spTgt spid="3">
+                                            <p:txEl>
+                                              <p:pRg st="0" end="0"/>
+                                            </p:txEl>
+                                          </p:spTgt>
+                                        </p:tgtEl>
+                                      </p:cBhvr>
+                                    </p:animEffect>
+                                    <p:anim calcmode="lin" valueType="num">
+                                      <p:cBhvr>
+                                        <p:cTn id="8" dur="1000" fill="hold"/>
+                                        <p:tgtEl>
+                                          <p:spTgt spid="3">
+                                            <p:txEl>
+                                              <p:pRg st="0" end="0"/>
+                                            </p:txEl>
+                                          </p:spTgt>
+                                        </p:tgtEl>
+                                        <p:attrNameLst>
+                                          <p:attrName>ppt_x</p:attrName>
+                                        </p:attrNameLst>
+                                      </p:cBhvr>
+                                      <p:tavLst>
+                                        <p:tav tm="0">
+                                          <p:val>
+                                            <p:strVal val="#ppt_x"/>
+                                          </p:val>
+                                        </p:tav>
+                                        <p:tav tm="100000">
+                                          <p:val>
+                                            <p:strVal val="#ppt_x"/>
+                                          </p:val>
+                                        </p:tav>
+                                      </p:tavLst>
+                                    </p:anim>
+                                    <p:anim calcmode="lin" valueType="num">
+                                      <p:cBhvr>
+                                        <p:cTn id="9" dur="1000" fill="hold"/>
+                                        <p:tgtEl>
+                                          <p:spTgt spid="3">
+                                            <p:txEl>
+                                              <p:pRg st="0" end="0"/>
+                                            </p:txEl>
+                                          </p:spTgt>
+                                        </p:tgtEl>
+                                        <p:attrNameLst>
+                                          <p:attrName>ppt_y</p:attrName>
+                                        </p:attrNameLst>
+                                      </p:cBhvr>
+                                      <p:tavLst>
+                                        <p:tav tm="0">
+                                          <p:val>
+                                            <p:strVal val="#ppt_y+.1"/>
+                                          </p:val>
+                                        </p:tav>
+                                        <p:tav tm="100000">
+                                          <p:val>
+                                            <p:strVal val="#ppt_y"/>
+                                          </p:val>
+                                        </p:tav>
+                                      </p:tavLst>
+                                    </p:anim>
+                                  </p:childTnLst>
+                                </p:cTn>
+                              </p:par>
+                            </p:childTnLst>
+                          </p:cTn>
+                        </p:par>
+                      </p:childTnLst>
+                    </p:cTn>
+                  </p:par>
+                  <p:par>
+                    <p:cTn id="10" fill="hold">
+                      <p:stCondLst>
+                        <p:cond delay="indefinite"/>
+                      </p:stCondLst>
+                      <p:childTnLst>
+                        <p:par>
+                          <p:cTn id="11" fill="hold">
+                            <p:stCondLst>
+                              <p:cond delay="0"/>
+                            </p:stCondLst>
+                            <p:childTnLst>
+                              <p:par>
+                                <p:cTn id="12" presetID="42" presetClass="entr" presetSubtype="0" fill="hold" grpId="0" nodeType="clickEffect">
+                                  <p:stCondLst>
+                                    <p:cond delay="0"/>
+                                  </p:stCondLst>
+                                  <p:childTnLst>
+                                    <p:set>
+                                      <p:cBhvr>
+                                        <p:cTn id="13" dur="1" fill="hold">
+                                          <p:stCondLst>
+                                            <p:cond delay="0"/>
+                                          </p:stCondLst>
+                                        </p:cTn>
+                                        <p:tgtEl>
+                                          <p:spTgt spid="3">
+                                            <p:txEl>
+                                              <p:pRg st="1" end="1"/>
+                                            </p:txEl>
+                                          </p:spTgt>
+                                        </p:tgtEl>
+                                        <p:attrNameLst>
+                                          <p:attrName>style.visibility</p:attrName>
+                                        </p:attrNameLst>
+                                      </p:cBhvr>
+                                      <p:to>
+                                        <p:strVal val="visible"/>
+                                      </p:to>
+                                    </p:set>
+                                    <p:animEffect transition="in" filter="fade">
+                                      <p:cBhvr>
+                                        <p:cTn id="14" dur="1000"/>
+                                        <p:tgtEl>
+                                          <p:spTgt spid="3">
+                                            <p:txEl>
+                                              <p:pRg st="1" end="1"/>
+                                            </p:txEl>
+                                          </p:spTgt>
+                                        </p:tgtEl>
+                                      </p:cBhvr>
+                                    </p:animEffect>
+                                    <p:anim calcmode="lin" valueType="num">
+                                      <p:cBhvr>
+                                        <p:cTn id="15" dur="1000" fill="hold"/>
+                                        <p:tgtEl>
+                                          <p:spTgt spid="3">
+                                            <p:txEl>
+                                              <p:pRg st="1" end="1"/>
+                                            </p:txEl>
+                                          </p:spTgt>
+                                        </p:tgtEl>
+                                        <p:attrNameLst>
+                                          <p:attrName>ppt_x</p:attrName>
+                                        </p:attrNameLst>
+                                      </p:cBhvr>
+                                      <p:tavLst>
+                                        <p:tav tm="0">
+                                          <p:val>
+                                            <p:strVal val="#ppt_x"/>
+                                          </p:val>
+                                        </p:tav>
+                                        <p:tav tm="100000">
+                                          <p:val>
+                                            <p:strVal val="#ppt_x"/>
+                                          </p:val>
+                                        </p:tav>
+                                      </p:tavLst>
+                                    </p:anim>
+                                    <p:anim calcmode="lin" valueType="num">
+                                      <p:cBhvr>
+                                        <p:cTn id="16" dur="1000" fill="hold"/>
+                                        <p:tgtEl>
+                                          <p:spTgt spid="3">
+                                            <p:txEl>
+                                              <p:pRg st="1" end="1"/>
+                                            </p:txEl>
+                                          </p:spTgt>
+                                        </p:tgtEl>
+                                        <p:attrNameLst>
+                                          <p:attrName>ppt_y</p:attrName>
+                                        </p:attrNameLst>
+                                      </p:cBhvr>
+                                      <p:tavLst>
+                                        <p:tav tm="0">
+                                          <p:val>
+                                            <p:strVal val="#ppt_y+.1"/>
+                                          </p:val>
+                                        </p:tav>
+                                        <p:tav tm="100000">
+                                          <p:val>
+                                            <p:strVal val="#ppt_y"/>
+                                          </p:val>
+                                        </p:tav>
+                                      </p:tavLst>
+                                    </p:anim>
+                                  </p:childTnLst>
+                                </p:cTn>
+                              </p:par>
+                            </p:childTnLst>
+                          </p:cTn>
+                        </p:par>
+                      </p:childTnLst>
+                    </p:cTn>
+                  </p:par>
+                  <p:par>
+                    <p:cTn id="17" fill="hold">
+                      <p:stCondLst>
+                        <p:cond delay="indefinite"/>
+                      </p:stCondLst>
+                      <p:childTnLst>
+                        <p:par>
+                          <p:cTn id="18" fill="hold">
+                            <p:stCondLst>
+                              <p:cond delay="0"/>
+                            </p:stCondLst>
+                            <p:childTnLst>
+                              <p:par>
+                                <p:cTn id="19" presetID="42" presetClass="entr" presetSubtype="0" fill="hold" grpId="0" nodeType="clickEffect">
+                                  <p:stCondLst>
+                                    <p:cond delay="0"/>
+                                  </p:stCondLst>
+                                  <p:childTnLst>
+                                    <p:set>
+                                      <p:cBhvr>
+                                        <p:cTn id="20" dur="1" fill="hold">
+                                          <p:stCondLst>
+                                            <p:cond delay="0"/>
+                                          </p:stCondLst>
+                                        </p:cTn>
+                                        <p:tgtEl>
+                                          <p:spTgt spid="3">
+                                            <p:txEl>
+                                              <p:pRg st="2" end="2"/>
+                                            </p:txEl>
+                                          </p:spTgt>
+                                        </p:tgtEl>
+                                        <p:attrNameLst>
+                                          <p:attrName>style.visibility</p:attrName>
+                                        </p:attrNameLst>
+                                      </p:cBhvr>
+                                      <p:to>
+                                        <p:strVal val="visible"/>
+                                      </p:to>
+                                    </p:set>
+                                    <p:animEffect transition="in" filter="fade">
+                                      <p:cBhvr>
+                                        <p:cTn id="21" dur="1000"/>
+                                        <p:tgtEl>
+                                          <p:spTgt spid="3">
+                                            <p:txEl>
+                                              <p:pRg st="2" end="2"/>
+                                            </p:txEl>
+                                          </p:spTgt>
+                                        </p:tgtEl>
+                                      </p:cBhvr>
+                                    </p:animEffect>
+                                    <p:anim calcmode="lin" valueType="num">
+                                      <p:cBhvr>
+                                        <p:cTn id="22" dur="1000" fill="hold"/>
+                                        <p:tgtEl>
+                                          <p:spTgt spid="3">
+                                            <p:txEl>
+                                              <p:pRg st="2" end="2"/>
+                                            </p:txEl>
+                                          </p:spTgt>
+                                        </p:tgtEl>
+                                        <p:attrNameLst>
+                                          <p:attrName>ppt_x</p:attrName>
+                                        </p:attrNameLst>
+                                      </p:cBhvr>
+                                      <p:tavLst>
+                                        <p:tav tm="0">
+                                          <p:val>
+                                            <p:strVal val="#ppt_x"/>
+                                          </p:val>
+                                        </p:tav>
+                                        <p:tav tm="100000">
+                                          <p:val>
+                                            <p:strVal val="#ppt_x"/>
+                                          </p:val>
+                                        </p:tav>
+                                      </p:tavLst>
+                                    </p:anim>
+                                    <p:anim calcmode="lin" valueType="num">
+                                      <p:cBhvr>
+                                        <p:cTn id="23" dur="1000" fill="hold"/>
+                                        <p:tgtEl>
+                                          <p:spTgt spid="3">
+                                            <p:txEl>
+                                              <p:pRg st="2" end="2"/>
+                                            </p:txEl>
+                                          </p:spTgt>
+                                        </p:tgtEl>
+                                        <p:attrNameLst>
+                                          <p:attrName>ppt_y</p:attrName>
+                                        </p:attrNameLst>
+                                      </p:cBhvr>
+                                      <p:tavLst>
+                                        <p:tav tm="0">
+                                          <p:val>
+                                            <p:strVal val="#ppt_y+.1"/>
+                                          </p:val>
+                                        </p:tav>
+                                        <p:tav tm="100000">
+                                          <p:val>
+                                            <p:strVal val="#ppt_y"/>
+                                          </p:val>
+                                        </p:tav>
+                                      </p:tavLst>
+                                    </p:anim>
+                                  </p:childTnLst>
+                                </p:cTn>
+                              </p:par>
+                            </p:childTnLst>
+                          </p:cTn>
+                        </p:par>
+                      </p:childTnLst>
+                    </p:cTn>
+                  </p:par>
+                  <p:par>
+                    <p:cTn id="24" fill="hold">
+                      <p:stCondLst>
+                        <p:cond delay="indefinite"/>
+                      </p:stCondLst>
+                      <p:childTnLst>
+                        <p:par>
+                          <p:cTn id="25" fill="hold">
+                            <p:stCondLst>
+                              <p:cond delay="0"/>
+                            </p:stCondLst>
+                            <p:childTnLst>
+                              <p:par>
+                                <p:cTn id="26" presetID="42" presetClass="entr" presetSubtype="0" fill="hold" grpId="0" nodeType="clickEffect">
+                                  <p:stCondLst>
+                                    <p:cond delay="0"/>
+                                  </p:stCondLst>
+                                  <p:childTnLst>
+                                    <p:set>
+                                      <p:cBhvr>
+                                        <p:cTn id="27" dur="1" fill="hold">
+                                          <p:stCondLst>
+                                            <p:cond delay="0"/>
+                                          </p:stCondLst>
+                                        </p:cTn>
+                                        <p:tgtEl>
+                                          <p:spTgt spid="3">
+                                            <p:txEl>
+                                              <p:pRg st="3" end="3"/>
+                                            </p:txEl>
+                                          </p:spTgt>
+                                        </p:tgtEl>
+                                        <p:attrNameLst>
+                                          <p:attrName>style.visibility</p:attrName>
+                                        </p:attrNameLst>
+                                      </p:cBhvr>
+                                      <p:to>
+                                        <p:strVal val="visible"/>
+                                      </p:to>
+                                    </p:set>
+                                    <p:animEffect transition="in" filter="fade">
+                                      <p:cBhvr>
+                                        <p:cTn id="28" dur="1000"/>
+                                        <p:tgtEl>
+                                          <p:spTgt spid="3">
+                                            <p:txEl>
+                                              <p:pRg st="3" end="3"/>
+                                            </p:txEl>
+                                          </p:spTgt>
+                                        </p:tgtEl>
+                                      </p:cBhvr>
+                                    </p:animEffect>
+                                    <p:anim calcmode="lin" valueType="num">
+                                      <p:cBhvr>
+                                        <p:cTn id="29" dur="1000" fill="hold"/>
+                                        <p:tgtEl>
+                                          <p:spTgt spid="3">
+                                            <p:txEl>
+                                              <p:pRg st="3" end="3"/>
+                                            </p:txEl>
+                                          </p:spTgt>
+                                        </p:tgtEl>
+                                        <p:attrNameLst>
+                                          <p:attrName>ppt_x</p:attrName>
+                                        </p:attrNameLst>
+                                      </p:cBhvr>
+                                      <p:tavLst>
+                                        <p:tav tm="0">
+                                          <p:val>
+                                            <p:strVal val="#ppt_x"/>
+                                          </p:val>
+                                        </p:tav>
+                                        <p:tav tm="100000">
+                                          <p:val>
+                                            <p:strVal val="#ppt_x"/>
+                                          </p:val>
+                                        </p:tav>
+                                      </p:tavLst>
+                                    </p:anim>
+                                    <p:anim calcmode="lin" valueType="num">
+                                      <p:cBhvr>
+                                        <p:cTn id="30" dur="1000" fill="hold"/>
+                                        <p:tgtEl>
+                                          <p:spTgt spid="3">
+                                            <p:txEl>
+                                              <p:pRg st="3" end="3"/>
+                                            </p:txEl>
+                                          </p:spTgt>
+                                        </p:tgtEl>
+                                        <p:attrNameLst>
+                                          <p:attrName>ppt_y</p:attrName>
+                                        </p:attrNameLst>
+                                      </p:cBhvr>
+                                      <p:tavLst>
+                                        <p:tav tm="0">
+                                          <p:val>
+                                            <p:strVal val="#ppt_y+.1"/>
+                                          </p:val>
+                                        </p:tav>
+                                        <p:tav tm="100000">
+                                          <p:val>
+                                            <p:strVal val="#ppt_y"/>
+                                          </p:val>
+                                        </p:tav>
+                                      </p:tavLst>
+                                    </p:anim>
+                                  </p:childTnLst>
+                                </p:cTn>
+                              </p:par>
+                            </p:childTnLst>
+                          </p:cTn>
+                        </p:par>
+                      </p:childTnLst>
+                    </p:cTn>
+                  </p:par>
+                </p:childTnLst>
+              </p:cTn>
+              <p:prevCondLst>
+                <p:cond evt="onPrev" delay="0">
+                  <p:tgtEl>
+                    <p:sldTgt/>
+                  </p:tgtEl>
+                </p:cond>
+              </p:prevCondLst>
+              <p:nextCondLst>
+                <p:cond evt="onNext" delay="0">
+                  <p:tgtEl>
+                    <p:sldTgt/>
+                  </p:tgtEl>
+                </p:cond>
+              </p:nextCondLst>
+            </p:seq>
+          </p:childTnLst>
+        </p:cTn>
+      </p:par>
+    </p:tnLst>
+    <p:bldLst>
+      <p:bldP spid="3" grpId="0" build="p"/>
+    </p:bldLst>
+  </p:timing>
+</p:sld>
+</file>
+
+<file path=ppt/slides/slide18.xml><?xml version="1.0" encoding="utf-8"?>
+<p:sld xmlns:a="http://schemas.openxmlformats.org/drawingml/2006/main" xmlns:r="http://schemas.openxmlformats.org/officeDocument/2006/relationships" xmlns:p="http://schemas.openxmlformats.org/presentationml/2006/main">
+  <p:cSld>
+    <p:spTree>
+      <p:nvGrpSpPr>
+        <p:cNvPr id="1" name=""/>
+        <p:cNvGrpSpPr/>
+        <p:nvPr/>
+      </p:nvGrpSpPr>
+      <p:grpSpPr>
+        <a:xfrm>
+          <a:off x="0" y="0"/>
+          <a:ext cx="0" cy="0"/>
+          <a:chOff x="0" y="0"/>
+          <a:chExt cx="0" cy="0"/>
+        </a:xfrm>
+      </p:grpSpPr>
+      <p:sp>
+        <p:nvSpPr>
+          <p:cNvPr id="2" name="Başlık 1">
+            <a:extLst>
+              <a:ext uri="{FF2B5EF4-FFF2-40B4-BE49-F238E27FC236}">
+                <a16:creationId xmlns:a16="http://schemas.microsoft.com/office/drawing/2014/main" id="{FFBBBF5E-60A0-4DA2-1260-8AB171166E7E}"/>
+              </a:ext>
+            </a:extLst>
+          </p:cNvPr>
+          <p:cNvSpPr>
+            <a:spLocks noGrp="1"/>
+          </p:cNvSpPr>
+          <p:nvPr>
+            <p:ph type="title"/>
+          </p:nvPr>
+        </p:nvSpPr>
+        <p:spPr>
+          <a:xfrm>
+            <a:off x="1282923" y="3128077"/>
+            <a:ext cx="7594860" cy="601846"/>
+          </a:xfrm>
+        </p:spPr>
+        <p:txBody>
+          <a:bodyPr>
+            <a:noAutofit/>
+          </a:bodyPr>
+          <a:lstStyle/>
+          <a:p>
+            <a:pPr algn="ctr"/>
+            <a:r>
+              <a:rPr lang="tr-TR" sz="5400" dirty="0"/>
+              <a:t>Teşekkürler</a:t>
+            </a:r>
+            <a:endParaRPr lang="en-US" sz="5400" dirty="0"/>
+          </a:p>
+        </p:txBody>
+      </p:sp>
+    </p:spTree>
+    <p:extLst>
+      <p:ext uri="{BB962C8B-B14F-4D97-AF65-F5344CB8AC3E}">
+        <p14:creationId xmlns:p14="http://schemas.microsoft.com/office/powerpoint/2010/main" val="4120355914"/>
       </p:ext>
     </p:extLst>
   </p:cSld>
@@ -7748,7 +9971,7 @@
                 <a:ea typeface="Times New Roman" panose="02020603050405020304" pitchFamily="18" charset="0"/>
                 <a:cs typeface="Times New Roman" panose="02020603050405020304" pitchFamily="18" charset="0"/>
               </a:rPr>
-              <a:t>Verileri veri madenciliği ile anlamlandırmak ve sonuçları sınıflandırmak</a:t>
+              <a:t>Verileri temizleyip sınıflandırmak</a:t>
             </a:r>
             <a:endParaRPr lang="en-US" sz="1800" dirty="0">
               <a:effectLst/>
@@ -7869,7 +10092,7 @@
         </p:blipFill>
         <p:spPr bwMode="auto">
           <a:xfrm>
-            <a:off x="681037" y="3657600"/>
+            <a:off x="946508" y="3655372"/>
             <a:ext cx="7605591" cy="2165402"/>
           </a:xfrm>
           <a:prstGeom prst="rect">
@@ -7896,6 +10119,439 @@
   <p:clrMapOvr>
     <a:masterClrMapping/>
   </p:clrMapOvr>
+  <p:timing>
+    <p:tnLst>
+      <p:par>
+        <p:cTn id="1" dur="indefinite" restart="never" nodeType="tmRoot">
+          <p:childTnLst>
+            <p:seq concurrent="1" nextAc="seek">
+              <p:cTn id="2" dur="indefinite" nodeType="mainSeq">
+                <p:childTnLst>
+                  <p:par>
+                    <p:cTn id="3" fill="hold">
+                      <p:stCondLst>
+                        <p:cond delay="indefinite"/>
+                      </p:stCondLst>
+                      <p:childTnLst>
+                        <p:par>
+                          <p:cTn id="4" fill="hold">
+                            <p:stCondLst>
+                              <p:cond delay="0"/>
+                            </p:stCondLst>
+                            <p:childTnLst>
+                              <p:par>
+                                <p:cTn id="5" presetID="2" presetClass="entr" presetSubtype="4" fill="hold" grpId="0" nodeType="clickEffect">
+                                  <p:stCondLst>
+                                    <p:cond delay="0"/>
+                                  </p:stCondLst>
+                                  <p:childTnLst>
+                                    <p:set>
+                                      <p:cBhvr>
+                                        <p:cTn id="6" dur="1" fill="hold">
+                                          <p:stCondLst>
+                                            <p:cond delay="0"/>
+                                          </p:stCondLst>
+                                        </p:cTn>
+                                        <p:tgtEl>
+                                          <p:spTgt spid="3">
+                                            <p:txEl>
+                                              <p:pRg st="0" end="0"/>
+                                            </p:txEl>
+                                          </p:spTgt>
+                                        </p:tgtEl>
+                                        <p:attrNameLst>
+                                          <p:attrName>style.visibility</p:attrName>
+                                        </p:attrNameLst>
+                                      </p:cBhvr>
+                                      <p:to>
+                                        <p:strVal val="visible"/>
+                                      </p:to>
+                                    </p:set>
+                                    <p:anim calcmode="lin" valueType="num">
+                                      <p:cBhvr additive="base">
+                                        <p:cTn id="7" dur="500" fill="hold"/>
+                                        <p:tgtEl>
+                                          <p:spTgt spid="3">
+                                            <p:txEl>
+                                              <p:pRg st="0" end="0"/>
+                                            </p:txEl>
+                                          </p:spTgt>
+                                        </p:tgtEl>
+                                        <p:attrNameLst>
+                                          <p:attrName>ppt_x</p:attrName>
+                                        </p:attrNameLst>
+                                      </p:cBhvr>
+                                      <p:tavLst>
+                                        <p:tav tm="0">
+                                          <p:val>
+                                            <p:strVal val="#ppt_x"/>
+                                          </p:val>
+                                        </p:tav>
+                                        <p:tav tm="100000">
+                                          <p:val>
+                                            <p:strVal val="#ppt_x"/>
+                                          </p:val>
+                                        </p:tav>
+                                      </p:tavLst>
+                                    </p:anim>
+                                    <p:anim calcmode="lin" valueType="num">
+                                      <p:cBhvr additive="base">
+                                        <p:cTn id="8" dur="500" fill="hold"/>
+                                        <p:tgtEl>
+                                          <p:spTgt spid="3">
+                                            <p:txEl>
+                                              <p:pRg st="0" end="0"/>
+                                            </p:txEl>
+                                          </p:spTgt>
+                                        </p:tgtEl>
+                                        <p:attrNameLst>
+                                          <p:attrName>ppt_y</p:attrName>
+                                        </p:attrNameLst>
+                                      </p:cBhvr>
+                                      <p:tavLst>
+                                        <p:tav tm="0">
+                                          <p:val>
+                                            <p:strVal val="1+#ppt_h/2"/>
+                                          </p:val>
+                                        </p:tav>
+                                        <p:tav tm="100000">
+                                          <p:val>
+                                            <p:strVal val="#ppt_y"/>
+                                          </p:val>
+                                        </p:tav>
+                                      </p:tavLst>
+                                    </p:anim>
+                                  </p:childTnLst>
+                                </p:cTn>
+                              </p:par>
+                            </p:childTnLst>
+                          </p:cTn>
+                        </p:par>
+                      </p:childTnLst>
+                    </p:cTn>
+                  </p:par>
+                  <p:par>
+                    <p:cTn id="9" fill="hold">
+                      <p:stCondLst>
+                        <p:cond delay="indefinite"/>
+                      </p:stCondLst>
+                      <p:childTnLst>
+                        <p:par>
+                          <p:cTn id="10" fill="hold">
+                            <p:stCondLst>
+                              <p:cond delay="0"/>
+                            </p:stCondLst>
+                            <p:childTnLst>
+                              <p:par>
+                                <p:cTn id="11" presetID="2" presetClass="entr" presetSubtype="4" fill="hold" grpId="0" nodeType="clickEffect">
+                                  <p:stCondLst>
+                                    <p:cond delay="0"/>
+                                  </p:stCondLst>
+                                  <p:childTnLst>
+                                    <p:set>
+                                      <p:cBhvr>
+                                        <p:cTn id="12" dur="1" fill="hold">
+                                          <p:stCondLst>
+                                            <p:cond delay="0"/>
+                                          </p:stCondLst>
+                                        </p:cTn>
+                                        <p:tgtEl>
+                                          <p:spTgt spid="3">
+                                            <p:txEl>
+                                              <p:pRg st="1" end="1"/>
+                                            </p:txEl>
+                                          </p:spTgt>
+                                        </p:tgtEl>
+                                        <p:attrNameLst>
+                                          <p:attrName>style.visibility</p:attrName>
+                                        </p:attrNameLst>
+                                      </p:cBhvr>
+                                      <p:to>
+                                        <p:strVal val="visible"/>
+                                      </p:to>
+                                    </p:set>
+                                    <p:anim calcmode="lin" valueType="num">
+                                      <p:cBhvr additive="base">
+                                        <p:cTn id="13" dur="500" fill="hold"/>
+                                        <p:tgtEl>
+                                          <p:spTgt spid="3">
+                                            <p:txEl>
+                                              <p:pRg st="1" end="1"/>
+                                            </p:txEl>
+                                          </p:spTgt>
+                                        </p:tgtEl>
+                                        <p:attrNameLst>
+                                          <p:attrName>ppt_x</p:attrName>
+                                        </p:attrNameLst>
+                                      </p:cBhvr>
+                                      <p:tavLst>
+                                        <p:tav tm="0">
+                                          <p:val>
+                                            <p:strVal val="#ppt_x"/>
+                                          </p:val>
+                                        </p:tav>
+                                        <p:tav tm="100000">
+                                          <p:val>
+                                            <p:strVal val="#ppt_x"/>
+                                          </p:val>
+                                        </p:tav>
+                                      </p:tavLst>
+                                    </p:anim>
+                                    <p:anim calcmode="lin" valueType="num">
+                                      <p:cBhvr additive="base">
+                                        <p:cTn id="14" dur="500" fill="hold"/>
+                                        <p:tgtEl>
+                                          <p:spTgt spid="3">
+                                            <p:txEl>
+                                              <p:pRg st="1" end="1"/>
+                                            </p:txEl>
+                                          </p:spTgt>
+                                        </p:tgtEl>
+                                        <p:attrNameLst>
+                                          <p:attrName>ppt_y</p:attrName>
+                                        </p:attrNameLst>
+                                      </p:cBhvr>
+                                      <p:tavLst>
+                                        <p:tav tm="0">
+                                          <p:val>
+                                            <p:strVal val="1+#ppt_h/2"/>
+                                          </p:val>
+                                        </p:tav>
+                                        <p:tav tm="100000">
+                                          <p:val>
+                                            <p:strVal val="#ppt_y"/>
+                                          </p:val>
+                                        </p:tav>
+                                      </p:tavLst>
+                                    </p:anim>
+                                  </p:childTnLst>
+                                </p:cTn>
+                              </p:par>
+                            </p:childTnLst>
+                          </p:cTn>
+                        </p:par>
+                      </p:childTnLst>
+                    </p:cTn>
+                  </p:par>
+                  <p:par>
+                    <p:cTn id="15" fill="hold">
+                      <p:stCondLst>
+                        <p:cond delay="indefinite"/>
+                      </p:stCondLst>
+                      <p:childTnLst>
+                        <p:par>
+                          <p:cTn id="16" fill="hold">
+                            <p:stCondLst>
+                              <p:cond delay="0"/>
+                            </p:stCondLst>
+                            <p:childTnLst>
+                              <p:par>
+                                <p:cTn id="17" presetID="2" presetClass="entr" presetSubtype="4" fill="hold" grpId="0" nodeType="clickEffect">
+                                  <p:stCondLst>
+                                    <p:cond delay="0"/>
+                                  </p:stCondLst>
+                                  <p:childTnLst>
+                                    <p:set>
+                                      <p:cBhvr>
+                                        <p:cTn id="18" dur="1" fill="hold">
+                                          <p:stCondLst>
+                                            <p:cond delay="0"/>
+                                          </p:stCondLst>
+                                        </p:cTn>
+                                        <p:tgtEl>
+                                          <p:spTgt spid="3">
+                                            <p:txEl>
+                                              <p:pRg st="2" end="2"/>
+                                            </p:txEl>
+                                          </p:spTgt>
+                                        </p:tgtEl>
+                                        <p:attrNameLst>
+                                          <p:attrName>style.visibility</p:attrName>
+                                        </p:attrNameLst>
+                                      </p:cBhvr>
+                                      <p:to>
+                                        <p:strVal val="visible"/>
+                                      </p:to>
+                                    </p:set>
+                                    <p:anim calcmode="lin" valueType="num">
+                                      <p:cBhvr additive="base">
+                                        <p:cTn id="19" dur="500" fill="hold"/>
+                                        <p:tgtEl>
+                                          <p:spTgt spid="3">
+                                            <p:txEl>
+                                              <p:pRg st="2" end="2"/>
+                                            </p:txEl>
+                                          </p:spTgt>
+                                        </p:tgtEl>
+                                        <p:attrNameLst>
+                                          <p:attrName>ppt_x</p:attrName>
+                                        </p:attrNameLst>
+                                      </p:cBhvr>
+                                      <p:tavLst>
+                                        <p:tav tm="0">
+                                          <p:val>
+                                            <p:strVal val="#ppt_x"/>
+                                          </p:val>
+                                        </p:tav>
+                                        <p:tav tm="100000">
+                                          <p:val>
+                                            <p:strVal val="#ppt_x"/>
+                                          </p:val>
+                                        </p:tav>
+                                      </p:tavLst>
+                                    </p:anim>
+                                    <p:anim calcmode="lin" valueType="num">
+                                      <p:cBhvr additive="base">
+                                        <p:cTn id="20" dur="500" fill="hold"/>
+                                        <p:tgtEl>
+                                          <p:spTgt spid="3">
+                                            <p:txEl>
+                                              <p:pRg st="2" end="2"/>
+                                            </p:txEl>
+                                          </p:spTgt>
+                                        </p:tgtEl>
+                                        <p:attrNameLst>
+                                          <p:attrName>ppt_y</p:attrName>
+                                        </p:attrNameLst>
+                                      </p:cBhvr>
+                                      <p:tavLst>
+                                        <p:tav tm="0">
+                                          <p:val>
+                                            <p:strVal val="1+#ppt_h/2"/>
+                                          </p:val>
+                                        </p:tav>
+                                        <p:tav tm="100000">
+                                          <p:val>
+                                            <p:strVal val="#ppt_y"/>
+                                          </p:val>
+                                        </p:tav>
+                                      </p:tavLst>
+                                    </p:anim>
+                                  </p:childTnLst>
+                                </p:cTn>
+                              </p:par>
+                            </p:childTnLst>
+                          </p:cTn>
+                        </p:par>
+                      </p:childTnLst>
+                    </p:cTn>
+                  </p:par>
+                  <p:par>
+                    <p:cTn id="21" fill="hold">
+                      <p:stCondLst>
+                        <p:cond delay="indefinite"/>
+                      </p:stCondLst>
+                      <p:childTnLst>
+                        <p:par>
+                          <p:cTn id="22" fill="hold">
+                            <p:stCondLst>
+                              <p:cond delay="0"/>
+                            </p:stCondLst>
+                            <p:childTnLst>
+                              <p:par>
+                                <p:cTn id="23" presetID="2" presetClass="entr" presetSubtype="4" fill="hold" nodeType="clickEffect">
+                                  <p:stCondLst>
+                                    <p:cond delay="0"/>
+                                  </p:stCondLst>
+                                  <p:childTnLst>
+                                    <p:set>
+                                      <p:cBhvr>
+                                        <p:cTn id="24" dur="1" fill="hold">
+                                          <p:stCondLst>
+                                            <p:cond delay="0"/>
+                                          </p:stCondLst>
+                                        </p:cTn>
+                                        <p:tgtEl>
+                                          <p:spTgt spid="5"/>
+                                        </p:tgtEl>
+                                        <p:attrNameLst>
+                                          <p:attrName>style.visibility</p:attrName>
+                                        </p:attrNameLst>
+                                      </p:cBhvr>
+                                      <p:to>
+                                        <p:strVal val="visible"/>
+                                      </p:to>
+                                    </p:set>
+                                    <p:anim calcmode="lin" valueType="num">
+                                      <p:cBhvr additive="base">
+                                        <p:cTn id="25" dur="500" fill="hold"/>
+                                        <p:tgtEl>
+                                          <p:spTgt spid="5"/>
+                                        </p:tgtEl>
+                                        <p:attrNameLst>
+                                          <p:attrName>ppt_x</p:attrName>
+                                        </p:attrNameLst>
+                                      </p:cBhvr>
+                                      <p:tavLst>
+                                        <p:tav tm="0">
+                                          <p:val>
+                                            <p:strVal val="#ppt_x"/>
+                                          </p:val>
+                                        </p:tav>
+                                        <p:tav tm="100000">
+                                          <p:val>
+                                            <p:strVal val="#ppt_x"/>
+                                          </p:val>
+                                        </p:tav>
+                                      </p:tavLst>
+                                    </p:anim>
+                                    <p:anim calcmode="lin" valueType="num">
+                                      <p:cBhvr additive="base">
+                                        <p:cTn id="26" dur="500" fill="hold"/>
+                                        <p:tgtEl>
+                                          <p:spTgt spid="5"/>
+                                        </p:tgtEl>
+                                        <p:attrNameLst>
+                                          <p:attrName>ppt_y</p:attrName>
+                                        </p:attrNameLst>
+                                      </p:cBhvr>
+                                      <p:tavLst>
+                                        <p:tav tm="0">
+                                          <p:val>
+                                            <p:strVal val="1+#ppt_h/2"/>
+                                          </p:val>
+                                        </p:tav>
+                                        <p:tav tm="100000">
+                                          <p:val>
+                                            <p:strVal val="#ppt_y"/>
+                                          </p:val>
+                                        </p:tav>
+                                      </p:tavLst>
+                                    </p:anim>
+                                  </p:childTnLst>
+                                </p:cTn>
+                              </p:par>
+                            </p:childTnLst>
+                          </p:cTn>
+                        </p:par>
+                      </p:childTnLst>
+                    </p:cTn>
+                  </p:par>
+                </p:childTnLst>
+              </p:cTn>
+              <p:prevCondLst>
+                <p:cond evt="onPrev" delay="0">
+                  <p:tgtEl>
+                    <p:sldTgt/>
+                  </p:tgtEl>
+                </p:cond>
+              </p:prevCondLst>
+              <p:nextCondLst>
+                <p:cond evt="onNext" delay="0">
+                  <p:tgtEl>
+                    <p:sldTgt/>
+                  </p:tgtEl>
+                </p:cond>
+              </p:nextCondLst>
+            </p:seq>
+          </p:childTnLst>
+        </p:cTn>
+      </p:par>
+    </p:tnLst>
+    <p:bldLst>
+      <p:bldP spid="3" grpId="0" build="p"/>
+    </p:bldLst>
+  </p:timing>
 </p:sld>
 </file>
 
@@ -8103,6 +10759,524 @@
   <p:clrMapOvr>
     <a:masterClrMapping/>
   </p:clrMapOvr>
+  <p:timing>
+    <p:tnLst>
+      <p:par>
+        <p:cTn id="1" dur="indefinite" restart="never" nodeType="tmRoot">
+          <p:childTnLst>
+            <p:seq concurrent="1" nextAc="seek">
+              <p:cTn id="2" dur="indefinite" nodeType="mainSeq">
+                <p:childTnLst>
+                  <p:par>
+                    <p:cTn id="3" fill="hold">
+                      <p:stCondLst>
+                        <p:cond delay="indefinite"/>
+                      </p:stCondLst>
+                      <p:childTnLst>
+                        <p:par>
+                          <p:cTn id="4" fill="hold">
+                            <p:stCondLst>
+                              <p:cond delay="0"/>
+                            </p:stCondLst>
+                            <p:childTnLst>
+                              <p:par>
+                                <p:cTn id="5" presetID="2" presetClass="entr" presetSubtype="4" fill="hold" grpId="0" nodeType="clickEffect">
+                                  <p:stCondLst>
+                                    <p:cond delay="0"/>
+                                  </p:stCondLst>
+                                  <p:childTnLst>
+                                    <p:set>
+                                      <p:cBhvr>
+                                        <p:cTn id="6" dur="1" fill="hold">
+                                          <p:stCondLst>
+                                            <p:cond delay="0"/>
+                                          </p:stCondLst>
+                                        </p:cTn>
+                                        <p:tgtEl>
+                                          <p:spTgt spid="3">
+                                            <p:txEl>
+                                              <p:pRg st="0" end="0"/>
+                                            </p:txEl>
+                                          </p:spTgt>
+                                        </p:tgtEl>
+                                        <p:attrNameLst>
+                                          <p:attrName>style.visibility</p:attrName>
+                                        </p:attrNameLst>
+                                      </p:cBhvr>
+                                      <p:to>
+                                        <p:strVal val="visible"/>
+                                      </p:to>
+                                    </p:set>
+                                    <p:anim calcmode="lin" valueType="num">
+                                      <p:cBhvr additive="base">
+                                        <p:cTn id="7" dur="500" fill="hold"/>
+                                        <p:tgtEl>
+                                          <p:spTgt spid="3">
+                                            <p:txEl>
+                                              <p:pRg st="0" end="0"/>
+                                            </p:txEl>
+                                          </p:spTgt>
+                                        </p:tgtEl>
+                                        <p:attrNameLst>
+                                          <p:attrName>ppt_x</p:attrName>
+                                        </p:attrNameLst>
+                                      </p:cBhvr>
+                                      <p:tavLst>
+                                        <p:tav tm="0">
+                                          <p:val>
+                                            <p:strVal val="#ppt_x"/>
+                                          </p:val>
+                                        </p:tav>
+                                        <p:tav tm="100000">
+                                          <p:val>
+                                            <p:strVal val="#ppt_x"/>
+                                          </p:val>
+                                        </p:tav>
+                                      </p:tavLst>
+                                    </p:anim>
+                                    <p:anim calcmode="lin" valueType="num">
+                                      <p:cBhvr additive="base">
+                                        <p:cTn id="8" dur="500" fill="hold"/>
+                                        <p:tgtEl>
+                                          <p:spTgt spid="3">
+                                            <p:txEl>
+                                              <p:pRg st="0" end="0"/>
+                                            </p:txEl>
+                                          </p:spTgt>
+                                        </p:tgtEl>
+                                        <p:attrNameLst>
+                                          <p:attrName>ppt_y</p:attrName>
+                                        </p:attrNameLst>
+                                      </p:cBhvr>
+                                      <p:tavLst>
+                                        <p:tav tm="0">
+                                          <p:val>
+                                            <p:strVal val="1+#ppt_h/2"/>
+                                          </p:val>
+                                        </p:tav>
+                                        <p:tav tm="100000">
+                                          <p:val>
+                                            <p:strVal val="#ppt_y"/>
+                                          </p:val>
+                                        </p:tav>
+                                      </p:tavLst>
+                                    </p:anim>
+                                  </p:childTnLst>
+                                </p:cTn>
+                              </p:par>
+                            </p:childTnLst>
+                          </p:cTn>
+                        </p:par>
+                      </p:childTnLst>
+                    </p:cTn>
+                  </p:par>
+                  <p:par>
+                    <p:cTn id="9" fill="hold">
+                      <p:stCondLst>
+                        <p:cond delay="indefinite"/>
+                      </p:stCondLst>
+                      <p:childTnLst>
+                        <p:par>
+                          <p:cTn id="10" fill="hold">
+                            <p:stCondLst>
+                              <p:cond delay="0"/>
+                            </p:stCondLst>
+                            <p:childTnLst>
+                              <p:par>
+                                <p:cTn id="11" presetID="2" presetClass="entr" presetSubtype="4" fill="hold" grpId="0" nodeType="clickEffect">
+                                  <p:stCondLst>
+                                    <p:cond delay="0"/>
+                                  </p:stCondLst>
+                                  <p:childTnLst>
+                                    <p:set>
+                                      <p:cBhvr>
+                                        <p:cTn id="12" dur="1" fill="hold">
+                                          <p:stCondLst>
+                                            <p:cond delay="0"/>
+                                          </p:stCondLst>
+                                        </p:cTn>
+                                        <p:tgtEl>
+                                          <p:spTgt spid="3">
+                                            <p:txEl>
+                                              <p:pRg st="1" end="1"/>
+                                            </p:txEl>
+                                          </p:spTgt>
+                                        </p:tgtEl>
+                                        <p:attrNameLst>
+                                          <p:attrName>style.visibility</p:attrName>
+                                        </p:attrNameLst>
+                                      </p:cBhvr>
+                                      <p:to>
+                                        <p:strVal val="visible"/>
+                                      </p:to>
+                                    </p:set>
+                                    <p:anim calcmode="lin" valueType="num">
+                                      <p:cBhvr additive="base">
+                                        <p:cTn id="13" dur="500" fill="hold"/>
+                                        <p:tgtEl>
+                                          <p:spTgt spid="3">
+                                            <p:txEl>
+                                              <p:pRg st="1" end="1"/>
+                                            </p:txEl>
+                                          </p:spTgt>
+                                        </p:tgtEl>
+                                        <p:attrNameLst>
+                                          <p:attrName>ppt_x</p:attrName>
+                                        </p:attrNameLst>
+                                      </p:cBhvr>
+                                      <p:tavLst>
+                                        <p:tav tm="0">
+                                          <p:val>
+                                            <p:strVal val="#ppt_x"/>
+                                          </p:val>
+                                        </p:tav>
+                                        <p:tav tm="100000">
+                                          <p:val>
+                                            <p:strVal val="#ppt_x"/>
+                                          </p:val>
+                                        </p:tav>
+                                      </p:tavLst>
+                                    </p:anim>
+                                    <p:anim calcmode="lin" valueType="num">
+                                      <p:cBhvr additive="base">
+                                        <p:cTn id="14" dur="500" fill="hold"/>
+                                        <p:tgtEl>
+                                          <p:spTgt spid="3">
+                                            <p:txEl>
+                                              <p:pRg st="1" end="1"/>
+                                            </p:txEl>
+                                          </p:spTgt>
+                                        </p:tgtEl>
+                                        <p:attrNameLst>
+                                          <p:attrName>ppt_y</p:attrName>
+                                        </p:attrNameLst>
+                                      </p:cBhvr>
+                                      <p:tavLst>
+                                        <p:tav tm="0">
+                                          <p:val>
+                                            <p:strVal val="1+#ppt_h/2"/>
+                                          </p:val>
+                                        </p:tav>
+                                        <p:tav tm="100000">
+                                          <p:val>
+                                            <p:strVal val="#ppt_y"/>
+                                          </p:val>
+                                        </p:tav>
+                                      </p:tavLst>
+                                    </p:anim>
+                                  </p:childTnLst>
+                                </p:cTn>
+                              </p:par>
+                            </p:childTnLst>
+                          </p:cTn>
+                        </p:par>
+                      </p:childTnLst>
+                    </p:cTn>
+                  </p:par>
+                  <p:par>
+                    <p:cTn id="15" fill="hold">
+                      <p:stCondLst>
+                        <p:cond delay="indefinite"/>
+                      </p:stCondLst>
+                      <p:childTnLst>
+                        <p:par>
+                          <p:cTn id="16" fill="hold">
+                            <p:stCondLst>
+                              <p:cond delay="0"/>
+                            </p:stCondLst>
+                            <p:childTnLst>
+                              <p:par>
+                                <p:cTn id="17" presetID="2" presetClass="entr" presetSubtype="4" fill="hold" grpId="0" nodeType="clickEffect">
+                                  <p:stCondLst>
+                                    <p:cond delay="0"/>
+                                  </p:stCondLst>
+                                  <p:childTnLst>
+                                    <p:set>
+                                      <p:cBhvr>
+                                        <p:cTn id="18" dur="1" fill="hold">
+                                          <p:stCondLst>
+                                            <p:cond delay="0"/>
+                                          </p:stCondLst>
+                                        </p:cTn>
+                                        <p:tgtEl>
+                                          <p:spTgt spid="3">
+                                            <p:txEl>
+                                              <p:pRg st="2" end="2"/>
+                                            </p:txEl>
+                                          </p:spTgt>
+                                        </p:tgtEl>
+                                        <p:attrNameLst>
+                                          <p:attrName>style.visibility</p:attrName>
+                                        </p:attrNameLst>
+                                      </p:cBhvr>
+                                      <p:to>
+                                        <p:strVal val="visible"/>
+                                      </p:to>
+                                    </p:set>
+                                    <p:anim calcmode="lin" valueType="num">
+                                      <p:cBhvr additive="base">
+                                        <p:cTn id="19" dur="500" fill="hold"/>
+                                        <p:tgtEl>
+                                          <p:spTgt spid="3">
+                                            <p:txEl>
+                                              <p:pRg st="2" end="2"/>
+                                            </p:txEl>
+                                          </p:spTgt>
+                                        </p:tgtEl>
+                                        <p:attrNameLst>
+                                          <p:attrName>ppt_x</p:attrName>
+                                        </p:attrNameLst>
+                                      </p:cBhvr>
+                                      <p:tavLst>
+                                        <p:tav tm="0">
+                                          <p:val>
+                                            <p:strVal val="#ppt_x"/>
+                                          </p:val>
+                                        </p:tav>
+                                        <p:tav tm="100000">
+                                          <p:val>
+                                            <p:strVal val="#ppt_x"/>
+                                          </p:val>
+                                        </p:tav>
+                                      </p:tavLst>
+                                    </p:anim>
+                                    <p:anim calcmode="lin" valueType="num">
+                                      <p:cBhvr additive="base">
+                                        <p:cTn id="20" dur="500" fill="hold"/>
+                                        <p:tgtEl>
+                                          <p:spTgt spid="3">
+                                            <p:txEl>
+                                              <p:pRg st="2" end="2"/>
+                                            </p:txEl>
+                                          </p:spTgt>
+                                        </p:tgtEl>
+                                        <p:attrNameLst>
+                                          <p:attrName>ppt_y</p:attrName>
+                                        </p:attrNameLst>
+                                      </p:cBhvr>
+                                      <p:tavLst>
+                                        <p:tav tm="0">
+                                          <p:val>
+                                            <p:strVal val="1+#ppt_h/2"/>
+                                          </p:val>
+                                        </p:tav>
+                                        <p:tav tm="100000">
+                                          <p:val>
+                                            <p:strVal val="#ppt_y"/>
+                                          </p:val>
+                                        </p:tav>
+                                      </p:tavLst>
+                                    </p:anim>
+                                  </p:childTnLst>
+                                </p:cTn>
+                              </p:par>
+                            </p:childTnLst>
+                          </p:cTn>
+                        </p:par>
+                      </p:childTnLst>
+                    </p:cTn>
+                  </p:par>
+                  <p:par>
+                    <p:cTn id="21" fill="hold">
+                      <p:stCondLst>
+                        <p:cond delay="indefinite"/>
+                      </p:stCondLst>
+                      <p:childTnLst>
+                        <p:par>
+                          <p:cTn id="22" fill="hold">
+                            <p:stCondLst>
+                              <p:cond delay="0"/>
+                            </p:stCondLst>
+                            <p:childTnLst>
+                              <p:par>
+                                <p:cTn id="23" presetID="2" presetClass="entr" presetSubtype="4" fill="hold" grpId="0" nodeType="clickEffect">
+                                  <p:stCondLst>
+                                    <p:cond delay="0"/>
+                                  </p:stCondLst>
+                                  <p:childTnLst>
+                                    <p:set>
+                                      <p:cBhvr>
+                                        <p:cTn id="24" dur="1" fill="hold">
+                                          <p:stCondLst>
+                                            <p:cond delay="0"/>
+                                          </p:stCondLst>
+                                        </p:cTn>
+                                        <p:tgtEl>
+                                          <p:spTgt spid="3">
+                                            <p:txEl>
+                                              <p:pRg st="3" end="3"/>
+                                            </p:txEl>
+                                          </p:spTgt>
+                                        </p:tgtEl>
+                                        <p:attrNameLst>
+                                          <p:attrName>style.visibility</p:attrName>
+                                        </p:attrNameLst>
+                                      </p:cBhvr>
+                                      <p:to>
+                                        <p:strVal val="visible"/>
+                                      </p:to>
+                                    </p:set>
+                                    <p:anim calcmode="lin" valueType="num">
+                                      <p:cBhvr additive="base">
+                                        <p:cTn id="25" dur="500" fill="hold"/>
+                                        <p:tgtEl>
+                                          <p:spTgt spid="3">
+                                            <p:txEl>
+                                              <p:pRg st="3" end="3"/>
+                                            </p:txEl>
+                                          </p:spTgt>
+                                        </p:tgtEl>
+                                        <p:attrNameLst>
+                                          <p:attrName>ppt_x</p:attrName>
+                                        </p:attrNameLst>
+                                      </p:cBhvr>
+                                      <p:tavLst>
+                                        <p:tav tm="0">
+                                          <p:val>
+                                            <p:strVal val="#ppt_x"/>
+                                          </p:val>
+                                        </p:tav>
+                                        <p:tav tm="100000">
+                                          <p:val>
+                                            <p:strVal val="#ppt_x"/>
+                                          </p:val>
+                                        </p:tav>
+                                      </p:tavLst>
+                                    </p:anim>
+                                    <p:anim calcmode="lin" valueType="num">
+                                      <p:cBhvr additive="base">
+                                        <p:cTn id="26" dur="500" fill="hold"/>
+                                        <p:tgtEl>
+                                          <p:spTgt spid="3">
+                                            <p:txEl>
+                                              <p:pRg st="3" end="3"/>
+                                            </p:txEl>
+                                          </p:spTgt>
+                                        </p:tgtEl>
+                                        <p:attrNameLst>
+                                          <p:attrName>ppt_y</p:attrName>
+                                        </p:attrNameLst>
+                                      </p:cBhvr>
+                                      <p:tavLst>
+                                        <p:tav tm="0">
+                                          <p:val>
+                                            <p:strVal val="1+#ppt_h/2"/>
+                                          </p:val>
+                                        </p:tav>
+                                        <p:tav tm="100000">
+                                          <p:val>
+                                            <p:strVal val="#ppt_y"/>
+                                          </p:val>
+                                        </p:tav>
+                                      </p:tavLst>
+                                    </p:anim>
+                                  </p:childTnLst>
+                                </p:cTn>
+                              </p:par>
+                              <p:par>
+                                <p:cTn id="27" presetID="2" presetClass="entr" presetSubtype="4" fill="hold" nodeType="withEffect">
+                                  <p:stCondLst>
+                                    <p:cond delay="0"/>
+                                  </p:stCondLst>
+                                  <p:childTnLst>
+                                    <p:set>
+                                      <p:cBhvr>
+                                        <p:cTn id="28" dur="1" fill="hold">
+                                          <p:stCondLst>
+                                            <p:cond delay="0"/>
+                                          </p:stCondLst>
+                                        </p:cTn>
+                                        <p:tgtEl>
+                                          <p:spTgt spid="4"/>
+                                        </p:tgtEl>
+                                        <p:attrNameLst>
+                                          <p:attrName>style.visibility</p:attrName>
+                                        </p:attrNameLst>
+                                      </p:cBhvr>
+                                      <p:to>
+                                        <p:strVal val="visible"/>
+                                      </p:to>
+                                    </p:set>
+                                    <p:anim calcmode="lin" valueType="num">
+                                      <p:cBhvr additive="base">
+                                        <p:cTn id="29" dur="500" fill="hold"/>
+                                        <p:tgtEl>
+                                          <p:spTgt spid="4"/>
+                                        </p:tgtEl>
+                                        <p:attrNameLst>
+                                          <p:attrName>ppt_x</p:attrName>
+                                        </p:attrNameLst>
+                                      </p:cBhvr>
+                                      <p:tavLst>
+                                        <p:tav tm="0">
+                                          <p:val>
+                                            <p:strVal val="#ppt_x"/>
+                                          </p:val>
+                                        </p:tav>
+                                        <p:tav tm="100000">
+                                          <p:val>
+                                            <p:strVal val="#ppt_x"/>
+                                          </p:val>
+                                        </p:tav>
+                                      </p:tavLst>
+                                    </p:anim>
+                                    <p:anim calcmode="lin" valueType="num">
+                                      <p:cBhvr additive="base">
+                                        <p:cTn id="30" dur="500" fill="hold"/>
+                                        <p:tgtEl>
+                                          <p:spTgt spid="4"/>
+                                        </p:tgtEl>
+                                        <p:attrNameLst>
+                                          <p:attrName>ppt_y</p:attrName>
+                                        </p:attrNameLst>
+                                      </p:cBhvr>
+                                      <p:tavLst>
+                                        <p:tav tm="0">
+                                          <p:val>
+                                            <p:strVal val="1+#ppt_h/2"/>
+                                          </p:val>
+                                        </p:tav>
+                                        <p:tav tm="100000">
+                                          <p:val>
+                                            <p:strVal val="#ppt_y"/>
+                                          </p:val>
+                                        </p:tav>
+                                      </p:tavLst>
+                                    </p:anim>
+                                  </p:childTnLst>
+                                </p:cTn>
+                              </p:par>
+                            </p:childTnLst>
+                          </p:cTn>
+                        </p:par>
+                      </p:childTnLst>
+                    </p:cTn>
+                  </p:par>
+                </p:childTnLst>
+              </p:cTn>
+              <p:prevCondLst>
+                <p:cond evt="onPrev" delay="0">
+                  <p:tgtEl>
+                    <p:sldTgt/>
+                  </p:tgtEl>
+                </p:cond>
+              </p:prevCondLst>
+              <p:nextCondLst>
+                <p:cond evt="onNext" delay="0">
+                  <p:tgtEl>
+                    <p:sldTgt/>
+                  </p:tgtEl>
+                </p:cond>
+              </p:nextCondLst>
+            </p:seq>
+          </p:childTnLst>
+        </p:cTn>
+      </p:par>
+    </p:tnLst>
+    <p:bldLst>
+      <p:bldP spid="3" grpId="0" build="p"/>
+    </p:bldLst>
+  </p:timing>
 </p:sld>
 </file>
 
@@ -8262,7 +11436,7 @@
                 <a:latin typeface="Arial" panose="020B0604020202020204" pitchFamily="34" charset="0"/>
                 <a:cs typeface="Arial" panose="020B0604020202020204" pitchFamily="34" charset="0"/>
               </a:rPr>
-              <a:t>Bağlantı bilgi g</a:t>
+              <a:t>API anahtarları g</a:t>
             </a:r>
             <a:r>
               <a:rPr lang="tr-TR" dirty="0"/>
@@ -8272,7 +11446,7 @@
           <a:p>
             <a:r>
               <a:rPr lang="tr-TR" dirty="0"/>
-              <a:t>Daha doğru sonuçlar için ön işleme</a:t>
+              <a:t>Daha doğru sonuçlar için çeşitli adımlar</a:t>
             </a:r>
           </a:p>
           <a:p>
@@ -8343,6 +11517,1074 @@
   <p:clrMapOvr>
     <a:masterClrMapping/>
   </p:clrMapOvr>
+  <p:timing>
+    <p:tnLst>
+      <p:par>
+        <p:cTn id="1" dur="indefinite" restart="never" nodeType="tmRoot">
+          <p:childTnLst>
+            <p:seq concurrent="1" nextAc="seek">
+              <p:cTn id="2" dur="indefinite" nodeType="mainSeq">
+                <p:childTnLst>
+                  <p:par>
+                    <p:cTn id="3" fill="hold">
+                      <p:stCondLst>
+                        <p:cond delay="indefinite"/>
+                      </p:stCondLst>
+                      <p:childTnLst>
+                        <p:par>
+                          <p:cTn id="4" fill="hold">
+                            <p:stCondLst>
+                              <p:cond delay="0"/>
+                            </p:stCondLst>
+                            <p:childTnLst>
+                              <p:par>
+                                <p:cTn id="5" presetID="42" presetClass="entr" presetSubtype="0" fill="hold" grpId="0" nodeType="clickEffect">
+                                  <p:stCondLst>
+                                    <p:cond delay="0"/>
+                                  </p:stCondLst>
+                                  <p:childTnLst>
+                                    <p:set>
+                                      <p:cBhvr>
+                                        <p:cTn id="6" dur="1" fill="hold">
+                                          <p:stCondLst>
+                                            <p:cond delay="0"/>
+                                          </p:stCondLst>
+                                        </p:cTn>
+                                        <p:tgtEl>
+                                          <p:spTgt spid="3">
+                                            <p:txEl>
+                                              <p:pRg st="0" end="0"/>
+                                            </p:txEl>
+                                          </p:spTgt>
+                                        </p:tgtEl>
+                                        <p:attrNameLst>
+                                          <p:attrName>style.visibility</p:attrName>
+                                        </p:attrNameLst>
+                                      </p:cBhvr>
+                                      <p:to>
+                                        <p:strVal val="visible"/>
+                                      </p:to>
+                                    </p:set>
+                                    <p:animEffect transition="in" filter="fade">
+                                      <p:cBhvr>
+                                        <p:cTn id="7" dur="1000"/>
+                                        <p:tgtEl>
+                                          <p:spTgt spid="3">
+                                            <p:txEl>
+                                              <p:pRg st="0" end="0"/>
+                                            </p:txEl>
+                                          </p:spTgt>
+                                        </p:tgtEl>
+                                      </p:cBhvr>
+                                    </p:animEffect>
+                                    <p:anim calcmode="lin" valueType="num">
+                                      <p:cBhvr>
+                                        <p:cTn id="8" dur="1000" fill="hold"/>
+                                        <p:tgtEl>
+                                          <p:spTgt spid="3">
+                                            <p:txEl>
+                                              <p:pRg st="0" end="0"/>
+                                            </p:txEl>
+                                          </p:spTgt>
+                                        </p:tgtEl>
+                                        <p:attrNameLst>
+                                          <p:attrName>ppt_x</p:attrName>
+                                        </p:attrNameLst>
+                                      </p:cBhvr>
+                                      <p:tavLst>
+                                        <p:tav tm="0">
+                                          <p:val>
+                                            <p:strVal val="#ppt_x"/>
+                                          </p:val>
+                                        </p:tav>
+                                        <p:tav tm="100000">
+                                          <p:val>
+                                            <p:strVal val="#ppt_x"/>
+                                          </p:val>
+                                        </p:tav>
+                                      </p:tavLst>
+                                    </p:anim>
+                                    <p:anim calcmode="lin" valueType="num">
+                                      <p:cBhvr>
+                                        <p:cTn id="9" dur="1000" fill="hold"/>
+                                        <p:tgtEl>
+                                          <p:spTgt spid="3">
+                                            <p:txEl>
+                                              <p:pRg st="0" end="0"/>
+                                            </p:txEl>
+                                          </p:spTgt>
+                                        </p:tgtEl>
+                                        <p:attrNameLst>
+                                          <p:attrName>ppt_y</p:attrName>
+                                        </p:attrNameLst>
+                                      </p:cBhvr>
+                                      <p:tavLst>
+                                        <p:tav tm="0">
+                                          <p:val>
+                                            <p:strVal val="#ppt_y+.1"/>
+                                          </p:val>
+                                        </p:tav>
+                                        <p:tav tm="100000">
+                                          <p:val>
+                                            <p:strVal val="#ppt_y"/>
+                                          </p:val>
+                                        </p:tav>
+                                      </p:tavLst>
+                                    </p:anim>
+                                  </p:childTnLst>
+                                </p:cTn>
+                              </p:par>
+                            </p:childTnLst>
+                          </p:cTn>
+                        </p:par>
+                      </p:childTnLst>
+                    </p:cTn>
+                  </p:par>
+                  <p:par>
+                    <p:cTn id="10" fill="hold">
+                      <p:stCondLst>
+                        <p:cond delay="indefinite"/>
+                      </p:stCondLst>
+                      <p:childTnLst>
+                        <p:par>
+                          <p:cTn id="11" fill="hold">
+                            <p:stCondLst>
+                              <p:cond delay="0"/>
+                            </p:stCondLst>
+                            <p:childTnLst>
+                              <p:par>
+                                <p:cTn id="12" presetID="42" presetClass="entr" presetSubtype="0" fill="hold" grpId="0" nodeType="clickEffect">
+                                  <p:stCondLst>
+                                    <p:cond delay="0"/>
+                                  </p:stCondLst>
+                                  <p:childTnLst>
+                                    <p:set>
+                                      <p:cBhvr>
+                                        <p:cTn id="13" dur="1" fill="hold">
+                                          <p:stCondLst>
+                                            <p:cond delay="0"/>
+                                          </p:stCondLst>
+                                        </p:cTn>
+                                        <p:tgtEl>
+                                          <p:spTgt spid="3">
+                                            <p:txEl>
+                                              <p:pRg st="1" end="1"/>
+                                            </p:txEl>
+                                          </p:spTgt>
+                                        </p:tgtEl>
+                                        <p:attrNameLst>
+                                          <p:attrName>style.visibility</p:attrName>
+                                        </p:attrNameLst>
+                                      </p:cBhvr>
+                                      <p:to>
+                                        <p:strVal val="visible"/>
+                                      </p:to>
+                                    </p:set>
+                                    <p:animEffect transition="in" filter="fade">
+                                      <p:cBhvr>
+                                        <p:cTn id="14" dur="1000"/>
+                                        <p:tgtEl>
+                                          <p:spTgt spid="3">
+                                            <p:txEl>
+                                              <p:pRg st="1" end="1"/>
+                                            </p:txEl>
+                                          </p:spTgt>
+                                        </p:tgtEl>
+                                      </p:cBhvr>
+                                    </p:animEffect>
+                                    <p:anim calcmode="lin" valueType="num">
+                                      <p:cBhvr>
+                                        <p:cTn id="15" dur="1000" fill="hold"/>
+                                        <p:tgtEl>
+                                          <p:spTgt spid="3">
+                                            <p:txEl>
+                                              <p:pRg st="1" end="1"/>
+                                            </p:txEl>
+                                          </p:spTgt>
+                                        </p:tgtEl>
+                                        <p:attrNameLst>
+                                          <p:attrName>ppt_x</p:attrName>
+                                        </p:attrNameLst>
+                                      </p:cBhvr>
+                                      <p:tavLst>
+                                        <p:tav tm="0">
+                                          <p:val>
+                                            <p:strVal val="#ppt_x"/>
+                                          </p:val>
+                                        </p:tav>
+                                        <p:tav tm="100000">
+                                          <p:val>
+                                            <p:strVal val="#ppt_x"/>
+                                          </p:val>
+                                        </p:tav>
+                                      </p:tavLst>
+                                    </p:anim>
+                                    <p:anim calcmode="lin" valueType="num">
+                                      <p:cBhvr>
+                                        <p:cTn id="16" dur="1000" fill="hold"/>
+                                        <p:tgtEl>
+                                          <p:spTgt spid="3">
+                                            <p:txEl>
+                                              <p:pRg st="1" end="1"/>
+                                            </p:txEl>
+                                          </p:spTgt>
+                                        </p:tgtEl>
+                                        <p:attrNameLst>
+                                          <p:attrName>ppt_y</p:attrName>
+                                        </p:attrNameLst>
+                                      </p:cBhvr>
+                                      <p:tavLst>
+                                        <p:tav tm="0">
+                                          <p:val>
+                                            <p:strVal val="#ppt_y+.1"/>
+                                          </p:val>
+                                        </p:tav>
+                                        <p:tav tm="100000">
+                                          <p:val>
+                                            <p:strVal val="#ppt_y"/>
+                                          </p:val>
+                                        </p:tav>
+                                      </p:tavLst>
+                                    </p:anim>
+                                  </p:childTnLst>
+                                </p:cTn>
+                              </p:par>
+                            </p:childTnLst>
+                          </p:cTn>
+                        </p:par>
+                      </p:childTnLst>
+                    </p:cTn>
+                  </p:par>
+                  <p:par>
+                    <p:cTn id="17" fill="hold">
+                      <p:stCondLst>
+                        <p:cond delay="indefinite"/>
+                      </p:stCondLst>
+                      <p:childTnLst>
+                        <p:par>
+                          <p:cTn id="18" fill="hold">
+                            <p:stCondLst>
+                              <p:cond delay="0"/>
+                            </p:stCondLst>
+                            <p:childTnLst>
+                              <p:par>
+                                <p:cTn id="19" presetID="42" presetClass="entr" presetSubtype="0" fill="hold" grpId="0" nodeType="clickEffect">
+                                  <p:stCondLst>
+                                    <p:cond delay="0"/>
+                                  </p:stCondLst>
+                                  <p:childTnLst>
+                                    <p:set>
+                                      <p:cBhvr>
+                                        <p:cTn id="20" dur="1" fill="hold">
+                                          <p:stCondLst>
+                                            <p:cond delay="0"/>
+                                          </p:stCondLst>
+                                        </p:cTn>
+                                        <p:tgtEl>
+                                          <p:spTgt spid="3">
+                                            <p:txEl>
+                                              <p:pRg st="2" end="2"/>
+                                            </p:txEl>
+                                          </p:spTgt>
+                                        </p:tgtEl>
+                                        <p:attrNameLst>
+                                          <p:attrName>style.visibility</p:attrName>
+                                        </p:attrNameLst>
+                                      </p:cBhvr>
+                                      <p:to>
+                                        <p:strVal val="visible"/>
+                                      </p:to>
+                                    </p:set>
+                                    <p:animEffect transition="in" filter="fade">
+                                      <p:cBhvr>
+                                        <p:cTn id="21" dur="1000"/>
+                                        <p:tgtEl>
+                                          <p:spTgt spid="3">
+                                            <p:txEl>
+                                              <p:pRg st="2" end="2"/>
+                                            </p:txEl>
+                                          </p:spTgt>
+                                        </p:tgtEl>
+                                      </p:cBhvr>
+                                    </p:animEffect>
+                                    <p:anim calcmode="lin" valueType="num">
+                                      <p:cBhvr>
+                                        <p:cTn id="22" dur="1000" fill="hold"/>
+                                        <p:tgtEl>
+                                          <p:spTgt spid="3">
+                                            <p:txEl>
+                                              <p:pRg st="2" end="2"/>
+                                            </p:txEl>
+                                          </p:spTgt>
+                                        </p:tgtEl>
+                                        <p:attrNameLst>
+                                          <p:attrName>ppt_x</p:attrName>
+                                        </p:attrNameLst>
+                                      </p:cBhvr>
+                                      <p:tavLst>
+                                        <p:tav tm="0">
+                                          <p:val>
+                                            <p:strVal val="#ppt_x"/>
+                                          </p:val>
+                                        </p:tav>
+                                        <p:tav tm="100000">
+                                          <p:val>
+                                            <p:strVal val="#ppt_x"/>
+                                          </p:val>
+                                        </p:tav>
+                                      </p:tavLst>
+                                    </p:anim>
+                                    <p:anim calcmode="lin" valueType="num">
+                                      <p:cBhvr>
+                                        <p:cTn id="23" dur="1000" fill="hold"/>
+                                        <p:tgtEl>
+                                          <p:spTgt spid="3">
+                                            <p:txEl>
+                                              <p:pRg st="2" end="2"/>
+                                            </p:txEl>
+                                          </p:spTgt>
+                                        </p:tgtEl>
+                                        <p:attrNameLst>
+                                          <p:attrName>ppt_y</p:attrName>
+                                        </p:attrNameLst>
+                                      </p:cBhvr>
+                                      <p:tavLst>
+                                        <p:tav tm="0">
+                                          <p:val>
+                                            <p:strVal val="#ppt_y+.1"/>
+                                          </p:val>
+                                        </p:tav>
+                                        <p:tav tm="100000">
+                                          <p:val>
+                                            <p:strVal val="#ppt_y"/>
+                                          </p:val>
+                                        </p:tav>
+                                      </p:tavLst>
+                                    </p:anim>
+                                  </p:childTnLst>
+                                </p:cTn>
+                              </p:par>
+                            </p:childTnLst>
+                          </p:cTn>
+                        </p:par>
+                      </p:childTnLst>
+                    </p:cTn>
+                  </p:par>
+                  <p:par>
+                    <p:cTn id="24" fill="hold">
+                      <p:stCondLst>
+                        <p:cond delay="indefinite"/>
+                      </p:stCondLst>
+                      <p:childTnLst>
+                        <p:par>
+                          <p:cTn id="25" fill="hold">
+                            <p:stCondLst>
+                              <p:cond delay="0"/>
+                            </p:stCondLst>
+                            <p:childTnLst>
+                              <p:par>
+                                <p:cTn id="26" presetID="42" presetClass="entr" presetSubtype="0" fill="hold" grpId="0" nodeType="clickEffect">
+                                  <p:stCondLst>
+                                    <p:cond delay="0"/>
+                                  </p:stCondLst>
+                                  <p:childTnLst>
+                                    <p:set>
+                                      <p:cBhvr>
+                                        <p:cTn id="27" dur="1" fill="hold">
+                                          <p:stCondLst>
+                                            <p:cond delay="0"/>
+                                          </p:stCondLst>
+                                        </p:cTn>
+                                        <p:tgtEl>
+                                          <p:spTgt spid="3">
+                                            <p:txEl>
+                                              <p:pRg st="3" end="3"/>
+                                            </p:txEl>
+                                          </p:spTgt>
+                                        </p:tgtEl>
+                                        <p:attrNameLst>
+                                          <p:attrName>style.visibility</p:attrName>
+                                        </p:attrNameLst>
+                                      </p:cBhvr>
+                                      <p:to>
+                                        <p:strVal val="visible"/>
+                                      </p:to>
+                                    </p:set>
+                                    <p:animEffect transition="in" filter="fade">
+                                      <p:cBhvr>
+                                        <p:cTn id="28" dur="1000"/>
+                                        <p:tgtEl>
+                                          <p:spTgt spid="3">
+                                            <p:txEl>
+                                              <p:pRg st="3" end="3"/>
+                                            </p:txEl>
+                                          </p:spTgt>
+                                        </p:tgtEl>
+                                      </p:cBhvr>
+                                    </p:animEffect>
+                                    <p:anim calcmode="lin" valueType="num">
+                                      <p:cBhvr>
+                                        <p:cTn id="29" dur="1000" fill="hold"/>
+                                        <p:tgtEl>
+                                          <p:spTgt spid="3">
+                                            <p:txEl>
+                                              <p:pRg st="3" end="3"/>
+                                            </p:txEl>
+                                          </p:spTgt>
+                                        </p:tgtEl>
+                                        <p:attrNameLst>
+                                          <p:attrName>ppt_x</p:attrName>
+                                        </p:attrNameLst>
+                                      </p:cBhvr>
+                                      <p:tavLst>
+                                        <p:tav tm="0">
+                                          <p:val>
+                                            <p:strVal val="#ppt_x"/>
+                                          </p:val>
+                                        </p:tav>
+                                        <p:tav tm="100000">
+                                          <p:val>
+                                            <p:strVal val="#ppt_x"/>
+                                          </p:val>
+                                        </p:tav>
+                                      </p:tavLst>
+                                    </p:anim>
+                                    <p:anim calcmode="lin" valueType="num">
+                                      <p:cBhvr>
+                                        <p:cTn id="30" dur="1000" fill="hold"/>
+                                        <p:tgtEl>
+                                          <p:spTgt spid="3">
+                                            <p:txEl>
+                                              <p:pRg st="3" end="3"/>
+                                            </p:txEl>
+                                          </p:spTgt>
+                                        </p:tgtEl>
+                                        <p:attrNameLst>
+                                          <p:attrName>ppt_y</p:attrName>
+                                        </p:attrNameLst>
+                                      </p:cBhvr>
+                                      <p:tavLst>
+                                        <p:tav tm="0">
+                                          <p:val>
+                                            <p:strVal val="#ppt_y+.1"/>
+                                          </p:val>
+                                        </p:tav>
+                                        <p:tav tm="100000">
+                                          <p:val>
+                                            <p:strVal val="#ppt_y"/>
+                                          </p:val>
+                                        </p:tav>
+                                      </p:tavLst>
+                                    </p:anim>
+                                  </p:childTnLst>
+                                </p:cTn>
+                              </p:par>
+                            </p:childTnLst>
+                          </p:cTn>
+                        </p:par>
+                      </p:childTnLst>
+                    </p:cTn>
+                  </p:par>
+                  <p:par>
+                    <p:cTn id="31" fill="hold">
+                      <p:stCondLst>
+                        <p:cond delay="indefinite"/>
+                      </p:stCondLst>
+                      <p:childTnLst>
+                        <p:par>
+                          <p:cTn id="32" fill="hold">
+                            <p:stCondLst>
+                              <p:cond delay="0"/>
+                            </p:stCondLst>
+                            <p:childTnLst>
+                              <p:par>
+                                <p:cTn id="33" presetID="42" presetClass="entr" presetSubtype="0" fill="hold" grpId="0" nodeType="clickEffect">
+                                  <p:stCondLst>
+                                    <p:cond delay="0"/>
+                                  </p:stCondLst>
+                                  <p:childTnLst>
+                                    <p:set>
+                                      <p:cBhvr>
+                                        <p:cTn id="34" dur="1" fill="hold">
+                                          <p:stCondLst>
+                                            <p:cond delay="0"/>
+                                          </p:stCondLst>
+                                        </p:cTn>
+                                        <p:tgtEl>
+                                          <p:spTgt spid="3">
+                                            <p:txEl>
+                                              <p:pRg st="4" end="4"/>
+                                            </p:txEl>
+                                          </p:spTgt>
+                                        </p:tgtEl>
+                                        <p:attrNameLst>
+                                          <p:attrName>style.visibility</p:attrName>
+                                        </p:attrNameLst>
+                                      </p:cBhvr>
+                                      <p:to>
+                                        <p:strVal val="visible"/>
+                                      </p:to>
+                                    </p:set>
+                                    <p:animEffect transition="in" filter="fade">
+                                      <p:cBhvr>
+                                        <p:cTn id="35" dur="1000"/>
+                                        <p:tgtEl>
+                                          <p:spTgt spid="3">
+                                            <p:txEl>
+                                              <p:pRg st="4" end="4"/>
+                                            </p:txEl>
+                                          </p:spTgt>
+                                        </p:tgtEl>
+                                      </p:cBhvr>
+                                    </p:animEffect>
+                                    <p:anim calcmode="lin" valueType="num">
+                                      <p:cBhvr>
+                                        <p:cTn id="36" dur="1000" fill="hold"/>
+                                        <p:tgtEl>
+                                          <p:spTgt spid="3">
+                                            <p:txEl>
+                                              <p:pRg st="4" end="4"/>
+                                            </p:txEl>
+                                          </p:spTgt>
+                                        </p:tgtEl>
+                                        <p:attrNameLst>
+                                          <p:attrName>ppt_x</p:attrName>
+                                        </p:attrNameLst>
+                                      </p:cBhvr>
+                                      <p:tavLst>
+                                        <p:tav tm="0">
+                                          <p:val>
+                                            <p:strVal val="#ppt_x"/>
+                                          </p:val>
+                                        </p:tav>
+                                        <p:tav tm="100000">
+                                          <p:val>
+                                            <p:strVal val="#ppt_x"/>
+                                          </p:val>
+                                        </p:tav>
+                                      </p:tavLst>
+                                    </p:anim>
+                                    <p:anim calcmode="lin" valueType="num">
+                                      <p:cBhvr>
+                                        <p:cTn id="37" dur="1000" fill="hold"/>
+                                        <p:tgtEl>
+                                          <p:spTgt spid="3">
+                                            <p:txEl>
+                                              <p:pRg st="4" end="4"/>
+                                            </p:txEl>
+                                          </p:spTgt>
+                                        </p:tgtEl>
+                                        <p:attrNameLst>
+                                          <p:attrName>ppt_y</p:attrName>
+                                        </p:attrNameLst>
+                                      </p:cBhvr>
+                                      <p:tavLst>
+                                        <p:tav tm="0">
+                                          <p:val>
+                                            <p:strVal val="#ppt_y+.1"/>
+                                          </p:val>
+                                        </p:tav>
+                                        <p:tav tm="100000">
+                                          <p:val>
+                                            <p:strVal val="#ppt_y"/>
+                                          </p:val>
+                                        </p:tav>
+                                      </p:tavLst>
+                                    </p:anim>
+                                  </p:childTnLst>
+                                </p:cTn>
+                              </p:par>
+                            </p:childTnLst>
+                          </p:cTn>
+                        </p:par>
+                      </p:childTnLst>
+                    </p:cTn>
+                  </p:par>
+                  <p:par>
+                    <p:cTn id="38" fill="hold">
+                      <p:stCondLst>
+                        <p:cond delay="indefinite"/>
+                      </p:stCondLst>
+                      <p:childTnLst>
+                        <p:par>
+                          <p:cTn id="39" fill="hold">
+                            <p:stCondLst>
+                              <p:cond delay="0"/>
+                            </p:stCondLst>
+                            <p:childTnLst>
+                              <p:par>
+                                <p:cTn id="40" presetID="42" presetClass="entr" presetSubtype="0" fill="hold" grpId="0" nodeType="clickEffect">
+                                  <p:stCondLst>
+                                    <p:cond delay="0"/>
+                                  </p:stCondLst>
+                                  <p:childTnLst>
+                                    <p:set>
+                                      <p:cBhvr>
+                                        <p:cTn id="41" dur="1" fill="hold">
+                                          <p:stCondLst>
+                                            <p:cond delay="0"/>
+                                          </p:stCondLst>
+                                        </p:cTn>
+                                        <p:tgtEl>
+                                          <p:spTgt spid="3">
+                                            <p:txEl>
+                                              <p:pRg st="5" end="5"/>
+                                            </p:txEl>
+                                          </p:spTgt>
+                                        </p:tgtEl>
+                                        <p:attrNameLst>
+                                          <p:attrName>style.visibility</p:attrName>
+                                        </p:attrNameLst>
+                                      </p:cBhvr>
+                                      <p:to>
+                                        <p:strVal val="visible"/>
+                                      </p:to>
+                                    </p:set>
+                                    <p:animEffect transition="in" filter="fade">
+                                      <p:cBhvr>
+                                        <p:cTn id="42" dur="1000"/>
+                                        <p:tgtEl>
+                                          <p:spTgt spid="3">
+                                            <p:txEl>
+                                              <p:pRg st="5" end="5"/>
+                                            </p:txEl>
+                                          </p:spTgt>
+                                        </p:tgtEl>
+                                      </p:cBhvr>
+                                    </p:animEffect>
+                                    <p:anim calcmode="lin" valueType="num">
+                                      <p:cBhvr>
+                                        <p:cTn id="43" dur="1000" fill="hold"/>
+                                        <p:tgtEl>
+                                          <p:spTgt spid="3">
+                                            <p:txEl>
+                                              <p:pRg st="5" end="5"/>
+                                            </p:txEl>
+                                          </p:spTgt>
+                                        </p:tgtEl>
+                                        <p:attrNameLst>
+                                          <p:attrName>ppt_x</p:attrName>
+                                        </p:attrNameLst>
+                                      </p:cBhvr>
+                                      <p:tavLst>
+                                        <p:tav tm="0">
+                                          <p:val>
+                                            <p:strVal val="#ppt_x"/>
+                                          </p:val>
+                                        </p:tav>
+                                        <p:tav tm="100000">
+                                          <p:val>
+                                            <p:strVal val="#ppt_x"/>
+                                          </p:val>
+                                        </p:tav>
+                                      </p:tavLst>
+                                    </p:anim>
+                                    <p:anim calcmode="lin" valueType="num">
+                                      <p:cBhvr>
+                                        <p:cTn id="44" dur="1000" fill="hold"/>
+                                        <p:tgtEl>
+                                          <p:spTgt spid="3">
+                                            <p:txEl>
+                                              <p:pRg st="5" end="5"/>
+                                            </p:txEl>
+                                          </p:spTgt>
+                                        </p:tgtEl>
+                                        <p:attrNameLst>
+                                          <p:attrName>ppt_y</p:attrName>
+                                        </p:attrNameLst>
+                                      </p:cBhvr>
+                                      <p:tavLst>
+                                        <p:tav tm="0">
+                                          <p:val>
+                                            <p:strVal val="#ppt_y+.1"/>
+                                          </p:val>
+                                        </p:tav>
+                                        <p:tav tm="100000">
+                                          <p:val>
+                                            <p:strVal val="#ppt_y"/>
+                                          </p:val>
+                                        </p:tav>
+                                      </p:tavLst>
+                                    </p:anim>
+                                  </p:childTnLst>
+                                </p:cTn>
+                              </p:par>
+                            </p:childTnLst>
+                          </p:cTn>
+                        </p:par>
+                      </p:childTnLst>
+                    </p:cTn>
+                  </p:par>
+                  <p:par>
+                    <p:cTn id="45" fill="hold">
+                      <p:stCondLst>
+                        <p:cond delay="indefinite"/>
+                      </p:stCondLst>
+                      <p:childTnLst>
+                        <p:par>
+                          <p:cTn id="46" fill="hold">
+                            <p:stCondLst>
+                              <p:cond delay="0"/>
+                            </p:stCondLst>
+                            <p:childTnLst>
+                              <p:par>
+                                <p:cTn id="47" presetID="42" presetClass="entr" presetSubtype="0" fill="hold" grpId="0" nodeType="clickEffect">
+                                  <p:stCondLst>
+                                    <p:cond delay="0"/>
+                                  </p:stCondLst>
+                                  <p:childTnLst>
+                                    <p:set>
+                                      <p:cBhvr>
+                                        <p:cTn id="48" dur="1" fill="hold">
+                                          <p:stCondLst>
+                                            <p:cond delay="0"/>
+                                          </p:stCondLst>
+                                        </p:cTn>
+                                        <p:tgtEl>
+                                          <p:spTgt spid="3">
+                                            <p:txEl>
+                                              <p:pRg st="6" end="6"/>
+                                            </p:txEl>
+                                          </p:spTgt>
+                                        </p:tgtEl>
+                                        <p:attrNameLst>
+                                          <p:attrName>style.visibility</p:attrName>
+                                        </p:attrNameLst>
+                                      </p:cBhvr>
+                                      <p:to>
+                                        <p:strVal val="visible"/>
+                                      </p:to>
+                                    </p:set>
+                                    <p:animEffect transition="in" filter="fade">
+                                      <p:cBhvr>
+                                        <p:cTn id="49" dur="1000"/>
+                                        <p:tgtEl>
+                                          <p:spTgt spid="3">
+                                            <p:txEl>
+                                              <p:pRg st="6" end="6"/>
+                                            </p:txEl>
+                                          </p:spTgt>
+                                        </p:tgtEl>
+                                      </p:cBhvr>
+                                    </p:animEffect>
+                                    <p:anim calcmode="lin" valueType="num">
+                                      <p:cBhvr>
+                                        <p:cTn id="50" dur="1000" fill="hold"/>
+                                        <p:tgtEl>
+                                          <p:spTgt spid="3">
+                                            <p:txEl>
+                                              <p:pRg st="6" end="6"/>
+                                            </p:txEl>
+                                          </p:spTgt>
+                                        </p:tgtEl>
+                                        <p:attrNameLst>
+                                          <p:attrName>ppt_x</p:attrName>
+                                        </p:attrNameLst>
+                                      </p:cBhvr>
+                                      <p:tavLst>
+                                        <p:tav tm="0">
+                                          <p:val>
+                                            <p:strVal val="#ppt_x"/>
+                                          </p:val>
+                                        </p:tav>
+                                        <p:tav tm="100000">
+                                          <p:val>
+                                            <p:strVal val="#ppt_x"/>
+                                          </p:val>
+                                        </p:tav>
+                                      </p:tavLst>
+                                    </p:anim>
+                                    <p:anim calcmode="lin" valueType="num">
+                                      <p:cBhvr>
+                                        <p:cTn id="51" dur="1000" fill="hold"/>
+                                        <p:tgtEl>
+                                          <p:spTgt spid="3">
+                                            <p:txEl>
+                                              <p:pRg st="6" end="6"/>
+                                            </p:txEl>
+                                          </p:spTgt>
+                                        </p:tgtEl>
+                                        <p:attrNameLst>
+                                          <p:attrName>ppt_y</p:attrName>
+                                        </p:attrNameLst>
+                                      </p:cBhvr>
+                                      <p:tavLst>
+                                        <p:tav tm="0">
+                                          <p:val>
+                                            <p:strVal val="#ppt_y+.1"/>
+                                          </p:val>
+                                        </p:tav>
+                                        <p:tav tm="100000">
+                                          <p:val>
+                                            <p:strVal val="#ppt_y"/>
+                                          </p:val>
+                                        </p:tav>
+                                      </p:tavLst>
+                                    </p:anim>
+                                  </p:childTnLst>
+                                </p:cTn>
+                              </p:par>
+                            </p:childTnLst>
+                          </p:cTn>
+                        </p:par>
+                      </p:childTnLst>
+                    </p:cTn>
+                  </p:par>
+                  <p:par>
+                    <p:cTn id="52" fill="hold">
+                      <p:stCondLst>
+                        <p:cond delay="indefinite"/>
+                      </p:stCondLst>
+                      <p:childTnLst>
+                        <p:par>
+                          <p:cTn id="53" fill="hold">
+                            <p:stCondLst>
+                              <p:cond delay="0"/>
+                            </p:stCondLst>
+                            <p:childTnLst>
+                              <p:par>
+                                <p:cTn id="54" presetID="42" presetClass="entr" presetSubtype="0" fill="hold" grpId="0" nodeType="clickEffect">
+                                  <p:stCondLst>
+                                    <p:cond delay="0"/>
+                                  </p:stCondLst>
+                                  <p:childTnLst>
+                                    <p:set>
+                                      <p:cBhvr>
+                                        <p:cTn id="55" dur="1" fill="hold">
+                                          <p:stCondLst>
+                                            <p:cond delay="0"/>
+                                          </p:stCondLst>
+                                        </p:cTn>
+                                        <p:tgtEl>
+                                          <p:spTgt spid="3">
+                                            <p:txEl>
+                                              <p:pRg st="7" end="7"/>
+                                            </p:txEl>
+                                          </p:spTgt>
+                                        </p:tgtEl>
+                                        <p:attrNameLst>
+                                          <p:attrName>style.visibility</p:attrName>
+                                        </p:attrNameLst>
+                                      </p:cBhvr>
+                                      <p:to>
+                                        <p:strVal val="visible"/>
+                                      </p:to>
+                                    </p:set>
+                                    <p:animEffect transition="in" filter="fade">
+                                      <p:cBhvr>
+                                        <p:cTn id="56" dur="1000"/>
+                                        <p:tgtEl>
+                                          <p:spTgt spid="3">
+                                            <p:txEl>
+                                              <p:pRg st="7" end="7"/>
+                                            </p:txEl>
+                                          </p:spTgt>
+                                        </p:tgtEl>
+                                      </p:cBhvr>
+                                    </p:animEffect>
+                                    <p:anim calcmode="lin" valueType="num">
+                                      <p:cBhvr>
+                                        <p:cTn id="57" dur="1000" fill="hold"/>
+                                        <p:tgtEl>
+                                          <p:spTgt spid="3">
+                                            <p:txEl>
+                                              <p:pRg st="7" end="7"/>
+                                            </p:txEl>
+                                          </p:spTgt>
+                                        </p:tgtEl>
+                                        <p:attrNameLst>
+                                          <p:attrName>ppt_x</p:attrName>
+                                        </p:attrNameLst>
+                                      </p:cBhvr>
+                                      <p:tavLst>
+                                        <p:tav tm="0">
+                                          <p:val>
+                                            <p:strVal val="#ppt_x"/>
+                                          </p:val>
+                                        </p:tav>
+                                        <p:tav tm="100000">
+                                          <p:val>
+                                            <p:strVal val="#ppt_x"/>
+                                          </p:val>
+                                        </p:tav>
+                                      </p:tavLst>
+                                    </p:anim>
+                                    <p:anim calcmode="lin" valueType="num">
+                                      <p:cBhvr>
+                                        <p:cTn id="58" dur="1000" fill="hold"/>
+                                        <p:tgtEl>
+                                          <p:spTgt spid="3">
+                                            <p:txEl>
+                                              <p:pRg st="7" end="7"/>
+                                            </p:txEl>
+                                          </p:spTgt>
+                                        </p:tgtEl>
+                                        <p:attrNameLst>
+                                          <p:attrName>ppt_y</p:attrName>
+                                        </p:attrNameLst>
+                                      </p:cBhvr>
+                                      <p:tavLst>
+                                        <p:tav tm="0">
+                                          <p:val>
+                                            <p:strVal val="#ppt_y+.1"/>
+                                          </p:val>
+                                        </p:tav>
+                                        <p:tav tm="100000">
+                                          <p:val>
+                                            <p:strVal val="#ppt_y"/>
+                                          </p:val>
+                                        </p:tav>
+                                      </p:tavLst>
+                                    </p:anim>
+                                  </p:childTnLst>
+                                </p:cTn>
+                              </p:par>
+                            </p:childTnLst>
+                          </p:cTn>
+                        </p:par>
+                      </p:childTnLst>
+                    </p:cTn>
+                  </p:par>
+                  <p:par>
+                    <p:cTn id="59" fill="hold">
+                      <p:stCondLst>
+                        <p:cond delay="indefinite"/>
+                      </p:stCondLst>
+                      <p:childTnLst>
+                        <p:par>
+                          <p:cTn id="60" fill="hold">
+                            <p:stCondLst>
+                              <p:cond delay="0"/>
+                            </p:stCondLst>
+                            <p:childTnLst>
+                              <p:par>
+                                <p:cTn id="61" presetID="42" presetClass="entr" presetSubtype="0" fill="hold" grpId="0" nodeType="clickEffect">
+                                  <p:stCondLst>
+                                    <p:cond delay="0"/>
+                                  </p:stCondLst>
+                                  <p:childTnLst>
+                                    <p:set>
+                                      <p:cBhvr>
+                                        <p:cTn id="62" dur="1" fill="hold">
+                                          <p:stCondLst>
+                                            <p:cond delay="0"/>
+                                          </p:stCondLst>
+                                        </p:cTn>
+                                        <p:tgtEl>
+                                          <p:spTgt spid="3">
+                                            <p:txEl>
+                                              <p:pRg st="8" end="8"/>
+                                            </p:txEl>
+                                          </p:spTgt>
+                                        </p:tgtEl>
+                                        <p:attrNameLst>
+                                          <p:attrName>style.visibility</p:attrName>
+                                        </p:attrNameLst>
+                                      </p:cBhvr>
+                                      <p:to>
+                                        <p:strVal val="visible"/>
+                                      </p:to>
+                                    </p:set>
+                                    <p:animEffect transition="in" filter="fade">
+                                      <p:cBhvr>
+                                        <p:cTn id="63" dur="1000"/>
+                                        <p:tgtEl>
+                                          <p:spTgt spid="3">
+                                            <p:txEl>
+                                              <p:pRg st="8" end="8"/>
+                                            </p:txEl>
+                                          </p:spTgt>
+                                        </p:tgtEl>
+                                      </p:cBhvr>
+                                    </p:animEffect>
+                                    <p:anim calcmode="lin" valueType="num">
+                                      <p:cBhvr>
+                                        <p:cTn id="64" dur="1000" fill="hold"/>
+                                        <p:tgtEl>
+                                          <p:spTgt spid="3">
+                                            <p:txEl>
+                                              <p:pRg st="8" end="8"/>
+                                            </p:txEl>
+                                          </p:spTgt>
+                                        </p:tgtEl>
+                                        <p:attrNameLst>
+                                          <p:attrName>ppt_x</p:attrName>
+                                        </p:attrNameLst>
+                                      </p:cBhvr>
+                                      <p:tavLst>
+                                        <p:tav tm="0">
+                                          <p:val>
+                                            <p:strVal val="#ppt_x"/>
+                                          </p:val>
+                                        </p:tav>
+                                        <p:tav tm="100000">
+                                          <p:val>
+                                            <p:strVal val="#ppt_x"/>
+                                          </p:val>
+                                        </p:tav>
+                                      </p:tavLst>
+                                    </p:anim>
+                                    <p:anim calcmode="lin" valueType="num">
+                                      <p:cBhvr>
+                                        <p:cTn id="65" dur="1000" fill="hold"/>
+                                        <p:tgtEl>
+                                          <p:spTgt spid="3">
+                                            <p:txEl>
+                                              <p:pRg st="8" end="8"/>
+                                            </p:txEl>
+                                          </p:spTgt>
+                                        </p:tgtEl>
+                                        <p:attrNameLst>
+                                          <p:attrName>ppt_y</p:attrName>
+                                        </p:attrNameLst>
+                                      </p:cBhvr>
+                                      <p:tavLst>
+                                        <p:tav tm="0">
+                                          <p:val>
+                                            <p:strVal val="#ppt_y+.1"/>
+                                          </p:val>
+                                        </p:tav>
+                                        <p:tav tm="100000">
+                                          <p:val>
+                                            <p:strVal val="#ppt_y"/>
+                                          </p:val>
+                                        </p:tav>
+                                      </p:tavLst>
+                                    </p:anim>
+                                  </p:childTnLst>
+                                </p:cTn>
+                              </p:par>
+                            </p:childTnLst>
+                          </p:cTn>
+                        </p:par>
+                      </p:childTnLst>
+                    </p:cTn>
+                  </p:par>
+                </p:childTnLst>
+              </p:cTn>
+              <p:prevCondLst>
+                <p:cond evt="onPrev" delay="0">
+                  <p:tgtEl>
+                    <p:sldTgt/>
+                  </p:tgtEl>
+                </p:cond>
+              </p:prevCondLst>
+              <p:nextCondLst>
+                <p:cond evt="onNext" delay="0">
+                  <p:tgtEl>
+                    <p:sldTgt/>
+                  </p:tgtEl>
+                </p:cond>
+              </p:nextCondLst>
+            </p:seq>
+          </p:childTnLst>
+        </p:cTn>
+      </p:par>
+    </p:tnLst>
+    <p:bldLst>
+      <p:bldP spid="3" grpId="0" build="p"/>
+    </p:bldLst>
+  </p:timing>
 </p:sld>
 </file>
 
@@ -8554,7 +12796,7 @@
               <a:rPr lang="tr-TR" altLang="en-US" sz="1800" dirty="0">
                 <a:latin typeface="Helvetica" panose="020B0604020202020204" pitchFamily="34" charset="0"/>
               </a:rPr>
-              <a:t>(getirme) edilebilir durumdadır.</a:t>
+              <a:t>(getirme) yapılabilir.</a:t>
             </a:r>
           </a:p>
         </p:txBody>
@@ -8569,6 +12811,269 @@
   <p:clrMapOvr>
     <a:masterClrMapping/>
   </p:clrMapOvr>
+  <p:timing>
+    <p:tnLst>
+      <p:par>
+        <p:cTn id="1" dur="indefinite" restart="never" nodeType="tmRoot">
+          <p:childTnLst>
+            <p:seq concurrent="1" nextAc="seek">
+              <p:cTn id="2" dur="indefinite" nodeType="mainSeq">
+                <p:childTnLst>
+                  <p:par>
+                    <p:cTn id="3" fill="hold">
+                      <p:stCondLst>
+                        <p:cond delay="indefinite"/>
+                      </p:stCondLst>
+                      <p:childTnLst>
+                        <p:par>
+                          <p:cTn id="4" fill="hold">
+                            <p:stCondLst>
+                              <p:cond delay="0"/>
+                            </p:stCondLst>
+                            <p:childTnLst>
+                              <p:par>
+                                <p:cTn id="5" presetID="42" presetClass="entr" presetSubtype="0" fill="hold" grpId="0" nodeType="clickEffect">
+                                  <p:stCondLst>
+                                    <p:cond delay="0"/>
+                                  </p:stCondLst>
+                                  <p:childTnLst>
+                                    <p:set>
+                                      <p:cBhvr>
+                                        <p:cTn id="6" dur="1" fill="hold">
+                                          <p:stCondLst>
+                                            <p:cond delay="0"/>
+                                          </p:stCondLst>
+                                        </p:cTn>
+                                        <p:tgtEl>
+                                          <p:spTgt spid="3">
+                                            <p:txEl>
+                                              <p:pRg st="0" end="0"/>
+                                            </p:txEl>
+                                          </p:spTgt>
+                                        </p:tgtEl>
+                                        <p:attrNameLst>
+                                          <p:attrName>style.visibility</p:attrName>
+                                        </p:attrNameLst>
+                                      </p:cBhvr>
+                                      <p:to>
+                                        <p:strVal val="visible"/>
+                                      </p:to>
+                                    </p:set>
+                                    <p:animEffect transition="in" filter="fade">
+                                      <p:cBhvr>
+                                        <p:cTn id="7" dur="1000"/>
+                                        <p:tgtEl>
+                                          <p:spTgt spid="3">
+                                            <p:txEl>
+                                              <p:pRg st="0" end="0"/>
+                                            </p:txEl>
+                                          </p:spTgt>
+                                        </p:tgtEl>
+                                      </p:cBhvr>
+                                    </p:animEffect>
+                                    <p:anim calcmode="lin" valueType="num">
+                                      <p:cBhvr>
+                                        <p:cTn id="8" dur="1000" fill="hold"/>
+                                        <p:tgtEl>
+                                          <p:spTgt spid="3">
+                                            <p:txEl>
+                                              <p:pRg st="0" end="0"/>
+                                            </p:txEl>
+                                          </p:spTgt>
+                                        </p:tgtEl>
+                                        <p:attrNameLst>
+                                          <p:attrName>ppt_x</p:attrName>
+                                        </p:attrNameLst>
+                                      </p:cBhvr>
+                                      <p:tavLst>
+                                        <p:tav tm="0">
+                                          <p:val>
+                                            <p:strVal val="#ppt_x"/>
+                                          </p:val>
+                                        </p:tav>
+                                        <p:tav tm="100000">
+                                          <p:val>
+                                            <p:strVal val="#ppt_x"/>
+                                          </p:val>
+                                        </p:tav>
+                                      </p:tavLst>
+                                    </p:anim>
+                                    <p:anim calcmode="lin" valueType="num">
+                                      <p:cBhvr>
+                                        <p:cTn id="9" dur="1000" fill="hold"/>
+                                        <p:tgtEl>
+                                          <p:spTgt spid="3">
+                                            <p:txEl>
+                                              <p:pRg st="0" end="0"/>
+                                            </p:txEl>
+                                          </p:spTgt>
+                                        </p:tgtEl>
+                                        <p:attrNameLst>
+                                          <p:attrName>ppt_y</p:attrName>
+                                        </p:attrNameLst>
+                                      </p:cBhvr>
+                                      <p:tavLst>
+                                        <p:tav tm="0">
+                                          <p:val>
+                                            <p:strVal val="#ppt_y+.1"/>
+                                          </p:val>
+                                        </p:tav>
+                                        <p:tav tm="100000">
+                                          <p:val>
+                                            <p:strVal val="#ppt_y"/>
+                                          </p:val>
+                                        </p:tav>
+                                      </p:tavLst>
+                                    </p:anim>
+                                  </p:childTnLst>
+                                </p:cTn>
+                              </p:par>
+                            </p:childTnLst>
+                          </p:cTn>
+                        </p:par>
+                      </p:childTnLst>
+                    </p:cTn>
+                  </p:par>
+                  <p:par>
+                    <p:cTn id="10" fill="hold">
+                      <p:stCondLst>
+                        <p:cond delay="indefinite"/>
+                      </p:stCondLst>
+                      <p:childTnLst>
+                        <p:par>
+                          <p:cTn id="11" fill="hold">
+                            <p:stCondLst>
+                              <p:cond delay="0"/>
+                            </p:stCondLst>
+                            <p:childTnLst>
+                              <p:par>
+                                <p:cTn id="12" presetID="42" presetClass="entr" presetSubtype="0" fill="hold" grpId="0" nodeType="clickEffect">
+                                  <p:stCondLst>
+                                    <p:cond delay="0"/>
+                                  </p:stCondLst>
+                                  <p:childTnLst>
+                                    <p:set>
+                                      <p:cBhvr>
+                                        <p:cTn id="13" dur="1" fill="hold">
+                                          <p:stCondLst>
+                                            <p:cond delay="0"/>
+                                          </p:stCondLst>
+                                        </p:cTn>
+                                        <p:tgtEl>
+                                          <p:spTgt spid="3">
+                                            <p:txEl>
+                                              <p:pRg st="1" end="1"/>
+                                            </p:txEl>
+                                          </p:spTgt>
+                                        </p:tgtEl>
+                                        <p:attrNameLst>
+                                          <p:attrName>style.visibility</p:attrName>
+                                        </p:attrNameLst>
+                                      </p:cBhvr>
+                                      <p:to>
+                                        <p:strVal val="visible"/>
+                                      </p:to>
+                                    </p:set>
+                                    <p:animEffect transition="in" filter="fade">
+                                      <p:cBhvr>
+                                        <p:cTn id="14" dur="1000"/>
+                                        <p:tgtEl>
+                                          <p:spTgt spid="3">
+                                            <p:txEl>
+                                              <p:pRg st="1" end="1"/>
+                                            </p:txEl>
+                                          </p:spTgt>
+                                        </p:tgtEl>
+                                      </p:cBhvr>
+                                    </p:animEffect>
+                                    <p:anim calcmode="lin" valueType="num">
+                                      <p:cBhvr>
+                                        <p:cTn id="15" dur="1000" fill="hold"/>
+                                        <p:tgtEl>
+                                          <p:spTgt spid="3">
+                                            <p:txEl>
+                                              <p:pRg st="1" end="1"/>
+                                            </p:txEl>
+                                          </p:spTgt>
+                                        </p:tgtEl>
+                                        <p:attrNameLst>
+                                          <p:attrName>ppt_x</p:attrName>
+                                        </p:attrNameLst>
+                                      </p:cBhvr>
+                                      <p:tavLst>
+                                        <p:tav tm="0">
+                                          <p:val>
+                                            <p:strVal val="#ppt_x"/>
+                                          </p:val>
+                                        </p:tav>
+                                        <p:tav tm="100000">
+                                          <p:val>
+                                            <p:strVal val="#ppt_x"/>
+                                          </p:val>
+                                        </p:tav>
+                                      </p:tavLst>
+                                    </p:anim>
+                                    <p:anim calcmode="lin" valueType="num">
+                                      <p:cBhvr>
+                                        <p:cTn id="16" dur="1000" fill="hold"/>
+                                        <p:tgtEl>
+                                          <p:spTgt spid="3">
+                                            <p:txEl>
+                                              <p:pRg st="1" end="1"/>
+                                            </p:txEl>
+                                          </p:spTgt>
+                                        </p:tgtEl>
+                                        <p:attrNameLst>
+                                          <p:attrName>ppt_y</p:attrName>
+                                        </p:attrNameLst>
+                                      </p:cBhvr>
+                                      <p:tavLst>
+                                        <p:tav tm="0">
+                                          <p:val>
+                                            <p:strVal val="#ppt_y+.1"/>
+                                          </p:val>
+                                        </p:tav>
+                                        <p:tav tm="100000">
+                                          <p:val>
+                                            <p:strVal val="#ppt_y"/>
+                                          </p:val>
+                                        </p:tav>
+                                      </p:tavLst>
+                                    </p:anim>
+                                  </p:childTnLst>
+                                </p:cTn>
+                              </p:par>
+                            </p:childTnLst>
+                          </p:cTn>
+                        </p:par>
+                      </p:childTnLst>
+                    </p:cTn>
+                  </p:par>
+                </p:childTnLst>
+              </p:cTn>
+              <p:prevCondLst>
+                <p:cond evt="onPrev" delay="0">
+                  <p:tgtEl>
+                    <p:sldTgt/>
+                  </p:tgtEl>
+                </p:cond>
+              </p:prevCondLst>
+              <p:nextCondLst>
+                <p:cond evt="onNext" delay="0">
+                  <p:tgtEl>
+                    <p:sldTgt/>
+                  </p:tgtEl>
+                </p:cond>
+              </p:nextCondLst>
+            </p:seq>
+          </p:childTnLst>
+        </p:cTn>
+      </p:par>
+    </p:tnLst>
+    <p:bldLst>
+      <p:bldP spid="3" grpId="0" build="p"/>
+    </p:bldLst>
+  </p:timing>
 </p:sld>
 </file>
 
@@ -9508,6 +14013,238 @@
   <p:clrMapOvr>
     <a:masterClrMapping/>
   </p:clrMapOvr>
+  <p:timing>
+    <p:tnLst>
+      <p:par>
+        <p:cTn id="1" dur="indefinite" restart="never" nodeType="tmRoot">
+          <p:childTnLst>
+            <p:seq concurrent="1" nextAc="seek">
+              <p:cTn id="2" dur="indefinite" nodeType="mainSeq">
+                <p:childTnLst>
+                  <p:par>
+                    <p:cTn id="3" fill="hold">
+                      <p:stCondLst>
+                        <p:cond delay="indefinite"/>
+                      </p:stCondLst>
+                      <p:childTnLst>
+                        <p:par>
+                          <p:cTn id="4" fill="hold">
+                            <p:stCondLst>
+                              <p:cond delay="0"/>
+                            </p:stCondLst>
+                            <p:childTnLst>
+                              <p:par>
+                                <p:cTn id="5" presetID="42" presetClass="entr" presetSubtype="0" fill="hold" grpId="0" nodeType="clickEffect">
+                                  <p:stCondLst>
+                                    <p:cond delay="0"/>
+                                  </p:stCondLst>
+                                  <p:childTnLst>
+                                    <p:set>
+                                      <p:cBhvr>
+                                        <p:cTn id="6" dur="1" fill="hold">
+                                          <p:stCondLst>
+                                            <p:cond delay="0"/>
+                                          </p:stCondLst>
+                                        </p:cTn>
+                                        <p:tgtEl>
+                                          <p:spTgt spid="7"/>
+                                        </p:tgtEl>
+                                        <p:attrNameLst>
+                                          <p:attrName>style.visibility</p:attrName>
+                                        </p:attrNameLst>
+                                      </p:cBhvr>
+                                      <p:to>
+                                        <p:strVal val="visible"/>
+                                      </p:to>
+                                    </p:set>
+                                    <p:animEffect transition="in" filter="fade">
+                                      <p:cBhvr>
+                                        <p:cTn id="7" dur="1000"/>
+                                        <p:tgtEl>
+                                          <p:spTgt spid="7"/>
+                                        </p:tgtEl>
+                                      </p:cBhvr>
+                                    </p:animEffect>
+                                    <p:anim calcmode="lin" valueType="num">
+                                      <p:cBhvr>
+                                        <p:cTn id="8" dur="1000" fill="hold"/>
+                                        <p:tgtEl>
+                                          <p:spTgt spid="7"/>
+                                        </p:tgtEl>
+                                        <p:attrNameLst>
+                                          <p:attrName>ppt_x</p:attrName>
+                                        </p:attrNameLst>
+                                      </p:cBhvr>
+                                      <p:tavLst>
+                                        <p:tav tm="0">
+                                          <p:val>
+                                            <p:strVal val="#ppt_x"/>
+                                          </p:val>
+                                        </p:tav>
+                                        <p:tav tm="100000">
+                                          <p:val>
+                                            <p:strVal val="#ppt_x"/>
+                                          </p:val>
+                                        </p:tav>
+                                      </p:tavLst>
+                                    </p:anim>
+                                    <p:anim calcmode="lin" valueType="num">
+                                      <p:cBhvr>
+                                        <p:cTn id="9" dur="1000" fill="hold"/>
+                                        <p:tgtEl>
+                                          <p:spTgt spid="7"/>
+                                        </p:tgtEl>
+                                        <p:attrNameLst>
+                                          <p:attrName>ppt_y</p:attrName>
+                                        </p:attrNameLst>
+                                      </p:cBhvr>
+                                      <p:tavLst>
+                                        <p:tav tm="0">
+                                          <p:val>
+                                            <p:strVal val="#ppt_y+.1"/>
+                                          </p:val>
+                                        </p:tav>
+                                        <p:tav tm="100000">
+                                          <p:val>
+                                            <p:strVal val="#ppt_y"/>
+                                          </p:val>
+                                        </p:tav>
+                                      </p:tavLst>
+                                    </p:anim>
+                                  </p:childTnLst>
+                                </p:cTn>
+                              </p:par>
+                            </p:childTnLst>
+                          </p:cTn>
+                        </p:par>
+                      </p:childTnLst>
+                    </p:cTn>
+                  </p:par>
+                  <p:par>
+                    <p:cTn id="10" fill="hold">
+                      <p:stCondLst>
+                        <p:cond delay="indefinite"/>
+                      </p:stCondLst>
+                      <p:childTnLst>
+                        <p:par>
+                          <p:cTn id="11" fill="hold">
+                            <p:stCondLst>
+                              <p:cond delay="0"/>
+                            </p:stCondLst>
+                            <p:childTnLst>
+                              <p:par>
+                                <p:cTn id="12" presetID="42" presetClass="entr" presetSubtype="0" fill="hold" grpId="0" nodeType="clickEffect">
+                                  <p:stCondLst>
+                                    <p:cond delay="0"/>
+                                  </p:stCondLst>
+                                  <p:childTnLst>
+                                    <p:set>
+                                      <p:cBhvr>
+                                        <p:cTn id="13" dur="1" fill="hold">
+                                          <p:stCondLst>
+                                            <p:cond delay="0"/>
+                                          </p:stCondLst>
+                                        </p:cTn>
+                                        <p:tgtEl>
+                                          <p:spTgt spid="5"/>
+                                        </p:tgtEl>
+                                        <p:attrNameLst>
+                                          <p:attrName>style.visibility</p:attrName>
+                                        </p:attrNameLst>
+                                      </p:cBhvr>
+                                      <p:to>
+                                        <p:strVal val="visible"/>
+                                      </p:to>
+                                    </p:set>
+                                    <p:animEffect transition="in" filter="fade">
+                                      <p:cBhvr>
+                                        <p:cTn id="14" dur="1000"/>
+                                        <p:tgtEl>
+                                          <p:spTgt spid="5"/>
+                                        </p:tgtEl>
+                                      </p:cBhvr>
+                                    </p:animEffect>
+                                    <p:anim calcmode="lin" valueType="num">
+                                      <p:cBhvr>
+                                        <p:cTn id="15" dur="1000" fill="hold"/>
+                                        <p:tgtEl>
+                                          <p:spTgt spid="5"/>
+                                        </p:tgtEl>
+                                        <p:attrNameLst>
+                                          <p:attrName>ppt_x</p:attrName>
+                                        </p:attrNameLst>
+                                      </p:cBhvr>
+                                      <p:tavLst>
+                                        <p:tav tm="0">
+                                          <p:val>
+                                            <p:strVal val="#ppt_x"/>
+                                          </p:val>
+                                        </p:tav>
+                                        <p:tav tm="100000">
+                                          <p:val>
+                                            <p:strVal val="#ppt_x"/>
+                                          </p:val>
+                                        </p:tav>
+                                      </p:tavLst>
+                                    </p:anim>
+                                    <p:anim calcmode="lin" valueType="num">
+                                      <p:cBhvr>
+                                        <p:cTn id="16" dur="1000" fill="hold"/>
+                                        <p:tgtEl>
+                                          <p:spTgt spid="5"/>
+                                        </p:tgtEl>
+                                        <p:attrNameLst>
+                                          <p:attrName>ppt_y</p:attrName>
+                                        </p:attrNameLst>
+                                      </p:cBhvr>
+                                      <p:tavLst>
+                                        <p:tav tm="0">
+                                          <p:val>
+                                            <p:strVal val="#ppt_y+.1"/>
+                                          </p:val>
+                                        </p:tav>
+                                        <p:tav tm="100000">
+                                          <p:val>
+                                            <p:strVal val="#ppt_y"/>
+                                          </p:val>
+                                        </p:tav>
+                                      </p:tavLst>
+                                    </p:anim>
+                                  </p:childTnLst>
+                                </p:cTn>
+                              </p:par>
+                            </p:childTnLst>
+                          </p:cTn>
+                        </p:par>
+                      </p:childTnLst>
+                    </p:cTn>
+                  </p:par>
+                </p:childTnLst>
+              </p:cTn>
+              <p:prevCondLst>
+                <p:cond evt="onPrev" delay="0">
+                  <p:tgtEl>
+                    <p:sldTgt/>
+                  </p:tgtEl>
+                </p:cond>
+              </p:prevCondLst>
+              <p:nextCondLst>
+                <p:cond evt="onNext" delay="0">
+                  <p:tgtEl>
+                    <p:sldTgt/>
+                  </p:tgtEl>
+                </p:cond>
+              </p:nextCondLst>
+            </p:seq>
+          </p:childTnLst>
+        </p:cTn>
+      </p:par>
+    </p:tnLst>
+    <p:bldLst>
+      <p:bldP spid="5" grpId="0"/>
+      <p:bldP spid="7" grpId="0"/>
+    </p:bldLst>
+  </p:timing>
 </p:sld>
 </file>
 
@@ -10085,6 +14822,138 @@
   <p:clrMapOvr>
     <a:masterClrMapping/>
   </p:clrMapOvr>
+  <p:timing>
+    <p:tnLst>
+      <p:par>
+        <p:cTn id="1" dur="indefinite" restart="never" nodeType="tmRoot">
+          <p:childTnLst>
+            <p:seq concurrent="1" nextAc="seek">
+              <p:cTn id="2" dur="indefinite" nodeType="mainSeq">
+                <p:childTnLst>
+                  <p:par>
+                    <p:cTn id="3" fill="hold">
+                      <p:stCondLst>
+                        <p:cond delay="indefinite"/>
+                      </p:stCondLst>
+                      <p:childTnLst>
+                        <p:par>
+                          <p:cTn id="4" fill="hold">
+                            <p:stCondLst>
+                              <p:cond delay="0"/>
+                            </p:stCondLst>
+                            <p:childTnLst>
+                              <p:par>
+                                <p:cTn id="5" presetID="42" presetClass="entr" presetSubtype="0" fill="hold" grpId="0" nodeType="clickEffect">
+                                  <p:stCondLst>
+                                    <p:cond delay="0"/>
+                                  </p:stCondLst>
+                                  <p:childTnLst>
+                                    <p:set>
+                                      <p:cBhvr>
+                                        <p:cTn id="6" dur="1" fill="hold">
+                                          <p:stCondLst>
+                                            <p:cond delay="0"/>
+                                          </p:stCondLst>
+                                        </p:cTn>
+                                        <p:tgtEl>
+                                          <p:spTgt spid="5"/>
+                                        </p:tgtEl>
+                                        <p:attrNameLst>
+                                          <p:attrName>style.visibility</p:attrName>
+                                        </p:attrNameLst>
+                                      </p:cBhvr>
+                                      <p:to>
+                                        <p:strVal val="visible"/>
+                                      </p:to>
+                                    </p:set>
+                                    <p:animEffect transition="in" filter="fade">
+                                      <p:cBhvr>
+                                        <p:cTn id="7" dur="1000"/>
+                                        <p:tgtEl>
+                                          <p:spTgt spid="5"/>
+                                        </p:tgtEl>
+                                      </p:cBhvr>
+                                    </p:animEffect>
+                                    <p:anim calcmode="lin" valueType="num">
+                                      <p:cBhvr>
+                                        <p:cTn id="8" dur="1000" fill="hold"/>
+                                        <p:tgtEl>
+                                          <p:spTgt spid="5"/>
+                                        </p:tgtEl>
+                                        <p:attrNameLst>
+                                          <p:attrName>ppt_x</p:attrName>
+                                        </p:attrNameLst>
+                                      </p:cBhvr>
+                                      <p:tavLst>
+                                        <p:tav tm="0">
+                                          <p:val>
+                                            <p:strVal val="#ppt_x"/>
+                                          </p:val>
+                                        </p:tav>
+                                        <p:tav tm="100000">
+                                          <p:val>
+                                            <p:strVal val="#ppt_x"/>
+                                          </p:val>
+                                        </p:tav>
+                                      </p:tavLst>
+                                    </p:anim>
+                                    <p:anim calcmode="lin" valueType="num">
+                                      <p:cBhvr>
+                                        <p:cTn id="9" dur="1000" fill="hold"/>
+                                        <p:tgtEl>
+                                          <p:spTgt spid="5"/>
+                                        </p:tgtEl>
+                                        <p:attrNameLst>
+                                          <p:attrName>ppt_y</p:attrName>
+                                        </p:attrNameLst>
+                                      </p:cBhvr>
+                                      <p:tavLst>
+                                        <p:tav tm="0">
+                                          <p:val>
+                                            <p:strVal val="#ppt_y+.1"/>
+                                          </p:val>
+                                        </p:tav>
+                                        <p:tav tm="100000">
+                                          <p:val>
+                                            <p:strVal val="#ppt_y"/>
+                                          </p:val>
+                                        </p:tav>
+                                      </p:tavLst>
+                                    </p:anim>
+                                  </p:childTnLst>
+                                </p:cTn>
+                              </p:par>
+                            </p:childTnLst>
+                          </p:cTn>
+                        </p:par>
+                      </p:childTnLst>
+                    </p:cTn>
+                  </p:par>
+                </p:childTnLst>
+              </p:cTn>
+              <p:prevCondLst>
+                <p:cond evt="onPrev" delay="0">
+                  <p:tgtEl>
+                    <p:sldTgt/>
+                  </p:tgtEl>
+                </p:cond>
+              </p:prevCondLst>
+              <p:nextCondLst>
+                <p:cond evt="onNext" delay="0">
+                  <p:tgtEl>
+                    <p:sldTgt/>
+                  </p:tgtEl>
+                </p:cond>
+              </p:nextCondLst>
+            </p:seq>
+          </p:childTnLst>
+        </p:cTn>
+      </p:par>
+    </p:tnLst>
+    <p:bldLst>
+      <p:bldP spid="5" grpId="0"/>
+    </p:bldLst>
+  </p:timing>
 </p:sld>
 </file>
 
